--- a/doc/Presentation_conception.pptx
+++ b/doc/Presentation_conception.pptx
@@ -1,47 +1,41 @@
 
 <file path=ppt/presentation.xml><?xml version="1.0" encoding="utf-8"?>
-<p:presentation xmlns:a="http://schemas.openxmlformats.org/drawingml/2006/main" xmlns:r="http://schemas.openxmlformats.org/officeDocument/2006/relationships" xmlns:mc="http://schemas.openxmlformats.org/markup-compatibility/2006" xmlns:mv="urn:schemas-microsoft-com:mac:vml" xmlns:p="http://schemas.openxmlformats.org/presentationml/2006/main" xmlns:c="http://schemas.openxmlformats.org/drawingml/2006/chart" xmlns:dgm="http://schemas.openxmlformats.org/drawingml/2006/diagram" xmlns:o="urn:schemas-microsoft-com:office:office" xmlns:v="urn:schemas-microsoft-com:vml" xmlns:pvml="urn:schemas-microsoft-com:office:powerpoint" xmlns:com="http://schemas.openxmlformats.org/drawingml/2006/compatibility" xmlns:p14="http://schemas.microsoft.com/office/powerpoint/2010/main" xmlns:p15="http://schemas.microsoft.com/office/powerpoint/2012/main" autoCompressPictures="0" embedTrueTypeFonts="1" strictFirstAndLastChars="0" saveSubsetFonts="1">
+<p:presentation xmlns:a="http://schemas.openxmlformats.org/drawingml/2006/main" xmlns:r="http://schemas.openxmlformats.org/officeDocument/2006/relationships" xmlns:p="http://schemas.openxmlformats.org/presentationml/2006/main" strictFirstAndLastChars="0" embedTrueTypeFonts="1" saveSubsetFonts="1" autoCompressPictures="0">
   <p:sldMasterIdLst>
-    <p:sldMasterId id="2147483659" r:id="rId4"/>
+    <p:sldMasterId id="2147483659" r:id="rId1"/>
   </p:sldMasterIdLst>
   <p:notesMasterIdLst>
-    <p:notesMasterId r:id="rId5"/>
+    <p:notesMasterId r:id="rId9"/>
   </p:notesMasterIdLst>
   <p:sldIdLst>
-    <p:sldId id="256" r:id="rId6"/>
-    <p:sldId id="257" r:id="rId7"/>
-    <p:sldId id="258" r:id="rId8"/>
-    <p:sldId id="259" r:id="rId9"/>
-    <p:sldId id="260" r:id="rId10"/>
-    <p:sldId id="261" r:id="rId11"/>
-    <p:sldId id="262" r:id="rId12"/>
-    <p:sldId id="263" r:id="rId13"/>
-    <p:sldId id="264" r:id="rId14"/>
-    <p:sldId id="265" r:id="rId15"/>
-    <p:sldId id="266" r:id="rId16"/>
-    <p:sldId id="267" r:id="rId17"/>
-    <p:sldId id="268" r:id="rId18"/>
+    <p:sldId id="256" r:id="rId2"/>
+    <p:sldId id="257" r:id="rId3"/>
+    <p:sldId id="258" r:id="rId4"/>
+    <p:sldId id="269" r:id="rId5"/>
+    <p:sldId id="270" r:id="rId6"/>
+    <p:sldId id="271" r:id="rId7"/>
+    <p:sldId id="268" r:id="rId8"/>
   </p:sldIdLst>
-  <p:sldSz cy="5143500" cx="9144000"/>
+  <p:sldSz cx="9144000" cy="5143500" type="screen16x9"/>
   <p:notesSz cx="6858000" cy="9144000"/>
   <p:embeddedFontLst>
     <p:embeddedFont>
-      <p:font typeface="Economica"/>
-      <p:regular r:id="rId19"/>
-      <p:bold r:id="rId20"/>
-      <p:italic r:id="rId21"/>
-      <p:boldItalic r:id="rId22"/>
+      <p:font typeface="Economica" panose="02000506040000020004" pitchFamily="2" charset="77"/>
+      <p:regular r:id="rId10"/>
+      <p:bold r:id="rId11"/>
+      <p:italic r:id="rId12"/>
+      <p:boldItalic r:id="rId13"/>
     </p:embeddedFont>
     <p:embeddedFont>
-      <p:font typeface="Open Sans"/>
-      <p:regular r:id="rId23"/>
-      <p:bold r:id="rId24"/>
-      <p:italic r:id="rId25"/>
-      <p:boldItalic r:id="rId26"/>
+      <p:font typeface="Open Sans" panose="020B0606030504020204" pitchFamily="34" charset="0"/>
+      <p:regular r:id="rId14"/>
+      <p:bold r:id="rId15"/>
+      <p:italic r:id="rId16"/>
+      <p:boldItalic r:id="rId17"/>
     </p:embeddedFont>
   </p:embeddedFontLst>
   <p:defaultTextStyle>
-    <a:defPPr lvl="0" marR="0" rtl="0" algn="l">
+    <a:defPPr marR="0" lvl="0" algn="l" rtl="0">
       <a:lnSpc>
         <a:spcPct val="100000"/>
       </a:lnSpc>
@@ -52,7 +46,7 @@
         <a:spcPts val="0"/>
       </a:spcAft>
     </a:defPPr>
-    <a:lvl1pPr lvl="0" marR="0" rtl="0" algn="l">
+    <a:lvl1pPr marR="0" lvl="0" algn="l" rtl="0">
       <a:lnSpc>
         <a:spcPct val="100000"/>
       </a:lnSpc>
@@ -66,7 +60,7 @@
         <a:srgbClr val="000000"/>
       </a:buClr>
       <a:buFont typeface="Arial"/>
-      <a:defRPr b="0" i="0" sz="1400" u="none" cap="none" strike="noStrike">
+      <a:defRPr sz="1400" b="0" i="0" u="none" strike="noStrike" cap="none">
         <a:solidFill>
           <a:srgbClr val="000000"/>
         </a:solidFill>
@@ -76,7 +70,7 @@
         <a:sym typeface="Arial"/>
       </a:defRPr>
     </a:lvl1pPr>
-    <a:lvl2pPr lvl="1" marR="0" rtl="0" algn="l">
+    <a:lvl2pPr marR="0" lvl="1" algn="l" rtl="0">
       <a:lnSpc>
         <a:spcPct val="100000"/>
       </a:lnSpc>
@@ -90,7 +84,7 @@
         <a:srgbClr val="000000"/>
       </a:buClr>
       <a:buFont typeface="Arial"/>
-      <a:defRPr b="0" i="0" sz="1400" u="none" cap="none" strike="noStrike">
+      <a:defRPr sz="1400" b="0" i="0" u="none" strike="noStrike" cap="none">
         <a:solidFill>
           <a:srgbClr val="000000"/>
         </a:solidFill>
@@ -100,7 +94,7 @@
         <a:sym typeface="Arial"/>
       </a:defRPr>
     </a:lvl2pPr>
-    <a:lvl3pPr lvl="2" marR="0" rtl="0" algn="l">
+    <a:lvl3pPr marR="0" lvl="2" algn="l" rtl="0">
       <a:lnSpc>
         <a:spcPct val="100000"/>
       </a:lnSpc>
@@ -114,7 +108,7 @@
         <a:srgbClr val="000000"/>
       </a:buClr>
       <a:buFont typeface="Arial"/>
-      <a:defRPr b="0" i="0" sz="1400" u="none" cap="none" strike="noStrike">
+      <a:defRPr sz="1400" b="0" i="0" u="none" strike="noStrike" cap="none">
         <a:solidFill>
           <a:srgbClr val="000000"/>
         </a:solidFill>
@@ -124,7 +118,7 @@
         <a:sym typeface="Arial"/>
       </a:defRPr>
     </a:lvl3pPr>
-    <a:lvl4pPr lvl="3" marR="0" rtl="0" algn="l">
+    <a:lvl4pPr marR="0" lvl="3" algn="l" rtl="0">
       <a:lnSpc>
         <a:spcPct val="100000"/>
       </a:lnSpc>
@@ -138,7 +132,7 @@
         <a:srgbClr val="000000"/>
       </a:buClr>
       <a:buFont typeface="Arial"/>
-      <a:defRPr b="0" i="0" sz="1400" u="none" cap="none" strike="noStrike">
+      <a:defRPr sz="1400" b="0" i="0" u="none" strike="noStrike" cap="none">
         <a:solidFill>
           <a:srgbClr val="000000"/>
         </a:solidFill>
@@ -148,7 +142,7 @@
         <a:sym typeface="Arial"/>
       </a:defRPr>
     </a:lvl4pPr>
-    <a:lvl5pPr lvl="4" marR="0" rtl="0" algn="l">
+    <a:lvl5pPr marR="0" lvl="4" algn="l" rtl="0">
       <a:lnSpc>
         <a:spcPct val="100000"/>
       </a:lnSpc>
@@ -162,7 +156,7 @@
         <a:srgbClr val="000000"/>
       </a:buClr>
       <a:buFont typeface="Arial"/>
-      <a:defRPr b="0" i="0" sz="1400" u="none" cap="none" strike="noStrike">
+      <a:defRPr sz="1400" b="0" i="0" u="none" strike="noStrike" cap="none">
         <a:solidFill>
           <a:srgbClr val="000000"/>
         </a:solidFill>
@@ -172,7 +166,7 @@
         <a:sym typeface="Arial"/>
       </a:defRPr>
     </a:lvl5pPr>
-    <a:lvl6pPr lvl="5" marR="0" rtl="0" algn="l">
+    <a:lvl6pPr marR="0" lvl="5" algn="l" rtl="0">
       <a:lnSpc>
         <a:spcPct val="100000"/>
       </a:lnSpc>
@@ -186,7 +180,7 @@
         <a:srgbClr val="000000"/>
       </a:buClr>
       <a:buFont typeface="Arial"/>
-      <a:defRPr b="0" i="0" sz="1400" u="none" cap="none" strike="noStrike">
+      <a:defRPr sz="1400" b="0" i="0" u="none" strike="noStrike" cap="none">
         <a:solidFill>
           <a:srgbClr val="000000"/>
         </a:solidFill>
@@ -196,7 +190,7 @@
         <a:sym typeface="Arial"/>
       </a:defRPr>
     </a:lvl6pPr>
-    <a:lvl7pPr lvl="6" marR="0" rtl="0" algn="l">
+    <a:lvl7pPr marR="0" lvl="6" algn="l" rtl="0">
       <a:lnSpc>
         <a:spcPct val="100000"/>
       </a:lnSpc>
@@ -210,7 +204,7 @@
         <a:srgbClr val="000000"/>
       </a:buClr>
       <a:buFont typeface="Arial"/>
-      <a:defRPr b="0" i="0" sz="1400" u="none" cap="none" strike="noStrike">
+      <a:defRPr sz="1400" b="0" i="0" u="none" strike="noStrike" cap="none">
         <a:solidFill>
           <a:srgbClr val="000000"/>
         </a:solidFill>
@@ -220,7 +214,7 @@
         <a:sym typeface="Arial"/>
       </a:defRPr>
     </a:lvl7pPr>
-    <a:lvl8pPr lvl="7" marR="0" rtl="0" algn="l">
+    <a:lvl8pPr marR="0" lvl="7" algn="l" rtl="0">
       <a:lnSpc>
         <a:spcPct val="100000"/>
       </a:lnSpc>
@@ -234,7 +228,7 @@
         <a:srgbClr val="000000"/>
       </a:buClr>
       <a:buFont typeface="Arial"/>
-      <a:defRPr b="0" i="0" sz="1400" u="none" cap="none" strike="noStrike">
+      <a:defRPr sz="1400" b="0" i="0" u="none" strike="noStrike" cap="none">
         <a:solidFill>
           <a:srgbClr val="000000"/>
         </a:solidFill>
@@ -244,7 +238,7 @@
         <a:sym typeface="Arial"/>
       </a:defRPr>
     </a:lvl8pPr>
-    <a:lvl9pPr lvl="8" marR="0" rtl="0" algn="l">
+    <a:lvl9pPr marR="0" lvl="8" algn="l" rtl="0">
       <a:lnSpc>
         <a:spcPct val="100000"/>
       </a:lnSpc>
@@ -258,7 +252,7 @@
         <a:srgbClr val="000000"/>
       </a:buClr>
       <a:buFont typeface="Arial"/>
-      <a:defRPr b="0" i="0" sz="1400" u="none" cap="none" strike="noStrike">
+      <a:defRPr sz="1400" b="0" i="0" u="none" strike="noStrike" cap="none">
         <a:solidFill>
           <a:srgbClr val="000000"/>
         </a:solidFill>
@@ -271,7 +265,7 @@
   </p:defaultTextStyle>
   <p:extLst>
     <p:ext uri="{EFAFB233-063F-42B5-8137-9DF3F51BA10A}">
-      <p15:sldGuideLst>
+      <p15:sldGuideLst xmlns:p15="http://schemas.microsoft.com/office/powerpoint/2012/main">
         <p15:guide id="1" orient="horz" pos="1620">
           <p15:clr>
             <a:srgbClr val="A4A3A4"/>
@@ -289,11 +283,16 @@
 </file>
 
 <file path=ppt/notesMasters/notesMaster1.xml><?xml version="1.0" encoding="utf-8"?>
-<p:notesMaster xmlns:a="http://schemas.openxmlformats.org/drawingml/2006/main" xmlns:r="http://schemas.openxmlformats.org/officeDocument/2006/relationships" xmlns:mc="http://schemas.openxmlformats.org/markup-compatibility/2006" xmlns:mv="urn:schemas-microsoft-com:mac:vml" xmlns:p="http://schemas.openxmlformats.org/presentationml/2006/main" xmlns:c="http://schemas.openxmlformats.org/drawingml/2006/chart" xmlns:dgm="http://schemas.openxmlformats.org/drawingml/2006/diagram" xmlns:o="urn:schemas-microsoft-com:office:office" xmlns:v="urn:schemas-microsoft-com:vml" xmlns:pvml="urn:schemas-microsoft-com:office:powerpoint" xmlns:com="http://schemas.openxmlformats.org/drawingml/2006/compatibility" xmlns:p14="http://schemas.microsoft.com/office/powerpoint/2010/main" xmlns:p15="http://schemas.microsoft.com/office/powerpoint/2012/main">
+<p:notesMaster xmlns:a="http://schemas.openxmlformats.org/drawingml/2006/main" xmlns:r="http://schemas.openxmlformats.org/officeDocument/2006/relationships" xmlns:p="http://schemas.openxmlformats.org/presentationml/2006/main">
   <p:cSld>
+    <p:bg>
+      <p:bgRef idx="1001">
+        <a:schemeClr val="bg1"/>
+      </p:bgRef>
+    </p:bg>
     <p:spTree>
       <p:nvGrpSpPr>
-        <p:cNvPr id="2" name="Shape 2"/>
+        <p:cNvPr id="1" name="Shape 2"/>
         <p:cNvGrpSpPr/>
         <p:nvPr/>
       </p:nvGrpSpPr>
@@ -308,9 +307,11 @@
       <p:sp>
         <p:nvSpPr>
           <p:cNvPr id="3" name="Google Shape;3;n"/>
-          <p:cNvSpPr/>
+          <p:cNvSpPr>
+            <a:spLocks noGrp="1" noRot="1" noChangeAspect="1"/>
+          </p:cNvSpPr>
           <p:nvPr>
-            <p:ph idx="2" type="sldImg"/>
+            <p:ph type="sldImg" idx="2"/>
           </p:nvPr>
         </p:nvSpPr>
         <p:spPr>
@@ -319,9 +320,13 @@
             <a:ext cx="6096075" cy="3429000"/>
           </a:xfrm>
           <a:custGeom>
-            <a:rect b="b" l="l" r="r" t="t"/>
+            <a:avLst/>
+            <a:gdLst/>
+            <a:ahLst/>
+            <a:cxnLst/>
+            <a:rect l="l" t="t" r="r" b="b"/>
             <a:pathLst>
-              <a:path extrusionOk="0" h="120000" w="120000">
+              <a:path w="120000" h="120000" extrusionOk="0">
                 <a:moveTo>
                   <a:pt x="0" y="0"/>
                 </a:moveTo>
@@ -339,23 +344,25 @@
             </a:pathLst>
           </a:custGeom>
           <a:noFill/>
-          <a:ln cap="flat" cmpd="sng" w="9525">
+          <a:ln w="9525" cap="flat" cmpd="sng">
             <a:solidFill>
               <a:srgbClr val="000000"/>
             </a:solidFill>
             <a:prstDash val="solid"/>
             <a:round/>
-            <a:headEnd len="sm" w="sm" type="none"/>
-            <a:tailEnd len="sm" w="sm" type="none"/>
+            <a:headEnd type="none" w="sm" len="sm"/>
+            <a:tailEnd type="none" w="sm" len="sm"/>
           </a:ln>
         </p:spPr>
       </p:sp>
       <p:sp>
         <p:nvSpPr>
           <p:cNvPr id="4" name="Google Shape;4;n"/>
-          <p:cNvSpPr txBox="1"/>
+          <p:cNvSpPr txBox="1">
+            <a:spLocks noGrp="1"/>
+          </p:cNvSpPr>
           <p:nvPr>
-            <p:ph idx="1" type="body"/>
+            <p:ph type="body" idx="1"/>
           </p:nvPr>
         </p:nvSpPr>
         <p:spPr>
@@ -372,9 +379,9 @@
           </a:ln>
         </p:spPr>
         <p:txBody>
-          <a:bodyPr anchorCtr="0" anchor="t" bIns="91425" lIns="91425" spcFirstLastPara="1" rIns="91425" wrap="square" tIns="91425"/>
+          <a:bodyPr spcFirstLastPara="1" wrap="square" lIns="91425" tIns="91425" rIns="91425" bIns="91425" anchor="t" anchorCtr="0"/>
           <a:lstStyle>
-            <a:lvl1pPr indent="-298450" lvl="0" marL="457200">
+            <a:lvl1pPr marL="457200" lvl="0" indent="-298450">
               <a:spcBef>
                 <a:spcPts val="0"/>
               </a:spcBef>
@@ -385,7 +392,7 @@
               <a:buChar char="●"/>
               <a:defRPr sz="1100"/>
             </a:lvl1pPr>
-            <a:lvl2pPr indent="-298450" lvl="1" marL="914400">
+            <a:lvl2pPr marL="914400" lvl="1" indent="-298450">
               <a:spcBef>
                 <a:spcPts val="0"/>
               </a:spcBef>
@@ -396,7 +403,7 @@
               <a:buChar char="○"/>
               <a:defRPr sz="1100"/>
             </a:lvl2pPr>
-            <a:lvl3pPr indent="-298450" lvl="2" marL="1371600">
+            <a:lvl3pPr marL="1371600" lvl="2" indent="-298450">
               <a:spcBef>
                 <a:spcPts val="0"/>
               </a:spcBef>
@@ -407,7 +414,7 @@
               <a:buChar char="■"/>
               <a:defRPr sz="1100"/>
             </a:lvl3pPr>
-            <a:lvl4pPr indent="-298450" lvl="3" marL="1828800">
+            <a:lvl4pPr marL="1828800" lvl="3" indent="-298450">
               <a:spcBef>
                 <a:spcPts val="0"/>
               </a:spcBef>
@@ -418,7 +425,7 @@
               <a:buChar char="●"/>
               <a:defRPr sz="1100"/>
             </a:lvl4pPr>
-            <a:lvl5pPr indent="-298450" lvl="4" marL="2286000">
+            <a:lvl5pPr marL="2286000" lvl="4" indent="-298450">
               <a:spcBef>
                 <a:spcPts val="0"/>
               </a:spcBef>
@@ -429,7 +436,7 @@
               <a:buChar char="○"/>
               <a:defRPr sz="1100"/>
             </a:lvl5pPr>
-            <a:lvl6pPr indent="-298450" lvl="5" marL="2743200">
+            <a:lvl6pPr marL="2743200" lvl="5" indent="-298450">
               <a:spcBef>
                 <a:spcPts val="0"/>
               </a:spcBef>
@@ -440,7 +447,7 @@
               <a:buChar char="■"/>
               <a:defRPr sz="1100"/>
             </a:lvl6pPr>
-            <a:lvl7pPr indent="-298450" lvl="6" marL="3200400">
+            <a:lvl7pPr marL="3200400" lvl="6" indent="-298450">
               <a:spcBef>
                 <a:spcPts val="0"/>
               </a:spcBef>
@@ -451,7 +458,7 @@
               <a:buChar char="●"/>
               <a:defRPr sz="1100"/>
             </a:lvl7pPr>
-            <a:lvl8pPr indent="-298450" lvl="7" marL="3657600">
+            <a:lvl8pPr marL="3657600" lvl="7" indent="-298450">
               <a:spcBef>
                 <a:spcPts val="0"/>
               </a:spcBef>
@@ -462,7 +469,7 @@
               <a:buChar char="○"/>
               <a:defRPr sz="1100"/>
             </a:lvl8pPr>
-            <a:lvl9pPr indent="-298450" lvl="8" marL="4114800">
+            <a:lvl9pPr marL="4114800" lvl="8" indent="-298450">
               <a:spcBef>
                 <a:spcPts val="0"/>
               </a:spcBef>
@@ -474,14 +481,16 @@
               <a:defRPr sz="1100"/>
             </a:lvl9pPr>
           </a:lstStyle>
-          <a:p/>
+          <a:p>
+            <a:endParaRPr/>
+          </a:p>
         </p:txBody>
       </p:sp>
     </p:spTree>
   </p:cSld>
-  <p:clrMap accent1="accent1" accent2="accent2" accent3="accent3" accent4="accent4" accent5="accent5" accent6="accent6" bg1="lt1" bg2="dk2" tx1="dk1" tx2="lt2" folHlink="folHlink" hlink="hlink"/>
+  <p:clrMap bg1="lt1" tx1="dk1" bg2="dk2" tx2="lt2" accent1="accent1" accent2="accent2" accent3="accent3" accent4="accent4" accent5="accent5" accent6="accent6" hlink="hlink" folHlink="folHlink"/>
   <p:notesStyle>
-    <a:defPPr lvl="0" marR="0" rtl="0" algn="l">
+    <a:defPPr marR="0" lvl="0" algn="l" rtl="0">
       <a:lnSpc>
         <a:spcPct val="100000"/>
       </a:lnSpc>
@@ -492,7 +501,7 @@
         <a:spcPts val="0"/>
       </a:spcAft>
     </a:defPPr>
-    <a:lvl1pPr lvl="0" marR="0" rtl="0" algn="l">
+    <a:lvl1pPr marR="0" lvl="0" algn="l" rtl="0">
       <a:lnSpc>
         <a:spcPct val="100000"/>
       </a:lnSpc>
@@ -506,7 +515,7 @@
         <a:srgbClr val="000000"/>
       </a:buClr>
       <a:buFont typeface="Arial"/>
-      <a:defRPr b="0" i="0" sz="1400" u="none" cap="none" strike="noStrike">
+      <a:defRPr sz="1400" b="0" i="0" u="none" strike="noStrike" cap="none">
         <a:solidFill>
           <a:srgbClr val="000000"/>
         </a:solidFill>
@@ -516,7 +525,7 @@
         <a:sym typeface="Arial"/>
       </a:defRPr>
     </a:lvl1pPr>
-    <a:lvl2pPr lvl="1" marR="0" rtl="0" algn="l">
+    <a:lvl2pPr marR="0" lvl="1" algn="l" rtl="0">
       <a:lnSpc>
         <a:spcPct val="100000"/>
       </a:lnSpc>
@@ -530,7 +539,7 @@
         <a:srgbClr val="000000"/>
       </a:buClr>
       <a:buFont typeface="Arial"/>
-      <a:defRPr b="0" i="0" sz="1400" u="none" cap="none" strike="noStrike">
+      <a:defRPr sz="1400" b="0" i="0" u="none" strike="noStrike" cap="none">
         <a:solidFill>
           <a:srgbClr val="000000"/>
         </a:solidFill>
@@ -540,7 +549,7 @@
         <a:sym typeface="Arial"/>
       </a:defRPr>
     </a:lvl2pPr>
-    <a:lvl3pPr lvl="2" marR="0" rtl="0" algn="l">
+    <a:lvl3pPr marR="0" lvl="2" algn="l" rtl="0">
       <a:lnSpc>
         <a:spcPct val="100000"/>
       </a:lnSpc>
@@ -554,7 +563,7 @@
         <a:srgbClr val="000000"/>
       </a:buClr>
       <a:buFont typeface="Arial"/>
-      <a:defRPr b="0" i="0" sz="1400" u="none" cap="none" strike="noStrike">
+      <a:defRPr sz="1400" b="0" i="0" u="none" strike="noStrike" cap="none">
         <a:solidFill>
           <a:srgbClr val="000000"/>
         </a:solidFill>
@@ -564,7 +573,7 @@
         <a:sym typeface="Arial"/>
       </a:defRPr>
     </a:lvl3pPr>
-    <a:lvl4pPr lvl="3" marR="0" rtl="0" algn="l">
+    <a:lvl4pPr marR="0" lvl="3" algn="l" rtl="0">
       <a:lnSpc>
         <a:spcPct val="100000"/>
       </a:lnSpc>
@@ -578,7 +587,7 @@
         <a:srgbClr val="000000"/>
       </a:buClr>
       <a:buFont typeface="Arial"/>
-      <a:defRPr b="0" i="0" sz="1400" u="none" cap="none" strike="noStrike">
+      <a:defRPr sz="1400" b="0" i="0" u="none" strike="noStrike" cap="none">
         <a:solidFill>
           <a:srgbClr val="000000"/>
         </a:solidFill>
@@ -588,7 +597,7 @@
         <a:sym typeface="Arial"/>
       </a:defRPr>
     </a:lvl4pPr>
-    <a:lvl5pPr lvl="4" marR="0" rtl="0" algn="l">
+    <a:lvl5pPr marR="0" lvl="4" algn="l" rtl="0">
       <a:lnSpc>
         <a:spcPct val="100000"/>
       </a:lnSpc>
@@ -602,7 +611,7 @@
         <a:srgbClr val="000000"/>
       </a:buClr>
       <a:buFont typeface="Arial"/>
-      <a:defRPr b="0" i="0" sz="1400" u="none" cap="none" strike="noStrike">
+      <a:defRPr sz="1400" b="0" i="0" u="none" strike="noStrike" cap="none">
         <a:solidFill>
           <a:srgbClr val="000000"/>
         </a:solidFill>
@@ -612,7 +621,7 @@
         <a:sym typeface="Arial"/>
       </a:defRPr>
     </a:lvl5pPr>
-    <a:lvl6pPr lvl="5" marR="0" rtl="0" algn="l">
+    <a:lvl6pPr marR="0" lvl="5" algn="l" rtl="0">
       <a:lnSpc>
         <a:spcPct val="100000"/>
       </a:lnSpc>
@@ -626,7 +635,7 @@
         <a:srgbClr val="000000"/>
       </a:buClr>
       <a:buFont typeface="Arial"/>
-      <a:defRPr b="0" i="0" sz="1400" u="none" cap="none" strike="noStrike">
+      <a:defRPr sz="1400" b="0" i="0" u="none" strike="noStrike" cap="none">
         <a:solidFill>
           <a:srgbClr val="000000"/>
         </a:solidFill>
@@ -636,7 +645,7 @@
         <a:sym typeface="Arial"/>
       </a:defRPr>
     </a:lvl6pPr>
-    <a:lvl7pPr lvl="6" marR="0" rtl="0" algn="l">
+    <a:lvl7pPr marR="0" lvl="6" algn="l" rtl="0">
       <a:lnSpc>
         <a:spcPct val="100000"/>
       </a:lnSpc>
@@ -650,7 +659,7 @@
         <a:srgbClr val="000000"/>
       </a:buClr>
       <a:buFont typeface="Arial"/>
-      <a:defRPr b="0" i="0" sz="1400" u="none" cap="none" strike="noStrike">
+      <a:defRPr sz="1400" b="0" i="0" u="none" strike="noStrike" cap="none">
         <a:solidFill>
           <a:srgbClr val="000000"/>
         </a:solidFill>
@@ -660,7 +669,7 @@
         <a:sym typeface="Arial"/>
       </a:defRPr>
     </a:lvl7pPr>
-    <a:lvl8pPr lvl="7" marR="0" rtl="0" algn="l">
+    <a:lvl8pPr marR="0" lvl="7" algn="l" rtl="0">
       <a:lnSpc>
         <a:spcPct val="100000"/>
       </a:lnSpc>
@@ -674,7 +683,7 @@
         <a:srgbClr val="000000"/>
       </a:buClr>
       <a:buFont typeface="Arial"/>
-      <a:defRPr b="0" i="0" sz="1400" u="none" cap="none" strike="noStrike">
+      <a:defRPr sz="1400" b="0" i="0" u="none" strike="noStrike" cap="none">
         <a:solidFill>
           <a:srgbClr val="000000"/>
         </a:solidFill>
@@ -684,7 +693,7 @@
         <a:sym typeface="Arial"/>
       </a:defRPr>
     </a:lvl8pPr>
-    <a:lvl9pPr lvl="8" marR="0" rtl="0" algn="l">
+    <a:lvl9pPr marR="0" lvl="8" algn="l" rtl="0">
       <a:lnSpc>
         <a:spcPct val="100000"/>
       </a:lnSpc>
@@ -698,7 +707,7 @@
         <a:srgbClr val="000000"/>
       </a:buClr>
       <a:buFont typeface="Arial"/>
-      <a:defRPr b="0" i="0" sz="1400" u="none" cap="none" strike="noStrike">
+      <a:defRPr sz="1400" b="0" i="0" u="none" strike="noStrike" cap="none">
         <a:solidFill>
           <a:srgbClr val="000000"/>
         </a:solidFill>
@@ -713,11 +722,11 @@
 </file>
 
 <file path=ppt/notesSlides/notesSlide1.xml><?xml version="1.0" encoding="utf-8"?>
-<p:notes xmlns:a="http://schemas.openxmlformats.org/drawingml/2006/main" xmlns:r="http://schemas.openxmlformats.org/officeDocument/2006/relationships" xmlns:mc="http://schemas.openxmlformats.org/markup-compatibility/2006" xmlns:mv="urn:schemas-microsoft-com:mac:vml" xmlns:p="http://schemas.openxmlformats.org/presentationml/2006/main" xmlns:c="http://schemas.openxmlformats.org/drawingml/2006/chart" xmlns:dgm="http://schemas.openxmlformats.org/drawingml/2006/diagram" xmlns:o="urn:schemas-microsoft-com:office:office" xmlns:v="urn:schemas-microsoft-com:vml" xmlns:pvml="urn:schemas-microsoft-com:office:powerpoint" xmlns:com="http://schemas.openxmlformats.org/drawingml/2006/compatibility" xmlns:p14="http://schemas.microsoft.com/office/powerpoint/2010/main" xmlns:p15="http://schemas.microsoft.com/office/powerpoint/2012/main" showMasterPhAnim="0" showMasterSp="0">
+<p:notes xmlns:a="http://schemas.openxmlformats.org/drawingml/2006/main" xmlns:r="http://schemas.openxmlformats.org/officeDocument/2006/relationships" xmlns:p="http://schemas.openxmlformats.org/presentationml/2006/main" showMasterSp="0" showMasterPhAnim="0">
   <p:cSld>
     <p:spTree>
       <p:nvGrpSpPr>
-        <p:cNvPr id="58" name="Shape 58"/>
+        <p:cNvPr id="1" name="Shape 58"/>
         <p:cNvGrpSpPr/>
         <p:nvPr/>
       </p:nvGrpSpPr>
@@ -732,20 +741,26 @@
       <p:sp>
         <p:nvSpPr>
           <p:cNvPr id="59" name="Google Shape;59;p:notes"/>
-          <p:cNvSpPr/>
+          <p:cNvSpPr>
+            <a:spLocks noGrp="1" noRot="1" noChangeAspect="1"/>
+          </p:cNvSpPr>
           <p:nvPr>
-            <p:ph idx="2" type="sldImg"/>
+            <p:ph type="sldImg" idx="2"/>
           </p:nvPr>
         </p:nvSpPr>
         <p:spPr>
           <a:xfrm>
-            <a:off x="381300" y="685800"/>
-            <a:ext cx="6096075" cy="3429000"/>
+            <a:off x="381000" y="685800"/>
+            <a:ext cx="6096000" cy="3429000"/>
           </a:xfrm>
           <a:custGeom>
-            <a:rect b="b" l="l" r="r" t="t"/>
+            <a:avLst/>
+            <a:gdLst/>
+            <a:ahLst/>
+            <a:cxnLst/>
+            <a:rect l="l" t="t" r="r" b="b"/>
             <a:pathLst>
-              <a:path extrusionOk="0" h="120000" w="120000">
+              <a:path w="120000" h="120000" extrusionOk="0">
                 <a:moveTo>
                   <a:pt x="0" y="0"/>
                 </a:moveTo>
@@ -767,9 +782,11 @@
       <p:sp>
         <p:nvSpPr>
           <p:cNvPr id="60" name="Google Shape;60;p:notes"/>
-          <p:cNvSpPr txBox="1"/>
+          <p:cNvSpPr txBox="1">
+            <a:spLocks noGrp="1"/>
+          </p:cNvSpPr>
           <p:nvPr>
-            <p:ph idx="1" type="body"/>
+            <p:ph type="body" idx="1"/>
           </p:nvPr>
         </p:nvSpPr>
         <p:spPr>
@@ -782,12 +799,12 @@
           </a:prstGeom>
         </p:spPr>
         <p:txBody>
-          <a:bodyPr anchorCtr="0" anchor="t" bIns="91425" lIns="91425" spcFirstLastPara="1" rIns="91425" wrap="square" tIns="91425">
+          <a:bodyPr spcFirstLastPara="1" wrap="square" lIns="91425" tIns="91425" rIns="91425" bIns="91425" anchor="t" anchorCtr="0">
             <a:noAutofit/>
           </a:bodyPr>
           <a:lstStyle/>
           <a:p>
-            <a:pPr indent="0" lvl="0" marL="0" rtl="0" algn="l">
+            <a:pPr marL="0" lvl="0" indent="0" algn="l" rtl="0">
               <a:spcBef>
                 <a:spcPts val="0"/>
               </a:spcBef>
@@ -796,9 +813,6 @@
               </a:spcAft>
               <a:buNone/>
             </a:pPr>
-            <a:r>
-              <a:t/>
-            </a:r>
             <a:endParaRPr/>
           </a:p>
         </p:txBody>
@@ -811,12 +825,12 @@
 </p:notes>
 </file>
 
-<file path=ppt/notesSlides/notesSlide10.xml><?xml version="1.0" encoding="utf-8"?>
-<p:notes xmlns:a="http://schemas.openxmlformats.org/drawingml/2006/main" xmlns:r="http://schemas.openxmlformats.org/officeDocument/2006/relationships" xmlns:mc="http://schemas.openxmlformats.org/markup-compatibility/2006" xmlns:mv="urn:schemas-microsoft-com:mac:vml" xmlns:p="http://schemas.openxmlformats.org/presentationml/2006/main" xmlns:c="http://schemas.openxmlformats.org/drawingml/2006/chart" xmlns:dgm="http://schemas.openxmlformats.org/drawingml/2006/diagram" xmlns:o="urn:schemas-microsoft-com:office:office" xmlns:v="urn:schemas-microsoft-com:vml" xmlns:pvml="urn:schemas-microsoft-com:office:powerpoint" xmlns:com="http://schemas.openxmlformats.org/drawingml/2006/compatibility" xmlns:p14="http://schemas.microsoft.com/office/powerpoint/2010/main" xmlns:p15="http://schemas.microsoft.com/office/powerpoint/2012/main" showMasterPhAnim="0" showMasterSp="0">
+<file path=ppt/notesSlides/notesSlide2.xml><?xml version="1.0" encoding="utf-8"?>
+<p:notes xmlns:a="http://schemas.openxmlformats.org/drawingml/2006/main" xmlns:r="http://schemas.openxmlformats.org/officeDocument/2006/relationships" xmlns:p="http://schemas.openxmlformats.org/presentationml/2006/main" showMasterSp="0" showMasterPhAnim="0">
   <p:cSld>
     <p:spTree>
       <p:nvGrpSpPr>
-        <p:cNvPr id="144" name="Shape 144"/>
+        <p:cNvPr id="1" name="Shape 69"/>
         <p:cNvGrpSpPr/>
         <p:nvPr/>
       </p:nvGrpSpPr>
@@ -830,21 +844,27 @@
       </p:grpSpPr>
       <p:sp>
         <p:nvSpPr>
-          <p:cNvPr id="145" name="Google Shape;145;g4625b50fbe_0_7:notes"/>
-          <p:cNvSpPr/>
+          <p:cNvPr id="70" name="Google Shape;70;g460aa3286e_1_0:notes"/>
+          <p:cNvSpPr>
+            <a:spLocks noGrp="1" noRot="1" noChangeAspect="1"/>
+          </p:cNvSpPr>
           <p:nvPr>
-            <p:ph idx="2" type="sldImg"/>
+            <p:ph type="sldImg" idx="2"/>
           </p:nvPr>
         </p:nvSpPr>
         <p:spPr>
           <a:xfrm>
-            <a:off x="381300" y="685800"/>
+            <a:off x="381000" y="685800"/>
             <a:ext cx="6096000" cy="3429000"/>
           </a:xfrm>
           <a:custGeom>
-            <a:rect b="b" l="l" r="r" t="t"/>
+            <a:avLst/>
+            <a:gdLst/>
+            <a:ahLst/>
+            <a:cxnLst/>
+            <a:rect l="l" t="t" r="r" b="b"/>
             <a:pathLst>
-              <a:path extrusionOk="0" h="120000" w="120000">
+              <a:path w="120000" h="120000" extrusionOk="0">
                 <a:moveTo>
                   <a:pt x="0" y="0"/>
                 </a:moveTo>
@@ -865,10 +885,12 @@
       </p:sp>
       <p:sp>
         <p:nvSpPr>
-          <p:cNvPr id="146" name="Google Shape;146;g4625b50fbe_0_7:notes"/>
-          <p:cNvSpPr txBox="1"/>
+          <p:cNvPr id="71" name="Google Shape;71;g460aa3286e_1_0:notes"/>
+          <p:cNvSpPr txBox="1">
+            <a:spLocks noGrp="1"/>
+          </p:cNvSpPr>
           <p:nvPr>
-            <p:ph idx="1" type="body"/>
+            <p:ph type="body" idx="1"/>
           </p:nvPr>
         </p:nvSpPr>
         <p:spPr>
@@ -881,12 +903,12 @@
           </a:prstGeom>
         </p:spPr>
         <p:txBody>
-          <a:bodyPr anchorCtr="0" anchor="t" bIns="91425" lIns="91425" spcFirstLastPara="1" rIns="91425" wrap="square" tIns="91425">
+          <a:bodyPr spcFirstLastPara="1" wrap="square" lIns="91425" tIns="91425" rIns="91425" bIns="91425" anchor="t" anchorCtr="0">
             <a:noAutofit/>
           </a:bodyPr>
           <a:lstStyle/>
           <a:p>
-            <a:pPr indent="0" lvl="0" marL="0" rtl="0" algn="l">
+            <a:pPr marL="0" lvl="0" indent="0" algn="l" rtl="0">
               <a:spcBef>
                 <a:spcPts val="0"/>
               </a:spcBef>
@@ -895,109 +917,6 @@
               </a:spcAft>
               <a:buNone/>
             </a:pPr>
-            <a:r>
-              <a:rPr lang="fr"/>
-              <a:t>Codecademy :</a:t>
-            </a:r>
-            <a:endParaRPr/>
-          </a:p>
-          <a:p>
-            <a:pPr indent="-298450" lvl="0" marL="457200" rtl="0" algn="l">
-              <a:spcBef>
-                <a:spcPts val="0"/>
-              </a:spcBef>
-              <a:spcAft>
-                <a:spcPts val="0"/>
-              </a:spcAft>
-              <a:buSzPts val="1100"/>
-              <a:buChar char="-"/>
-            </a:pPr>
-            <a:r>
-              <a:rPr lang="fr"/>
-              <a:t>Cours créer par des pro</a:t>
-            </a:r>
-            <a:endParaRPr/>
-          </a:p>
-          <a:p>
-            <a:pPr indent="-298450" lvl="0" marL="457200" rtl="0" algn="l">
-              <a:spcBef>
-                <a:spcPts val="0"/>
-              </a:spcBef>
-              <a:spcAft>
-                <a:spcPts val="0"/>
-              </a:spcAft>
-              <a:buSzPts val="1100"/>
-              <a:buChar char="-"/>
-            </a:pPr>
-            <a:r>
-              <a:rPr lang="fr"/>
-              <a:t>Suivi d’un cours tout en réalisant un exercice en même temps</a:t>
-            </a:r>
-            <a:endParaRPr/>
-          </a:p>
-          <a:p>
-            <a:pPr indent="-298450" lvl="0" marL="457200" rtl="0" algn="l">
-              <a:spcBef>
-                <a:spcPts val="0"/>
-              </a:spcBef>
-              <a:spcAft>
-                <a:spcPts val="0"/>
-              </a:spcAft>
-              <a:buSzPts val="1100"/>
-              <a:buChar char="-"/>
-            </a:pPr>
-            <a:r>
-              <a:rPr lang="fr"/>
-              <a:t>Le code créer par l’étudiant vas être tester automatiquement, donc comme notre fonctionnalité principale, avec un retour simple des erreurs</a:t>
-            </a:r>
-            <a:endParaRPr/>
-          </a:p>
-          <a:p>
-            <a:pPr indent="0" lvl="0" marL="0" rtl="0" algn="l">
-              <a:spcBef>
-                <a:spcPts val="0"/>
-              </a:spcBef>
-              <a:spcAft>
-                <a:spcPts val="0"/>
-              </a:spcAft>
-              <a:buNone/>
-            </a:pPr>
-            <a:r>
-              <a:rPr lang="fr"/>
-              <a:t>Udemy :</a:t>
-            </a:r>
-            <a:endParaRPr/>
-          </a:p>
-          <a:p>
-            <a:pPr indent="-298450" lvl="0" marL="457200" rtl="0" algn="l">
-              <a:spcBef>
-                <a:spcPts val="0"/>
-              </a:spcBef>
-              <a:spcAft>
-                <a:spcPts val="0"/>
-              </a:spcAft>
-              <a:buSzPts val="1100"/>
-              <a:buChar char="-"/>
-            </a:pPr>
-            <a:r>
-              <a:rPr lang="fr"/>
-              <a:t>N’importe qui peut créer un cours</a:t>
-            </a:r>
-            <a:endParaRPr/>
-          </a:p>
-          <a:p>
-            <a:pPr indent="0" lvl="0" marL="0" rtl="0" algn="l">
-              <a:spcBef>
-                <a:spcPts val="0"/>
-              </a:spcBef>
-              <a:spcAft>
-                <a:spcPts val="0"/>
-              </a:spcAft>
-              <a:buNone/>
-            </a:pPr>
-            <a:r>
-              <a:t/>
-            </a:r>
             <a:endParaRPr/>
           </a:p>
         </p:txBody>
@@ -1010,12 +929,12 @@
 </p:notes>
 </file>
 
-<file path=ppt/notesSlides/notesSlide11.xml><?xml version="1.0" encoding="utf-8"?>
-<p:notes xmlns:a="http://schemas.openxmlformats.org/drawingml/2006/main" xmlns:r="http://schemas.openxmlformats.org/officeDocument/2006/relationships" xmlns:mc="http://schemas.openxmlformats.org/markup-compatibility/2006" xmlns:mv="urn:schemas-microsoft-com:mac:vml" xmlns:p="http://schemas.openxmlformats.org/presentationml/2006/main" xmlns:c="http://schemas.openxmlformats.org/drawingml/2006/chart" xmlns:dgm="http://schemas.openxmlformats.org/drawingml/2006/diagram" xmlns:o="urn:schemas-microsoft-com:office:office" xmlns:v="urn:schemas-microsoft-com:vml" xmlns:pvml="urn:schemas-microsoft-com:office:powerpoint" xmlns:com="http://schemas.openxmlformats.org/drawingml/2006/compatibility" xmlns:p14="http://schemas.microsoft.com/office/powerpoint/2010/main" xmlns:p15="http://schemas.microsoft.com/office/powerpoint/2012/main" showMasterPhAnim="0" showMasterSp="0">
+<file path=ppt/notesSlides/notesSlide3.xml><?xml version="1.0" encoding="utf-8"?>
+<p:notes xmlns:a="http://schemas.openxmlformats.org/drawingml/2006/main" xmlns:r="http://schemas.openxmlformats.org/officeDocument/2006/relationships" xmlns:p="http://schemas.openxmlformats.org/presentationml/2006/main" showMasterSp="0" showMasterPhAnim="0">
   <p:cSld>
     <p:spTree>
       <p:nvGrpSpPr>
-        <p:cNvPr id="157" name="Shape 157"/>
+        <p:cNvPr id="1" name="Shape 78"/>
         <p:cNvGrpSpPr/>
         <p:nvPr/>
       </p:nvGrpSpPr>
@@ -1029,21 +948,27 @@
       </p:grpSpPr>
       <p:sp>
         <p:nvSpPr>
-          <p:cNvPr id="158" name="Google Shape;158;g497eb8c94f_0_10:notes"/>
-          <p:cNvSpPr/>
+          <p:cNvPr id="79" name="Google Shape;79;g460aa3286e_1_9:notes"/>
+          <p:cNvSpPr>
+            <a:spLocks noGrp="1" noRot="1" noChangeAspect="1"/>
+          </p:cNvSpPr>
           <p:nvPr>
-            <p:ph idx="2" type="sldImg"/>
+            <p:ph type="sldImg" idx="2"/>
           </p:nvPr>
         </p:nvSpPr>
         <p:spPr>
           <a:xfrm>
-            <a:off x="381300" y="685800"/>
+            <a:off x="381000" y="685800"/>
             <a:ext cx="6096000" cy="3429000"/>
           </a:xfrm>
           <a:custGeom>
-            <a:rect b="b" l="l" r="r" t="t"/>
+            <a:avLst/>
+            <a:gdLst/>
+            <a:ahLst/>
+            <a:cxnLst/>
+            <a:rect l="l" t="t" r="r" b="b"/>
             <a:pathLst>
-              <a:path extrusionOk="0" h="120000" w="120000">
+              <a:path w="120000" h="120000" extrusionOk="0">
                 <a:moveTo>
                   <a:pt x="0" y="0"/>
                 </a:moveTo>
@@ -1064,10 +989,12 @@
       </p:sp>
       <p:sp>
         <p:nvSpPr>
-          <p:cNvPr id="159" name="Google Shape;159;g497eb8c94f_0_10:notes"/>
-          <p:cNvSpPr txBox="1"/>
+          <p:cNvPr id="80" name="Google Shape;80;g460aa3286e_1_9:notes"/>
+          <p:cNvSpPr txBox="1">
+            <a:spLocks noGrp="1"/>
+          </p:cNvSpPr>
           <p:nvPr>
-            <p:ph idx="1" type="body"/>
+            <p:ph type="body" idx="1"/>
           </p:nvPr>
         </p:nvSpPr>
         <p:spPr>
@@ -1080,12 +1007,12 @@
           </a:prstGeom>
         </p:spPr>
         <p:txBody>
-          <a:bodyPr anchorCtr="0" anchor="t" bIns="91425" lIns="91425" spcFirstLastPara="1" rIns="91425" wrap="square" tIns="91425">
+          <a:bodyPr spcFirstLastPara="1" wrap="square" lIns="91425" tIns="91425" rIns="91425" bIns="91425" anchor="t" anchorCtr="0">
             <a:noAutofit/>
           </a:bodyPr>
           <a:lstStyle/>
           <a:p>
-            <a:pPr indent="0" lvl="0" marL="0" rtl="0" algn="l">
+            <a:pPr marL="0" lvl="0" indent="0" algn="l" rtl="0">
               <a:spcBef>
                 <a:spcPts val="0"/>
               </a:spcBef>
@@ -1095,9 +1022,138 @@
               <a:buNone/>
             </a:pPr>
             <a:r>
-              <a:t/>
+              <a:rPr lang="fr">
+                <a:highlight>
+                  <a:srgbClr val="FFFFFF"/>
+                </a:highlight>
+              </a:rPr>
+              <a:t>Public cible : Etudiants Enseignants</a:t>
             </a:r>
-            <a:endParaRPr/>
+            <a:endParaRPr>
+              <a:highlight>
+                <a:srgbClr val="FFFFFF"/>
+              </a:highlight>
+            </a:endParaRPr>
+          </a:p>
+          <a:p>
+            <a:pPr marL="0" lvl="0" indent="0" algn="l" rtl="0">
+              <a:spcBef>
+                <a:spcPts val="0"/>
+              </a:spcBef>
+              <a:spcAft>
+                <a:spcPts val="0"/>
+              </a:spcAft>
+              <a:buNone/>
+            </a:pPr>
+            <a:r>
+              <a:rPr lang="fr">
+                <a:highlight>
+                  <a:srgbClr val="FFFFFF"/>
+                </a:highlight>
+              </a:rPr>
+              <a:t>Intérêt étudiants : Supprimer la notation, se concentrer sur les notions apprises et l’efficacité du code</a:t>
+            </a:r>
+            <a:endParaRPr>
+              <a:highlight>
+                <a:srgbClr val="FFFFFF"/>
+              </a:highlight>
+            </a:endParaRPr>
+          </a:p>
+          <a:p>
+            <a:pPr marL="0" lvl="0" indent="0" algn="l" rtl="0">
+              <a:spcBef>
+                <a:spcPts val="0"/>
+              </a:spcBef>
+              <a:spcAft>
+                <a:spcPts val="0"/>
+              </a:spcAft>
+              <a:buNone/>
+            </a:pPr>
+            <a:r>
+              <a:rPr lang="fr">
+                <a:highlight>
+                  <a:srgbClr val="FFFFFF"/>
+                </a:highlight>
+              </a:rPr>
+              <a:t>Intérêt Enseignants : Voir ce que les étudiants ont fait et si ils ont compris, réduire le temps d’évaluation des élèves</a:t>
+            </a:r>
+            <a:endParaRPr>
+              <a:highlight>
+                <a:srgbClr val="FFFFFF"/>
+              </a:highlight>
+            </a:endParaRPr>
+          </a:p>
+          <a:p>
+            <a:pPr marL="0" lvl="0" indent="0" algn="l" rtl="0">
+              <a:spcBef>
+                <a:spcPts val="0"/>
+              </a:spcBef>
+              <a:spcAft>
+                <a:spcPts val="0"/>
+              </a:spcAft>
+              <a:buNone/>
+            </a:pPr>
+            <a:r>
+              <a:rPr lang="fr">
+                <a:highlight>
+                  <a:srgbClr val="FFFFFF"/>
+                </a:highlight>
+              </a:rPr>
+              <a:t>Problematiques</a:t>
+            </a:r>
+            <a:endParaRPr>
+              <a:highlight>
+                <a:srgbClr val="FFFFFF"/>
+              </a:highlight>
+            </a:endParaRPr>
+          </a:p>
+          <a:p>
+            <a:pPr marL="0" lvl="0" indent="0" algn="l" rtl="0">
+              <a:spcBef>
+                <a:spcPts val="0"/>
+              </a:spcBef>
+              <a:spcAft>
+                <a:spcPts val="0"/>
+              </a:spcAft>
+              <a:buNone/>
+            </a:pPr>
+            <a:r>
+              <a:rPr lang="fr">
+                <a:highlight>
+                  <a:srgbClr val="FFFFFF"/>
+                </a:highlight>
+              </a:rPr>
+              <a:t>-&gt; Pouvoir naviguer simplement + rechercher exos</a:t>
+            </a:r>
+            <a:endParaRPr>
+              <a:highlight>
+                <a:srgbClr val="FFFFFF"/>
+              </a:highlight>
+            </a:endParaRPr>
+          </a:p>
+          <a:p>
+            <a:pPr marL="0" lvl="0" indent="0" algn="l" rtl="0">
+              <a:spcBef>
+                <a:spcPts val="0"/>
+              </a:spcBef>
+              <a:spcAft>
+                <a:spcPts val="0"/>
+              </a:spcAft>
+              <a:buNone/>
+            </a:pPr>
+            <a:r>
+              <a:rPr lang="fr">
+                <a:highlight>
+                  <a:srgbClr val="FFFFFF"/>
+                </a:highlight>
+              </a:rPr>
+              <a:t> -&gt; Exécuter du code confiné (Performances)</a:t>
+            </a:r>
+            <a:endParaRPr>
+              <a:highlight>
+                <a:srgbClr val="FFFFFF"/>
+              </a:highlight>
+            </a:endParaRPr>
           </a:p>
         </p:txBody>
       </p:sp>
@@ -1109,111 +1165,12 @@
 </p:notes>
 </file>
 
-<file path=ppt/notesSlides/notesSlide12.xml><?xml version="1.0" encoding="utf-8"?>
-<p:notes xmlns:a="http://schemas.openxmlformats.org/drawingml/2006/main" xmlns:r="http://schemas.openxmlformats.org/officeDocument/2006/relationships" xmlns:mc="http://schemas.openxmlformats.org/markup-compatibility/2006" xmlns:mv="urn:schemas-microsoft-com:mac:vml" xmlns:p="http://schemas.openxmlformats.org/presentationml/2006/main" xmlns:c="http://schemas.openxmlformats.org/drawingml/2006/chart" xmlns:dgm="http://schemas.openxmlformats.org/drawingml/2006/diagram" xmlns:o="urn:schemas-microsoft-com:office:office" xmlns:v="urn:schemas-microsoft-com:vml" xmlns:pvml="urn:schemas-microsoft-com:office:powerpoint" xmlns:com="http://schemas.openxmlformats.org/drawingml/2006/compatibility" xmlns:p14="http://schemas.microsoft.com/office/powerpoint/2010/main" xmlns:p15="http://schemas.microsoft.com/office/powerpoint/2012/main" showMasterPhAnim="0" showMasterSp="0">
+<file path=ppt/notesSlides/notesSlide4.xml><?xml version="1.0" encoding="utf-8"?>
+<p:notes xmlns:a="http://schemas.openxmlformats.org/drawingml/2006/main" xmlns:r="http://schemas.openxmlformats.org/officeDocument/2006/relationships" xmlns:p="http://schemas.openxmlformats.org/presentationml/2006/main" showMasterSp="0" showMasterPhAnim="0">
   <p:cSld>
     <p:spTree>
       <p:nvGrpSpPr>
-        <p:cNvPr id="166" name="Shape 166"/>
-        <p:cNvGrpSpPr/>
-        <p:nvPr/>
-      </p:nvGrpSpPr>
-      <p:grpSpPr>
-        <a:xfrm>
-          <a:off x="0" y="0"/>
-          <a:ext cx="0" cy="0"/>
-          <a:chOff x="0" y="0"/>
-          <a:chExt cx="0" cy="0"/>
-        </a:xfrm>
-      </p:grpSpPr>
-      <p:sp>
-        <p:nvSpPr>
-          <p:cNvPr id="167" name="Google Shape;167;g498a79880c_2_10:notes"/>
-          <p:cNvSpPr/>
-          <p:nvPr>
-            <p:ph idx="2" type="sldImg"/>
-          </p:nvPr>
-        </p:nvSpPr>
-        <p:spPr>
-          <a:xfrm>
-            <a:off x="381300" y="685800"/>
-            <a:ext cx="6096000" cy="3429000"/>
-          </a:xfrm>
-          <a:custGeom>
-            <a:rect b="b" l="l" r="r" t="t"/>
-            <a:pathLst>
-              <a:path extrusionOk="0" h="120000" w="120000">
-                <a:moveTo>
-                  <a:pt x="0" y="0"/>
-                </a:moveTo>
-                <a:lnTo>
-                  <a:pt x="120000" y="0"/>
-                </a:lnTo>
-                <a:lnTo>
-                  <a:pt x="120000" y="120000"/>
-                </a:lnTo>
-                <a:lnTo>
-                  <a:pt x="0" y="120000"/>
-                </a:lnTo>
-                <a:close/>
-              </a:path>
-            </a:pathLst>
-          </a:custGeom>
-        </p:spPr>
-      </p:sp>
-      <p:sp>
-        <p:nvSpPr>
-          <p:cNvPr id="168" name="Google Shape;168;g498a79880c_2_10:notes"/>
-          <p:cNvSpPr txBox="1"/>
-          <p:nvPr>
-            <p:ph idx="1" type="body"/>
-          </p:nvPr>
-        </p:nvSpPr>
-        <p:spPr>
-          <a:xfrm>
-            <a:off x="685800" y="4343400"/>
-            <a:ext cx="5486400" cy="4114800"/>
-          </a:xfrm>
-          <a:prstGeom prst="rect">
-            <a:avLst/>
-          </a:prstGeom>
-        </p:spPr>
-        <p:txBody>
-          <a:bodyPr anchorCtr="0" anchor="t" bIns="91425" lIns="91425" spcFirstLastPara="1" rIns="91425" wrap="square" tIns="91425">
-            <a:noAutofit/>
-          </a:bodyPr>
-          <a:lstStyle/>
-          <a:p>
-            <a:pPr indent="0" lvl="0" marL="0" rtl="0" algn="l">
-              <a:spcBef>
-                <a:spcPts val="0"/>
-              </a:spcBef>
-              <a:spcAft>
-                <a:spcPts val="0"/>
-              </a:spcAft>
-              <a:buNone/>
-            </a:pPr>
-            <a:r>
-              <a:t/>
-            </a:r>
-            <a:endParaRPr/>
-          </a:p>
-        </p:txBody>
-      </p:sp>
-    </p:spTree>
-  </p:cSld>
-  <p:clrMapOvr>
-    <a:masterClrMapping/>
-  </p:clrMapOvr>
-</p:notes>
-</file>
-
-<file path=ppt/notesSlides/notesSlide13.xml><?xml version="1.0" encoding="utf-8"?>
-<p:notes xmlns:a="http://schemas.openxmlformats.org/drawingml/2006/main" xmlns:r="http://schemas.openxmlformats.org/officeDocument/2006/relationships" xmlns:mc="http://schemas.openxmlformats.org/markup-compatibility/2006" xmlns:mv="urn:schemas-microsoft-com:mac:vml" xmlns:p="http://schemas.openxmlformats.org/presentationml/2006/main" xmlns:c="http://schemas.openxmlformats.org/drawingml/2006/chart" xmlns:dgm="http://schemas.openxmlformats.org/drawingml/2006/diagram" xmlns:o="urn:schemas-microsoft-com:office:office" xmlns:v="urn:schemas-microsoft-com:vml" xmlns:pvml="urn:schemas-microsoft-com:office:powerpoint" xmlns:com="http://schemas.openxmlformats.org/drawingml/2006/compatibility" xmlns:p14="http://schemas.microsoft.com/office/powerpoint/2010/main" xmlns:p15="http://schemas.microsoft.com/office/powerpoint/2012/main" showMasterPhAnim="0" showMasterSp="0">
-  <p:cSld>
-    <p:spTree>
-      <p:nvGrpSpPr>
-        <p:cNvPr id="174" name="Shape 174"/>
+        <p:cNvPr id="1" name="Shape 174"/>
         <p:cNvGrpSpPr/>
         <p:nvPr/>
       </p:nvGrpSpPr>
@@ -1228,20 +1185,26 @@
       <p:sp>
         <p:nvSpPr>
           <p:cNvPr id="175" name="Google Shape;175;g4629687b65_1_183:notes"/>
-          <p:cNvSpPr/>
+          <p:cNvSpPr>
+            <a:spLocks noGrp="1" noRot="1" noChangeAspect="1"/>
+          </p:cNvSpPr>
           <p:nvPr>
-            <p:ph idx="2" type="sldImg"/>
+            <p:ph type="sldImg" idx="2"/>
           </p:nvPr>
         </p:nvSpPr>
         <p:spPr>
           <a:xfrm>
-            <a:off x="381300" y="685800"/>
+            <a:off x="381000" y="685800"/>
             <a:ext cx="6096000" cy="3429000"/>
           </a:xfrm>
           <a:custGeom>
-            <a:rect b="b" l="l" r="r" t="t"/>
+            <a:avLst/>
+            <a:gdLst/>
+            <a:ahLst/>
+            <a:cxnLst/>
+            <a:rect l="l" t="t" r="r" b="b"/>
             <a:pathLst>
-              <a:path extrusionOk="0" h="120000" w="120000">
+              <a:path w="120000" h="120000" extrusionOk="0">
                 <a:moveTo>
                   <a:pt x="0" y="0"/>
                 </a:moveTo>
@@ -1263,9 +1226,11 @@
       <p:sp>
         <p:nvSpPr>
           <p:cNvPr id="176" name="Google Shape;176;g4629687b65_1_183:notes"/>
-          <p:cNvSpPr txBox="1"/>
+          <p:cNvSpPr txBox="1">
+            <a:spLocks noGrp="1"/>
+          </p:cNvSpPr>
           <p:nvPr>
-            <p:ph idx="1" type="body"/>
+            <p:ph type="body" idx="1"/>
           </p:nvPr>
         </p:nvSpPr>
         <p:spPr>
@@ -1278,12 +1243,12 @@
           </a:prstGeom>
         </p:spPr>
         <p:txBody>
-          <a:bodyPr anchorCtr="0" anchor="t" bIns="91425" lIns="91425" spcFirstLastPara="1" rIns="91425" wrap="square" tIns="91425">
+          <a:bodyPr spcFirstLastPara="1" wrap="square" lIns="91425" tIns="91425" rIns="91425" bIns="91425" anchor="t" anchorCtr="0">
             <a:noAutofit/>
           </a:bodyPr>
           <a:lstStyle/>
           <a:p>
-            <a:pPr indent="0" lvl="0" marL="0" rtl="0" algn="l">
+            <a:pPr marL="0" lvl="0" indent="0" algn="l" rtl="0">
               <a:spcBef>
                 <a:spcPts val="0"/>
               </a:spcBef>
@@ -1292,1138 +1257,6 @@
               </a:spcAft>
               <a:buNone/>
             </a:pPr>
-            <a:r>
-              <a:t/>
-            </a:r>
-            <a:endParaRPr/>
-          </a:p>
-        </p:txBody>
-      </p:sp>
-    </p:spTree>
-  </p:cSld>
-  <p:clrMapOvr>
-    <a:masterClrMapping/>
-  </p:clrMapOvr>
-</p:notes>
-</file>
-
-<file path=ppt/notesSlides/notesSlide2.xml><?xml version="1.0" encoding="utf-8"?>
-<p:notes xmlns:a="http://schemas.openxmlformats.org/drawingml/2006/main" xmlns:r="http://schemas.openxmlformats.org/officeDocument/2006/relationships" xmlns:mc="http://schemas.openxmlformats.org/markup-compatibility/2006" xmlns:mv="urn:schemas-microsoft-com:mac:vml" xmlns:p="http://schemas.openxmlformats.org/presentationml/2006/main" xmlns:c="http://schemas.openxmlformats.org/drawingml/2006/chart" xmlns:dgm="http://schemas.openxmlformats.org/drawingml/2006/diagram" xmlns:o="urn:schemas-microsoft-com:office:office" xmlns:v="urn:schemas-microsoft-com:vml" xmlns:pvml="urn:schemas-microsoft-com:office:powerpoint" xmlns:com="http://schemas.openxmlformats.org/drawingml/2006/compatibility" xmlns:p14="http://schemas.microsoft.com/office/powerpoint/2010/main" xmlns:p15="http://schemas.microsoft.com/office/powerpoint/2012/main" showMasterPhAnim="0" showMasterSp="0">
-  <p:cSld>
-    <p:spTree>
-      <p:nvGrpSpPr>
-        <p:cNvPr id="69" name="Shape 69"/>
-        <p:cNvGrpSpPr/>
-        <p:nvPr/>
-      </p:nvGrpSpPr>
-      <p:grpSpPr>
-        <a:xfrm>
-          <a:off x="0" y="0"/>
-          <a:ext cx="0" cy="0"/>
-          <a:chOff x="0" y="0"/>
-          <a:chExt cx="0" cy="0"/>
-        </a:xfrm>
-      </p:grpSpPr>
-      <p:sp>
-        <p:nvSpPr>
-          <p:cNvPr id="70" name="Google Shape;70;g460aa3286e_1_0:notes"/>
-          <p:cNvSpPr/>
-          <p:nvPr>
-            <p:ph idx="2" type="sldImg"/>
-          </p:nvPr>
-        </p:nvSpPr>
-        <p:spPr>
-          <a:xfrm>
-            <a:off x="381300" y="685800"/>
-            <a:ext cx="6096000" cy="3429000"/>
-          </a:xfrm>
-          <a:custGeom>
-            <a:rect b="b" l="l" r="r" t="t"/>
-            <a:pathLst>
-              <a:path extrusionOk="0" h="120000" w="120000">
-                <a:moveTo>
-                  <a:pt x="0" y="0"/>
-                </a:moveTo>
-                <a:lnTo>
-                  <a:pt x="120000" y="0"/>
-                </a:lnTo>
-                <a:lnTo>
-                  <a:pt x="120000" y="120000"/>
-                </a:lnTo>
-                <a:lnTo>
-                  <a:pt x="0" y="120000"/>
-                </a:lnTo>
-                <a:close/>
-              </a:path>
-            </a:pathLst>
-          </a:custGeom>
-        </p:spPr>
-      </p:sp>
-      <p:sp>
-        <p:nvSpPr>
-          <p:cNvPr id="71" name="Google Shape;71;g460aa3286e_1_0:notes"/>
-          <p:cNvSpPr txBox="1"/>
-          <p:nvPr>
-            <p:ph idx="1" type="body"/>
-          </p:nvPr>
-        </p:nvSpPr>
-        <p:spPr>
-          <a:xfrm>
-            <a:off x="685800" y="4343400"/>
-            <a:ext cx="5486400" cy="4114800"/>
-          </a:xfrm>
-          <a:prstGeom prst="rect">
-            <a:avLst/>
-          </a:prstGeom>
-        </p:spPr>
-        <p:txBody>
-          <a:bodyPr anchorCtr="0" anchor="t" bIns="91425" lIns="91425" spcFirstLastPara="1" rIns="91425" wrap="square" tIns="91425">
-            <a:noAutofit/>
-          </a:bodyPr>
-          <a:lstStyle/>
-          <a:p>
-            <a:pPr indent="0" lvl="0" marL="0" rtl="0" algn="l">
-              <a:spcBef>
-                <a:spcPts val="0"/>
-              </a:spcBef>
-              <a:spcAft>
-                <a:spcPts val="0"/>
-              </a:spcAft>
-              <a:buNone/>
-            </a:pPr>
-            <a:r>
-              <a:t/>
-            </a:r>
-            <a:endParaRPr/>
-          </a:p>
-        </p:txBody>
-      </p:sp>
-    </p:spTree>
-  </p:cSld>
-  <p:clrMapOvr>
-    <a:masterClrMapping/>
-  </p:clrMapOvr>
-</p:notes>
-</file>
-
-<file path=ppt/notesSlides/notesSlide3.xml><?xml version="1.0" encoding="utf-8"?>
-<p:notes xmlns:a="http://schemas.openxmlformats.org/drawingml/2006/main" xmlns:r="http://schemas.openxmlformats.org/officeDocument/2006/relationships" xmlns:mc="http://schemas.openxmlformats.org/markup-compatibility/2006" xmlns:mv="urn:schemas-microsoft-com:mac:vml" xmlns:p="http://schemas.openxmlformats.org/presentationml/2006/main" xmlns:c="http://schemas.openxmlformats.org/drawingml/2006/chart" xmlns:dgm="http://schemas.openxmlformats.org/drawingml/2006/diagram" xmlns:o="urn:schemas-microsoft-com:office:office" xmlns:v="urn:schemas-microsoft-com:vml" xmlns:pvml="urn:schemas-microsoft-com:office:powerpoint" xmlns:com="http://schemas.openxmlformats.org/drawingml/2006/compatibility" xmlns:p14="http://schemas.microsoft.com/office/powerpoint/2010/main" xmlns:p15="http://schemas.microsoft.com/office/powerpoint/2012/main" showMasterPhAnim="0" showMasterSp="0">
-  <p:cSld>
-    <p:spTree>
-      <p:nvGrpSpPr>
-        <p:cNvPr id="78" name="Shape 78"/>
-        <p:cNvGrpSpPr/>
-        <p:nvPr/>
-      </p:nvGrpSpPr>
-      <p:grpSpPr>
-        <a:xfrm>
-          <a:off x="0" y="0"/>
-          <a:ext cx="0" cy="0"/>
-          <a:chOff x="0" y="0"/>
-          <a:chExt cx="0" cy="0"/>
-        </a:xfrm>
-      </p:grpSpPr>
-      <p:sp>
-        <p:nvSpPr>
-          <p:cNvPr id="79" name="Google Shape;79;g460aa3286e_1_9:notes"/>
-          <p:cNvSpPr/>
-          <p:nvPr>
-            <p:ph idx="2" type="sldImg"/>
-          </p:nvPr>
-        </p:nvSpPr>
-        <p:spPr>
-          <a:xfrm>
-            <a:off x="381300" y="685800"/>
-            <a:ext cx="6096000" cy="3429000"/>
-          </a:xfrm>
-          <a:custGeom>
-            <a:rect b="b" l="l" r="r" t="t"/>
-            <a:pathLst>
-              <a:path extrusionOk="0" h="120000" w="120000">
-                <a:moveTo>
-                  <a:pt x="0" y="0"/>
-                </a:moveTo>
-                <a:lnTo>
-                  <a:pt x="120000" y="0"/>
-                </a:lnTo>
-                <a:lnTo>
-                  <a:pt x="120000" y="120000"/>
-                </a:lnTo>
-                <a:lnTo>
-                  <a:pt x="0" y="120000"/>
-                </a:lnTo>
-                <a:close/>
-              </a:path>
-            </a:pathLst>
-          </a:custGeom>
-        </p:spPr>
-      </p:sp>
-      <p:sp>
-        <p:nvSpPr>
-          <p:cNvPr id="80" name="Google Shape;80;g460aa3286e_1_9:notes"/>
-          <p:cNvSpPr txBox="1"/>
-          <p:nvPr>
-            <p:ph idx="1" type="body"/>
-          </p:nvPr>
-        </p:nvSpPr>
-        <p:spPr>
-          <a:xfrm>
-            <a:off x="685800" y="4343400"/>
-            <a:ext cx="5486400" cy="4114800"/>
-          </a:xfrm>
-          <a:prstGeom prst="rect">
-            <a:avLst/>
-          </a:prstGeom>
-        </p:spPr>
-        <p:txBody>
-          <a:bodyPr anchorCtr="0" anchor="t" bIns="91425" lIns="91425" spcFirstLastPara="1" rIns="91425" wrap="square" tIns="91425">
-            <a:noAutofit/>
-          </a:bodyPr>
-          <a:lstStyle/>
-          <a:p>
-            <a:pPr indent="0" lvl="0" marL="0" rtl="0" algn="l">
-              <a:spcBef>
-                <a:spcPts val="0"/>
-              </a:spcBef>
-              <a:spcAft>
-                <a:spcPts val="0"/>
-              </a:spcAft>
-              <a:buNone/>
-            </a:pPr>
-            <a:r>
-              <a:rPr lang="fr">
-                <a:highlight>
-                  <a:srgbClr val="FFFFFF"/>
-                </a:highlight>
-              </a:rPr>
-              <a:t>Public cible : Etudiants Enseignants</a:t>
-            </a:r>
-            <a:endParaRPr>
-              <a:highlight>
-                <a:srgbClr val="FFFFFF"/>
-              </a:highlight>
-            </a:endParaRPr>
-          </a:p>
-          <a:p>
-            <a:pPr indent="0" lvl="0" marL="0" rtl="0" algn="l">
-              <a:spcBef>
-                <a:spcPts val="0"/>
-              </a:spcBef>
-              <a:spcAft>
-                <a:spcPts val="0"/>
-              </a:spcAft>
-              <a:buNone/>
-            </a:pPr>
-            <a:r>
-              <a:rPr lang="fr">
-                <a:highlight>
-                  <a:srgbClr val="FFFFFF"/>
-                </a:highlight>
-              </a:rPr>
-              <a:t>Intérêt étudiants</a:t>
-            </a:r>
-            <a:r>
-              <a:rPr lang="fr">
-                <a:highlight>
-                  <a:srgbClr val="FFFFFF"/>
-                </a:highlight>
-              </a:rPr>
-              <a:t> : Supprimer la notation, se concentrer sur les notions apprises et l’efficacité du code</a:t>
-            </a:r>
-            <a:endParaRPr>
-              <a:highlight>
-                <a:srgbClr val="FFFFFF"/>
-              </a:highlight>
-            </a:endParaRPr>
-          </a:p>
-          <a:p>
-            <a:pPr indent="0" lvl="0" marL="0" rtl="0" algn="l">
-              <a:spcBef>
-                <a:spcPts val="0"/>
-              </a:spcBef>
-              <a:spcAft>
-                <a:spcPts val="0"/>
-              </a:spcAft>
-              <a:buNone/>
-            </a:pPr>
-            <a:r>
-              <a:rPr lang="fr">
-                <a:highlight>
-                  <a:srgbClr val="FFFFFF"/>
-                </a:highlight>
-              </a:rPr>
-              <a:t>Intérêt</a:t>
-            </a:r>
-            <a:r>
-              <a:rPr lang="fr">
-                <a:highlight>
-                  <a:srgbClr val="FFFFFF"/>
-                </a:highlight>
-              </a:rPr>
-              <a:t> Enseignants : Voir ce que les étudiants ont fait et si ils ont compris, réduire le temps d’évaluation des élèves</a:t>
-            </a:r>
-            <a:endParaRPr>
-              <a:highlight>
-                <a:srgbClr val="FFFFFF"/>
-              </a:highlight>
-            </a:endParaRPr>
-          </a:p>
-          <a:p>
-            <a:pPr indent="0" lvl="0" marL="0" rtl="0" algn="l">
-              <a:spcBef>
-                <a:spcPts val="0"/>
-              </a:spcBef>
-              <a:spcAft>
-                <a:spcPts val="0"/>
-              </a:spcAft>
-              <a:buNone/>
-            </a:pPr>
-            <a:r>
-              <a:rPr lang="fr">
-                <a:highlight>
-                  <a:srgbClr val="FFFFFF"/>
-                </a:highlight>
-              </a:rPr>
-              <a:t>Problematiques</a:t>
-            </a:r>
-            <a:endParaRPr>
-              <a:highlight>
-                <a:srgbClr val="FFFFFF"/>
-              </a:highlight>
-            </a:endParaRPr>
-          </a:p>
-          <a:p>
-            <a:pPr indent="0" lvl="0" marL="0" rtl="0" algn="l">
-              <a:spcBef>
-                <a:spcPts val="0"/>
-              </a:spcBef>
-              <a:spcAft>
-                <a:spcPts val="0"/>
-              </a:spcAft>
-              <a:buNone/>
-            </a:pPr>
-            <a:r>
-              <a:rPr lang="fr">
-                <a:highlight>
-                  <a:srgbClr val="FFFFFF"/>
-                </a:highlight>
-              </a:rPr>
-              <a:t>-&gt; Pouvoir naviguer simplement + rechercher exos</a:t>
-            </a:r>
-            <a:endParaRPr>
-              <a:highlight>
-                <a:srgbClr val="FFFFFF"/>
-              </a:highlight>
-            </a:endParaRPr>
-          </a:p>
-          <a:p>
-            <a:pPr indent="0" lvl="0" marL="0" rtl="0" algn="l">
-              <a:spcBef>
-                <a:spcPts val="0"/>
-              </a:spcBef>
-              <a:spcAft>
-                <a:spcPts val="0"/>
-              </a:spcAft>
-              <a:buNone/>
-            </a:pPr>
-            <a:r>
-              <a:rPr lang="fr">
-                <a:highlight>
-                  <a:srgbClr val="FFFFFF"/>
-                </a:highlight>
-              </a:rPr>
-              <a:t> -&gt; </a:t>
-            </a:r>
-            <a:r>
-              <a:rPr lang="fr">
-                <a:highlight>
-                  <a:srgbClr val="FFFFFF"/>
-                </a:highlight>
-              </a:rPr>
-              <a:t>Exécuter</a:t>
-            </a:r>
-            <a:r>
-              <a:rPr lang="fr">
-                <a:highlight>
-                  <a:srgbClr val="FFFFFF"/>
-                </a:highlight>
-              </a:rPr>
-              <a:t> du code confiné (Performances)</a:t>
-            </a:r>
-            <a:endParaRPr>
-              <a:highlight>
-                <a:srgbClr val="FFFFFF"/>
-              </a:highlight>
-            </a:endParaRPr>
-          </a:p>
-        </p:txBody>
-      </p:sp>
-    </p:spTree>
-  </p:cSld>
-  <p:clrMapOvr>
-    <a:masterClrMapping/>
-  </p:clrMapOvr>
-</p:notes>
-</file>
-
-<file path=ppt/notesSlides/notesSlide4.xml><?xml version="1.0" encoding="utf-8"?>
-<p:notes xmlns:a="http://schemas.openxmlformats.org/drawingml/2006/main" xmlns:r="http://schemas.openxmlformats.org/officeDocument/2006/relationships" xmlns:mc="http://schemas.openxmlformats.org/markup-compatibility/2006" xmlns:mv="urn:schemas-microsoft-com:mac:vml" xmlns:p="http://schemas.openxmlformats.org/presentationml/2006/main" xmlns:c="http://schemas.openxmlformats.org/drawingml/2006/chart" xmlns:dgm="http://schemas.openxmlformats.org/drawingml/2006/diagram" xmlns:o="urn:schemas-microsoft-com:office:office" xmlns:v="urn:schemas-microsoft-com:vml" xmlns:pvml="urn:schemas-microsoft-com:office:powerpoint" xmlns:com="http://schemas.openxmlformats.org/drawingml/2006/compatibility" xmlns:p14="http://schemas.microsoft.com/office/powerpoint/2010/main" xmlns:p15="http://schemas.microsoft.com/office/powerpoint/2012/main" showMasterPhAnim="0" showMasterSp="0">
-  <p:cSld>
-    <p:spTree>
-      <p:nvGrpSpPr>
-        <p:cNvPr id="87" name="Shape 87"/>
-        <p:cNvGrpSpPr/>
-        <p:nvPr/>
-      </p:nvGrpSpPr>
-      <p:grpSpPr>
-        <a:xfrm>
-          <a:off x="0" y="0"/>
-          <a:ext cx="0" cy="0"/>
-          <a:chOff x="0" y="0"/>
-          <a:chExt cx="0" cy="0"/>
-        </a:xfrm>
-      </p:grpSpPr>
-      <p:sp>
-        <p:nvSpPr>
-          <p:cNvPr id="88" name="Google Shape;88;g497eb8c94f_0_0:notes"/>
-          <p:cNvSpPr/>
-          <p:nvPr>
-            <p:ph idx="2" type="sldImg"/>
-          </p:nvPr>
-        </p:nvSpPr>
-        <p:spPr>
-          <a:xfrm>
-            <a:off x="381300" y="685800"/>
-            <a:ext cx="6096000" cy="3429000"/>
-          </a:xfrm>
-          <a:custGeom>
-            <a:rect b="b" l="l" r="r" t="t"/>
-            <a:pathLst>
-              <a:path extrusionOk="0" h="120000" w="120000">
-                <a:moveTo>
-                  <a:pt x="0" y="0"/>
-                </a:moveTo>
-                <a:lnTo>
-                  <a:pt x="120000" y="0"/>
-                </a:lnTo>
-                <a:lnTo>
-                  <a:pt x="120000" y="120000"/>
-                </a:lnTo>
-                <a:lnTo>
-                  <a:pt x="0" y="120000"/>
-                </a:lnTo>
-                <a:close/>
-              </a:path>
-            </a:pathLst>
-          </a:custGeom>
-        </p:spPr>
-      </p:sp>
-      <p:sp>
-        <p:nvSpPr>
-          <p:cNvPr id="89" name="Google Shape;89;g497eb8c94f_0_0:notes"/>
-          <p:cNvSpPr txBox="1"/>
-          <p:nvPr>
-            <p:ph idx="1" type="body"/>
-          </p:nvPr>
-        </p:nvSpPr>
-        <p:spPr>
-          <a:xfrm>
-            <a:off x="685800" y="4343400"/>
-            <a:ext cx="5486400" cy="4114800"/>
-          </a:xfrm>
-          <a:prstGeom prst="rect">
-            <a:avLst/>
-          </a:prstGeom>
-        </p:spPr>
-        <p:txBody>
-          <a:bodyPr anchorCtr="0" anchor="t" bIns="91425" lIns="91425" spcFirstLastPara="1" rIns="91425" wrap="square" tIns="91425">
-            <a:noAutofit/>
-          </a:bodyPr>
-          <a:lstStyle/>
-          <a:p>
-            <a:pPr indent="0" lvl="0" marL="0" rtl="0" algn="l">
-              <a:spcBef>
-                <a:spcPts val="0"/>
-              </a:spcBef>
-              <a:spcAft>
-                <a:spcPts val="0"/>
-              </a:spcAft>
-              <a:buNone/>
-            </a:pPr>
-            <a:r>
-              <a:t/>
-            </a:r>
-            <a:endParaRPr/>
-          </a:p>
-        </p:txBody>
-      </p:sp>
-    </p:spTree>
-  </p:cSld>
-  <p:clrMapOvr>
-    <a:masterClrMapping/>
-  </p:clrMapOvr>
-</p:notes>
-</file>
-
-<file path=ppt/notesSlides/notesSlide5.xml><?xml version="1.0" encoding="utf-8"?>
-<p:notes xmlns:a="http://schemas.openxmlformats.org/drawingml/2006/main" xmlns:r="http://schemas.openxmlformats.org/officeDocument/2006/relationships" xmlns:mc="http://schemas.openxmlformats.org/markup-compatibility/2006" xmlns:mv="urn:schemas-microsoft-com:mac:vml" xmlns:p="http://schemas.openxmlformats.org/presentationml/2006/main" xmlns:c="http://schemas.openxmlformats.org/drawingml/2006/chart" xmlns:dgm="http://schemas.openxmlformats.org/drawingml/2006/diagram" xmlns:o="urn:schemas-microsoft-com:office:office" xmlns:v="urn:schemas-microsoft-com:vml" xmlns:pvml="urn:schemas-microsoft-com:office:powerpoint" xmlns:com="http://schemas.openxmlformats.org/drawingml/2006/compatibility" xmlns:p14="http://schemas.microsoft.com/office/powerpoint/2010/main" xmlns:p15="http://schemas.microsoft.com/office/powerpoint/2012/main" showMasterPhAnim="0" showMasterSp="0">
-  <p:cSld>
-    <p:spTree>
-      <p:nvGrpSpPr>
-        <p:cNvPr id="95" name="Shape 95"/>
-        <p:cNvGrpSpPr/>
-        <p:nvPr/>
-      </p:nvGrpSpPr>
-      <p:grpSpPr>
-        <a:xfrm>
-          <a:off x="0" y="0"/>
-          <a:ext cx="0" cy="0"/>
-          <a:chOff x="0" y="0"/>
-          <a:chExt cx="0" cy="0"/>
-        </a:xfrm>
-      </p:grpSpPr>
-      <p:sp>
-        <p:nvSpPr>
-          <p:cNvPr id="96" name="Google Shape;96;g498a79880c_2_22:notes"/>
-          <p:cNvSpPr/>
-          <p:nvPr>
-            <p:ph idx="2" type="sldImg"/>
-          </p:nvPr>
-        </p:nvSpPr>
-        <p:spPr>
-          <a:xfrm>
-            <a:off x="381300" y="685800"/>
-            <a:ext cx="6096000" cy="3429000"/>
-          </a:xfrm>
-          <a:custGeom>
-            <a:rect b="b" l="l" r="r" t="t"/>
-            <a:pathLst>
-              <a:path extrusionOk="0" h="120000" w="120000">
-                <a:moveTo>
-                  <a:pt x="0" y="0"/>
-                </a:moveTo>
-                <a:lnTo>
-                  <a:pt x="120000" y="0"/>
-                </a:lnTo>
-                <a:lnTo>
-                  <a:pt x="120000" y="120000"/>
-                </a:lnTo>
-                <a:lnTo>
-                  <a:pt x="0" y="120000"/>
-                </a:lnTo>
-                <a:close/>
-              </a:path>
-            </a:pathLst>
-          </a:custGeom>
-        </p:spPr>
-      </p:sp>
-      <p:sp>
-        <p:nvSpPr>
-          <p:cNvPr id="97" name="Google Shape;97;g498a79880c_2_22:notes"/>
-          <p:cNvSpPr txBox="1"/>
-          <p:nvPr>
-            <p:ph idx="1" type="body"/>
-          </p:nvPr>
-        </p:nvSpPr>
-        <p:spPr>
-          <a:xfrm>
-            <a:off x="685800" y="4343400"/>
-            <a:ext cx="5486400" cy="4114800"/>
-          </a:xfrm>
-          <a:prstGeom prst="rect">
-            <a:avLst/>
-          </a:prstGeom>
-        </p:spPr>
-        <p:txBody>
-          <a:bodyPr anchorCtr="0" anchor="t" bIns="91425" lIns="91425" spcFirstLastPara="1" rIns="91425" wrap="square" tIns="91425">
-            <a:noAutofit/>
-          </a:bodyPr>
-          <a:lstStyle/>
-          <a:p>
-            <a:pPr indent="0" lvl="0" marL="0" rtl="0" algn="l">
-              <a:spcBef>
-                <a:spcPts val="0"/>
-              </a:spcBef>
-              <a:spcAft>
-                <a:spcPts val="0"/>
-              </a:spcAft>
-              <a:buNone/>
-            </a:pPr>
-            <a:r>
-              <a:t/>
-            </a:r>
-            <a:endParaRPr/>
-          </a:p>
-        </p:txBody>
-      </p:sp>
-    </p:spTree>
-  </p:cSld>
-  <p:clrMapOvr>
-    <a:masterClrMapping/>
-  </p:clrMapOvr>
-</p:notes>
-</file>
-
-<file path=ppt/notesSlides/notesSlide6.xml><?xml version="1.0" encoding="utf-8"?>
-<p:notes xmlns:a="http://schemas.openxmlformats.org/drawingml/2006/main" xmlns:r="http://schemas.openxmlformats.org/officeDocument/2006/relationships" xmlns:mc="http://schemas.openxmlformats.org/markup-compatibility/2006" xmlns:mv="urn:schemas-microsoft-com:mac:vml" xmlns:p="http://schemas.openxmlformats.org/presentationml/2006/main" xmlns:c="http://schemas.openxmlformats.org/drawingml/2006/chart" xmlns:dgm="http://schemas.openxmlformats.org/drawingml/2006/diagram" xmlns:o="urn:schemas-microsoft-com:office:office" xmlns:v="urn:schemas-microsoft-com:vml" xmlns:pvml="urn:schemas-microsoft-com:office:powerpoint" xmlns:com="http://schemas.openxmlformats.org/drawingml/2006/compatibility" xmlns:p14="http://schemas.microsoft.com/office/powerpoint/2010/main" xmlns:p15="http://schemas.microsoft.com/office/powerpoint/2012/main" showMasterPhAnim="0" showMasterSp="0">
-  <p:cSld>
-    <p:spTree>
-      <p:nvGrpSpPr>
-        <p:cNvPr id="103" name="Shape 103"/>
-        <p:cNvGrpSpPr/>
-        <p:nvPr/>
-      </p:nvGrpSpPr>
-      <p:grpSpPr>
-        <a:xfrm>
-          <a:off x="0" y="0"/>
-          <a:ext cx="0" cy="0"/>
-          <a:chOff x="0" y="0"/>
-          <a:chExt cx="0" cy="0"/>
-        </a:xfrm>
-      </p:grpSpPr>
-      <p:sp>
-        <p:nvSpPr>
-          <p:cNvPr id="104" name="Google Shape;104;g498a79880c_2_31:notes"/>
-          <p:cNvSpPr/>
-          <p:nvPr>
-            <p:ph idx="2" type="sldImg"/>
-          </p:nvPr>
-        </p:nvSpPr>
-        <p:spPr>
-          <a:xfrm>
-            <a:off x="381300" y="685800"/>
-            <a:ext cx="6096000" cy="3429000"/>
-          </a:xfrm>
-          <a:custGeom>
-            <a:rect b="b" l="l" r="r" t="t"/>
-            <a:pathLst>
-              <a:path extrusionOk="0" h="120000" w="120000">
-                <a:moveTo>
-                  <a:pt x="0" y="0"/>
-                </a:moveTo>
-                <a:lnTo>
-                  <a:pt x="120000" y="0"/>
-                </a:lnTo>
-                <a:lnTo>
-                  <a:pt x="120000" y="120000"/>
-                </a:lnTo>
-                <a:lnTo>
-                  <a:pt x="0" y="120000"/>
-                </a:lnTo>
-                <a:close/>
-              </a:path>
-            </a:pathLst>
-          </a:custGeom>
-        </p:spPr>
-      </p:sp>
-      <p:sp>
-        <p:nvSpPr>
-          <p:cNvPr id="105" name="Google Shape;105;g498a79880c_2_31:notes"/>
-          <p:cNvSpPr txBox="1"/>
-          <p:nvPr>
-            <p:ph idx="1" type="body"/>
-          </p:nvPr>
-        </p:nvSpPr>
-        <p:spPr>
-          <a:xfrm>
-            <a:off x="685800" y="4343400"/>
-            <a:ext cx="5486400" cy="4114800"/>
-          </a:xfrm>
-          <a:prstGeom prst="rect">
-            <a:avLst/>
-          </a:prstGeom>
-        </p:spPr>
-        <p:txBody>
-          <a:bodyPr anchorCtr="0" anchor="t" bIns="91425" lIns="91425" spcFirstLastPara="1" rIns="91425" wrap="square" tIns="91425">
-            <a:noAutofit/>
-          </a:bodyPr>
-          <a:lstStyle/>
-          <a:p>
-            <a:pPr indent="0" lvl="0" marL="0" rtl="0" algn="l">
-              <a:spcBef>
-                <a:spcPts val="0"/>
-              </a:spcBef>
-              <a:spcAft>
-                <a:spcPts val="0"/>
-              </a:spcAft>
-              <a:buNone/>
-            </a:pPr>
-            <a:r>
-              <a:rPr lang="fr">
-                <a:highlight>
-                  <a:srgbClr val="FF0000"/>
-                </a:highlight>
-              </a:rPr>
-              <a:t>POUR </a:t>
-            </a:r>
-            <a:r>
-              <a:rPr lang="fr">
-                <a:highlight>
-                  <a:srgbClr val="FF0000"/>
-                </a:highlight>
-              </a:rPr>
-              <a:t>PRÉSENTER</a:t>
-            </a:r>
-            <a:r>
-              <a:rPr lang="fr">
-                <a:highlight>
-                  <a:srgbClr val="FF0000"/>
-                </a:highlight>
-              </a:rPr>
-              <a:t> LES </a:t>
-            </a:r>
-            <a:r>
-              <a:rPr lang="fr">
-                <a:highlight>
-                  <a:srgbClr val="FF0000"/>
-                </a:highlight>
-              </a:rPr>
-              <a:t>FONCTIONNALITÉS</a:t>
-            </a:r>
-            <a:r>
-              <a:rPr lang="fr">
-                <a:highlight>
-                  <a:srgbClr val="FF0000"/>
-                </a:highlight>
-              </a:rPr>
-              <a:t> VOIR “</a:t>
-            </a:r>
-            <a:r>
-              <a:rPr lang="fr">
-                <a:highlight>
-                  <a:srgbClr val="FF0000"/>
-                </a:highlight>
-              </a:rPr>
-              <a:t>PÉRIMÈTRE</a:t>
-            </a:r>
-            <a:r>
-              <a:rPr lang="fr">
-                <a:highlight>
-                  <a:srgbClr val="FF0000"/>
-                </a:highlight>
-              </a:rPr>
-              <a:t> DU PROJET SUR LE DOC”</a:t>
-            </a:r>
-            <a:endParaRPr>
-              <a:highlight>
-                <a:srgbClr val="FF0000"/>
-              </a:highlight>
-            </a:endParaRPr>
-          </a:p>
-        </p:txBody>
-      </p:sp>
-    </p:spTree>
-  </p:cSld>
-  <p:clrMapOvr>
-    <a:masterClrMapping/>
-  </p:clrMapOvr>
-</p:notes>
-</file>
-
-<file path=ppt/notesSlides/notesSlide7.xml><?xml version="1.0" encoding="utf-8"?>
-<p:notes xmlns:a="http://schemas.openxmlformats.org/drawingml/2006/main" xmlns:r="http://schemas.openxmlformats.org/officeDocument/2006/relationships" xmlns:mc="http://schemas.openxmlformats.org/markup-compatibility/2006" xmlns:mv="urn:schemas-microsoft-com:mac:vml" xmlns:p="http://schemas.openxmlformats.org/presentationml/2006/main" xmlns:c="http://schemas.openxmlformats.org/drawingml/2006/chart" xmlns:dgm="http://schemas.openxmlformats.org/drawingml/2006/diagram" xmlns:o="urn:schemas-microsoft-com:office:office" xmlns:v="urn:schemas-microsoft-com:vml" xmlns:pvml="urn:schemas-microsoft-com:office:powerpoint" xmlns:com="http://schemas.openxmlformats.org/drawingml/2006/compatibility" xmlns:p14="http://schemas.microsoft.com/office/powerpoint/2010/main" xmlns:p15="http://schemas.microsoft.com/office/powerpoint/2012/main" showMasterPhAnim="0" showMasterSp="0">
-  <p:cSld>
-    <p:spTree>
-      <p:nvGrpSpPr>
-        <p:cNvPr id="111" name="Shape 111"/>
-        <p:cNvGrpSpPr/>
-        <p:nvPr/>
-      </p:nvGrpSpPr>
-      <p:grpSpPr>
-        <a:xfrm>
-          <a:off x="0" y="0"/>
-          <a:ext cx="0" cy="0"/>
-          <a:chOff x="0" y="0"/>
-          <a:chExt cx="0" cy="0"/>
-        </a:xfrm>
-      </p:grpSpPr>
-      <p:sp>
-        <p:nvSpPr>
-          <p:cNvPr id="112" name="Google Shape;112;g498a79880c_2_46:notes"/>
-          <p:cNvSpPr/>
-          <p:nvPr>
-            <p:ph idx="2" type="sldImg"/>
-          </p:nvPr>
-        </p:nvSpPr>
-        <p:spPr>
-          <a:xfrm>
-            <a:off x="381300" y="685800"/>
-            <a:ext cx="6096000" cy="3429000"/>
-          </a:xfrm>
-          <a:custGeom>
-            <a:rect b="b" l="l" r="r" t="t"/>
-            <a:pathLst>
-              <a:path extrusionOk="0" h="120000" w="120000">
-                <a:moveTo>
-                  <a:pt x="0" y="0"/>
-                </a:moveTo>
-                <a:lnTo>
-                  <a:pt x="120000" y="0"/>
-                </a:lnTo>
-                <a:lnTo>
-                  <a:pt x="120000" y="120000"/>
-                </a:lnTo>
-                <a:lnTo>
-                  <a:pt x="0" y="120000"/>
-                </a:lnTo>
-                <a:close/>
-              </a:path>
-            </a:pathLst>
-          </a:custGeom>
-        </p:spPr>
-      </p:sp>
-      <p:sp>
-        <p:nvSpPr>
-          <p:cNvPr id="113" name="Google Shape;113;g498a79880c_2_46:notes"/>
-          <p:cNvSpPr txBox="1"/>
-          <p:nvPr>
-            <p:ph idx="1" type="body"/>
-          </p:nvPr>
-        </p:nvSpPr>
-        <p:spPr>
-          <a:xfrm>
-            <a:off x="685800" y="4343400"/>
-            <a:ext cx="5486400" cy="4114800"/>
-          </a:xfrm>
-          <a:prstGeom prst="rect">
-            <a:avLst/>
-          </a:prstGeom>
-        </p:spPr>
-        <p:txBody>
-          <a:bodyPr anchorCtr="0" anchor="t" bIns="91425" lIns="91425" spcFirstLastPara="1" rIns="91425" wrap="square" tIns="91425">
-            <a:noAutofit/>
-          </a:bodyPr>
-          <a:lstStyle/>
-          <a:p>
-            <a:pPr indent="0" lvl="0" marL="0" rtl="0" algn="l">
-              <a:spcBef>
-                <a:spcPts val="0"/>
-              </a:spcBef>
-              <a:spcAft>
-                <a:spcPts val="0"/>
-              </a:spcAft>
-              <a:buNone/>
-            </a:pPr>
-            <a:r>
-              <a:t/>
-            </a:r>
-            <a:endParaRPr/>
-          </a:p>
-        </p:txBody>
-      </p:sp>
-    </p:spTree>
-  </p:cSld>
-  <p:clrMapOvr>
-    <a:masterClrMapping/>
-  </p:clrMapOvr>
-</p:notes>
-</file>
-
-<file path=ppt/notesSlides/notesSlide8.xml><?xml version="1.0" encoding="utf-8"?>
-<p:notes xmlns:a="http://schemas.openxmlformats.org/drawingml/2006/main" xmlns:r="http://schemas.openxmlformats.org/officeDocument/2006/relationships" xmlns:mc="http://schemas.openxmlformats.org/markup-compatibility/2006" xmlns:mv="urn:schemas-microsoft-com:mac:vml" xmlns:p="http://schemas.openxmlformats.org/presentationml/2006/main" xmlns:c="http://schemas.openxmlformats.org/drawingml/2006/chart" xmlns:dgm="http://schemas.openxmlformats.org/drawingml/2006/diagram" xmlns:o="urn:schemas-microsoft-com:office:office" xmlns:v="urn:schemas-microsoft-com:vml" xmlns:pvml="urn:schemas-microsoft-com:office:powerpoint" xmlns:com="http://schemas.openxmlformats.org/drawingml/2006/compatibility" xmlns:p14="http://schemas.microsoft.com/office/powerpoint/2010/main" xmlns:p15="http://schemas.microsoft.com/office/powerpoint/2012/main" showMasterPhAnim="0" showMasterSp="0">
-  <p:cSld>
-    <p:spTree>
-      <p:nvGrpSpPr>
-        <p:cNvPr id="120" name="Shape 120"/>
-        <p:cNvGrpSpPr/>
-        <p:nvPr/>
-      </p:nvGrpSpPr>
-      <p:grpSpPr>
-        <a:xfrm>
-          <a:off x="0" y="0"/>
-          <a:ext cx="0" cy="0"/>
-          <a:chOff x="0" y="0"/>
-          <a:chExt cx="0" cy="0"/>
-        </a:xfrm>
-      </p:grpSpPr>
-      <p:sp>
-        <p:nvSpPr>
-          <p:cNvPr id="121" name="Google Shape;121;g497eb8c94f_0_5:notes"/>
-          <p:cNvSpPr/>
-          <p:nvPr>
-            <p:ph idx="2" type="sldImg"/>
-          </p:nvPr>
-        </p:nvSpPr>
-        <p:spPr>
-          <a:xfrm>
-            <a:off x="381300" y="685800"/>
-            <a:ext cx="6096000" cy="3429000"/>
-          </a:xfrm>
-          <a:custGeom>
-            <a:rect b="b" l="l" r="r" t="t"/>
-            <a:pathLst>
-              <a:path extrusionOk="0" h="120000" w="120000">
-                <a:moveTo>
-                  <a:pt x="0" y="0"/>
-                </a:moveTo>
-                <a:lnTo>
-                  <a:pt x="120000" y="0"/>
-                </a:lnTo>
-                <a:lnTo>
-                  <a:pt x="120000" y="120000"/>
-                </a:lnTo>
-                <a:lnTo>
-                  <a:pt x="0" y="120000"/>
-                </a:lnTo>
-                <a:close/>
-              </a:path>
-            </a:pathLst>
-          </a:custGeom>
-        </p:spPr>
-      </p:sp>
-      <p:sp>
-        <p:nvSpPr>
-          <p:cNvPr id="122" name="Google Shape;122;g497eb8c94f_0_5:notes"/>
-          <p:cNvSpPr txBox="1"/>
-          <p:nvPr>
-            <p:ph idx="1" type="body"/>
-          </p:nvPr>
-        </p:nvSpPr>
-        <p:spPr>
-          <a:xfrm>
-            <a:off x="685800" y="4343400"/>
-            <a:ext cx="5486400" cy="4114800"/>
-          </a:xfrm>
-          <a:prstGeom prst="rect">
-            <a:avLst/>
-          </a:prstGeom>
-        </p:spPr>
-        <p:txBody>
-          <a:bodyPr anchorCtr="0" anchor="t" bIns="91425" lIns="91425" spcFirstLastPara="1" rIns="91425" wrap="square" tIns="91425">
-            <a:noAutofit/>
-          </a:bodyPr>
-          <a:lstStyle/>
-          <a:p>
-            <a:pPr indent="0" lvl="0" marL="0" rtl="0" algn="l">
-              <a:spcBef>
-                <a:spcPts val="0"/>
-              </a:spcBef>
-              <a:spcAft>
-                <a:spcPts val="0"/>
-              </a:spcAft>
-              <a:buNone/>
-            </a:pPr>
-            <a:r>
-              <a:rPr b="1" lang="fr">
-                <a:highlight>
-                  <a:srgbClr val="FFFFFF"/>
-                </a:highlight>
-              </a:rPr>
-              <a:t>Transition</a:t>
-            </a:r>
-            <a:endParaRPr b="1">
-              <a:highlight>
-                <a:srgbClr val="FFFFFF"/>
-              </a:highlight>
-            </a:endParaRPr>
-          </a:p>
-        </p:txBody>
-      </p:sp>
-    </p:spTree>
-  </p:cSld>
-  <p:clrMapOvr>
-    <a:masterClrMapping/>
-  </p:clrMapOvr>
-</p:notes>
-</file>
-
-<file path=ppt/notesSlides/notesSlide9.xml><?xml version="1.0" encoding="utf-8"?>
-<p:notes xmlns:a="http://schemas.openxmlformats.org/drawingml/2006/main" xmlns:r="http://schemas.openxmlformats.org/officeDocument/2006/relationships" xmlns:mc="http://schemas.openxmlformats.org/markup-compatibility/2006" xmlns:mv="urn:schemas-microsoft-com:mac:vml" xmlns:p="http://schemas.openxmlformats.org/presentationml/2006/main" xmlns:c="http://schemas.openxmlformats.org/drawingml/2006/chart" xmlns:dgm="http://schemas.openxmlformats.org/drawingml/2006/diagram" xmlns:o="urn:schemas-microsoft-com:office:office" xmlns:v="urn:schemas-microsoft-com:vml" xmlns:pvml="urn:schemas-microsoft-com:office:powerpoint" xmlns:com="http://schemas.openxmlformats.org/drawingml/2006/compatibility" xmlns:p14="http://schemas.microsoft.com/office/powerpoint/2010/main" xmlns:p15="http://schemas.microsoft.com/office/powerpoint/2012/main" showMasterPhAnim="0" showMasterSp="0">
-  <p:cSld>
-    <p:spTree>
-      <p:nvGrpSpPr>
-        <p:cNvPr id="131" name="Shape 131"/>
-        <p:cNvGrpSpPr/>
-        <p:nvPr/>
-      </p:nvGrpSpPr>
-      <p:grpSpPr>
-        <a:xfrm>
-          <a:off x="0" y="0"/>
-          <a:ext cx="0" cy="0"/>
-          <a:chOff x="0" y="0"/>
-          <a:chExt cx="0" cy="0"/>
-        </a:xfrm>
-      </p:grpSpPr>
-      <p:sp>
-        <p:nvSpPr>
-          <p:cNvPr id="132" name="Google Shape;132;g4625b50fbe_0_0:notes"/>
-          <p:cNvSpPr/>
-          <p:nvPr>
-            <p:ph idx="2" type="sldImg"/>
-          </p:nvPr>
-        </p:nvSpPr>
-        <p:spPr>
-          <a:xfrm>
-            <a:off x="381300" y="685800"/>
-            <a:ext cx="6096000" cy="3429000"/>
-          </a:xfrm>
-          <a:custGeom>
-            <a:rect b="b" l="l" r="r" t="t"/>
-            <a:pathLst>
-              <a:path extrusionOk="0" h="120000" w="120000">
-                <a:moveTo>
-                  <a:pt x="0" y="0"/>
-                </a:moveTo>
-                <a:lnTo>
-                  <a:pt x="120000" y="0"/>
-                </a:lnTo>
-                <a:lnTo>
-                  <a:pt x="120000" y="120000"/>
-                </a:lnTo>
-                <a:lnTo>
-                  <a:pt x="0" y="120000"/>
-                </a:lnTo>
-                <a:close/>
-              </a:path>
-            </a:pathLst>
-          </a:custGeom>
-        </p:spPr>
-      </p:sp>
-      <p:sp>
-        <p:nvSpPr>
-          <p:cNvPr id="133" name="Google Shape;133;g4625b50fbe_0_0:notes"/>
-          <p:cNvSpPr txBox="1"/>
-          <p:nvPr>
-            <p:ph idx="1" type="body"/>
-          </p:nvPr>
-        </p:nvSpPr>
-        <p:spPr>
-          <a:xfrm>
-            <a:off x="685800" y="4343400"/>
-            <a:ext cx="5486400" cy="4114800"/>
-          </a:xfrm>
-          <a:prstGeom prst="rect">
-            <a:avLst/>
-          </a:prstGeom>
-        </p:spPr>
-        <p:txBody>
-          <a:bodyPr anchorCtr="0" anchor="t" bIns="91425" lIns="91425" spcFirstLastPara="1" rIns="91425" wrap="square" tIns="91425">
-            <a:noAutofit/>
-          </a:bodyPr>
-          <a:lstStyle/>
-          <a:p>
-            <a:pPr indent="0" lvl="0" marL="0" rtl="0" algn="l">
-              <a:spcBef>
-                <a:spcPts val="0"/>
-              </a:spcBef>
-              <a:spcAft>
-                <a:spcPts val="0"/>
-              </a:spcAft>
-              <a:buNone/>
-            </a:pPr>
-            <a:r>
-              <a:rPr lang="fr"/>
-              <a:t>Codingame :</a:t>
-            </a:r>
-            <a:endParaRPr/>
-          </a:p>
-          <a:p>
-            <a:pPr indent="-298450" lvl="0" marL="457200" rtl="0" algn="l">
-              <a:spcBef>
-                <a:spcPts val="0"/>
-              </a:spcBef>
-              <a:spcAft>
-                <a:spcPts val="0"/>
-              </a:spcAft>
-              <a:buSzPts val="1100"/>
-              <a:buChar char="-"/>
-            </a:pPr>
-            <a:r>
-              <a:rPr lang="fr"/>
-              <a:t>Objectifs : tourner un véhicule, qui attaquer, …</a:t>
-            </a:r>
-            <a:endParaRPr/>
-          </a:p>
-          <a:p>
-            <a:pPr indent="-298450" lvl="0" marL="457200" rtl="0" algn="l">
-              <a:spcBef>
-                <a:spcPts val="0"/>
-              </a:spcBef>
-              <a:spcAft>
-                <a:spcPts val="0"/>
-              </a:spcAft>
-              <a:buSzPts val="1100"/>
-              <a:buChar char="-"/>
-            </a:pPr>
-            <a:r>
-              <a:rPr lang="fr"/>
-              <a:t>Test de son code : Le jeu réagis selon ce que l’étudiant code, il aura un </a:t>
-            </a:r>
-            <a:r>
-              <a:rPr lang="fr"/>
-              <a:t>résultat</a:t>
-            </a:r>
-            <a:r>
-              <a:rPr lang="fr"/>
-              <a:t> selon ca (notamment un temps, et la réussite de l’objectif)</a:t>
-            </a:r>
-            <a:endParaRPr/>
-          </a:p>
-          <a:p>
-            <a:pPr indent="0" lvl="0" marL="0" rtl="0" algn="l">
-              <a:spcBef>
-                <a:spcPts val="0"/>
-              </a:spcBef>
-              <a:spcAft>
-                <a:spcPts val="0"/>
-              </a:spcAft>
-              <a:buNone/>
-            </a:pPr>
-            <a:r>
-              <a:rPr lang="fr"/>
-              <a:t>Sololearn : </a:t>
-            </a:r>
-            <a:endParaRPr/>
-          </a:p>
-          <a:p>
-            <a:pPr indent="-298450" lvl="0" marL="457200" rtl="0" algn="l">
-              <a:spcBef>
-                <a:spcPts val="0"/>
-              </a:spcBef>
-              <a:spcAft>
-                <a:spcPts val="0"/>
-              </a:spcAft>
-              <a:buSzPts val="1100"/>
-              <a:buChar char="-"/>
-            </a:pPr>
-            <a:r>
-              <a:rPr lang="fr"/>
-              <a:t>Un cours spécifique à une fonctionnalité, un exercice sur ce cours</a:t>
-            </a:r>
-            <a:endParaRPr/>
-          </a:p>
-          <a:p>
-            <a:pPr indent="-298450" lvl="0" marL="457200" rtl="0" algn="l">
-              <a:spcBef>
-                <a:spcPts val="0"/>
-              </a:spcBef>
-              <a:spcAft>
-                <a:spcPts val="0"/>
-              </a:spcAft>
-              <a:buSzPts val="1100"/>
-              <a:buChar char="-"/>
-            </a:pPr>
-            <a:r>
-              <a:rPr lang="fr"/>
-              <a:t>Exercices texte à trou, objectif = par exemple “Afficher bonjour”</a:t>
-            </a:r>
-            <a:endParaRPr/>
-          </a:p>
-          <a:p>
-            <a:pPr indent="-298450" lvl="0" marL="457200" rtl="0" algn="l">
-              <a:spcBef>
-                <a:spcPts val="0"/>
-              </a:spcBef>
-              <a:spcAft>
-                <a:spcPts val="0"/>
-              </a:spcAft>
-              <a:buSzPts val="1100"/>
-              <a:buChar char="-"/>
-            </a:pPr>
-            <a:r>
-              <a:rPr lang="fr"/>
-              <a:t>Une seule résolution possible (nom des variables déjà mises, tout préparer…)</a:t>
-            </a:r>
             <a:endParaRPr/>
           </a:p>
         </p:txBody>
@@ -2437,11 +1270,11 @@
 </file>
 
 <file path=ppt/slideLayouts/slideLayout1.xml><?xml version="1.0" encoding="utf-8"?>
-<p:sldLayout xmlns:a="http://schemas.openxmlformats.org/drawingml/2006/main" xmlns:r="http://schemas.openxmlformats.org/officeDocument/2006/relationships" xmlns:mc="http://schemas.openxmlformats.org/markup-compatibility/2006" xmlns:mv="urn:schemas-microsoft-com:mac:vml" xmlns:p="http://schemas.openxmlformats.org/presentationml/2006/main" xmlns:c="http://schemas.openxmlformats.org/drawingml/2006/chart" xmlns:dgm="http://schemas.openxmlformats.org/drawingml/2006/diagram" xmlns:o="urn:schemas-microsoft-com:office:office" xmlns:v="urn:schemas-microsoft-com:vml" xmlns:pvml="urn:schemas-microsoft-com:office:powerpoint" xmlns:com="http://schemas.openxmlformats.org/drawingml/2006/compatibility" xmlns:p14="http://schemas.microsoft.com/office/powerpoint/2010/main" xmlns:p15="http://schemas.microsoft.com/office/powerpoint/2012/main" matchingName="Title slide" type="title">
+<p:sldLayout xmlns:a="http://schemas.openxmlformats.org/drawingml/2006/main" xmlns:r="http://schemas.openxmlformats.org/officeDocument/2006/relationships" xmlns:p="http://schemas.openxmlformats.org/presentationml/2006/main" matchingName="Title slide" type="title">
   <p:cSld name="TITLE">
     <p:spTree>
       <p:nvGrpSpPr>
-        <p:cNvPr id="9" name="Shape 9"/>
+        <p:cNvPr id="1" name="Shape 9"/>
         <p:cNvGrpSpPr/>
         <p:nvPr/>
       </p:nvGrpSpPr>
@@ -2465,9 +1298,13 @@
             <a:ext cx="1081625" cy="1124950"/>
           </a:xfrm>
           <a:custGeom>
-            <a:rect b="b" l="l" r="r" t="t"/>
+            <a:avLst/>
+            <a:gdLst/>
+            <a:ahLst/>
+            <a:cxnLst/>
+            <a:rect l="l" t="t" r="r" b="b"/>
             <a:pathLst>
-              <a:path extrusionOk="0" h="44998" w="43265">
+              <a:path w="43265" h="44998" extrusionOk="0">
                 <a:moveTo>
                   <a:pt x="0" y="44998"/>
                 </a:moveTo>
@@ -2481,14 +1318,14 @@
             </a:pathLst>
           </a:custGeom>
           <a:noFill/>
-          <a:ln cap="flat" cmpd="sng" w="28575">
+          <a:ln w="28575" cap="flat" cmpd="sng">
             <a:solidFill>
               <a:schemeClr val="lt2"/>
             </a:solidFill>
             <a:prstDash val="solid"/>
             <a:miter lim="8000"/>
-            <a:headEnd len="sm" w="sm" type="none"/>
-            <a:tailEnd len="sm" w="sm" type="none"/>
+            <a:headEnd type="none" w="sm" len="sm"/>
+            <a:tailEnd type="none" w="sm" len="sm"/>
           </a:ln>
         </p:spPr>
       </p:sp>
@@ -2504,9 +1341,13 @@
             <a:ext cx="1081625" cy="1124950"/>
           </a:xfrm>
           <a:custGeom>
-            <a:rect b="b" l="l" r="r" t="t"/>
+            <a:avLst/>
+            <a:gdLst/>
+            <a:ahLst/>
+            <a:cxnLst/>
+            <a:rect l="l" t="t" r="r" b="b"/>
             <a:pathLst>
-              <a:path extrusionOk="0" h="44998" w="43265">
+              <a:path w="43265" h="44998" extrusionOk="0">
                 <a:moveTo>
                   <a:pt x="0" y="44998"/>
                 </a:moveTo>
@@ -2520,21 +1361,23 @@
             </a:pathLst>
           </a:custGeom>
           <a:noFill/>
-          <a:ln cap="flat" cmpd="sng" w="28575">
+          <a:ln w="28575" cap="flat" cmpd="sng">
             <a:solidFill>
               <a:schemeClr val="lt2"/>
             </a:solidFill>
             <a:prstDash val="solid"/>
             <a:miter lim="8000"/>
-            <a:headEnd len="sm" w="sm" type="none"/>
-            <a:tailEnd len="sm" w="sm" type="none"/>
+            <a:headEnd type="none" w="sm" len="sm"/>
+            <a:tailEnd type="none" w="sm" len="sm"/>
           </a:ln>
         </p:spPr>
       </p:sp>
       <p:sp>
         <p:nvSpPr>
           <p:cNvPr id="12" name="Google Shape;12;p2"/>
-          <p:cNvSpPr txBox="1"/>
+          <p:cNvSpPr txBox="1">
+            <a:spLocks noGrp="1"/>
+          </p:cNvSpPr>
           <p:nvPr>
             <p:ph type="ctrTitle"/>
           </p:nvPr>
@@ -2549,7 +1392,7 @@
           </a:prstGeom>
         </p:spPr>
         <p:txBody>
-          <a:bodyPr anchorCtr="0" anchor="b" bIns="91425" lIns="91425" spcFirstLastPara="1" rIns="91425" wrap="square" tIns="91425"/>
+          <a:bodyPr spcFirstLastPara="1" wrap="square" lIns="91425" tIns="91425" rIns="91425" bIns="91425" anchor="b" anchorCtr="0"/>
           <a:lstStyle>
             <a:lvl1pPr lvl="0" algn="ctr">
               <a:spcBef>
@@ -2651,15 +1494,19 @@
               <a:defRPr/>
             </a:lvl9pPr>
           </a:lstStyle>
-          <a:p/>
+          <a:p>
+            <a:endParaRPr/>
+          </a:p>
         </p:txBody>
       </p:sp>
       <p:sp>
         <p:nvSpPr>
           <p:cNvPr id="13" name="Google Shape;13;p2"/>
-          <p:cNvSpPr txBox="1"/>
+          <p:cNvSpPr txBox="1">
+            <a:spLocks noGrp="1"/>
+          </p:cNvSpPr>
           <p:nvPr>
-            <p:ph idx="1" type="subTitle"/>
+            <p:ph type="subTitle" idx="1"/>
           </p:nvPr>
         </p:nvSpPr>
         <p:spPr>
@@ -2672,7 +1519,7 @@
           </a:prstGeom>
         </p:spPr>
         <p:txBody>
-          <a:bodyPr anchorCtr="0" anchor="t" bIns="91425" lIns="91425" spcFirstLastPara="1" rIns="91425" wrap="square" tIns="91425"/>
+          <a:bodyPr spcFirstLastPara="1" wrap="square" lIns="91425" tIns="91425" rIns="91425" bIns="91425" anchor="t" anchorCtr="0"/>
           <a:lstStyle>
             <a:lvl1pPr lvl="0" algn="ctr">
               <a:lnSpc>
@@ -2855,15 +1702,19 @@
               </a:defRPr>
             </a:lvl9pPr>
           </a:lstStyle>
-          <a:p/>
+          <a:p>
+            <a:endParaRPr/>
+          </a:p>
         </p:txBody>
       </p:sp>
       <p:sp>
         <p:nvSpPr>
           <p:cNvPr id="14" name="Google Shape;14;p2"/>
-          <p:cNvSpPr txBox="1"/>
+          <p:cNvSpPr txBox="1">
+            <a:spLocks noGrp="1"/>
+          </p:cNvSpPr>
           <p:nvPr>
-            <p:ph idx="12" type="sldNum"/>
+            <p:ph type="sldNum" idx="12"/>
           </p:nvPr>
         </p:nvSpPr>
         <p:spPr>
@@ -2876,7 +1727,7 @@
           </a:prstGeom>
         </p:spPr>
         <p:txBody>
-          <a:bodyPr anchorCtr="0" anchor="ctr" bIns="91425" lIns="91425" spcFirstLastPara="1" rIns="91425" wrap="square" tIns="91425">
+          <a:bodyPr spcFirstLastPara="1" wrap="square" lIns="91425" tIns="91425" rIns="91425" bIns="91425" anchor="ctr" anchorCtr="0">
             <a:noAutofit/>
           </a:bodyPr>
           <a:lstStyle>
@@ -2918,7 +1769,7 @@
             </a:lvl9pPr>
           </a:lstStyle>
           <a:p>
-            <a:pPr indent="0" lvl="0" marL="0" rtl="0" algn="r">
+            <a:pPr marL="0" lvl="0" indent="0" algn="r" rtl="0">
               <a:spcBef>
                 <a:spcPts val="0"/>
               </a:spcBef>
@@ -2929,7 +1780,7 @@
             </a:pPr>
             <a:fld id="{00000000-1234-1234-1234-123412341234}" type="slidenum">
               <a:rPr lang="fr"/>
-              <a:t>‹#›</a:t>
+              <a:t>‹N°›</a:t>
             </a:fld>
             <a:endParaRPr/>
           </a:p>
@@ -2944,11 +1795,11 @@
 </file>
 
 <file path=ppt/slideLayouts/slideLayout10.xml><?xml version="1.0" encoding="utf-8"?>
-<p:sldLayout xmlns:a="http://schemas.openxmlformats.org/drawingml/2006/main" xmlns:r="http://schemas.openxmlformats.org/officeDocument/2006/relationships" xmlns:mc="http://schemas.openxmlformats.org/markup-compatibility/2006" xmlns:mv="urn:schemas-microsoft-com:mac:vml" xmlns:p="http://schemas.openxmlformats.org/presentationml/2006/main" xmlns:c="http://schemas.openxmlformats.org/drawingml/2006/chart" xmlns:dgm="http://schemas.openxmlformats.org/drawingml/2006/diagram" xmlns:o="urn:schemas-microsoft-com:office:office" xmlns:v="urn:schemas-microsoft-com:vml" xmlns:pvml="urn:schemas-microsoft-com:office:powerpoint" xmlns:com="http://schemas.openxmlformats.org/drawingml/2006/compatibility" xmlns:p14="http://schemas.microsoft.com/office/powerpoint/2010/main" xmlns:p15="http://schemas.microsoft.com/office/powerpoint/2012/main" matchingName="Big number">
+<p:sldLayout xmlns:a="http://schemas.openxmlformats.org/drawingml/2006/main" xmlns:r="http://schemas.openxmlformats.org/officeDocument/2006/relationships" xmlns:p="http://schemas.openxmlformats.org/presentationml/2006/main" matchingName="Big number">
   <p:cSld name="BIG_NUMBER">
     <p:spTree>
       <p:nvGrpSpPr>
-        <p:cNvPr id="51" name="Shape 51"/>
+        <p:cNvPr id="1" name="Shape 51"/>
         <p:cNvGrpSpPr/>
         <p:nvPr/>
       </p:nvGrpSpPr>
@@ -2982,12 +1833,12 @@
           </a:ln>
         </p:spPr>
         <p:txBody>
-          <a:bodyPr anchorCtr="0" anchor="ctr" bIns="91425" lIns="91425" spcFirstLastPara="1" rIns="91425" wrap="square" tIns="91425">
+          <a:bodyPr spcFirstLastPara="1" wrap="square" lIns="91425" tIns="91425" rIns="91425" bIns="91425" anchor="ctr" anchorCtr="0">
             <a:noAutofit/>
           </a:bodyPr>
           <a:lstStyle/>
           <a:p>
-            <a:pPr indent="0" lvl="0" marL="0" rtl="0" algn="l">
+            <a:pPr marL="0" lvl="0" indent="0" algn="l" rtl="0">
               <a:spcBef>
                 <a:spcPts val="0"/>
               </a:spcBef>
@@ -2996,9 +1847,6 @@
               </a:spcAft>
               <a:buNone/>
             </a:pPr>
-            <a:r>
-              <a:t/>
-            </a:r>
             <a:endParaRPr/>
           </a:p>
         </p:txBody>
@@ -3006,9 +1854,11 @@
       <p:sp>
         <p:nvSpPr>
           <p:cNvPr id="53" name="Google Shape;53;p11"/>
-          <p:cNvSpPr txBox="1"/>
+          <p:cNvSpPr txBox="1">
+            <a:spLocks noGrp="1"/>
+          </p:cNvSpPr>
           <p:nvPr>
-            <p:ph hasCustomPrompt="1" type="title"/>
+            <p:ph type="title" hasCustomPrompt="1"/>
           </p:nvPr>
         </p:nvSpPr>
         <p:spPr>
@@ -3021,7 +1871,7 @@
           </a:prstGeom>
         </p:spPr>
         <p:txBody>
-          <a:bodyPr anchorCtr="0" anchor="ctr" bIns="91425" lIns="91425" spcFirstLastPara="1" rIns="91425" wrap="square" tIns="91425"/>
+          <a:bodyPr spcFirstLastPara="1" wrap="square" lIns="91425" tIns="91425" rIns="91425" bIns="91425" anchor="ctr" anchorCtr="0"/>
           <a:lstStyle>
             <a:lvl1pPr lvl="0" algn="ctr">
               <a:spcBef>
@@ -3196,9 +2046,11 @@
       <p:sp>
         <p:nvSpPr>
           <p:cNvPr id="54" name="Google Shape;54;p11"/>
-          <p:cNvSpPr txBox="1"/>
+          <p:cNvSpPr txBox="1">
+            <a:spLocks noGrp="1"/>
+          </p:cNvSpPr>
           <p:nvPr>
-            <p:ph idx="1" type="body"/>
+            <p:ph type="body" idx="1"/>
           </p:nvPr>
         </p:nvSpPr>
         <p:spPr>
@@ -3211,9 +2063,9 @@
           </a:prstGeom>
         </p:spPr>
         <p:txBody>
-          <a:bodyPr anchorCtr="0" anchor="t" bIns="91425" lIns="91425" spcFirstLastPara="1" rIns="91425" wrap="square" tIns="91425"/>
+          <a:bodyPr spcFirstLastPara="1" wrap="square" lIns="91425" tIns="91425" rIns="91425" bIns="91425" anchor="t" anchorCtr="0"/>
           <a:lstStyle>
-            <a:lvl1pPr indent="-342900" lvl="0" marL="457200" algn="ctr">
+            <a:lvl1pPr marL="457200" lvl="0" indent="-342900" algn="ctr">
               <a:spcBef>
                 <a:spcPts val="0"/>
               </a:spcBef>
@@ -3224,7 +2076,7 @@
               <a:buChar char="●"/>
               <a:defRPr/>
             </a:lvl1pPr>
-            <a:lvl2pPr indent="-317500" lvl="1" marL="914400" algn="ctr">
+            <a:lvl2pPr marL="914400" lvl="1" indent="-317500" algn="ctr">
               <a:spcBef>
                 <a:spcPts val="1600"/>
               </a:spcBef>
@@ -3235,7 +2087,7 @@
               <a:buChar char="○"/>
               <a:defRPr/>
             </a:lvl2pPr>
-            <a:lvl3pPr indent="-317500" lvl="2" marL="1371600" algn="ctr">
+            <a:lvl3pPr marL="1371600" lvl="2" indent="-317500" algn="ctr">
               <a:spcBef>
                 <a:spcPts val="1600"/>
               </a:spcBef>
@@ -3246,7 +2098,7 @@
               <a:buChar char="■"/>
               <a:defRPr/>
             </a:lvl3pPr>
-            <a:lvl4pPr indent="-317500" lvl="3" marL="1828800" algn="ctr">
+            <a:lvl4pPr marL="1828800" lvl="3" indent="-317500" algn="ctr">
               <a:spcBef>
                 <a:spcPts val="1600"/>
               </a:spcBef>
@@ -3257,7 +2109,7 @@
               <a:buChar char="●"/>
               <a:defRPr/>
             </a:lvl4pPr>
-            <a:lvl5pPr indent="-317500" lvl="4" marL="2286000" algn="ctr">
+            <a:lvl5pPr marL="2286000" lvl="4" indent="-317500" algn="ctr">
               <a:spcBef>
                 <a:spcPts val="1600"/>
               </a:spcBef>
@@ -3268,7 +2120,7 @@
               <a:buChar char="○"/>
               <a:defRPr/>
             </a:lvl5pPr>
-            <a:lvl6pPr indent="-317500" lvl="5" marL="2743200" algn="ctr">
+            <a:lvl6pPr marL="2743200" lvl="5" indent="-317500" algn="ctr">
               <a:spcBef>
                 <a:spcPts val="1600"/>
               </a:spcBef>
@@ -3279,7 +2131,7 @@
               <a:buChar char="■"/>
               <a:defRPr/>
             </a:lvl6pPr>
-            <a:lvl7pPr indent="-317500" lvl="6" marL="3200400" algn="ctr">
+            <a:lvl7pPr marL="3200400" lvl="6" indent="-317500" algn="ctr">
               <a:spcBef>
                 <a:spcPts val="1600"/>
               </a:spcBef>
@@ -3290,7 +2142,7 @@
               <a:buChar char="●"/>
               <a:defRPr/>
             </a:lvl7pPr>
-            <a:lvl8pPr indent="-317500" lvl="7" marL="3657600" algn="ctr">
+            <a:lvl8pPr marL="3657600" lvl="7" indent="-317500" algn="ctr">
               <a:spcBef>
                 <a:spcPts val="1600"/>
               </a:spcBef>
@@ -3301,7 +2153,7 @@
               <a:buChar char="○"/>
               <a:defRPr/>
             </a:lvl8pPr>
-            <a:lvl9pPr indent="-317500" lvl="8" marL="4114800" algn="ctr">
+            <a:lvl9pPr marL="4114800" lvl="8" indent="-317500" algn="ctr">
               <a:spcBef>
                 <a:spcPts val="1600"/>
               </a:spcBef>
@@ -3313,15 +2165,19 @@
               <a:defRPr/>
             </a:lvl9pPr>
           </a:lstStyle>
-          <a:p/>
+          <a:p>
+            <a:endParaRPr/>
+          </a:p>
         </p:txBody>
       </p:sp>
       <p:sp>
         <p:nvSpPr>
           <p:cNvPr id="55" name="Google Shape;55;p11"/>
-          <p:cNvSpPr txBox="1"/>
+          <p:cNvSpPr txBox="1">
+            <a:spLocks noGrp="1"/>
+          </p:cNvSpPr>
           <p:nvPr>
-            <p:ph idx="12" type="sldNum"/>
+            <p:ph type="sldNum" idx="12"/>
           </p:nvPr>
         </p:nvSpPr>
         <p:spPr>
@@ -3334,7 +2190,7 @@
           </a:prstGeom>
         </p:spPr>
         <p:txBody>
-          <a:bodyPr anchorCtr="0" anchor="ctr" bIns="91425" lIns="91425" spcFirstLastPara="1" rIns="91425" wrap="square" tIns="91425">
+          <a:bodyPr spcFirstLastPara="1" wrap="square" lIns="91425" tIns="91425" rIns="91425" bIns="91425" anchor="ctr" anchorCtr="0">
             <a:noAutofit/>
           </a:bodyPr>
           <a:lstStyle>
@@ -3376,7 +2232,7 @@
             </a:lvl9pPr>
           </a:lstStyle>
           <a:p>
-            <a:pPr indent="0" lvl="0" marL="0" rtl="0" algn="r">
+            <a:pPr marL="0" lvl="0" indent="0" algn="r" rtl="0">
               <a:spcBef>
                 <a:spcPts val="0"/>
               </a:spcBef>
@@ -3387,7 +2243,7 @@
             </a:pPr>
             <a:fld id="{00000000-1234-1234-1234-123412341234}" type="slidenum">
               <a:rPr lang="fr"/>
-              <a:t>‹#›</a:t>
+              <a:t>‹N°›</a:t>
             </a:fld>
             <a:endParaRPr/>
           </a:p>
@@ -3402,11 +2258,11 @@
 </file>
 
 <file path=ppt/slideLayouts/slideLayout11.xml><?xml version="1.0" encoding="utf-8"?>
-<p:sldLayout xmlns:a="http://schemas.openxmlformats.org/drawingml/2006/main" xmlns:r="http://schemas.openxmlformats.org/officeDocument/2006/relationships" xmlns:mc="http://schemas.openxmlformats.org/markup-compatibility/2006" xmlns:mv="urn:schemas-microsoft-com:mac:vml" xmlns:p="http://schemas.openxmlformats.org/presentationml/2006/main" xmlns:c="http://schemas.openxmlformats.org/drawingml/2006/chart" xmlns:dgm="http://schemas.openxmlformats.org/drawingml/2006/diagram" xmlns:o="urn:schemas-microsoft-com:office:office" xmlns:v="urn:schemas-microsoft-com:vml" xmlns:pvml="urn:schemas-microsoft-com:office:powerpoint" xmlns:com="http://schemas.openxmlformats.org/drawingml/2006/compatibility" xmlns:p14="http://schemas.microsoft.com/office/powerpoint/2010/main" xmlns:p15="http://schemas.microsoft.com/office/powerpoint/2012/main" matchingName="Blank" type="blank">
+<p:sldLayout xmlns:a="http://schemas.openxmlformats.org/drawingml/2006/main" xmlns:r="http://schemas.openxmlformats.org/officeDocument/2006/relationships" xmlns:p="http://schemas.openxmlformats.org/presentationml/2006/main" matchingName="Blank" type="blank">
   <p:cSld name="BLANK">
     <p:spTree>
       <p:nvGrpSpPr>
-        <p:cNvPr id="56" name="Shape 56"/>
+        <p:cNvPr id="1" name="Shape 56"/>
         <p:cNvGrpSpPr/>
         <p:nvPr/>
       </p:nvGrpSpPr>
@@ -3421,9 +2277,11 @@
       <p:sp>
         <p:nvSpPr>
           <p:cNvPr id="57" name="Google Shape;57;p12"/>
-          <p:cNvSpPr txBox="1"/>
+          <p:cNvSpPr txBox="1">
+            <a:spLocks noGrp="1"/>
+          </p:cNvSpPr>
           <p:nvPr>
-            <p:ph idx="12" type="sldNum"/>
+            <p:ph type="sldNum" idx="12"/>
           </p:nvPr>
         </p:nvSpPr>
         <p:spPr>
@@ -3436,7 +2294,7 @@
           </a:prstGeom>
         </p:spPr>
         <p:txBody>
-          <a:bodyPr anchorCtr="0" anchor="ctr" bIns="91425" lIns="91425" spcFirstLastPara="1" rIns="91425" wrap="square" tIns="91425">
+          <a:bodyPr spcFirstLastPara="1" wrap="square" lIns="91425" tIns="91425" rIns="91425" bIns="91425" anchor="ctr" anchorCtr="0">
             <a:noAutofit/>
           </a:bodyPr>
           <a:lstStyle>
@@ -3478,7 +2336,7 @@
             </a:lvl9pPr>
           </a:lstStyle>
           <a:p>
-            <a:pPr indent="0" lvl="0" marL="0" rtl="0" algn="r">
+            <a:pPr marL="0" lvl="0" indent="0" algn="r" rtl="0">
               <a:spcBef>
                 <a:spcPts val="0"/>
               </a:spcBef>
@@ -3489,7 +2347,7 @@
             </a:pPr>
             <a:fld id="{00000000-1234-1234-1234-123412341234}" type="slidenum">
               <a:rPr lang="fr"/>
-              <a:t>‹#›</a:t>
+              <a:t>‹N°›</a:t>
             </a:fld>
             <a:endParaRPr/>
           </a:p>
@@ -3504,11 +2362,11 @@
 </file>
 
 <file path=ppt/slideLayouts/slideLayout2.xml><?xml version="1.0" encoding="utf-8"?>
-<p:sldLayout xmlns:a="http://schemas.openxmlformats.org/drawingml/2006/main" xmlns:r="http://schemas.openxmlformats.org/officeDocument/2006/relationships" xmlns:mc="http://schemas.openxmlformats.org/markup-compatibility/2006" xmlns:mv="urn:schemas-microsoft-com:mac:vml" xmlns:p="http://schemas.openxmlformats.org/presentationml/2006/main" xmlns:c="http://schemas.openxmlformats.org/drawingml/2006/chart" xmlns:dgm="http://schemas.openxmlformats.org/drawingml/2006/diagram" xmlns:o="urn:schemas-microsoft-com:office:office" xmlns:v="urn:schemas-microsoft-com:vml" xmlns:pvml="urn:schemas-microsoft-com:office:powerpoint" xmlns:com="http://schemas.openxmlformats.org/drawingml/2006/compatibility" xmlns:p14="http://schemas.microsoft.com/office/powerpoint/2010/main" xmlns:p15="http://schemas.microsoft.com/office/powerpoint/2012/main" matchingName="Section header" type="secHead">
+<p:sldLayout xmlns:a="http://schemas.openxmlformats.org/drawingml/2006/main" xmlns:r="http://schemas.openxmlformats.org/officeDocument/2006/relationships" xmlns:p="http://schemas.openxmlformats.org/presentationml/2006/main" matchingName="Section header" type="secHead">
   <p:cSld name="SECTION_HEADER">
     <p:spTree>
       <p:nvGrpSpPr>
-        <p:cNvPr id="15" name="Shape 15"/>
+        <p:cNvPr id="1" name="Shape 15"/>
         <p:cNvGrpSpPr/>
         <p:nvPr/>
       </p:nvGrpSpPr>
@@ -3532,9 +2390,13 @@
             <a:ext cx="1081625" cy="1124950"/>
           </a:xfrm>
           <a:custGeom>
-            <a:rect b="b" l="l" r="r" t="t"/>
+            <a:avLst/>
+            <a:gdLst/>
+            <a:ahLst/>
+            <a:cxnLst/>
+            <a:rect l="l" t="t" r="r" b="b"/>
             <a:pathLst>
-              <a:path extrusionOk="0" h="44998" w="43265">
+              <a:path w="43265" h="44998" extrusionOk="0">
                 <a:moveTo>
                   <a:pt x="0" y="44998"/>
                 </a:moveTo>
@@ -3548,14 +2410,14 @@
             </a:pathLst>
           </a:custGeom>
           <a:noFill/>
-          <a:ln cap="flat" cmpd="sng" w="28575">
+          <a:ln w="28575" cap="flat" cmpd="sng">
             <a:solidFill>
               <a:schemeClr val="lt2"/>
             </a:solidFill>
             <a:prstDash val="solid"/>
             <a:miter lim="8000"/>
-            <a:headEnd len="sm" w="sm" type="none"/>
-            <a:tailEnd len="sm" w="sm" type="none"/>
+            <a:headEnd type="none" w="sm" len="sm"/>
+            <a:tailEnd type="none" w="sm" len="sm"/>
           </a:ln>
         </p:spPr>
       </p:sp>
@@ -3566,14 +2428,18 @@
           <p:nvPr/>
         </p:nvSpPr>
         <p:spPr>
-          <a:xfrm flipH="1" rot="10800000">
+          <a:xfrm rot="10800000" flipH="1">
             <a:off x="466425" y="3558325"/>
             <a:ext cx="1081625" cy="1124950"/>
           </a:xfrm>
           <a:custGeom>
-            <a:rect b="b" l="l" r="r" t="t"/>
+            <a:avLst/>
+            <a:gdLst/>
+            <a:ahLst/>
+            <a:cxnLst/>
+            <a:rect l="l" t="t" r="r" b="b"/>
             <a:pathLst>
-              <a:path extrusionOk="0" h="44998" w="43265">
+              <a:path w="43265" h="44998" extrusionOk="0">
                 <a:moveTo>
                   <a:pt x="0" y="44998"/>
                 </a:moveTo>
@@ -3587,21 +2453,23 @@
             </a:pathLst>
           </a:custGeom>
           <a:noFill/>
-          <a:ln cap="flat" cmpd="sng" w="28575">
+          <a:ln w="28575" cap="flat" cmpd="sng">
             <a:solidFill>
               <a:schemeClr val="lt2"/>
             </a:solidFill>
             <a:prstDash val="solid"/>
             <a:miter lim="8000"/>
-            <a:headEnd len="sm" w="sm" type="none"/>
-            <a:tailEnd len="sm" w="sm" type="none"/>
+            <a:headEnd type="none" w="sm" len="sm"/>
+            <a:tailEnd type="none" w="sm" len="sm"/>
           </a:ln>
         </p:spPr>
       </p:sp>
       <p:sp>
         <p:nvSpPr>
           <p:cNvPr id="18" name="Google Shape;18;p3"/>
-          <p:cNvSpPr txBox="1"/>
+          <p:cNvSpPr txBox="1">
+            <a:spLocks noGrp="1"/>
+          </p:cNvSpPr>
           <p:nvPr>
             <p:ph type="title"/>
           </p:nvPr>
@@ -3616,7 +2484,7 @@
           </a:prstGeom>
         </p:spPr>
         <p:txBody>
-          <a:bodyPr anchorCtr="0" anchor="ctr" bIns="91425" lIns="91425" spcFirstLastPara="1" rIns="91425" wrap="square" tIns="91425"/>
+          <a:bodyPr spcFirstLastPara="1" wrap="square" lIns="91425" tIns="91425" rIns="91425" bIns="91425" anchor="ctr" anchorCtr="0"/>
           <a:lstStyle>
             <a:lvl1pPr lvl="0" algn="ctr">
               <a:spcBef>
@@ -3718,15 +2586,19 @@
               <a:defRPr/>
             </a:lvl9pPr>
           </a:lstStyle>
-          <a:p/>
+          <a:p>
+            <a:endParaRPr/>
+          </a:p>
         </p:txBody>
       </p:sp>
       <p:sp>
         <p:nvSpPr>
           <p:cNvPr id="19" name="Google Shape;19;p3"/>
-          <p:cNvSpPr txBox="1"/>
+          <p:cNvSpPr txBox="1">
+            <a:spLocks noGrp="1"/>
+          </p:cNvSpPr>
           <p:nvPr>
-            <p:ph idx="12" type="sldNum"/>
+            <p:ph type="sldNum" idx="12"/>
           </p:nvPr>
         </p:nvSpPr>
         <p:spPr>
@@ -3739,7 +2611,7 @@
           </a:prstGeom>
         </p:spPr>
         <p:txBody>
-          <a:bodyPr anchorCtr="0" anchor="ctr" bIns="91425" lIns="91425" spcFirstLastPara="1" rIns="91425" wrap="square" tIns="91425">
+          <a:bodyPr spcFirstLastPara="1" wrap="square" lIns="91425" tIns="91425" rIns="91425" bIns="91425" anchor="ctr" anchorCtr="0">
             <a:noAutofit/>
           </a:bodyPr>
           <a:lstStyle>
@@ -3781,7 +2653,7 @@
             </a:lvl9pPr>
           </a:lstStyle>
           <a:p>
-            <a:pPr indent="0" lvl="0" marL="0" rtl="0" algn="r">
+            <a:pPr marL="0" lvl="0" indent="0" algn="r" rtl="0">
               <a:spcBef>
                 <a:spcPts val="0"/>
               </a:spcBef>
@@ -3792,7 +2664,7 @@
             </a:pPr>
             <a:fld id="{00000000-1234-1234-1234-123412341234}" type="slidenum">
               <a:rPr lang="fr"/>
-              <a:t>‹#›</a:t>
+              <a:t>‹N°›</a:t>
             </a:fld>
             <a:endParaRPr/>
           </a:p>
@@ -3807,11 +2679,11 @@
 </file>
 
 <file path=ppt/slideLayouts/slideLayout3.xml><?xml version="1.0" encoding="utf-8"?>
-<p:sldLayout xmlns:a="http://schemas.openxmlformats.org/drawingml/2006/main" xmlns:r="http://schemas.openxmlformats.org/officeDocument/2006/relationships" xmlns:mc="http://schemas.openxmlformats.org/markup-compatibility/2006" xmlns:mv="urn:schemas-microsoft-com:mac:vml" xmlns:p="http://schemas.openxmlformats.org/presentationml/2006/main" xmlns:c="http://schemas.openxmlformats.org/drawingml/2006/chart" xmlns:dgm="http://schemas.openxmlformats.org/drawingml/2006/diagram" xmlns:o="urn:schemas-microsoft-com:office:office" xmlns:v="urn:schemas-microsoft-com:vml" xmlns:pvml="urn:schemas-microsoft-com:office:powerpoint" xmlns:com="http://schemas.openxmlformats.org/drawingml/2006/compatibility" xmlns:p14="http://schemas.microsoft.com/office/powerpoint/2010/main" xmlns:p15="http://schemas.microsoft.com/office/powerpoint/2012/main" matchingName="Title and body" type="tx">
+<p:sldLayout xmlns:a="http://schemas.openxmlformats.org/drawingml/2006/main" xmlns:r="http://schemas.openxmlformats.org/officeDocument/2006/relationships" xmlns:p="http://schemas.openxmlformats.org/presentationml/2006/main" matchingName="Title and body" type="tx">
   <p:cSld name="TITLE_AND_BODY">
     <p:spTree>
       <p:nvGrpSpPr>
-        <p:cNvPr id="20" name="Shape 20"/>
+        <p:cNvPr id="1" name="Shape 20"/>
         <p:cNvGrpSpPr/>
         <p:nvPr/>
       </p:nvGrpSpPr>
@@ -3845,12 +2717,12 @@
           </a:ln>
         </p:spPr>
         <p:txBody>
-          <a:bodyPr anchorCtr="0" anchor="ctr" bIns="91425" lIns="91425" spcFirstLastPara="1" rIns="91425" wrap="square" tIns="91425">
+          <a:bodyPr spcFirstLastPara="1" wrap="square" lIns="91425" tIns="91425" rIns="91425" bIns="91425" anchor="ctr" anchorCtr="0">
             <a:noAutofit/>
           </a:bodyPr>
           <a:lstStyle/>
           <a:p>
-            <a:pPr indent="0" lvl="0" marL="0" rtl="0" algn="l">
+            <a:pPr marL="0" lvl="0" indent="0" algn="l" rtl="0">
               <a:spcBef>
                 <a:spcPts val="0"/>
               </a:spcBef>
@@ -3859,9 +2731,6 @@
               </a:spcAft>
               <a:buNone/>
             </a:pPr>
-            <a:r>
-              <a:t/>
-            </a:r>
             <a:endParaRPr/>
           </a:p>
         </p:txBody>
@@ -3869,7 +2738,9 @@
       <p:sp>
         <p:nvSpPr>
           <p:cNvPr id="22" name="Google Shape;22;p4"/>
-          <p:cNvSpPr txBox="1"/>
+          <p:cNvSpPr txBox="1">
+            <a:spLocks noGrp="1"/>
+          </p:cNvSpPr>
           <p:nvPr>
             <p:ph type="title"/>
           </p:nvPr>
@@ -3884,7 +2755,7 @@
           </a:prstGeom>
         </p:spPr>
         <p:txBody>
-          <a:bodyPr anchorCtr="0" anchor="b" bIns="91425" lIns="91425" spcFirstLastPara="1" rIns="91425" wrap="square" tIns="91425"/>
+          <a:bodyPr spcFirstLastPara="1" wrap="square" lIns="91425" tIns="91425" rIns="91425" bIns="91425" anchor="b" anchorCtr="0"/>
           <a:lstStyle>
             <a:lvl1pPr lvl="0">
               <a:spcBef>
@@ -3986,15 +2857,19 @@
               <a:defRPr/>
             </a:lvl9pPr>
           </a:lstStyle>
-          <a:p/>
+          <a:p>
+            <a:endParaRPr/>
+          </a:p>
         </p:txBody>
       </p:sp>
       <p:sp>
         <p:nvSpPr>
           <p:cNvPr id="23" name="Google Shape;23;p4"/>
-          <p:cNvSpPr txBox="1"/>
+          <p:cNvSpPr txBox="1">
+            <a:spLocks noGrp="1"/>
+          </p:cNvSpPr>
           <p:nvPr>
-            <p:ph idx="1" type="body"/>
+            <p:ph type="body" idx="1"/>
           </p:nvPr>
         </p:nvSpPr>
         <p:spPr>
@@ -4007,9 +2882,9 @@
           </a:prstGeom>
         </p:spPr>
         <p:txBody>
-          <a:bodyPr anchorCtr="0" anchor="t" bIns="91425" lIns="91425" spcFirstLastPara="1" rIns="91425" wrap="square" tIns="91425"/>
+          <a:bodyPr spcFirstLastPara="1" wrap="square" lIns="91425" tIns="91425" rIns="91425" bIns="91425" anchor="t" anchorCtr="0"/>
           <a:lstStyle>
-            <a:lvl1pPr indent="-342900" lvl="0" marL="457200">
+            <a:lvl1pPr marL="457200" lvl="0" indent="-342900">
               <a:spcBef>
                 <a:spcPts val="0"/>
               </a:spcBef>
@@ -4020,7 +2895,7 @@
               <a:buChar char="●"/>
               <a:defRPr/>
             </a:lvl1pPr>
-            <a:lvl2pPr indent="-317500" lvl="1" marL="914400">
+            <a:lvl2pPr marL="914400" lvl="1" indent="-317500">
               <a:spcBef>
                 <a:spcPts val="1600"/>
               </a:spcBef>
@@ -4031,7 +2906,7 @@
               <a:buChar char="○"/>
               <a:defRPr/>
             </a:lvl2pPr>
-            <a:lvl3pPr indent="-317500" lvl="2" marL="1371600">
+            <a:lvl3pPr marL="1371600" lvl="2" indent="-317500">
               <a:spcBef>
                 <a:spcPts val="1600"/>
               </a:spcBef>
@@ -4042,7 +2917,7 @@
               <a:buChar char="■"/>
               <a:defRPr/>
             </a:lvl3pPr>
-            <a:lvl4pPr indent="-317500" lvl="3" marL="1828800">
+            <a:lvl4pPr marL="1828800" lvl="3" indent="-317500">
               <a:spcBef>
                 <a:spcPts val="1600"/>
               </a:spcBef>
@@ -4053,7 +2928,7 @@
               <a:buChar char="●"/>
               <a:defRPr/>
             </a:lvl4pPr>
-            <a:lvl5pPr indent="-317500" lvl="4" marL="2286000">
+            <a:lvl5pPr marL="2286000" lvl="4" indent="-317500">
               <a:spcBef>
                 <a:spcPts val="1600"/>
               </a:spcBef>
@@ -4064,7 +2939,7 @@
               <a:buChar char="○"/>
               <a:defRPr/>
             </a:lvl5pPr>
-            <a:lvl6pPr indent="-317500" lvl="5" marL="2743200">
+            <a:lvl6pPr marL="2743200" lvl="5" indent="-317500">
               <a:spcBef>
                 <a:spcPts val="1600"/>
               </a:spcBef>
@@ -4075,7 +2950,7 @@
               <a:buChar char="■"/>
               <a:defRPr/>
             </a:lvl6pPr>
-            <a:lvl7pPr indent="-317500" lvl="6" marL="3200400">
+            <a:lvl7pPr marL="3200400" lvl="6" indent="-317500">
               <a:spcBef>
                 <a:spcPts val="1600"/>
               </a:spcBef>
@@ -4086,7 +2961,7 @@
               <a:buChar char="●"/>
               <a:defRPr/>
             </a:lvl7pPr>
-            <a:lvl8pPr indent="-317500" lvl="7" marL="3657600">
+            <a:lvl8pPr marL="3657600" lvl="7" indent="-317500">
               <a:spcBef>
                 <a:spcPts val="1600"/>
               </a:spcBef>
@@ -4097,7 +2972,7 @@
               <a:buChar char="○"/>
               <a:defRPr/>
             </a:lvl8pPr>
-            <a:lvl9pPr indent="-317500" lvl="8" marL="4114800">
+            <a:lvl9pPr marL="4114800" lvl="8" indent="-317500">
               <a:spcBef>
                 <a:spcPts val="1600"/>
               </a:spcBef>
@@ -4109,15 +2984,19 @@
               <a:defRPr/>
             </a:lvl9pPr>
           </a:lstStyle>
-          <a:p/>
+          <a:p>
+            <a:endParaRPr/>
+          </a:p>
         </p:txBody>
       </p:sp>
       <p:sp>
         <p:nvSpPr>
           <p:cNvPr id="24" name="Google Shape;24;p4"/>
-          <p:cNvSpPr txBox="1"/>
+          <p:cNvSpPr txBox="1">
+            <a:spLocks noGrp="1"/>
+          </p:cNvSpPr>
           <p:nvPr>
-            <p:ph idx="12" type="sldNum"/>
+            <p:ph type="sldNum" idx="12"/>
           </p:nvPr>
         </p:nvSpPr>
         <p:spPr>
@@ -4130,7 +3009,7 @@
           </a:prstGeom>
         </p:spPr>
         <p:txBody>
-          <a:bodyPr anchorCtr="0" anchor="ctr" bIns="91425" lIns="91425" spcFirstLastPara="1" rIns="91425" wrap="square" tIns="91425">
+          <a:bodyPr spcFirstLastPara="1" wrap="square" lIns="91425" tIns="91425" rIns="91425" bIns="91425" anchor="ctr" anchorCtr="0">
             <a:noAutofit/>
           </a:bodyPr>
           <a:lstStyle>
@@ -4172,7 +3051,7 @@
             </a:lvl9pPr>
           </a:lstStyle>
           <a:p>
-            <a:pPr indent="0" lvl="0" marL="0" rtl="0" algn="r">
+            <a:pPr marL="0" lvl="0" indent="0" algn="r" rtl="0">
               <a:spcBef>
                 <a:spcPts val="0"/>
               </a:spcBef>
@@ -4183,7 +3062,7 @@
             </a:pPr>
             <a:fld id="{00000000-1234-1234-1234-123412341234}" type="slidenum">
               <a:rPr lang="fr"/>
-              <a:t>‹#›</a:t>
+              <a:t>‹N°›</a:t>
             </a:fld>
             <a:endParaRPr/>
           </a:p>
@@ -4198,11 +3077,11 @@
 </file>
 
 <file path=ppt/slideLayouts/slideLayout4.xml><?xml version="1.0" encoding="utf-8"?>
-<p:sldLayout xmlns:a="http://schemas.openxmlformats.org/drawingml/2006/main" xmlns:r="http://schemas.openxmlformats.org/officeDocument/2006/relationships" xmlns:mc="http://schemas.openxmlformats.org/markup-compatibility/2006" xmlns:mv="urn:schemas-microsoft-com:mac:vml" xmlns:p="http://schemas.openxmlformats.org/presentationml/2006/main" xmlns:c="http://schemas.openxmlformats.org/drawingml/2006/chart" xmlns:dgm="http://schemas.openxmlformats.org/drawingml/2006/diagram" xmlns:o="urn:schemas-microsoft-com:office:office" xmlns:v="urn:schemas-microsoft-com:vml" xmlns:pvml="urn:schemas-microsoft-com:office:powerpoint" xmlns:com="http://schemas.openxmlformats.org/drawingml/2006/compatibility" xmlns:p14="http://schemas.microsoft.com/office/powerpoint/2010/main" xmlns:p15="http://schemas.microsoft.com/office/powerpoint/2012/main" matchingName="Title and two columns" type="twoColTx">
+<p:sldLayout xmlns:a="http://schemas.openxmlformats.org/drawingml/2006/main" xmlns:r="http://schemas.openxmlformats.org/officeDocument/2006/relationships" xmlns:p="http://schemas.openxmlformats.org/presentationml/2006/main" matchingName="Title and two columns" type="twoColTx">
   <p:cSld name="TITLE_AND_TWO_COLUMNS">
     <p:spTree>
       <p:nvGrpSpPr>
-        <p:cNvPr id="25" name="Shape 25"/>
+        <p:cNvPr id="1" name="Shape 25"/>
         <p:cNvGrpSpPr/>
         <p:nvPr/>
       </p:nvGrpSpPr>
@@ -4217,7 +3096,9 @@
       <p:sp>
         <p:nvSpPr>
           <p:cNvPr id="26" name="Google Shape;26;p5"/>
-          <p:cNvSpPr txBox="1"/>
+          <p:cNvSpPr txBox="1">
+            <a:spLocks noGrp="1"/>
+          </p:cNvSpPr>
           <p:nvPr>
             <p:ph type="title"/>
           </p:nvPr>
@@ -4232,7 +3113,7 @@
           </a:prstGeom>
         </p:spPr>
         <p:txBody>
-          <a:bodyPr anchorCtr="0" anchor="b" bIns="91425" lIns="91425" spcFirstLastPara="1" rIns="91425" wrap="square" tIns="91425"/>
+          <a:bodyPr spcFirstLastPara="1" wrap="square" lIns="91425" tIns="91425" rIns="91425" bIns="91425" anchor="b" anchorCtr="0"/>
           <a:lstStyle>
             <a:lvl1pPr lvl="0">
               <a:spcBef>
@@ -4334,15 +3215,19 @@
               <a:defRPr/>
             </a:lvl9pPr>
           </a:lstStyle>
-          <a:p/>
+          <a:p>
+            <a:endParaRPr/>
+          </a:p>
         </p:txBody>
       </p:sp>
       <p:sp>
         <p:nvSpPr>
           <p:cNvPr id="27" name="Google Shape;27;p5"/>
-          <p:cNvSpPr txBox="1"/>
+          <p:cNvSpPr txBox="1">
+            <a:spLocks noGrp="1"/>
+          </p:cNvSpPr>
           <p:nvPr>
-            <p:ph idx="1" type="body"/>
+            <p:ph type="body" idx="1"/>
           </p:nvPr>
         </p:nvSpPr>
         <p:spPr>
@@ -4355,9 +3240,9 @@
           </a:prstGeom>
         </p:spPr>
         <p:txBody>
-          <a:bodyPr anchorCtr="0" anchor="t" bIns="91425" lIns="91425" spcFirstLastPara="1" rIns="91425" wrap="square" tIns="91425"/>
+          <a:bodyPr spcFirstLastPara="1" wrap="square" lIns="91425" tIns="91425" rIns="91425" bIns="91425" anchor="t" anchorCtr="0"/>
           <a:lstStyle>
-            <a:lvl1pPr indent="-317500" lvl="0" marL="457200">
+            <a:lvl1pPr marL="457200" lvl="0" indent="-317500">
               <a:spcBef>
                 <a:spcPts val="0"/>
               </a:spcBef>
@@ -4368,7 +3253,7 @@
               <a:buChar char="●"/>
               <a:defRPr sz="1400"/>
             </a:lvl1pPr>
-            <a:lvl2pPr indent="-304800" lvl="1" marL="914400">
+            <a:lvl2pPr marL="914400" lvl="1" indent="-304800">
               <a:spcBef>
                 <a:spcPts val="1600"/>
               </a:spcBef>
@@ -4379,7 +3264,7 @@
               <a:buChar char="○"/>
               <a:defRPr sz="1200"/>
             </a:lvl2pPr>
-            <a:lvl3pPr indent="-304800" lvl="2" marL="1371600">
+            <a:lvl3pPr marL="1371600" lvl="2" indent="-304800">
               <a:spcBef>
                 <a:spcPts val="1600"/>
               </a:spcBef>
@@ -4390,7 +3275,7 @@
               <a:buChar char="■"/>
               <a:defRPr sz="1200"/>
             </a:lvl3pPr>
-            <a:lvl4pPr indent="-304800" lvl="3" marL="1828800">
+            <a:lvl4pPr marL="1828800" lvl="3" indent="-304800">
               <a:spcBef>
                 <a:spcPts val="1600"/>
               </a:spcBef>
@@ -4401,7 +3286,7 @@
               <a:buChar char="●"/>
               <a:defRPr sz="1200"/>
             </a:lvl4pPr>
-            <a:lvl5pPr indent="-304800" lvl="4" marL="2286000">
+            <a:lvl5pPr marL="2286000" lvl="4" indent="-304800">
               <a:spcBef>
                 <a:spcPts val="1600"/>
               </a:spcBef>
@@ -4412,7 +3297,7 @@
               <a:buChar char="○"/>
               <a:defRPr sz="1200"/>
             </a:lvl5pPr>
-            <a:lvl6pPr indent="-304800" lvl="5" marL="2743200">
+            <a:lvl6pPr marL="2743200" lvl="5" indent="-304800">
               <a:spcBef>
                 <a:spcPts val="1600"/>
               </a:spcBef>
@@ -4423,7 +3308,7 @@
               <a:buChar char="■"/>
               <a:defRPr sz="1200"/>
             </a:lvl6pPr>
-            <a:lvl7pPr indent="-304800" lvl="6" marL="3200400">
+            <a:lvl7pPr marL="3200400" lvl="6" indent="-304800">
               <a:spcBef>
                 <a:spcPts val="1600"/>
               </a:spcBef>
@@ -4434,7 +3319,7 @@
               <a:buChar char="●"/>
               <a:defRPr sz="1200"/>
             </a:lvl7pPr>
-            <a:lvl8pPr indent="-304800" lvl="7" marL="3657600">
+            <a:lvl8pPr marL="3657600" lvl="7" indent="-304800">
               <a:spcBef>
                 <a:spcPts val="1600"/>
               </a:spcBef>
@@ -4445,7 +3330,7 @@
               <a:buChar char="○"/>
               <a:defRPr sz="1200"/>
             </a:lvl8pPr>
-            <a:lvl9pPr indent="-304800" lvl="8" marL="4114800">
+            <a:lvl9pPr marL="4114800" lvl="8" indent="-304800">
               <a:spcBef>
                 <a:spcPts val="1600"/>
               </a:spcBef>
@@ -4457,15 +3342,19 @@
               <a:defRPr sz="1200"/>
             </a:lvl9pPr>
           </a:lstStyle>
-          <a:p/>
+          <a:p>
+            <a:endParaRPr/>
+          </a:p>
         </p:txBody>
       </p:sp>
       <p:sp>
         <p:nvSpPr>
           <p:cNvPr id="28" name="Google Shape;28;p5"/>
-          <p:cNvSpPr txBox="1"/>
+          <p:cNvSpPr txBox="1">
+            <a:spLocks noGrp="1"/>
+          </p:cNvSpPr>
           <p:nvPr>
-            <p:ph idx="2" type="body"/>
+            <p:ph type="body" idx="2"/>
           </p:nvPr>
         </p:nvSpPr>
         <p:spPr>
@@ -4478,9 +3367,9 @@
           </a:prstGeom>
         </p:spPr>
         <p:txBody>
-          <a:bodyPr anchorCtr="0" anchor="t" bIns="91425" lIns="91425" spcFirstLastPara="1" rIns="91425" wrap="square" tIns="91425"/>
+          <a:bodyPr spcFirstLastPara="1" wrap="square" lIns="91425" tIns="91425" rIns="91425" bIns="91425" anchor="t" anchorCtr="0"/>
           <a:lstStyle>
-            <a:lvl1pPr indent="-317500" lvl="0" marL="457200">
+            <a:lvl1pPr marL="457200" lvl="0" indent="-317500">
               <a:spcBef>
                 <a:spcPts val="0"/>
               </a:spcBef>
@@ -4491,7 +3380,7 @@
               <a:buChar char="●"/>
               <a:defRPr sz="1400"/>
             </a:lvl1pPr>
-            <a:lvl2pPr indent="-304800" lvl="1" marL="914400">
+            <a:lvl2pPr marL="914400" lvl="1" indent="-304800">
               <a:spcBef>
                 <a:spcPts val="1600"/>
               </a:spcBef>
@@ -4502,7 +3391,7 @@
               <a:buChar char="○"/>
               <a:defRPr sz="1200"/>
             </a:lvl2pPr>
-            <a:lvl3pPr indent="-304800" lvl="2" marL="1371600">
+            <a:lvl3pPr marL="1371600" lvl="2" indent="-304800">
               <a:spcBef>
                 <a:spcPts val="1600"/>
               </a:spcBef>
@@ -4513,7 +3402,7 @@
               <a:buChar char="■"/>
               <a:defRPr sz="1200"/>
             </a:lvl3pPr>
-            <a:lvl4pPr indent="-304800" lvl="3" marL="1828800">
+            <a:lvl4pPr marL="1828800" lvl="3" indent="-304800">
               <a:spcBef>
                 <a:spcPts val="1600"/>
               </a:spcBef>
@@ -4524,7 +3413,7 @@
               <a:buChar char="●"/>
               <a:defRPr sz="1200"/>
             </a:lvl4pPr>
-            <a:lvl5pPr indent="-304800" lvl="4" marL="2286000">
+            <a:lvl5pPr marL="2286000" lvl="4" indent="-304800">
               <a:spcBef>
                 <a:spcPts val="1600"/>
               </a:spcBef>
@@ -4535,7 +3424,7 @@
               <a:buChar char="○"/>
               <a:defRPr sz="1200"/>
             </a:lvl5pPr>
-            <a:lvl6pPr indent="-304800" lvl="5" marL="2743200">
+            <a:lvl6pPr marL="2743200" lvl="5" indent="-304800">
               <a:spcBef>
                 <a:spcPts val="1600"/>
               </a:spcBef>
@@ -4546,7 +3435,7 @@
               <a:buChar char="■"/>
               <a:defRPr sz="1200"/>
             </a:lvl6pPr>
-            <a:lvl7pPr indent="-304800" lvl="6" marL="3200400">
+            <a:lvl7pPr marL="3200400" lvl="6" indent="-304800">
               <a:spcBef>
                 <a:spcPts val="1600"/>
               </a:spcBef>
@@ -4557,7 +3446,7 @@
               <a:buChar char="●"/>
               <a:defRPr sz="1200"/>
             </a:lvl7pPr>
-            <a:lvl8pPr indent="-304800" lvl="7" marL="3657600">
+            <a:lvl8pPr marL="3657600" lvl="7" indent="-304800">
               <a:spcBef>
                 <a:spcPts val="1600"/>
               </a:spcBef>
@@ -4568,7 +3457,7 @@
               <a:buChar char="○"/>
               <a:defRPr sz="1200"/>
             </a:lvl8pPr>
-            <a:lvl9pPr indent="-304800" lvl="8" marL="4114800">
+            <a:lvl9pPr marL="4114800" lvl="8" indent="-304800">
               <a:spcBef>
                 <a:spcPts val="1600"/>
               </a:spcBef>
@@ -4580,15 +3469,19 @@
               <a:defRPr sz="1200"/>
             </a:lvl9pPr>
           </a:lstStyle>
-          <a:p/>
+          <a:p>
+            <a:endParaRPr/>
+          </a:p>
         </p:txBody>
       </p:sp>
       <p:sp>
         <p:nvSpPr>
           <p:cNvPr id="29" name="Google Shape;29;p5"/>
-          <p:cNvSpPr txBox="1"/>
+          <p:cNvSpPr txBox="1">
+            <a:spLocks noGrp="1"/>
+          </p:cNvSpPr>
           <p:nvPr>
-            <p:ph idx="12" type="sldNum"/>
+            <p:ph type="sldNum" idx="12"/>
           </p:nvPr>
         </p:nvSpPr>
         <p:spPr>
@@ -4601,7 +3494,7 @@
           </a:prstGeom>
         </p:spPr>
         <p:txBody>
-          <a:bodyPr anchorCtr="0" anchor="ctr" bIns="91425" lIns="91425" spcFirstLastPara="1" rIns="91425" wrap="square" tIns="91425">
+          <a:bodyPr spcFirstLastPara="1" wrap="square" lIns="91425" tIns="91425" rIns="91425" bIns="91425" anchor="ctr" anchorCtr="0">
             <a:noAutofit/>
           </a:bodyPr>
           <a:lstStyle>
@@ -4643,7 +3536,7 @@
             </a:lvl9pPr>
           </a:lstStyle>
           <a:p>
-            <a:pPr indent="0" lvl="0" marL="0" rtl="0" algn="r">
+            <a:pPr marL="0" lvl="0" indent="0" algn="r" rtl="0">
               <a:spcBef>
                 <a:spcPts val="0"/>
               </a:spcBef>
@@ -4654,7 +3547,7 @@
             </a:pPr>
             <a:fld id="{00000000-1234-1234-1234-123412341234}" type="slidenum">
               <a:rPr lang="fr"/>
-              <a:t>‹#›</a:t>
+              <a:t>‹N°›</a:t>
             </a:fld>
             <a:endParaRPr/>
           </a:p>
@@ -4669,11 +3562,11 @@
 </file>
 
 <file path=ppt/slideLayouts/slideLayout5.xml><?xml version="1.0" encoding="utf-8"?>
-<p:sldLayout xmlns:a="http://schemas.openxmlformats.org/drawingml/2006/main" xmlns:r="http://schemas.openxmlformats.org/officeDocument/2006/relationships" xmlns:mc="http://schemas.openxmlformats.org/markup-compatibility/2006" xmlns:mv="urn:schemas-microsoft-com:mac:vml" xmlns:p="http://schemas.openxmlformats.org/presentationml/2006/main" xmlns:c="http://schemas.openxmlformats.org/drawingml/2006/chart" xmlns:dgm="http://schemas.openxmlformats.org/drawingml/2006/diagram" xmlns:o="urn:schemas-microsoft-com:office:office" xmlns:v="urn:schemas-microsoft-com:vml" xmlns:pvml="urn:schemas-microsoft-com:office:powerpoint" xmlns:com="http://schemas.openxmlformats.org/drawingml/2006/compatibility" xmlns:p14="http://schemas.microsoft.com/office/powerpoint/2010/main" xmlns:p15="http://schemas.microsoft.com/office/powerpoint/2012/main" matchingName="Title only" type="titleOnly">
+<p:sldLayout xmlns:a="http://schemas.openxmlformats.org/drawingml/2006/main" xmlns:r="http://schemas.openxmlformats.org/officeDocument/2006/relationships" xmlns:p="http://schemas.openxmlformats.org/presentationml/2006/main" matchingName="Title only" type="titleOnly">
   <p:cSld name="TITLE_ONLY">
     <p:spTree>
       <p:nvGrpSpPr>
-        <p:cNvPr id="30" name="Shape 30"/>
+        <p:cNvPr id="1" name="Shape 30"/>
         <p:cNvGrpSpPr/>
         <p:nvPr/>
       </p:nvGrpSpPr>
@@ -4688,7 +3581,9 @@
       <p:sp>
         <p:nvSpPr>
           <p:cNvPr id="31" name="Google Shape;31;p6"/>
-          <p:cNvSpPr txBox="1"/>
+          <p:cNvSpPr txBox="1">
+            <a:spLocks noGrp="1"/>
+          </p:cNvSpPr>
           <p:nvPr>
             <p:ph type="title"/>
           </p:nvPr>
@@ -4703,7 +3598,7 @@
           </a:prstGeom>
         </p:spPr>
         <p:txBody>
-          <a:bodyPr anchorCtr="0" anchor="b" bIns="91425" lIns="91425" spcFirstLastPara="1" rIns="91425" wrap="square" tIns="91425"/>
+          <a:bodyPr spcFirstLastPara="1" wrap="square" lIns="91425" tIns="91425" rIns="91425" bIns="91425" anchor="b" anchorCtr="0"/>
           <a:lstStyle>
             <a:lvl1pPr lvl="0">
               <a:spcBef>
@@ -4805,15 +3700,19 @@
               <a:defRPr/>
             </a:lvl9pPr>
           </a:lstStyle>
-          <a:p/>
+          <a:p>
+            <a:endParaRPr/>
+          </a:p>
         </p:txBody>
       </p:sp>
       <p:sp>
         <p:nvSpPr>
           <p:cNvPr id="32" name="Google Shape;32;p6"/>
-          <p:cNvSpPr txBox="1"/>
+          <p:cNvSpPr txBox="1">
+            <a:spLocks noGrp="1"/>
+          </p:cNvSpPr>
           <p:nvPr>
-            <p:ph idx="12" type="sldNum"/>
+            <p:ph type="sldNum" idx="12"/>
           </p:nvPr>
         </p:nvSpPr>
         <p:spPr>
@@ -4826,7 +3725,7 @@
           </a:prstGeom>
         </p:spPr>
         <p:txBody>
-          <a:bodyPr anchorCtr="0" anchor="ctr" bIns="91425" lIns="91425" spcFirstLastPara="1" rIns="91425" wrap="square" tIns="91425">
+          <a:bodyPr spcFirstLastPara="1" wrap="square" lIns="91425" tIns="91425" rIns="91425" bIns="91425" anchor="ctr" anchorCtr="0">
             <a:noAutofit/>
           </a:bodyPr>
           <a:lstStyle>
@@ -4868,7 +3767,7 @@
             </a:lvl9pPr>
           </a:lstStyle>
           <a:p>
-            <a:pPr indent="0" lvl="0" marL="0" rtl="0" algn="r">
+            <a:pPr marL="0" lvl="0" indent="0" algn="r" rtl="0">
               <a:spcBef>
                 <a:spcPts val="0"/>
               </a:spcBef>
@@ -4879,7 +3778,7 @@
             </a:pPr>
             <a:fld id="{00000000-1234-1234-1234-123412341234}" type="slidenum">
               <a:rPr lang="fr"/>
-              <a:t>‹#›</a:t>
+              <a:t>‹N°›</a:t>
             </a:fld>
             <a:endParaRPr/>
           </a:p>
@@ -4894,11 +3793,11 @@
 </file>
 
 <file path=ppt/slideLayouts/slideLayout6.xml><?xml version="1.0" encoding="utf-8"?>
-<p:sldLayout xmlns:a="http://schemas.openxmlformats.org/drawingml/2006/main" xmlns:r="http://schemas.openxmlformats.org/officeDocument/2006/relationships" xmlns:mc="http://schemas.openxmlformats.org/markup-compatibility/2006" xmlns:mv="urn:schemas-microsoft-com:mac:vml" xmlns:p="http://schemas.openxmlformats.org/presentationml/2006/main" xmlns:c="http://schemas.openxmlformats.org/drawingml/2006/chart" xmlns:dgm="http://schemas.openxmlformats.org/drawingml/2006/diagram" xmlns:o="urn:schemas-microsoft-com:office:office" xmlns:v="urn:schemas-microsoft-com:vml" xmlns:pvml="urn:schemas-microsoft-com:office:powerpoint" xmlns:com="http://schemas.openxmlformats.org/drawingml/2006/compatibility" xmlns:p14="http://schemas.microsoft.com/office/powerpoint/2010/main" xmlns:p15="http://schemas.microsoft.com/office/powerpoint/2012/main" matchingName="One column text">
+<p:sldLayout xmlns:a="http://schemas.openxmlformats.org/drawingml/2006/main" xmlns:r="http://schemas.openxmlformats.org/officeDocument/2006/relationships" xmlns:p="http://schemas.openxmlformats.org/presentationml/2006/main" matchingName="One column text">
   <p:cSld name="ONE_COLUMN_TEXT">
     <p:spTree>
       <p:nvGrpSpPr>
-        <p:cNvPr id="33" name="Shape 33"/>
+        <p:cNvPr id="1" name="Shape 33"/>
         <p:cNvGrpSpPr/>
         <p:nvPr/>
       </p:nvGrpSpPr>
@@ -4913,7 +3812,9 @@
       <p:sp>
         <p:nvSpPr>
           <p:cNvPr id="34" name="Google Shape;34;p7"/>
-          <p:cNvSpPr txBox="1"/>
+          <p:cNvSpPr txBox="1">
+            <a:spLocks noGrp="1"/>
+          </p:cNvSpPr>
           <p:nvPr>
             <p:ph type="title"/>
           </p:nvPr>
@@ -4928,7 +3829,7 @@
           </a:prstGeom>
         </p:spPr>
         <p:txBody>
-          <a:bodyPr anchorCtr="0" anchor="b" bIns="91425" lIns="91425" spcFirstLastPara="1" rIns="91425" wrap="square" tIns="91425"/>
+          <a:bodyPr spcFirstLastPara="1" wrap="square" lIns="91425" tIns="91425" rIns="91425" bIns="91425" anchor="b" anchorCtr="0"/>
           <a:lstStyle>
             <a:lvl1pPr lvl="0">
               <a:spcBef>
@@ -5030,15 +3931,19 @@
               <a:defRPr sz="3000"/>
             </a:lvl9pPr>
           </a:lstStyle>
-          <a:p/>
+          <a:p>
+            <a:endParaRPr/>
+          </a:p>
         </p:txBody>
       </p:sp>
       <p:sp>
         <p:nvSpPr>
           <p:cNvPr id="35" name="Google Shape;35;p7"/>
-          <p:cNvSpPr txBox="1"/>
+          <p:cNvSpPr txBox="1">
+            <a:spLocks noGrp="1"/>
+          </p:cNvSpPr>
           <p:nvPr>
-            <p:ph idx="1" type="body"/>
+            <p:ph type="body" idx="1"/>
           </p:nvPr>
         </p:nvSpPr>
         <p:spPr>
@@ -5051,9 +3956,9 @@
           </a:prstGeom>
         </p:spPr>
         <p:txBody>
-          <a:bodyPr anchorCtr="0" anchor="t" bIns="91425" lIns="91425" spcFirstLastPara="1" rIns="91425" wrap="square" tIns="91425"/>
+          <a:bodyPr spcFirstLastPara="1" wrap="square" lIns="91425" tIns="91425" rIns="91425" bIns="91425" anchor="t" anchorCtr="0"/>
           <a:lstStyle>
-            <a:lvl1pPr indent="-304800" lvl="0" marL="457200">
+            <a:lvl1pPr marL="457200" lvl="0" indent="-304800">
               <a:spcBef>
                 <a:spcPts val="0"/>
               </a:spcBef>
@@ -5064,7 +3969,7 @@
               <a:buChar char="●"/>
               <a:defRPr sz="1200"/>
             </a:lvl1pPr>
-            <a:lvl2pPr indent="-304800" lvl="1" marL="914400">
+            <a:lvl2pPr marL="914400" lvl="1" indent="-304800">
               <a:spcBef>
                 <a:spcPts val="1600"/>
               </a:spcBef>
@@ -5075,7 +3980,7 @@
               <a:buChar char="○"/>
               <a:defRPr sz="1200"/>
             </a:lvl2pPr>
-            <a:lvl3pPr indent="-304800" lvl="2" marL="1371600">
+            <a:lvl3pPr marL="1371600" lvl="2" indent="-304800">
               <a:spcBef>
                 <a:spcPts val="1600"/>
               </a:spcBef>
@@ -5086,7 +3991,7 @@
               <a:buChar char="■"/>
               <a:defRPr sz="1200"/>
             </a:lvl3pPr>
-            <a:lvl4pPr indent="-304800" lvl="3" marL="1828800">
+            <a:lvl4pPr marL="1828800" lvl="3" indent="-304800">
               <a:spcBef>
                 <a:spcPts val="1600"/>
               </a:spcBef>
@@ -5097,7 +4002,7 @@
               <a:buChar char="●"/>
               <a:defRPr sz="1200"/>
             </a:lvl4pPr>
-            <a:lvl5pPr indent="-304800" lvl="4" marL="2286000">
+            <a:lvl5pPr marL="2286000" lvl="4" indent="-304800">
               <a:spcBef>
                 <a:spcPts val="1600"/>
               </a:spcBef>
@@ -5108,7 +4013,7 @@
               <a:buChar char="○"/>
               <a:defRPr sz="1200"/>
             </a:lvl5pPr>
-            <a:lvl6pPr indent="-304800" lvl="5" marL="2743200">
+            <a:lvl6pPr marL="2743200" lvl="5" indent="-304800">
               <a:spcBef>
                 <a:spcPts val="1600"/>
               </a:spcBef>
@@ -5119,7 +4024,7 @@
               <a:buChar char="■"/>
               <a:defRPr sz="1200"/>
             </a:lvl6pPr>
-            <a:lvl7pPr indent="-304800" lvl="6" marL="3200400">
+            <a:lvl7pPr marL="3200400" lvl="6" indent="-304800">
               <a:spcBef>
                 <a:spcPts val="1600"/>
               </a:spcBef>
@@ -5130,7 +4035,7 @@
               <a:buChar char="●"/>
               <a:defRPr sz="1200"/>
             </a:lvl7pPr>
-            <a:lvl8pPr indent="-304800" lvl="7" marL="3657600">
+            <a:lvl8pPr marL="3657600" lvl="7" indent="-304800">
               <a:spcBef>
                 <a:spcPts val="1600"/>
               </a:spcBef>
@@ -5141,7 +4046,7 @@
               <a:buChar char="○"/>
               <a:defRPr sz="1200"/>
             </a:lvl8pPr>
-            <a:lvl9pPr indent="-304800" lvl="8" marL="4114800">
+            <a:lvl9pPr marL="4114800" lvl="8" indent="-304800">
               <a:spcBef>
                 <a:spcPts val="1600"/>
               </a:spcBef>
@@ -5153,15 +4058,19 @@
               <a:defRPr sz="1200"/>
             </a:lvl9pPr>
           </a:lstStyle>
-          <a:p/>
+          <a:p>
+            <a:endParaRPr/>
+          </a:p>
         </p:txBody>
       </p:sp>
       <p:sp>
         <p:nvSpPr>
           <p:cNvPr id="36" name="Google Shape;36;p7"/>
-          <p:cNvSpPr txBox="1"/>
+          <p:cNvSpPr txBox="1">
+            <a:spLocks noGrp="1"/>
+          </p:cNvSpPr>
           <p:nvPr>
-            <p:ph idx="12" type="sldNum"/>
+            <p:ph type="sldNum" idx="12"/>
           </p:nvPr>
         </p:nvSpPr>
         <p:spPr>
@@ -5174,7 +4083,7 @@
           </a:prstGeom>
         </p:spPr>
         <p:txBody>
-          <a:bodyPr anchorCtr="0" anchor="ctr" bIns="91425" lIns="91425" spcFirstLastPara="1" rIns="91425" wrap="square" tIns="91425">
+          <a:bodyPr spcFirstLastPara="1" wrap="square" lIns="91425" tIns="91425" rIns="91425" bIns="91425" anchor="ctr" anchorCtr="0">
             <a:noAutofit/>
           </a:bodyPr>
           <a:lstStyle>
@@ -5216,7 +4125,7 @@
             </a:lvl9pPr>
           </a:lstStyle>
           <a:p>
-            <a:pPr indent="0" lvl="0" marL="0" rtl="0" algn="r">
+            <a:pPr marL="0" lvl="0" indent="0" algn="r" rtl="0">
               <a:spcBef>
                 <a:spcPts val="0"/>
               </a:spcBef>
@@ -5227,7 +4136,7 @@
             </a:pPr>
             <a:fld id="{00000000-1234-1234-1234-123412341234}" type="slidenum">
               <a:rPr lang="fr"/>
-              <a:t>‹#›</a:t>
+              <a:t>‹N°›</a:t>
             </a:fld>
             <a:endParaRPr/>
           </a:p>
@@ -5242,11 +4151,11 @@
 </file>
 
 <file path=ppt/slideLayouts/slideLayout7.xml><?xml version="1.0" encoding="utf-8"?>
-<p:sldLayout xmlns:a="http://schemas.openxmlformats.org/drawingml/2006/main" xmlns:r="http://schemas.openxmlformats.org/officeDocument/2006/relationships" xmlns:mc="http://schemas.openxmlformats.org/markup-compatibility/2006" xmlns:mv="urn:schemas-microsoft-com:mac:vml" xmlns:p="http://schemas.openxmlformats.org/presentationml/2006/main" xmlns:c="http://schemas.openxmlformats.org/drawingml/2006/chart" xmlns:dgm="http://schemas.openxmlformats.org/drawingml/2006/diagram" xmlns:o="urn:schemas-microsoft-com:office:office" xmlns:v="urn:schemas-microsoft-com:vml" xmlns:pvml="urn:schemas-microsoft-com:office:powerpoint" xmlns:com="http://schemas.openxmlformats.org/drawingml/2006/compatibility" xmlns:p14="http://schemas.microsoft.com/office/powerpoint/2010/main" xmlns:p15="http://schemas.microsoft.com/office/powerpoint/2012/main" matchingName="Main point">
+<p:sldLayout xmlns:a="http://schemas.openxmlformats.org/drawingml/2006/main" xmlns:r="http://schemas.openxmlformats.org/officeDocument/2006/relationships" xmlns:p="http://schemas.openxmlformats.org/presentationml/2006/main" matchingName="Main point">
   <p:cSld name="MAIN_POINT">
     <p:spTree>
       <p:nvGrpSpPr>
-        <p:cNvPr id="37" name="Shape 37"/>
+        <p:cNvPr id="1" name="Shape 37"/>
         <p:cNvGrpSpPr/>
         <p:nvPr/>
       </p:nvGrpSpPr>
@@ -5280,12 +4189,12 @@
           </a:ln>
         </p:spPr>
         <p:txBody>
-          <a:bodyPr anchorCtr="0" anchor="ctr" bIns="91425" lIns="91425" spcFirstLastPara="1" rIns="91425" wrap="square" tIns="91425">
+          <a:bodyPr spcFirstLastPara="1" wrap="square" lIns="91425" tIns="91425" rIns="91425" bIns="91425" anchor="ctr" anchorCtr="0">
             <a:noAutofit/>
           </a:bodyPr>
           <a:lstStyle/>
           <a:p>
-            <a:pPr indent="0" lvl="0" marL="0" rtl="0" algn="l">
+            <a:pPr marL="0" lvl="0" indent="0" algn="l" rtl="0">
               <a:spcBef>
                 <a:spcPts val="0"/>
               </a:spcBef>
@@ -5294,9 +4203,6 @@
               </a:spcAft>
               <a:buNone/>
             </a:pPr>
-            <a:r>
-              <a:t/>
-            </a:r>
             <a:endParaRPr/>
           </a:p>
         </p:txBody>
@@ -5304,7 +4210,9 @@
       <p:sp>
         <p:nvSpPr>
           <p:cNvPr id="39" name="Google Shape;39;p8"/>
-          <p:cNvSpPr txBox="1"/>
+          <p:cNvSpPr txBox="1">
+            <a:spLocks noGrp="1"/>
+          </p:cNvSpPr>
           <p:nvPr>
             <p:ph type="title"/>
           </p:nvPr>
@@ -5319,7 +4227,7 @@
           </a:prstGeom>
         </p:spPr>
         <p:txBody>
-          <a:bodyPr anchorCtr="0" anchor="ctr" bIns="91425" lIns="91425" spcFirstLastPara="1" rIns="91425" wrap="square" tIns="91425"/>
+          <a:bodyPr spcFirstLastPara="1" wrap="square" lIns="91425" tIns="91425" rIns="91425" bIns="91425" anchor="ctr" anchorCtr="0"/>
           <a:lstStyle>
             <a:lvl1pPr lvl="0">
               <a:spcBef>
@@ -5421,15 +4329,19 @@
               <a:defRPr sz="4800"/>
             </a:lvl9pPr>
           </a:lstStyle>
-          <a:p/>
+          <a:p>
+            <a:endParaRPr/>
+          </a:p>
         </p:txBody>
       </p:sp>
       <p:sp>
         <p:nvSpPr>
           <p:cNvPr id="40" name="Google Shape;40;p8"/>
-          <p:cNvSpPr txBox="1"/>
+          <p:cNvSpPr txBox="1">
+            <a:spLocks noGrp="1"/>
+          </p:cNvSpPr>
           <p:nvPr>
-            <p:ph idx="12" type="sldNum"/>
+            <p:ph type="sldNum" idx="12"/>
           </p:nvPr>
         </p:nvSpPr>
         <p:spPr>
@@ -5442,7 +4354,7 @@
           </a:prstGeom>
         </p:spPr>
         <p:txBody>
-          <a:bodyPr anchorCtr="0" anchor="ctr" bIns="91425" lIns="91425" spcFirstLastPara="1" rIns="91425" wrap="square" tIns="91425">
+          <a:bodyPr spcFirstLastPara="1" wrap="square" lIns="91425" tIns="91425" rIns="91425" bIns="91425" anchor="ctr" anchorCtr="0">
             <a:noAutofit/>
           </a:bodyPr>
           <a:lstStyle>
@@ -5484,7 +4396,7 @@
             </a:lvl9pPr>
           </a:lstStyle>
           <a:p>
-            <a:pPr indent="0" lvl="0" marL="0" rtl="0" algn="r">
+            <a:pPr marL="0" lvl="0" indent="0" algn="r" rtl="0">
               <a:spcBef>
                 <a:spcPts val="0"/>
               </a:spcBef>
@@ -5495,7 +4407,7 @@
             </a:pPr>
             <a:fld id="{00000000-1234-1234-1234-123412341234}" type="slidenum">
               <a:rPr lang="fr"/>
-              <a:t>‹#›</a:t>
+              <a:t>‹N°›</a:t>
             </a:fld>
             <a:endParaRPr/>
           </a:p>
@@ -5510,11 +4422,11 @@
 </file>
 
 <file path=ppt/slideLayouts/slideLayout8.xml><?xml version="1.0" encoding="utf-8"?>
-<p:sldLayout xmlns:a="http://schemas.openxmlformats.org/drawingml/2006/main" xmlns:r="http://schemas.openxmlformats.org/officeDocument/2006/relationships" xmlns:mc="http://schemas.openxmlformats.org/markup-compatibility/2006" xmlns:mv="urn:schemas-microsoft-com:mac:vml" xmlns:p="http://schemas.openxmlformats.org/presentationml/2006/main" xmlns:c="http://schemas.openxmlformats.org/drawingml/2006/chart" xmlns:dgm="http://schemas.openxmlformats.org/drawingml/2006/diagram" xmlns:o="urn:schemas-microsoft-com:office:office" xmlns:v="urn:schemas-microsoft-com:vml" xmlns:pvml="urn:schemas-microsoft-com:office:powerpoint" xmlns:com="http://schemas.openxmlformats.org/drawingml/2006/compatibility" xmlns:p14="http://schemas.microsoft.com/office/powerpoint/2010/main" xmlns:p15="http://schemas.microsoft.com/office/powerpoint/2012/main" matchingName="Section title and description">
+<p:sldLayout xmlns:a="http://schemas.openxmlformats.org/drawingml/2006/main" xmlns:r="http://schemas.openxmlformats.org/officeDocument/2006/relationships" xmlns:p="http://schemas.openxmlformats.org/presentationml/2006/main" matchingName="Section title and description">
   <p:cSld name="SECTION_TITLE_AND_DESCRIPTION">
     <p:spTree>
       <p:nvGrpSpPr>
-        <p:cNvPr id="41" name="Shape 41"/>
+        <p:cNvPr id="1" name="Shape 41"/>
         <p:cNvGrpSpPr/>
         <p:nvPr/>
       </p:nvGrpSpPr>
@@ -5548,12 +4460,12 @@
           </a:ln>
         </p:spPr>
         <p:txBody>
-          <a:bodyPr anchorCtr="0" anchor="ctr" bIns="91425" lIns="91425" spcFirstLastPara="1" rIns="91425" wrap="square" tIns="91425">
+          <a:bodyPr spcFirstLastPara="1" wrap="square" lIns="91425" tIns="91425" rIns="91425" bIns="91425" anchor="ctr" anchorCtr="0">
             <a:noAutofit/>
           </a:bodyPr>
           <a:lstStyle/>
           <a:p>
-            <a:pPr indent="0" lvl="0" marL="0" rtl="0" algn="l">
+            <a:pPr marL="0" lvl="0" indent="0" algn="l" rtl="0">
               <a:spcBef>
                 <a:spcPts val="0"/>
               </a:spcBef>
@@ -5562,9 +4474,6 @@
               </a:spcAft>
               <a:buNone/>
             </a:pPr>
-            <a:r>
-              <a:t/>
-            </a:r>
             <a:endParaRPr/>
           </a:p>
         </p:txBody>
@@ -5584,21 +4493,23 @@
             <a:avLst/>
           </a:prstGeom>
           <a:noFill/>
-          <a:ln cap="flat" cmpd="sng" w="19050">
+          <a:ln w="19050" cap="flat" cmpd="sng">
             <a:solidFill>
               <a:schemeClr val="lt1"/>
             </a:solidFill>
             <a:prstDash val="solid"/>
             <a:round/>
-            <a:headEnd len="sm" w="sm" type="none"/>
-            <a:tailEnd len="sm" w="sm" type="none"/>
+            <a:headEnd type="none" w="sm" len="sm"/>
+            <a:tailEnd type="none" w="sm" len="sm"/>
           </a:ln>
         </p:spPr>
       </p:cxnSp>
       <p:sp>
         <p:nvSpPr>
           <p:cNvPr id="44" name="Google Shape;44;p9"/>
-          <p:cNvSpPr txBox="1"/>
+          <p:cNvSpPr txBox="1">
+            <a:spLocks noGrp="1"/>
+          </p:cNvSpPr>
           <p:nvPr>
             <p:ph type="title"/>
           </p:nvPr>
@@ -5613,7 +4524,7 @@
           </a:prstGeom>
         </p:spPr>
         <p:txBody>
-          <a:bodyPr anchorCtr="0" anchor="b" bIns="91425" lIns="91425" spcFirstLastPara="1" rIns="91425" wrap="square" tIns="91425"/>
+          <a:bodyPr spcFirstLastPara="1" wrap="square" lIns="91425" tIns="91425" rIns="91425" bIns="91425" anchor="b" anchorCtr="0"/>
           <a:lstStyle>
             <a:lvl1pPr lvl="0" algn="ctr">
               <a:spcBef>
@@ -5778,15 +4689,19 @@
               </a:defRPr>
             </a:lvl9pPr>
           </a:lstStyle>
-          <a:p/>
+          <a:p>
+            <a:endParaRPr/>
+          </a:p>
         </p:txBody>
       </p:sp>
       <p:sp>
         <p:nvSpPr>
           <p:cNvPr id="45" name="Google Shape;45;p9"/>
-          <p:cNvSpPr txBox="1"/>
+          <p:cNvSpPr txBox="1">
+            <a:spLocks noGrp="1"/>
+          </p:cNvSpPr>
           <p:nvPr>
-            <p:ph idx="1" type="subTitle"/>
+            <p:ph type="subTitle" idx="1"/>
           </p:nvPr>
         </p:nvSpPr>
         <p:spPr>
@@ -5799,7 +4714,7 @@
           </a:prstGeom>
         </p:spPr>
         <p:txBody>
-          <a:bodyPr anchorCtr="0" anchor="t" bIns="91425" lIns="91425" spcFirstLastPara="1" rIns="91425" wrap="square" tIns="91425"/>
+          <a:bodyPr spcFirstLastPara="1" wrap="square" lIns="91425" tIns="91425" rIns="91425" bIns="91425" anchor="t" anchorCtr="0"/>
           <a:lstStyle>
             <a:lvl1pPr lvl="0" algn="ctr">
               <a:lnSpc>
@@ -5982,15 +4897,19 @@
               </a:defRPr>
             </a:lvl9pPr>
           </a:lstStyle>
-          <a:p/>
+          <a:p>
+            <a:endParaRPr/>
+          </a:p>
         </p:txBody>
       </p:sp>
       <p:sp>
         <p:nvSpPr>
           <p:cNvPr id="46" name="Google Shape;46;p9"/>
-          <p:cNvSpPr txBox="1"/>
+          <p:cNvSpPr txBox="1">
+            <a:spLocks noGrp="1"/>
+          </p:cNvSpPr>
           <p:nvPr>
-            <p:ph idx="2" type="body"/>
+            <p:ph type="body" idx="2"/>
           </p:nvPr>
         </p:nvSpPr>
         <p:spPr>
@@ -6003,9 +4922,9 @@
           </a:prstGeom>
         </p:spPr>
         <p:txBody>
-          <a:bodyPr anchorCtr="0" anchor="ctr" bIns="91425" lIns="91425" spcFirstLastPara="1" rIns="91425" wrap="square" tIns="91425"/>
+          <a:bodyPr spcFirstLastPara="1" wrap="square" lIns="91425" tIns="91425" rIns="91425" bIns="91425" anchor="ctr" anchorCtr="0"/>
           <a:lstStyle>
-            <a:lvl1pPr indent="-342900" lvl="0" marL="457200">
+            <a:lvl1pPr marL="457200" lvl="0" indent="-342900">
               <a:spcBef>
                 <a:spcPts val="0"/>
               </a:spcBef>
@@ -6023,7 +4942,7 @@
                 </a:solidFill>
               </a:defRPr>
             </a:lvl1pPr>
-            <a:lvl2pPr indent="-317500" lvl="1" marL="914400">
+            <a:lvl2pPr marL="914400" lvl="1" indent="-317500">
               <a:spcBef>
                 <a:spcPts val="1600"/>
               </a:spcBef>
@@ -6041,7 +4960,7 @@
                 </a:solidFill>
               </a:defRPr>
             </a:lvl2pPr>
-            <a:lvl3pPr indent="-317500" lvl="2" marL="1371600">
+            <a:lvl3pPr marL="1371600" lvl="2" indent="-317500">
               <a:spcBef>
                 <a:spcPts val="1600"/>
               </a:spcBef>
@@ -6059,7 +4978,7 @@
                 </a:solidFill>
               </a:defRPr>
             </a:lvl3pPr>
-            <a:lvl4pPr indent="-317500" lvl="3" marL="1828800">
+            <a:lvl4pPr marL="1828800" lvl="3" indent="-317500">
               <a:spcBef>
                 <a:spcPts val="1600"/>
               </a:spcBef>
@@ -6077,7 +4996,7 @@
                 </a:solidFill>
               </a:defRPr>
             </a:lvl4pPr>
-            <a:lvl5pPr indent="-317500" lvl="4" marL="2286000">
+            <a:lvl5pPr marL="2286000" lvl="4" indent="-317500">
               <a:spcBef>
                 <a:spcPts val="1600"/>
               </a:spcBef>
@@ -6095,7 +5014,7 @@
                 </a:solidFill>
               </a:defRPr>
             </a:lvl5pPr>
-            <a:lvl6pPr indent="-317500" lvl="5" marL="2743200">
+            <a:lvl6pPr marL="2743200" lvl="5" indent="-317500">
               <a:spcBef>
                 <a:spcPts val="1600"/>
               </a:spcBef>
@@ -6113,7 +5032,7 @@
                 </a:solidFill>
               </a:defRPr>
             </a:lvl6pPr>
-            <a:lvl7pPr indent="-317500" lvl="6" marL="3200400">
+            <a:lvl7pPr marL="3200400" lvl="6" indent="-317500">
               <a:spcBef>
                 <a:spcPts val="1600"/>
               </a:spcBef>
@@ -6131,7 +5050,7 @@
                 </a:solidFill>
               </a:defRPr>
             </a:lvl7pPr>
-            <a:lvl8pPr indent="-317500" lvl="7" marL="3657600">
+            <a:lvl8pPr marL="3657600" lvl="7" indent="-317500">
               <a:spcBef>
                 <a:spcPts val="1600"/>
               </a:spcBef>
@@ -6149,7 +5068,7 @@
                 </a:solidFill>
               </a:defRPr>
             </a:lvl8pPr>
-            <a:lvl9pPr indent="-317500" lvl="8" marL="4114800">
+            <a:lvl9pPr marL="4114800" lvl="8" indent="-317500">
               <a:spcBef>
                 <a:spcPts val="1600"/>
               </a:spcBef>
@@ -6168,15 +5087,19 @@
               </a:defRPr>
             </a:lvl9pPr>
           </a:lstStyle>
-          <a:p/>
+          <a:p>
+            <a:endParaRPr/>
+          </a:p>
         </p:txBody>
       </p:sp>
       <p:sp>
         <p:nvSpPr>
           <p:cNvPr id="47" name="Google Shape;47;p9"/>
-          <p:cNvSpPr txBox="1"/>
+          <p:cNvSpPr txBox="1">
+            <a:spLocks noGrp="1"/>
+          </p:cNvSpPr>
           <p:nvPr>
-            <p:ph idx="12" type="sldNum"/>
+            <p:ph type="sldNum" idx="12"/>
           </p:nvPr>
         </p:nvSpPr>
         <p:spPr>
@@ -6189,7 +5112,7 @@
           </a:prstGeom>
         </p:spPr>
         <p:txBody>
-          <a:bodyPr anchorCtr="0" anchor="ctr" bIns="91425" lIns="91425" spcFirstLastPara="1" rIns="91425" wrap="square" tIns="91425">
+          <a:bodyPr spcFirstLastPara="1" wrap="square" lIns="91425" tIns="91425" rIns="91425" bIns="91425" anchor="ctr" anchorCtr="0">
             <a:noAutofit/>
           </a:bodyPr>
           <a:lstStyle>
@@ -6267,7 +5190,7 @@
             </a:lvl9pPr>
           </a:lstStyle>
           <a:p>
-            <a:pPr indent="0" lvl="0" marL="0" rtl="0" algn="r">
+            <a:pPr marL="0" lvl="0" indent="0" algn="r" rtl="0">
               <a:spcBef>
                 <a:spcPts val="0"/>
               </a:spcBef>
@@ -6278,7 +5201,7 @@
             </a:pPr>
             <a:fld id="{00000000-1234-1234-1234-123412341234}" type="slidenum">
               <a:rPr lang="fr"/>
-              <a:t>‹#›</a:t>
+              <a:t>‹N°›</a:t>
             </a:fld>
             <a:endParaRPr/>
           </a:p>
@@ -6293,11 +5216,11 @@
 </file>
 
 <file path=ppt/slideLayouts/slideLayout9.xml><?xml version="1.0" encoding="utf-8"?>
-<p:sldLayout xmlns:a="http://schemas.openxmlformats.org/drawingml/2006/main" xmlns:r="http://schemas.openxmlformats.org/officeDocument/2006/relationships" xmlns:mc="http://schemas.openxmlformats.org/markup-compatibility/2006" xmlns:mv="urn:schemas-microsoft-com:mac:vml" xmlns:p="http://schemas.openxmlformats.org/presentationml/2006/main" xmlns:c="http://schemas.openxmlformats.org/drawingml/2006/chart" xmlns:dgm="http://schemas.openxmlformats.org/drawingml/2006/diagram" xmlns:o="urn:schemas-microsoft-com:office:office" xmlns:v="urn:schemas-microsoft-com:vml" xmlns:pvml="urn:schemas-microsoft-com:office:powerpoint" xmlns:com="http://schemas.openxmlformats.org/drawingml/2006/compatibility" xmlns:p14="http://schemas.microsoft.com/office/powerpoint/2010/main" xmlns:p15="http://schemas.microsoft.com/office/powerpoint/2012/main" matchingName="Caption">
+<p:sldLayout xmlns:a="http://schemas.openxmlformats.org/drawingml/2006/main" xmlns:r="http://schemas.openxmlformats.org/officeDocument/2006/relationships" xmlns:p="http://schemas.openxmlformats.org/presentationml/2006/main" matchingName="Caption">
   <p:cSld name="CAPTION_ONLY">
     <p:spTree>
       <p:nvGrpSpPr>
-        <p:cNvPr id="48" name="Shape 48"/>
+        <p:cNvPr id="1" name="Shape 48"/>
         <p:cNvGrpSpPr/>
         <p:nvPr/>
       </p:nvGrpSpPr>
@@ -6312,9 +5235,11 @@
       <p:sp>
         <p:nvSpPr>
           <p:cNvPr id="49" name="Google Shape;49;p10"/>
-          <p:cNvSpPr txBox="1"/>
+          <p:cNvSpPr txBox="1">
+            <a:spLocks noGrp="1"/>
+          </p:cNvSpPr>
           <p:nvPr>
-            <p:ph idx="1" type="body"/>
+            <p:ph type="body" idx="1"/>
           </p:nvPr>
         </p:nvSpPr>
         <p:spPr>
@@ -6327,9 +5252,9 @@
           </a:prstGeom>
         </p:spPr>
         <p:txBody>
-          <a:bodyPr anchorCtr="0" anchor="ctr" bIns="91425" lIns="91425" spcFirstLastPara="1" rIns="91425" wrap="square" tIns="91425"/>
+          <a:bodyPr spcFirstLastPara="1" wrap="square" lIns="91425" tIns="91425" rIns="91425" bIns="91425" anchor="ctr" anchorCtr="0"/>
           <a:lstStyle>
-            <a:lvl1pPr indent="-228600" lvl="0" marL="457200">
+            <a:lvl1pPr marL="457200" lvl="0" indent="-228600">
               <a:lnSpc>
                 <a:spcPct val="100000"/>
               </a:lnSpc>
@@ -6350,15 +5275,19 @@
               </a:defRPr>
             </a:lvl1pPr>
           </a:lstStyle>
-          <a:p/>
+          <a:p>
+            <a:endParaRPr/>
+          </a:p>
         </p:txBody>
       </p:sp>
       <p:sp>
         <p:nvSpPr>
           <p:cNvPr id="50" name="Google Shape;50;p10"/>
-          <p:cNvSpPr txBox="1"/>
+          <p:cNvSpPr txBox="1">
+            <a:spLocks noGrp="1"/>
+          </p:cNvSpPr>
           <p:nvPr>
-            <p:ph idx="12" type="sldNum"/>
+            <p:ph type="sldNum" idx="12"/>
           </p:nvPr>
         </p:nvSpPr>
         <p:spPr>
@@ -6371,7 +5300,7 @@
           </a:prstGeom>
         </p:spPr>
         <p:txBody>
-          <a:bodyPr anchorCtr="0" anchor="ctr" bIns="91425" lIns="91425" spcFirstLastPara="1" rIns="91425" wrap="square" tIns="91425">
+          <a:bodyPr spcFirstLastPara="1" wrap="square" lIns="91425" tIns="91425" rIns="91425" bIns="91425" anchor="ctr" anchorCtr="0">
             <a:noAutofit/>
           </a:bodyPr>
           <a:lstStyle>
@@ -6413,7 +5342,7 @@
             </a:lvl9pPr>
           </a:lstStyle>
           <a:p>
-            <a:pPr indent="0" lvl="0" marL="0" rtl="0" algn="r">
+            <a:pPr marL="0" lvl="0" indent="0" algn="r" rtl="0">
               <a:spcBef>
                 <a:spcPts val="0"/>
               </a:spcBef>
@@ -6424,7 +5353,7 @@
             </a:pPr>
             <a:fld id="{00000000-1234-1234-1234-123412341234}" type="slidenum">
               <a:rPr lang="fr"/>
-              <a:t>‹#›</a:t>
+              <a:t>‹N°›</a:t>
             </a:fld>
             <a:endParaRPr/>
           </a:p>
@@ -6439,18 +5368,19 @@
 </file>
 
 <file path=ppt/slideMasters/slideMaster1.xml><?xml version="1.0" encoding="utf-8"?>
-<p:sldMaster xmlns:a="http://schemas.openxmlformats.org/drawingml/2006/main" xmlns:r="http://schemas.openxmlformats.org/officeDocument/2006/relationships" xmlns:mc="http://schemas.openxmlformats.org/markup-compatibility/2006" xmlns:mv="urn:schemas-microsoft-com:mac:vml" xmlns:p="http://schemas.openxmlformats.org/presentationml/2006/main" xmlns:c="http://schemas.openxmlformats.org/drawingml/2006/chart" xmlns:dgm="http://schemas.openxmlformats.org/drawingml/2006/diagram" xmlns:o="urn:schemas-microsoft-com:office:office" xmlns:v="urn:schemas-microsoft-com:vml" xmlns:pvml="urn:schemas-microsoft-com:office:powerpoint" xmlns:com="http://schemas.openxmlformats.org/drawingml/2006/compatibility" xmlns:p14="http://schemas.microsoft.com/office/powerpoint/2010/main" xmlns:p15="http://schemas.microsoft.com/office/powerpoint/2012/main">
+<p:sldMaster xmlns:a="http://schemas.openxmlformats.org/drawingml/2006/main" xmlns:r="http://schemas.openxmlformats.org/officeDocument/2006/relationships" xmlns:p="http://schemas.openxmlformats.org/presentationml/2006/main">
   <p:cSld name="luxe">
     <p:bg>
       <p:bgPr>
         <a:solidFill>
           <a:schemeClr val="lt1"/>
         </a:solidFill>
+        <a:effectLst/>
       </p:bgPr>
     </p:bg>
     <p:spTree>
       <p:nvGrpSpPr>
-        <p:cNvPr id="5" name="Shape 5"/>
+        <p:cNvPr id="1" name="Shape 5"/>
         <p:cNvGrpSpPr/>
         <p:nvPr/>
       </p:nvGrpSpPr>
@@ -6465,7 +5395,9 @@
       <p:sp>
         <p:nvSpPr>
           <p:cNvPr id="6" name="Google Shape;6;p1"/>
-          <p:cNvSpPr txBox="1"/>
+          <p:cNvSpPr txBox="1">
+            <a:spLocks noGrp="1"/>
+          </p:cNvSpPr>
           <p:nvPr>
             <p:ph type="title"/>
           </p:nvPr>
@@ -6484,7 +5416,7 @@
           </a:ln>
         </p:spPr>
         <p:txBody>
-          <a:bodyPr anchorCtr="0" anchor="b" bIns="91425" lIns="91425" spcFirstLastPara="1" rIns="91425" wrap="square" tIns="91425"/>
+          <a:bodyPr spcFirstLastPara="1" wrap="square" lIns="91425" tIns="91425" rIns="91425" bIns="91425" anchor="b" anchorCtr="0"/>
           <a:lstStyle>
             <a:lvl1pPr lvl="0">
               <a:spcBef>
@@ -6694,15 +5626,19 @@
               </a:defRPr>
             </a:lvl9pPr>
           </a:lstStyle>
-          <a:p/>
+          <a:p>
+            <a:endParaRPr/>
+          </a:p>
         </p:txBody>
       </p:sp>
       <p:sp>
         <p:nvSpPr>
           <p:cNvPr id="7" name="Google Shape;7;p1"/>
-          <p:cNvSpPr txBox="1"/>
+          <p:cNvSpPr txBox="1">
+            <a:spLocks noGrp="1"/>
+          </p:cNvSpPr>
           <p:nvPr>
-            <p:ph idx="1" type="body"/>
+            <p:ph type="body" idx="1"/>
           </p:nvPr>
         </p:nvSpPr>
         <p:spPr>
@@ -6719,9 +5655,9 @@
           </a:ln>
         </p:spPr>
         <p:txBody>
-          <a:bodyPr anchorCtr="0" anchor="t" bIns="91425" lIns="91425" spcFirstLastPara="1" rIns="91425" wrap="square" tIns="91425"/>
+          <a:bodyPr spcFirstLastPara="1" wrap="square" lIns="91425" tIns="91425" rIns="91425" bIns="91425" anchor="t" anchorCtr="0"/>
           <a:lstStyle>
-            <a:lvl1pPr indent="-342900" lvl="0" marL="457200">
+            <a:lvl1pPr marL="457200" lvl="0" indent="-342900">
               <a:lnSpc>
                 <a:spcPct val="115000"/>
               </a:lnSpc>
@@ -6747,7 +5683,7 @@
                 <a:sym typeface="Open Sans"/>
               </a:defRPr>
             </a:lvl1pPr>
-            <a:lvl2pPr indent="-317500" lvl="1" marL="914400">
+            <a:lvl2pPr marL="914400" lvl="1" indent="-317500">
               <a:lnSpc>
                 <a:spcPct val="115000"/>
               </a:lnSpc>
@@ -6773,7 +5709,7 @@
                 <a:sym typeface="Open Sans"/>
               </a:defRPr>
             </a:lvl2pPr>
-            <a:lvl3pPr indent="-317500" lvl="2" marL="1371600">
+            <a:lvl3pPr marL="1371600" lvl="2" indent="-317500">
               <a:lnSpc>
                 <a:spcPct val="115000"/>
               </a:lnSpc>
@@ -6799,7 +5735,7 @@
                 <a:sym typeface="Open Sans"/>
               </a:defRPr>
             </a:lvl3pPr>
-            <a:lvl4pPr indent="-317500" lvl="3" marL="1828800">
+            <a:lvl4pPr marL="1828800" lvl="3" indent="-317500">
               <a:lnSpc>
                 <a:spcPct val="115000"/>
               </a:lnSpc>
@@ -6825,7 +5761,7 @@
                 <a:sym typeface="Open Sans"/>
               </a:defRPr>
             </a:lvl4pPr>
-            <a:lvl5pPr indent="-317500" lvl="4" marL="2286000">
+            <a:lvl5pPr marL="2286000" lvl="4" indent="-317500">
               <a:lnSpc>
                 <a:spcPct val="115000"/>
               </a:lnSpc>
@@ -6851,7 +5787,7 @@
                 <a:sym typeface="Open Sans"/>
               </a:defRPr>
             </a:lvl5pPr>
-            <a:lvl6pPr indent="-317500" lvl="5" marL="2743200">
+            <a:lvl6pPr marL="2743200" lvl="5" indent="-317500">
               <a:lnSpc>
                 <a:spcPct val="115000"/>
               </a:lnSpc>
@@ -6877,7 +5813,7 @@
                 <a:sym typeface="Open Sans"/>
               </a:defRPr>
             </a:lvl6pPr>
-            <a:lvl7pPr indent="-317500" lvl="6" marL="3200400">
+            <a:lvl7pPr marL="3200400" lvl="6" indent="-317500">
               <a:lnSpc>
                 <a:spcPct val="115000"/>
               </a:lnSpc>
@@ -6903,7 +5839,7 @@
                 <a:sym typeface="Open Sans"/>
               </a:defRPr>
             </a:lvl7pPr>
-            <a:lvl8pPr indent="-317500" lvl="7" marL="3657600">
+            <a:lvl8pPr marL="3657600" lvl="7" indent="-317500">
               <a:lnSpc>
                 <a:spcPct val="115000"/>
               </a:lnSpc>
@@ -6929,7 +5865,7 @@
                 <a:sym typeface="Open Sans"/>
               </a:defRPr>
             </a:lvl8pPr>
-            <a:lvl9pPr indent="-317500" lvl="8" marL="4114800">
+            <a:lvl9pPr marL="4114800" lvl="8" indent="-317500">
               <a:lnSpc>
                 <a:spcPct val="115000"/>
               </a:lnSpc>
@@ -6956,15 +5892,19 @@
               </a:defRPr>
             </a:lvl9pPr>
           </a:lstStyle>
-          <a:p/>
+          <a:p>
+            <a:endParaRPr/>
+          </a:p>
         </p:txBody>
       </p:sp>
       <p:sp>
         <p:nvSpPr>
           <p:cNvPr id="8" name="Google Shape;8;p1"/>
-          <p:cNvSpPr txBox="1"/>
+          <p:cNvSpPr txBox="1">
+            <a:spLocks noGrp="1"/>
+          </p:cNvSpPr>
           <p:nvPr>
-            <p:ph idx="12" type="sldNum"/>
+            <p:ph type="sldNum" idx="12"/>
           </p:nvPr>
         </p:nvSpPr>
         <p:spPr>
@@ -6981,7 +5921,7 @@
           </a:ln>
         </p:spPr>
         <p:txBody>
-          <a:bodyPr anchorCtr="0" anchor="ctr" bIns="91425" lIns="91425" spcFirstLastPara="1" rIns="91425" wrap="square" tIns="91425">
+          <a:bodyPr spcFirstLastPara="1" wrap="square" lIns="91425" tIns="91425" rIns="91425" bIns="91425" anchor="ctr" anchorCtr="0">
             <a:noAutofit/>
           </a:bodyPr>
           <a:lstStyle>
@@ -7095,7 +6035,7 @@
             </a:lvl9pPr>
           </a:lstStyle>
           <a:p>
-            <a:pPr indent="0" lvl="0" marL="0" rtl="0" algn="r">
+            <a:pPr marL="0" lvl="0" indent="0" algn="r" rtl="0">
               <a:spcBef>
                 <a:spcPts val="0"/>
               </a:spcBef>
@@ -7106,7 +6046,7 @@
             </a:pPr>
             <a:fld id="{00000000-1234-1234-1234-123412341234}" type="slidenum">
               <a:rPr lang="fr"/>
-              <a:t>‹#›</a:t>
+              <a:t>‹N°›</a:t>
             </a:fld>
             <a:endParaRPr/>
           </a:p>
@@ -7114,7 +6054,7 @@
       </p:sp>
     </p:spTree>
   </p:cSld>
-  <p:clrMap accent1="accent1" accent2="accent2" accent3="accent3" accent4="accent4" accent5="accent5" accent6="accent6" bg1="lt1" bg2="dk2" tx1="dk1" tx2="lt2" folHlink="folHlink" hlink="hlink"/>
+  <p:clrMap bg1="lt1" tx1="dk1" bg2="dk2" tx2="lt2" accent1="accent1" accent2="accent2" accent3="accent3" accent4="accent4" accent5="accent5" accent6="accent6" hlink="hlink" folHlink="folHlink"/>
   <p:sldLayoutIdLst>
     <p:sldLayoutId id="2147483648" r:id="rId1"/>
     <p:sldLayoutId id="2147483649" r:id="rId2"/>
@@ -7128,10 +6068,10 @@
     <p:sldLayoutId id="2147483657" r:id="rId10"/>
     <p:sldLayoutId id="2147483658" r:id="rId11"/>
   </p:sldLayoutIdLst>
-  <p:hf dt="0" ftr="0" hdr="0"/>
+  <p:hf hdr="0" ftr="0" dt="0"/>
   <p:txStyles>
     <p:titleStyle>
-      <a:defPPr lvl="0" marR="0" rtl="0" algn="l">
+      <a:defPPr marR="0" lvl="0" algn="l" rtl="0">
         <a:lnSpc>
           <a:spcPct val="100000"/>
         </a:lnSpc>
@@ -7142,7 +6082,7 @@
           <a:spcPts val="0"/>
         </a:spcAft>
       </a:defPPr>
-      <a:lvl1pPr lvl="0" marR="0" rtl="0" algn="l">
+      <a:lvl1pPr marR="0" lvl="0" algn="l" rtl="0">
         <a:lnSpc>
           <a:spcPct val="100000"/>
         </a:lnSpc>
@@ -7156,7 +6096,7 @@
           <a:srgbClr val="000000"/>
         </a:buClr>
         <a:buFont typeface="Arial"/>
-        <a:defRPr b="0" i="0" sz="1400" u="none" cap="none" strike="noStrike">
+        <a:defRPr sz="1400" b="0" i="0" u="none" strike="noStrike" cap="none">
           <a:solidFill>
             <a:srgbClr val="000000"/>
           </a:solidFill>
@@ -7166,7 +6106,7 @@
           <a:sym typeface="Arial"/>
         </a:defRPr>
       </a:lvl1pPr>
-      <a:lvl2pPr lvl="1" marR="0" rtl="0" algn="l">
+      <a:lvl2pPr marR="0" lvl="1" algn="l" rtl="0">
         <a:lnSpc>
           <a:spcPct val="100000"/>
         </a:lnSpc>
@@ -7180,7 +6120,7 @@
           <a:srgbClr val="000000"/>
         </a:buClr>
         <a:buFont typeface="Arial"/>
-        <a:defRPr b="0" i="0" sz="1400" u="none" cap="none" strike="noStrike">
+        <a:defRPr sz="1400" b="0" i="0" u="none" strike="noStrike" cap="none">
           <a:solidFill>
             <a:srgbClr val="000000"/>
           </a:solidFill>
@@ -7190,7 +6130,7 @@
           <a:sym typeface="Arial"/>
         </a:defRPr>
       </a:lvl2pPr>
-      <a:lvl3pPr lvl="2" marR="0" rtl="0" algn="l">
+      <a:lvl3pPr marR="0" lvl="2" algn="l" rtl="0">
         <a:lnSpc>
           <a:spcPct val="100000"/>
         </a:lnSpc>
@@ -7204,7 +6144,7 @@
           <a:srgbClr val="000000"/>
         </a:buClr>
         <a:buFont typeface="Arial"/>
-        <a:defRPr b="0" i="0" sz="1400" u="none" cap="none" strike="noStrike">
+        <a:defRPr sz="1400" b="0" i="0" u="none" strike="noStrike" cap="none">
           <a:solidFill>
             <a:srgbClr val="000000"/>
           </a:solidFill>
@@ -7214,7 +6154,7 @@
           <a:sym typeface="Arial"/>
         </a:defRPr>
       </a:lvl3pPr>
-      <a:lvl4pPr lvl="3" marR="0" rtl="0" algn="l">
+      <a:lvl4pPr marR="0" lvl="3" algn="l" rtl="0">
         <a:lnSpc>
           <a:spcPct val="100000"/>
         </a:lnSpc>
@@ -7228,7 +6168,7 @@
           <a:srgbClr val="000000"/>
         </a:buClr>
         <a:buFont typeface="Arial"/>
-        <a:defRPr b="0" i="0" sz="1400" u="none" cap="none" strike="noStrike">
+        <a:defRPr sz="1400" b="0" i="0" u="none" strike="noStrike" cap="none">
           <a:solidFill>
             <a:srgbClr val="000000"/>
           </a:solidFill>
@@ -7238,7 +6178,7 @@
           <a:sym typeface="Arial"/>
         </a:defRPr>
       </a:lvl4pPr>
-      <a:lvl5pPr lvl="4" marR="0" rtl="0" algn="l">
+      <a:lvl5pPr marR="0" lvl="4" algn="l" rtl="0">
         <a:lnSpc>
           <a:spcPct val="100000"/>
         </a:lnSpc>
@@ -7252,7 +6192,7 @@
           <a:srgbClr val="000000"/>
         </a:buClr>
         <a:buFont typeface="Arial"/>
-        <a:defRPr b="0" i="0" sz="1400" u="none" cap="none" strike="noStrike">
+        <a:defRPr sz="1400" b="0" i="0" u="none" strike="noStrike" cap="none">
           <a:solidFill>
             <a:srgbClr val="000000"/>
           </a:solidFill>
@@ -7262,7 +6202,7 @@
           <a:sym typeface="Arial"/>
         </a:defRPr>
       </a:lvl5pPr>
-      <a:lvl6pPr lvl="5" marR="0" rtl="0" algn="l">
+      <a:lvl6pPr marR="0" lvl="5" algn="l" rtl="0">
         <a:lnSpc>
           <a:spcPct val="100000"/>
         </a:lnSpc>
@@ -7276,7 +6216,7 @@
           <a:srgbClr val="000000"/>
         </a:buClr>
         <a:buFont typeface="Arial"/>
-        <a:defRPr b="0" i="0" sz="1400" u="none" cap="none" strike="noStrike">
+        <a:defRPr sz="1400" b="0" i="0" u="none" strike="noStrike" cap="none">
           <a:solidFill>
             <a:srgbClr val="000000"/>
           </a:solidFill>
@@ -7286,7 +6226,7 @@
           <a:sym typeface="Arial"/>
         </a:defRPr>
       </a:lvl6pPr>
-      <a:lvl7pPr lvl="6" marR="0" rtl="0" algn="l">
+      <a:lvl7pPr marR="0" lvl="6" algn="l" rtl="0">
         <a:lnSpc>
           <a:spcPct val="100000"/>
         </a:lnSpc>
@@ -7300,7 +6240,7 @@
           <a:srgbClr val="000000"/>
         </a:buClr>
         <a:buFont typeface="Arial"/>
-        <a:defRPr b="0" i="0" sz="1400" u="none" cap="none" strike="noStrike">
+        <a:defRPr sz="1400" b="0" i="0" u="none" strike="noStrike" cap="none">
           <a:solidFill>
             <a:srgbClr val="000000"/>
           </a:solidFill>
@@ -7310,7 +6250,7 @@
           <a:sym typeface="Arial"/>
         </a:defRPr>
       </a:lvl7pPr>
-      <a:lvl8pPr lvl="7" marR="0" rtl="0" algn="l">
+      <a:lvl8pPr marR="0" lvl="7" algn="l" rtl="0">
         <a:lnSpc>
           <a:spcPct val="100000"/>
         </a:lnSpc>
@@ -7324,7 +6264,7 @@
           <a:srgbClr val="000000"/>
         </a:buClr>
         <a:buFont typeface="Arial"/>
-        <a:defRPr b="0" i="0" sz="1400" u="none" cap="none" strike="noStrike">
+        <a:defRPr sz="1400" b="0" i="0" u="none" strike="noStrike" cap="none">
           <a:solidFill>
             <a:srgbClr val="000000"/>
           </a:solidFill>
@@ -7334,7 +6274,7 @@
           <a:sym typeface="Arial"/>
         </a:defRPr>
       </a:lvl8pPr>
-      <a:lvl9pPr lvl="8" marR="0" rtl="0" algn="l">
+      <a:lvl9pPr marR="0" lvl="8" algn="l" rtl="0">
         <a:lnSpc>
           <a:spcPct val="100000"/>
         </a:lnSpc>
@@ -7348,7 +6288,7 @@
           <a:srgbClr val="000000"/>
         </a:buClr>
         <a:buFont typeface="Arial"/>
-        <a:defRPr b="0" i="0" sz="1400" u="none" cap="none" strike="noStrike">
+        <a:defRPr sz="1400" b="0" i="0" u="none" strike="noStrike" cap="none">
           <a:solidFill>
             <a:srgbClr val="000000"/>
           </a:solidFill>
@@ -7360,7 +6300,7 @@
       </a:lvl9pPr>
     </p:titleStyle>
     <p:bodyStyle>
-      <a:defPPr lvl="0" marR="0" rtl="0" algn="l">
+      <a:defPPr marR="0" lvl="0" algn="l" rtl="0">
         <a:lnSpc>
           <a:spcPct val="100000"/>
         </a:lnSpc>
@@ -7371,7 +6311,7 @@
           <a:spcPts val="0"/>
         </a:spcAft>
       </a:defPPr>
-      <a:lvl1pPr lvl="0" marR="0" rtl="0" algn="l">
+      <a:lvl1pPr marR="0" lvl="0" algn="l" rtl="0">
         <a:lnSpc>
           <a:spcPct val="100000"/>
         </a:lnSpc>
@@ -7385,7 +6325,7 @@
           <a:srgbClr val="000000"/>
         </a:buClr>
         <a:buFont typeface="Arial"/>
-        <a:defRPr b="0" i="0" sz="1400" u="none" cap="none" strike="noStrike">
+        <a:defRPr sz="1400" b="0" i="0" u="none" strike="noStrike" cap="none">
           <a:solidFill>
             <a:srgbClr val="000000"/>
           </a:solidFill>
@@ -7395,7 +6335,7 @@
           <a:sym typeface="Arial"/>
         </a:defRPr>
       </a:lvl1pPr>
-      <a:lvl2pPr lvl="1" marR="0" rtl="0" algn="l">
+      <a:lvl2pPr marR="0" lvl="1" algn="l" rtl="0">
         <a:lnSpc>
           <a:spcPct val="100000"/>
         </a:lnSpc>
@@ -7409,7 +6349,7 @@
           <a:srgbClr val="000000"/>
         </a:buClr>
         <a:buFont typeface="Arial"/>
-        <a:defRPr b="0" i="0" sz="1400" u="none" cap="none" strike="noStrike">
+        <a:defRPr sz="1400" b="0" i="0" u="none" strike="noStrike" cap="none">
           <a:solidFill>
             <a:srgbClr val="000000"/>
           </a:solidFill>
@@ -7419,7 +6359,7 @@
           <a:sym typeface="Arial"/>
         </a:defRPr>
       </a:lvl2pPr>
-      <a:lvl3pPr lvl="2" marR="0" rtl="0" algn="l">
+      <a:lvl3pPr marR="0" lvl="2" algn="l" rtl="0">
         <a:lnSpc>
           <a:spcPct val="100000"/>
         </a:lnSpc>
@@ -7433,7 +6373,7 @@
           <a:srgbClr val="000000"/>
         </a:buClr>
         <a:buFont typeface="Arial"/>
-        <a:defRPr b="0" i="0" sz="1400" u="none" cap="none" strike="noStrike">
+        <a:defRPr sz="1400" b="0" i="0" u="none" strike="noStrike" cap="none">
           <a:solidFill>
             <a:srgbClr val="000000"/>
           </a:solidFill>
@@ -7443,7 +6383,7 @@
           <a:sym typeface="Arial"/>
         </a:defRPr>
       </a:lvl3pPr>
-      <a:lvl4pPr lvl="3" marR="0" rtl="0" algn="l">
+      <a:lvl4pPr marR="0" lvl="3" algn="l" rtl="0">
         <a:lnSpc>
           <a:spcPct val="100000"/>
         </a:lnSpc>
@@ -7457,7 +6397,7 @@
           <a:srgbClr val="000000"/>
         </a:buClr>
         <a:buFont typeface="Arial"/>
-        <a:defRPr b="0" i="0" sz="1400" u="none" cap="none" strike="noStrike">
+        <a:defRPr sz="1400" b="0" i="0" u="none" strike="noStrike" cap="none">
           <a:solidFill>
             <a:srgbClr val="000000"/>
           </a:solidFill>
@@ -7467,7 +6407,7 @@
           <a:sym typeface="Arial"/>
         </a:defRPr>
       </a:lvl4pPr>
-      <a:lvl5pPr lvl="4" marR="0" rtl="0" algn="l">
+      <a:lvl5pPr marR="0" lvl="4" algn="l" rtl="0">
         <a:lnSpc>
           <a:spcPct val="100000"/>
         </a:lnSpc>
@@ -7481,7 +6421,7 @@
           <a:srgbClr val="000000"/>
         </a:buClr>
         <a:buFont typeface="Arial"/>
-        <a:defRPr b="0" i="0" sz="1400" u="none" cap="none" strike="noStrike">
+        <a:defRPr sz="1400" b="0" i="0" u="none" strike="noStrike" cap="none">
           <a:solidFill>
             <a:srgbClr val="000000"/>
           </a:solidFill>
@@ -7491,7 +6431,7 @@
           <a:sym typeface="Arial"/>
         </a:defRPr>
       </a:lvl5pPr>
-      <a:lvl6pPr lvl="5" marR="0" rtl="0" algn="l">
+      <a:lvl6pPr marR="0" lvl="5" algn="l" rtl="0">
         <a:lnSpc>
           <a:spcPct val="100000"/>
         </a:lnSpc>
@@ -7505,7 +6445,7 @@
           <a:srgbClr val="000000"/>
         </a:buClr>
         <a:buFont typeface="Arial"/>
-        <a:defRPr b="0" i="0" sz="1400" u="none" cap="none" strike="noStrike">
+        <a:defRPr sz="1400" b="0" i="0" u="none" strike="noStrike" cap="none">
           <a:solidFill>
             <a:srgbClr val="000000"/>
           </a:solidFill>
@@ -7515,7 +6455,7 @@
           <a:sym typeface="Arial"/>
         </a:defRPr>
       </a:lvl6pPr>
-      <a:lvl7pPr lvl="6" marR="0" rtl="0" algn="l">
+      <a:lvl7pPr marR="0" lvl="6" algn="l" rtl="0">
         <a:lnSpc>
           <a:spcPct val="100000"/>
         </a:lnSpc>
@@ -7529,7 +6469,7 @@
           <a:srgbClr val="000000"/>
         </a:buClr>
         <a:buFont typeface="Arial"/>
-        <a:defRPr b="0" i="0" sz="1400" u="none" cap="none" strike="noStrike">
+        <a:defRPr sz="1400" b="0" i="0" u="none" strike="noStrike" cap="none">
           <a:solidFill>
             <a:srgbClr val="000000"/>
           </a:solidFill>
@@ -7539,7 +6479,7 @@
           <a:sym typeface="Arial"/>
         </a:defRPr>
       </a:lvl7pPr>
-      <a:lvl8pPr lvl="7" marR="0" rtl="0" algn="l">
+      <a:lvl8pPr marR="0" lvl="7" algn="l" rtl="0">
         <a:lnSpc>
           <a:spcPct val="100000"/>
         </a:lnSpc>
@@ -7553,7 +6493,7 @@
           <a:srgbClr val="000000"/>
         </a:buClr>
         <a:buFont typeface="Arial"/>
-        <a:defRPr b="0" i="0" sz="1400" u="none" cap="none" strike="noStrike">
+        <a:defRPr sz="1400" b="0" i="0" u="none" strike="noStrike" cap="none">
           <a:solidFill>
             <a:srgbClr val="000000"/>
           </a:solidFill>
@@ -7563,7 +6503,7 @@
           <a:sym typeface="Arial"/>
         </a:defRPr>
       </a:lvl8pPr>
-      <a:lvl9pPr lvl="8" marR="0" rtl="0" algn="l">
+      <a:lvl9pPr marR="0" lvl="8" algn="l" rtl="0">
         <a:lnSpc>
           <a:spcPct val="100000"/>
         </a:lnSpc>
@@ -7577,7 +6517,7 @@
           <a:srgbClr val="000000"/>
         </a:buClr>
         <a:buFont typeface="Arial"/>
-        <a:defRPr b="0" i="0" sz="1400" u="none" cap="none" strike="noStrike">
+        <a:defRPr sz="1400" b="0" i="0" u="none" strike="noStrike" cap="none">
           <a:solidFill>
             <a:srgbClr val="000000"/>
           </a:solidFill>
@@ -7589,7 +6529,7 @@
       </a:lvl9pPr>
     </p:bodyStyle>
     <p:otherStyle>
-      <a:defPPr lvl="0" marR="0" rtl="0" algn="l">
+      <a:defPPr marR="0" lvl="0" algn="l" rtl="0">
         <a:lnSpc>
           <a:spcPct val="100000"/>
         </a:lnSpc>
@@ -7600,7 +6540,7 @@
           <a:spcPts val="0"/>
         </a:spcAft>
       </a:defPPr>
-      <a:lvl1pPr lvl="0" marR="0" rtl="0" algn="l">
+      <a:lvl1pPr marR="0" lvl="0" algn="l" rtl="0">
         <a:lnSpc>
           <a:spcPct val="100000"/>
         </a:lnSpc>
@@ -7614,7 +6554,7 @@
           <a:srgbClr val="000000"/>
         </a:buClr>
         <a:buFont typeface="Arial"/>
-        <a:defRPr b="0" i="0" sz="1400" u="none" cap="none" strike="noStrike">
+        <a:defRPr sz="1400" b="0" i="0" u="none" strike="noStrike" cap="none">
           <a:solidFill>
             <a:srgbClr val="000000"/>
           </a:solidFill>
@@ -7624,7 +6564,7 @@
           <a:sym typeface="Arial"/>
         </a:defRPr>
       </a:lvl1pPr>
-      <a:lvl2pPr lvl="1" marR="0" rtl="0" algn="l">
+      <a:lvl2pPr marR="0" lvl="1" algn="l" rtl="0">
         <a:lnSpc>
           <a:spcPct val="100000"/>
         </a:lnSpc>
@@ -7638,7 +6578,7 @@
           <a:srgbClr val="000000"/>
         </a:buClr>
         <a:buFont typeface="Arial"/>
-        <a:defRPr b="0" i="0" sz="1400" u="none" cap="none" strike="noStrike">
+        <a:defRPr sz="1400" b="0" i="0" u="none" strike="noStrike" cap="none">
           <a:solidFill>
             <a:srgbClr val="000000"/>
           </a:solidFill>
@@ -7648,7 +6588,7 @@
           <a:sym typeface="Arial"/>
         </a:defRPr>
       </a:lvl2pPr>
-      <a:lvl3pPr lvl="2" marR="0" rtl="0" algn="l">
+      <a:lvl3pPr marR="0" lvl="2" algn="l" rtl="0">
         <a:lnSpc>
           <a:spcPct val="100000"/>
         </a:lnSpc>
@@ -7662,7 +6602,7 @@
           <a:srgbClr val="000000"/>
         </a:buClr>
         <a:buFont typeface="Arial"/>
-        <a:defRPr b="0" i="0" sz="1400" u="none" cap="none" strike="noStrike">
+        <a:defRPr sz="1400" b="0" i="0" u="none" strike="noStrike" cap="none">
           <a:solidFill>
             <a:srgbClr val="000000"/>
           </a:solidFill>
@@ -7672,7 +6612,7 @@
           <a:sym typeface="Arial"/>
         </a:defRPr>
       </a:lvl3pPr>
-      <a:lvl4pPr lvl="3" marR="0" rtl="0" algn="l">
+      <a:lvl4pPr marR="0" lvl="3" algn="l" rtl="0">
         <a:lnSpc>
           <a:spcPct val="100000"/>
         </a:lnSpc>
@@ -7686,7 +6626,7 @@
           <a:srgbClr val="000000"/>
         </a:buClr>
         <a:buFont typeface="Arial"/>
-        <a:defRPr b="0" i="0" sz="1400" u="none" cap="none" strike="noStrike">
+        <a:defRPr sz="1400" b="0" i="0" u="none" strike="noStrike" cap="none">
           <a:solidFill>
             <a:srgbClr val="000000"/>
           </a:solidFill>
@@ -7696,7 +6636,7 @@
           <a:sym typeface="Arial"/>
         </a:defRPr>
       </a:lvl4pPr>
-      <a:lvl5pPr lvl="4" marR="0" rtl="0" algn="l">
+      <a:lvl5pPr marR="0" lvl="4" algn="l" rtl="0">
         <a:lnSpc>
           <a:spcPct val="100000"/>
         </a:lnSpc>
@@ -7710,7 +6650,7 @@
           <a:srgbClr val="000000"/>
         </a:buClr>
         <a:buFont typeface="Arial"/>
-        <a:defRPr b="0" i="0" sz="1400" u="none" cap="none" strike="noStrike">
+        <a:defRPr sz="1400" b="0" i="0" u="none" strike="noStrike" cap="none">
           <a:solidFill>
             <a:srgbClr val="000000"/>
           </a:solidFill>
@@ -7720,7 +6660,7 @@
           <a:sym typeface="Arial"/>
         </a:defRPr>
       </a:lvl5pPr>
-      <a:lvl6pPr lvl="5" marR="0" rtl="0" algn="l">
+      <a:lvl6pPr marR="0" lvl="5" algn="l" rtl="0">
         <a:lnSpc>
           <a:spcPct val="100000"/>
         </a:lnSpc>
@@ -7734,7 +6674,7 @@
           <a:srgbClr val="000000"/>
         </a:buClr>
         <a:buFont typeface="Arial"/>
-        <a:defRPr b="0" i="0" sz="1400" u="none" cap="none" strike="noStrike">
+        <a:defRPr sz="1400" b="0" i="0" u="none" strike="noStrike" cap="none">
           <a:solidFill>
             <a:srgbClr val="000000"/>
           </a:solidFill>
@@ -7744,7 +6684,7 @@
           <a:sym typeface="Arial"/>
         </a:defRPr>
       </a:lvl6pPr>
-      <a:lvl7pPr lvl="6" marR="0" rtl="0" algn="l">
+      <a:lvl7pPr marR="0" lvl="6" algn="l" rtl="0">
         <a:lnSpc>
           <a:spcPct val="100000"/>
         </a:lnSpc>
@@ -7758,7 +6698,7 @@
           <a:srgbClr val="000000"/>
         </a:buClr>
         <a:buFont typeface="Arial"/>
-        <a:defRPr b="0" i="0" sz="1400" u="none" cap="none" strike="noStrike">
+        <a:defRPr sz="1400" b="0" i="0" u="none" strike="noStrike" cap="none">
           <a:solidFill>
             <a:srgbClr val="000000"/>
           </a:solidFill>
@@ -7768,7 +6708,7 @@
           <a:sym typeface="Arial"/>
         </a:defRPr>
       </a:lvl7pPr>
-      <a:lvl8pPr lvl="7" marR="0" rtl="0" algn="l">
+      <a:lvl8pPr marR="0" lvl="7" algn="l" rtl="0">
         <a:lnSpc>
           <a:spcPct val="100000"/>
         </a:lnSpc>
@@ -7782,7 +6722,7 @@
           <a:srgbClr val="000000"/>
         </a:buClr>
         <a:buFont typeface="Arial"/>
-        <a:defRPr b="0" i="0" sz="1400" u="none" cap="none" strike="noStrike">
+        <a:defRPr sz="1400" b="0" i="0" u="none" strike="noStrike" cap="none">
           <a:solidFill>
             <a:srgbClr val="000000"/>
           </a:solidFill>
@@ -7792,7 +6732,7 @@
           <a:sym typeface="Arial"/>
         </a:defRPr>
       </a:lvl8pPr>
-      <a:lvl9pPr lvl="8" marR="0" rtl="0" algn="l">
+      <a:lvl9pPr marR="0" lvl="8" algn="l" rtl="0">
         <a:lnSpc>
           <a:spcPct val="100000"/>
         </a:lnSpc>
@@ -7806,7 +6746,7 @@
           <a:srgbClr val="000000"/>
         </a:buClr>
         <a:buFont typeface="Arial"/>
-        <a:defRPr b="0" i="0" sz="1400" u="none" cap="none" strike="noStrike">
+        <a:defRPr sz="1400" b="0" i="0" u="none" strike="noStrike" cap="none">
           <a:solidFill>
             <a:srgbClr val="000000"/>
           </a:solidFill>
@@ -7822,11 +6762,11 @@
 </file>
 
 <file path=ppt/slides/slide1.xml><?xml version="1.0" encoding="utf-8"?>
-<p:sld xmlns:a="http://schemas.openxmlformats.org/drawingml/2006/main" xmlns:r="http://schemas.openxmlformats.org/officeDocument/2006/relationships" xmlns:mc="http://schemas.openxmlformats.org/markup-compatibility/2006" xmlns:mv="urn:schemas-microsoft-com:mac:vml" xmlns:p="http://schemas.openxmlformats.org/presentationml/2006/main" xmlns:c="http://schemas.openxmlformats.org/drawingml/2006/chart" xmlns:dgm="http://schemas.openxmlformats.org/drawingml/2006/diagram" xmlns:o="urn:schemas-microsoft-com:office:office" xmlns:v="urn:schemas-microsoft-com:vml" xmlns:pvml="urn:schemas-microsoft-com:office:powerpoint" xmlns:com="http://schemas.openxmlformats.org/drawingml/2006/compatibility" xmlns:p14="http://schemas.microsoft.com/office/powerpoint/2010/main" xmlns:p15="http://schemas.microsoft.com/office/powerpoint/2012/main">
+<p:sld xmlns:a="http://schemas.openxmlformats.org/drawingml/2006/main" xmlns:r="http://schemas.openxmlformats.org/officeDocument/2006/relationships" xmlns:p="http://schemas.openxmlformats.org/presentationml/2006/main">
   <p:cSld>
     <p:spTree>
       <p:nvGrpSpPr>
-        <p:cNvPr id="61" name="Shape 61"/>
+        <p:cNvPr id="1" name="Shape 61"/>
         <p:cNvGrpSpPr/>
         <p:nvPr/>
       </p:nvGrpSpPr>
@@ -7886,12 +6826,12 @@
           </a:ln>
         </p:spPr>
         <p:txBody>
-          <a:bodyPr anchorCtr="0" anchor="ctr" bIns="91425" lIns="91425" spcFirstLastPara="1" rIns="91425" wrap="square" tIns="91425">
+          <a:bodyPr spcFirstLastPara="1" wrap="square" lIns="91425" tIns="91425" rIns="91425" bIns="91425" anchor="ctr" anchorCtr="0">
             <a:noAutofit/>
           </a:bodyPr>
           <a:lstStyle/>
           <a:p>
-            <a:pPr indent="0" lvl="0" marL="0" rtl="0" algn="ctr">
+            <a:pPr marL="0" lvl="0" indent="0" algn="ctr" rtl="0">
               <a:spcBef>
                 <a:spcPts val="0"/>
               </a:spcBef>
@@ -7900,9 +6840,6 @@
               </a:spcAft>
               <a:buNone/>
             </a:pPr>
-            <a:r>
-              <a:t/>
-            </a:r>
             <a:endParaRPr sz="2400"/>
           </a:p>
         </p:txBody>
@@ -7927,12 +6864,12 @@
           </a:ln>
         </p:spPr>
         <p:txBody>
-          <a:bodyPr anchorCtr="0" anchor="t" bIns="91425" lIns="91425" spcFirstLastPara="1" rIns="91425" wrap="square" tIns="91425">
+          <a:bodyPr spcFirstLastPara="1" wrap="square" lIns="91425" tIns="91425" rIns="91425" bIns="91425" anchor="t" anchorCtr="0">
             <a:noAutofit/>
           </a:bodyPr>
           <a:lstStyle/>
           <a:p>
-            <a:pPr indent="0" lvl="0" marL="0" rtl="0" algn="l">
+            <a:pPr marL="0" lvl="0" indent="0" algn="l" rtl="0">
               <a:spcBef>
                 <a:spcPts val="0"/>
               </a:spcBef>
@@ -7948,7 +6885,7 @@
             <a:endParaRPr/>
           </a:p>
           <a:p>
-            <a:pPr indent="0" lvl="0" marL="0" rtl="0" algn="l">
+            <a:pPr marL="0" lvl="0" indent="0" algn="l" rtl="0">
               <a:spcBef>
                 <a:spcPts val="0"/>
               </a:spcBef>
@@ -7964,7 +6901,7 @@
             <a:endParaRPr/>
           </a:p>
           <a:p>
-            <a:pPr indent="0" lvl="0" marL="0" rtl="0" algn="l">
+            <a:pPr marL="0" lvl="0" indent="0" algn="l" rtl="0">
               <a:spcBef>
                 <a:spcPts val="0"/>
               </a:spcBef>
@@ -7980,7 +6917,7 @@
             <a:endParaRPr/>
           </a:p>
           <a:p>
-            <a:pPr indent="0" lvl="0" marL="0" rtl="0" algn="l">
+            <a:pPr marL="0" lvl="0" indent="0" algn="l" rtl="0">
               <a:spcBef>
                 <a:spcPts val="0"/>
               </a:spcBef>
@@ -8017,12 +6954,12 @@
           </a:ln>
         </p:spPr>
         <p:txBody>
-          <a:bodyPr anchorCtr="0" anchor="t" bIns="91425" lIns="91425" spcFirstLastPara="1" rIns="91425" wrap="square" tIns="91425">
+          <a:bodyPr spcFirstLastPara="1" wrap="square" lIns="91425" tIns="91425" rIns="91425" bIns="91425" anchor="t" anchorCtr="0">
             <a:noAutofit/>
           </a:bodyPr>
           <a:lstStyle/>
           <a:p>
-            <a:pPr indent="0" lvl="0" marL="0" rtl="0" algn="l">
+            <a:pPr marL="0" lvl="0" indent="0" algn="l" rtl="0">
               <a:spcBef>
                 <a:spcPts val="0"/>
               </a:spcBef>
@@ -8032,7 +6969,7 @@
               <a:buNone/>
             </a:pPr>
             <a:r>
-              <a:rPr i="1" lang="fr"/>
+              <a:rPr lang="fr" i="1"/>
               <a:t>Tuteur : Boumaza Amine</a:t>
             </a:r>
             <a:endParaRPr i="1"/>
@@ -8070,7 +7007,9 @@
       <p:sp>
         <p:nvSpPr>
           <p:cNvPr id="67" name="Google Shape;67;p13"/>
-          <p:cNvSpPr txBox="1"/>
+          <p:cNvSpPr txBox="1">
+            <a:spLocks noGrp="1"/>
+          </p:cNvSpPr>
           <p:nvPr>
             <p:ph type="ctrTitle"/>
           </p:nvPr>
@@ -8085,12 +7024,12 @@
           </a:prstGeom>
         </p:spPr>
         <p:txBody>
-          <a:bodyPr anchorCtr="0" anchor="b" bIns="91425" lIns="91425" spcFirstLastPara="1" rIns="91425" wrap="square" tIns="91425">
+          <a:bodyPr spcFirstLastPara="1" wrap="square" lIns="91425" tIns="91425" rIns="91425" bIns="91425" anchor="b" anchorCtr="0">
             <a:noAutofit/>
           </a:bodyPr>
           <a:lstStyle/>
           <a:p>
-            <a:pPr indent="0" lvl="0" marL="0" rtl="0" algn="ctr">
+            <a:pPr marL="0" lvl="0" indent="0" algn="ctr" rtl="0">
               <a:spcBef>
                 <a:spcPts val="0"/>
               </a:spcBef>
@@ -8121,7 +7060,7 @@
             </a:endParaRPr>
           </a:p>
           <a:p>
-            <a:pPr indent="0" lvl="0" marL="0" rtl="0" algn="ctr">
+            <a:pPr marL="0" lvl="0" indent="0" algn="ctr" rtl="0">
               <a:spcBef>
                 <a:spcPts val="0"/>
               </a:spcBef>
@@ -8130,9 +7069,6 @@
               </a:spcAft>
               <a:buNone/>
             </a:pPr>
-            <a:r>
-              <a:t/>
-            </a:r>
             <a:endParaRPr sz="2400">
               <a:solidFill>
                 <a:srgbClr val="000000"/>
@@ -8148,9 +7084,11 @@
       <p:sp>
         <p:nvSpPr>
           <p:cNvPr id="68" name="Google Shape;68;p13"/>
-          <p:cNvSpPr txBox="1"/>
+          <p:cNvSpPr txBox="1">
+            <a:spLocks noGrp="1"/>
+          </p:cNvSpPr>
           <p:nvPr>
-            <p:ph idx="12" type="sldNum"/>
+            <p:ph type="sldNum" idx="12"/>
           </p:nvPr>
         </p:nvSpPr>
         <p:spPr>
@@ -8163,12 +7101,12 @@
           </a:prstGeom>
         </p:spPr>
         <p:txBody>
-          <a:bodyPr anchorCtr="0" anchor="ctr" bIns="91425" lIns="91425" spcFirstLastPara="1" rIns="91425" wrap="square" tIns="91425">
+          <a:bodyPr spcFirstLastPara="1" wrap="square" lIns="91425" tIns="91425" rIns="91425" bIns="91425" anchor="ctr" anchorCtr="0">
             <a:noAutofit/>
           </a:bodyPr>
           <a:lstStyle/>
           <a:p>
-            <a:pPr indent="0" lvl="0" marL="0" rtl="0" algn="r">
+            <a:pPr marL="0" lvl="0" indent="0" algn="r" rtl="0">
               <a:spcBef>
                 <a:spcPts val="0"/>
               </a:spcBef>
@@ -8184,895 +7122,7 @@
             </a:pPr>
             <a:fld id="{00000000-1234-1234-1234-123412341234}" type="slidenum">
               <a:rPr lang="fr"/>
-              <a:t>‹#›</a:t>
-            </a:fld>
-            <a:endParaRPr/>
-          </a:p>
-        </p:txBody>
-      </p:sp>
-    </p:spTree>
-  </p:cSld>
-  <p:clrMapOvr>
-    <a:masterClrMapping/>
-  </p:clrMapOvr>
-</p:sld>
-</file>
-
-<file path=ppt/slides/slide10.xml><?xml version="1.0" encoding="utf-8"?>
-<p:sld xmlns:a="http://schemas.openxmlformats.org/drawingml/2006/main" xmlns:r="http://schemas.openxmlformats.org/officeDocument/2006/relationships" xmlns:mc="http://schemas.openxmlformats.org/markup-compatibility/2006" xmlns:mv="urn:schemas-microsoft-com:mac:vml" xmlns:p="http://schemas.openxmlformats.org/presentationml/2006/main" xmlns:c="http://schemas.openxmlformats.org/drawingml/2006/chart" xmlns:dgm="http://schemas.openxmlformats.org/drawingml/2006/diagram" xmlns:o="urn:schemas-microsoft-com:office:office" xmlns:v="urn:schemas-microsoft-com:vml" xmlns:pvml="urn:schemas-microsoft-com:office:powerpoint" xmlns:com="http://schemas.openxmlformats.org/drawingml/2006/compatibility" xmlns:p14="http://schemas.microsoft.com/office/powerpoint/2010/main" xmlns:p15="http://schemas.microsoft.com/office/powerpoint/2012/main">
-  <p:cSld>
-    <p:spTree>
-      <p:nvGrpSpPr>
-        <p:cNvPr id="147" name="Shape 147"/>
-        <p:cNvGrpSpPr/>
-        <p:nvPr/>
-      </p:nvGrpSpPr>
-      <p:grpSpPr>
-        <a:xfrm>
-          <a:off x="0" y="0"/>
-          <a:ext cx="0" cy="0"/>
-          <a:chOff x="0" y="0"/>
-          <a:chExt cx="0" cy="0"/>
-        </a:xfrm>
-      </p:grpSpPr>
-      <p:sp>
-        <p:nvSpPr>
-          <p:cNvPr id="148" name="Google Shape;148;p22"/>
-          <p:cNvSpPr txBox="1"/>
-          <p:nvPr>
-            <p:ph idx="12" type="sldNum"/>
-          </p:nvPr>
-        </p:nvSpPr>
-        <p:spPr>
-          <a:xfrm>
-            <a:off x="8472458" y="4663217"/>
-            <a:ext cx="548700" cy="393600"/>
-          </a:xfrm>
-          <a:prstGeom prst="rect">
-            <a:avLst/>
-          </a:prstGeom>
-        </p:spPr>
-        <p:txBody>
-          <a:bodyPr anchorCtr="0" anchor="ctr" bIns="91425" lIns="91425" spcFirstLastPara="1" rIns="91425" wrap="square" tIns="91425">
-            <a:noAutofit/>
-          </a:bodyPr>
-          <a:lstStyle/>
-          <a:p>
-            <a:pPr indent="0" lvl="0" marL="0" rtl="0" algn="r">
-              <a:spcBef>
-                <a:spcPts val="0"/>
-              </a:spcBef>
-              <a:spcAft>
-                <a:spcPts val="0"/>
-              </a:spcAft>
-              <a:buClr>
-                <a:srgbClr val="000000"/>
-              </a:buClr>
-              <a:buSzPts val="1100"/>
-              <a:buFont typeface="Arial"/>
-              <a:buNone/>
-            </a:pPr>
-            <a:fld id="{00000000-1234-1234-1234-123412341234}" type="slidenum">
-              <a:rPr lang="fr"/>
-              <a:t>‹#›</a:t>
-            </a:fld>
-            <a:endParaRPr/>
-          </a:p>
-        </p:txBody>
-      </p:sp>
-      <p:sp>
-        <p:nvSpPr>
-          <p:cNvPr id="149" name="Google Shape;149;p22"/>
-          <p:cNvSpPr txBox="1"/>
-          <p:nvPr>
-            <p:ph type="title"/>
-          </p:nvPr>
-        </p:nvSpPr>
-        <p:spPr>
-          <a:xfrm>
-            <a:off x="311700" y="315925"/>
-            <a:ext cx="8520600" cy="831300"/>
-          </a:xfrm>
-          <a:prstGeom prst="rect">
-            <a:avLst/>
-          </a:prstGeom>
-        </p:spPr>
-        <p:txBody>
-          <a:bodyPr anchorCtr="0" anchor="b" bIns="91425" lIns="91425" spcFirstLastPara="1" rIns="91425" wrap="square" tIns="91425">
-            <a:noAutofit/>
-          </a:bodyPr>
-          <a:lstStyle/>
-          <a:p>
-            <a:pPr indent="0" lvl="0" marL="0" rtl="0" algn="l">
-              <a:spcBef>
-                <a:spcPts val="0"/>
-              </a:spcBef>
-              <a:spcAft>
-                <a:spcPts val="0"/>
-              </a:spcAft>
-              <a:buNone/>
-            </a:pPr>
-            <a:r>
-              <a:rPr lang="fr"/>
-              <a:t>III. Etude de l’existant</a:t>
-            </a:r>
-            <a:endParaRPr/>
-          </a:p>
-        </p:txBody>
-      </p:sp>
-      <p:pic>
-        <p:nvPicPr>
-          <p:cNvPr id="150" name="Google Shape;150;p22"/>
-          <p:cNvPicPr preferRelativeResize="0"/>
-          <p:nvPr/>
-        </p:nvPicPr>
-        <p:blipFill>
-          <a:blip r:embed="rId3">
-            <a:alphaModFix/>
-          </a:blip>
-          <a:stretch>
-            <a:fillRect/>
-          </a:stretch>
-        </p:blipFill>
-        <p:spPr>
-          <a:xfrm>
-            <a:off x="1088650" y="1000087"/>
-            <a:ext cx="2467751" cy="854775"/>
-          </a:xfrm>
-          <a:prstGeom prst="rect">
-            <a:avLst/>
-          </a:prstGeom>
-          <a:noFill/>
-          <a:ln>
-            <a:noFill/>
-          </a:ln>
-        </p:spPr>
-      </p:pic>
-      <p:pic>
-        <p:nvPicPr>
-          <p:cNvPr id="151" name="Google Shape;151;p22"/>
-          <p:cNvPicPr preferRelativeResize="0"/>
-          <p:nvPr/>
-        </p:nvPicPr>
-        <p:blipFill>
-          <a:blip r:embed="rId4">
-            <a:alphaModFix/>
-          </a:blip>
-          <a:stretch>
-            <a:fillRect/>
-          </a:stretch>
-        </p:blipFill>
-        <p:spPr>
-          <a:xfrm>
-            <a:off x="5522050" y="734613"/>
-            <a:ext cx="2349126" cy="1233301"/>
-          </a:xfrm>
-          <a:prstGeom prst="rect">
-            <a:avLst/>
-          </a:prstGeom>
-          <a:noFill/>
-          <a:ln>
-            <a:noFill/>
-          </a:ln>
-        </p:spPr>
-      </p:pic>
-      <p:cxnSp>
-        <p:nvCxnSpPr>
-          <p:cNvPr id="152" name="Google Shape;152;p22"/>
-          <p:cNvCxnSpPr/>
-          <p:nvPr/>
-        </p:nvCxnSpPr>
-        <p:spPr>
-          <a:xfrm>
-            <a:off x="4572000" y="1017725"/>
-            <a:ext cx="7200" cy="3898200"/>
-          </a:xfrm>
-          <a:prstGeom prst="straightConnector1">
-            <a:avLst/>
-          </a:prstGeom>
-          <a:noFill/>
-          <a:ln cap="flat" cmpd="sng" w="9525">
-            <a:solidFill>
-              <a:schemeClr val="dk2"/>
-            </a:solidFill>
-            <a:prstDash val="solid"/>
-            <a:round/>
-            <a:headEnd len="med" w="med" type="none"/>
-            <a:tailEnd len="med" w="med" type="none"/>
-          </a:ln>
-        </p:spPr>
-      </p:cxnSp>
-      <p:pic>
-        <p:nvPicPr>
-          <p:cNvPr id="153" name="Google Shape;153;p22"/>
-          <p:cNvPicPr preferRelativeResize="0"/>
-          <p:nvPr/>
-        </p:nvPicPr>
-        <p:blipFill>
-          <a:blip r:embed="rId5">
-            <a:alphaModFix/>
-          </a:blip>
-          <a:stretch>
-            <a:fillRect/>
-          </a:stretch>
-        </p:blipFill>
-        <p:spPr>
-          <a:xfrm>
-            <a:off x="660938" y="2558675"/>
-            <a:ext cx="3323175" cy="2498150"/>
-          </a:xfrm>
-          <a:prstGeom prst="rect">
-            <a:avLst/>
-          </a:prstGeom>
-          <a:noFill/>
-          <a:ln>
-            <a:noFill/>
-          </a:ln>
-        </p:spPr>
-      </p:pic>
-      <p:pic>
-        <p:nvPicPr>
-          <p:cNvPr id="154" name="Google Shape;154;p22"/>
-          <p:cNvPicPr preferRelativeResize="0"/>
-          <p:nvPr/>
-        </p:nvPicPr>
-        <p:blipFill>
-          <a:blip r:embed="rId6">
-            <a:alphaModFix/>
-          </a:blip>
-          <a:stretch>
-            <a:fillRect/>
-          </a:stretch>
-        </p:blipFill>
-        <p:spPr>
-          <a:xfrm>
-            <a:off x="4738650" y="2367151"/>
-            <a:ext cx="4319851" cy="2384899"/>
-          </a:xfrm>
-          <a:prstGeom prst="rect">
-            <a:avLst/>
-          </a:prstGeom>
-          <a:noFill/>
-          <a:ln>
-            <a:noFill/>
-          </a:ln>
-        </p:spPr>
-      </p:pic>
-      <p:sp>
-        <p:nvSpPr>
-          <p:cNvPr id="155" name="Google Shape;155;p22"/>
-          <p:cNvSpPr txBox="1"/>
-          <p:nvPr/>
-        </p:nvSpPr>
-        <p:spPr>
-          <a:xfrm>
-            <a:off x="333375" y="1676550"/>
-            <a:ext cx="3978300" cy="895200"/>
-          </a:xfrm>
-          <a:prstGeom prst="rect">
-            <a:avLst/>
-          </a:prstGeom>
-          <a:noFill/>
-          <a:ln>
-            <a:noFill/>
-          </a:ln>
-        </p:spPr>
-        <p:txBody>
-          <a:bodyPr anchorCtr="0" anchor="t" bIns="91425" lIns="91425" spcFirstLastPara="1" rIns="91425" wrap="square" tIns="91425">
-            <a:noAutofit/>
-          </a:bodyPr>
-          <a:lstStyle/>
-          <a:p>
-            <a:pPr indent="0" lvl="0" marL="0" rtl="0" algn="l">
-              <a:lnSpc>
-                <a:spcPct val="115000"/>
-              </a:lnSpc>
-              <a:spcBef>
-                <a:spcPts val="0"/>
-              </a:spcBef>
-              <a:spcAft>
-                <a:spcPts val="0"/>
-              </a:spcAft>
-              <a:buNone/>
-            </a:pPr>
-            <a:r>
-              <a:rPr lang="fr"/>
-              <a:t>Cours “professionnels”</a:t>
-            </a:r>
-            <a:endParaRPr/>
-          </a:p>
-          <a:p>
-            <a:pPr indent="0" lvl="0" marL="0" rtl="0" algn="l">
-              <a:lnSpc>
-                <a:spcPct val="115000"/>
-              </a:lnSpc>
-              <a:spcBef>
-                <a:spcPts val="0"/>
-              </a:spcBef>
-              <a:spcAft>
-                <a:spcPts val="0"/>
-              </a:spcAft>
-              <a:buNone/>
-            </a:pPr>
-            <a:r>
-              <a:rPr lang="fr"/>
-              <a:t>Exercice en même temps que le cours</a:t>
-            </a:r>
-            <a:endParaRPr/>
-          </a:p>
-          <a:p>
-            <a:pPr indent="0" lvl="0" marL="0" rtl="0" algn="l">
-              <a:lnSpc>
-                <a:spcPct val="115000"/>
-              </a:lnSpc>
-              <a:spcBef>
-                <a:spcPts val="0"/>
-              </a:spcBef>
-              <a:spcAft>
-                <a:spcPts val="0"/>
-              </a:spcAft>
-              <a:buNone/>
-            </a:pPr>
-            <a:r>
-              <a:rPr lang="fr"/>
-              <a:t>Code testé automatiquement</a:t>
-            </a:r>
-            <a:endParaRPr/>
-          </a:p>
-        </p:txBody>
-      </p:sp>
-      <p:sp>
-        <p:nvSpPr>
-          <p:cNvPr id="156" name="Google Shape;156;p22"/>
-          <p:cNvSpPr txBox="1"/>
-          <p:nvPr/>
-        </p:nvSpPr>
-        <p:spPr>
-          <a:xfrm>
-            <a:off x="4839525" y="1676550"/>
-            <a:ext cx="3978300" cy="895200"/>
-          </a:xfrm>
-          <a:prstGeom prst="rect">
-            <a:avLst/>
-          </a:prstGeom>
-          <a:noFill/>
-          <a:ln>
-            <a:noFill/>
-          </a:ln>
-        </p:spPr>
-        <p:txBody>
-          <a:bodyPr anchorCtr="0" anchor="t" bIns="91425" lIns="91425" spcFirstLastPara="1" rIns="91425" wrap="square" tIns="91425">
-            <a:noAutofit/>
-          </a:bodyPr>
-          <a:lstStyle/>
-          <a:p>
-            <a:pPr indent="0" lvl="0" marL="0" rtl="0" algn="l">
-              <a:lnSpc>
-                <a:spcPct val="115000"/>
-              </a:lnSpc>
-              <a:spcBef>
-                <a:spcPts val="0"/>
-              </a:spcBef>
-              <a:spcAft>
-                <a:spcPts val="0"/>
-              </a:spcAft>
-              <a:buNone/>
-            </a:pPr>
-            <a:r>
-              <a:rPr lang="fr"/>
-              <a:t>Cours payants et principalement en vidéo</a:t>
-            </a:r>
-            <a:endParaRPr/>
-          </a:p>
-          <a:p>
-            <a:pPr indent="0" lvl="0" marL="0" rtl="0" algn="l">
-              <a:lnSpc>
-                <a:spcPct val="115000"/>
-              </a:lnSpc>
-              <a:spcBef>
-                <a:spcPts val="0"/>
-              </a:spcBef>
-              <a:spcAft>
-                <a:spcPts val="0"/>
-              </a:spcAft>
-              <a:buNone/>
-            </a:pPr>
-            <a:r>
-              <a:rPr lang="fr"/>
-              <a:t>Projets concrets corrigés par l’enseignant</a:t>
-            </a:r>
-            <a:endParaRPr/>
-          </a:p>
-        </p:txBody>
-      </p:sp>
-    </p:spTree>
-  </p:cSld>
-  <p:clrMapOvr>
-    <a:masterClrMapping/>
-  </p:clrMapOvr>
-</p:sld>
-</file>
-
-<file path=ppt/slides/slide11.xml><?xml version="1.0" encoding="utf-8"?>
-<p:sld xmlns:a="http://schemas.openxmlformats.org/drawingml/2006/main" xmlns:r="http://schemas.openxmlformats.org/officeDocument/2006/relationships" xmlns:mc="http://schemas.openxmlformats.org/markup-compatibility/2006" xmlns:mv="urn:schemas-microsoft-com:mac:vml" xmlns:p="http://schemas.openxmlformats.org/presentationml/2006/main" xmlns:c="http://schemas.openxmlformats.org/drawingml/2006/chart" xmlns:dgm="http://schemas.openxmlformats.org/drawingml/2006/diagram" xmlns:o="urn:schemas-microsoft-com:office:office" xmlns:v="urn:schemas-microsoft-com:vml" xmlns:pvml="urn:schemas-microsoft-com:office:powerpoint" xmlns:com="http://schemas.openxmlformats.org/drawingml/2006/compatibility" xmlns:p14="http://schemas.microsoft.com/office/powerpoint/2010/main" xmlns:p15="http://schemas.microsoft.com/office/powerpoint/2012/main">
-  <p:cSld>
-    <p:spTree>
-      <p:nvGrpSpPr>
-        <p:cNvPr id="160" name="Shape 160"/>
-        <p:cNvGrpSpPr/>
-        <p:nvPr/>
-      </p:nvGrpSpPr>
-      <p:grpSpPr>
-        <a:xfrm>
-          <a:off x="0" y="0"/>
-          <a:ext cx="0" cy="0"/>
-          <a:chOff x="0" y="0"/>
-          <a:chExt cx="0" cy="0"/>
-        </a:xfrm>
-      </p:grpSpPr>
-      <p:sp>
-        <p:nvSpPr>
-          <p:cNvPr id="161" name="Google Shape;161;p23"/>
-          <p:cNvSpPr txBox="1"/>
-          <p:nvPr>
-            <p:ph type="title"/>
-          </p:nvPr>
-        </p:nvSpPr>
-        <p:spPr>
-          <a:xfrm>
-            <a:off x="311700" y="315925"/>
-            <a:ext cx="8520600" cy="831300"/>
-          </a:xfrm>
-          <a:prstGeom prst="rect">
-            <a:avLst/>
-          </a:prstGeom>
-        </p:spPr>
-        <p:txBody>
-          <a:bodyPr anchorCtr="0" anchor="b" bIns="91425" lIns="91425" spcFirstLastPara="1" rIns="91425" wrap="square" tIns="91425">
-            <a:noAutofit/>
-          </a:bodyPr>
-          <a:lstStyle/>
-          <a:p>
-            <a:pPr indent="0" lvl="0" marL="0" rtl="0" algn="l">
-              <a:spcBef>
-                <a:spcPts val="0"/>
-              </a:spcBef>
-              <a:spcAft>
-                <a:spcPts val="0"/>
-              </a:spcAft>
-              <a:buNone/>
-            </a:pPr>
-            <a:r>
-              <a:rPr lang="fr"/>
-              <a:t>IV. Maquettes</a:t>
-            </a:r>
-            <a:endParaRPr/>
-          </a:p>
-        </p:txBody>
-      </p:sp>
-      <p:sp>
-        <p:nvSpPr>
-          <p:cNvPr id="162" name="Google Shape;162;p23"/>
-          <p:cNvSpPr txBox="1"/>
-          <p:nvPr>
-            <p:ph idx="12" type="sldNum"/>
-          </p:nvPr>
-        </p:nvSpPr>
-        <p:spPr>
-          <a:xfrm>
-            <a:off x="8472458" y="4663217"/>
-            <a:ext cx="548700" cy="393600"/>
-          </a:xfrm>
-          <a:prstGeom prst="rect">
-            <a:avLst/>
-          </a:prstGeom>
-        </p:spPr>
-        <p:txBody>
-          <a:bodyPr anchorCtr="0" anchor="ctr" bIns="91425" lIns="91425" spcFirstLastPara="1" rIns="91425" wrap="square" tIns="91425">
-            <a:noAutofit/>
-          </a:bodyPr>
-          <a:lstStyle/>
-          <a:p>
-            <a:pPr indent="0" lvl="0" marL="0" rtl="0" algn="r">
-              <a:spcBef>
-                <a:spcPts val="0"/>
-              </a:spcBef>
-              <a:spcAft>
-                <a:spcPts val="0"/>
-              </a:spcAft>
-              <a:buClr>
-                <a:srgbClr val="000000"/>
-              </a:buClr>
-              <a:buSzPts val="1100"/>
-              <a:buFont typeface="Arial"/>
-              <a:buNone/>
-            </a:pPr>
-            <a:fld id="{00000000-1234-1234-1234-123412341234}" type="slidenum">
-              <a:rPr lang="fr"/>
-              <a:t>‹#›</a:t>
-            </a:fld>
-            <a:endParaRPr/>
-          </a:p>
-        </p:txBody>
-      </p:sp>
-      <p:pic>
-        <p:nvPicPr>
-          <p:cNvPr id="163" name="Google Shape;163;p23"/>
-          <p:cNvPicPr preferRelativeResize="0"/>
-          <p:nvPr/>
-        </p:nvPicPr>
-        <p:blipFill>
-          <a:blip r:embed="rId3">
-            <a:alphaModFix/>
-          </a:blip>
-          <a:stretch>
-            <a:fillRect/>
-          </a:stretch>
-        </p:blipFill>
-        <p:spPr>
-          <a:xfrm>
-            <a:off x="7906675" y="167175"/>
-            <a:ext cx="1050450" cy="1050450"/>
-          </a:xfrm>
-          <a:prstGeom prst="rect">
-            <a:avLst/>
-          </a:prstGeom>
-          <a:noFill/>
-          <a:ln>
-            <a:noFill/>
-          </a:ln>
-        </p:spPr>
-      </p:pic>
-      <p:pic>
-        <p:nvPicPr>
-          <p:cNvPr id="164" name="Google Shape;164;p23"/>
-          <p:cNvPicPr preferRelativeResize="0"/>
-          <p:nvPr/>
-        </p:nvPicPr>
-        <p:blipFill>
-          <a:blip r:embed="rId4">
-            <a:alphaModFix/>
-          </a:blip>
-          <a:stretch>
-            <a:fillRect/>
-          </a:stretch>
-        </p:blipFill>
-        <p:spPr>
-          <a:xfrm>
-            <a:off x="566250" y="1331225"/>
-            <a:ext cx="4546276" cy="3551750"/>
-          </a:xfrm>
-          <a:prstGeom prst="rect">
-            <a:avLst/>
-          </a:prstGeom>
-          <a:noFill/>
-          <a:ln>
-            <a:noFill/>
-          </a:ln>
-        </p:spPr>
-      </p:pic>
-      <p:pic>
-        <p:nvPicPr>
-          <p:cNvPr id="165" name="Google Shape;165;p23"/>
-          <p:cNvPicPr preferRelativeResize="0"/>
-          <p:nvPr/>
-        </p:nvPicPr>
-        <p:blipFill>
-          <a:blip r:embed="rId5">
-            <a:alphaModFix/>
-          </a:blip>
-          <a:stretch>
-            <a:fillRect/>
-          </a:stretch>
-        </p:blipFill>
-        <p:spPr>
-          <a:xfrm>
-            <a:off x="5491750" y="834950"/>
-            <a:ext cx="2035700" cy="4048025"/>
-          </a:xfrm>
-          <a:prstGeom prst="rect">
-            <a:avLst/>
-          </a:prstGeom>
-          <a:noFill/>
-          <a:ln>
-            <a:noFill/>
-          </a:ln>
-        </p:spPr>
-      </p:pic>
-    </p:spTree>
-  </p:cSld>
-  <p:clrMapOvr>
-    <a:masterClrMapping/>
-  </p:clrMapOvr>
-</p:sld>
-</file>
-
-<file path=ppt/slides/slide12.xml><?xml version="1.0" encoding="utf-8"?>
-<p:sld xmlns:a="http://schemas.openxmlformats.org/drawingml/2006/main" xmlns:r="http://schemas.openxmlformats.org/officeDocument/2006/relationships" xmlns:mc="http://schemas.openxmlformats.org/markup-compatibility/2006" xmlns:mv="urn:schemas-microsoft-com:mac:vml" xmlns:p="http://schemas.openxmlformats.org/presentationml/2006/main" xmlns:c="http://schemas.openxmlformats.org/drawingml/2006/chart" xmlns:dgm="http://schemas.openxmlformats.org/drawingml/2006/diagram" xmlns:o="urn:schemas-microsoft-com:office:office" xmlns:v="urn:schemas-microsoft-com:vml" xmlns:pvml="urn:schemas-microsoft-com:office:powerpoint" xmlns:com="http://schemas.openxmlformats.org/drawingml/2006/compatibility" xmlns:p14="http://schemas.microsoft.com/office/powerpoint/2010/main" xmlns:p15="http://schemas.microsoft.com/office/powerpoint/2012/main">
-  <p:cSld>
-    <p:spTree>
-      <p:nvGrpSpPr>
-        <p:cNvPr id="169" name="Shape 169"/>
-        <p:cNvGrpSpPr/>
-        <p:nvPr/>
-      </p:nvGrpSpPr>
-      <p:grpSpPr>
-        <a:xfrm>
-          <a:off x="0" y="0"/>
-          <a:ext cx="0" cy="0"/>
-          <a:chOff x="0" y="0"/>
-          <a:chExt cx="0" cy="0"/>
-        </a:xfrm>
-      </p:grpSpPr>
-      <p:sp>
-        <p:nvSpPr>
-          <p:cNvPr id="170" name="Google Shape;170;p24"/>
-          <p:cNvSpPr txBox="1"/>
-          <p:nvPr>
-            <p:ph idx="12" type="sldNum"/>
-          </p:nvPr>
-        </p:nvSpPr>
-        <p:spPr>
-          <a:xfrm>
-            <a:off x="8472458" y="4663217"/>
-            <a:ext cx="548700" cy="393600"/>
-          </a:xfrm>
-          <a:prstGeom prst="rect">
-            <a:avLst/>
-          </a:prstGeom>
-        </p:spPr>
-        <p:txBody>
-          <a:bodyPr anchorCtr="0" anchor="ctr" bIns="91425" lIns="91425" spcFirstLastPara="1" rIns="91425" wrap="square" tIns="91425">
-            <a:noAutofit/>
-          </a:bodyPr>
-          <a:lstStyle/>
-          <a:p>
-            <a:pPr indent="0" lvl="0" marL="0" rtl="0" algn="r">
-              <a:spcBef>
-                <a:spcPts val="0"/>
-              </a:spcBef>
-              <a:spcAft>
-                <a:spcPts val="0"/>
-              </a:spcAft>
-              <a:buClr>
-                <a:srgbClr val="000000"/>
-              </a:buClr>
-              <a:buSzPts val="1100"/>
-              <a:buFont typeface="Arial"/>
-              <a:buNone/>
-            </a:pPr>
-            <a:fld id="{00000000-1234-1234-1234-123412341234}" type="slidenum">
-              <a:rPr lang="fr"/>
-              <a:t>‹#›</a:t>
-            </a:fld>
-            <a:endParaRPr/>
-          </a:p>
-        </p:txBody>
-      </p:sp>
-      <p:pic>
-        <p:nvPicPr>
-          <p:cNvPr id="171" name="Google Shape;171;p24"/>
-          <p:cNvPicPr preferRelativeResize="0"/>
-          <p:nvPr/>
-        </p:nvPicPr>
-        <p:blipFill>
-          <a:blip r:embed="rId3">
-            <a:alphaModFix/>
-          </a:blip>
-          <a:stretch>
-            <a:fillRect/>
-          </a:stretch>
-        </p:blipFill>
-        <p:spPr>
-          <a:xfrm>
-            <a:off x="7906675" y="167175"/>
-            <a:ext cx="1050450" cy="1050450"/>
-          </a:xfrm>
-          <a:prstGeom prst="rect">
-            <a:avLst/>
-          </a:prstGeom>
-          <a:noFill/>
-          <a:ln>
-            <a:noFill/>
-          </a:ln>
-        </p:spPr>
-      </p:pic>
-      <p:pic>
-        <p:nvPicPr>
-          <p:cNvPr id="172" name="Google Shape;172;p24"/>
-          <p:cNvPicPr preferRelativeResize="0"/>
-          <p:nvPr/>
-        </p:nvPicPr>
-        <p:blipFill>
-          <a:blip r:embed="rId4">
-            <a:alphaModFix/>
-          </a:blip>
-          <a:stretch>
-            <a:fillRect/>
-          </a:stretch>
-        </p:blipFill>
-        <p:spPr>
-          <a:xfrm>
-            <a:off x="512525" y="921788"/>
-            <a:ext cx="4603876" cy="3596776"/>
-          </a:xfrm>
-          <a:prstGeom prst="rect">
-            <a:avLst/>
-          </a:prstGeom>
-          <a:noFill/>
-          <a:ln>
-            <a:noFill/>
-          </a:ln>
-        </p:spPr>
-      </p:pic>
-      <p:pic>
-        <p:nvPicPr>
-          <p:cNvPr id="173" name="Google Shape;173;p24"/>
-          <p:cNvPicPr preferRelativeResize="0"/>
-          <p:nvPr/>
-        </p:nvPicPr>
-        <p:blipFill>
-          <a:blip r:embed="rId5">
-            <a:alphaModFix/>
-          </a:blip>
-          <a:stretch>
-            <a:fillRect/>
-          </a:stretch>
-        </p:blipFill>
-        <p:spPr>
-          <a:xfrm>
-            <a:off x="5725850" y="821411"/>
-            <a:ext cx="1909725" cy="3797551"/>
-          </a:xfrm>
-          <a:prstGeom prst="rect">
-            <a:avLst/>
-          </a:prstGeom>
-          <a:noFill/>
-          <a:ln>
-            <a:noFill/>
-          </a:ln>
-        </p:spPr>
-      </p:pic>
-    </p:spTree>
-  </p:cSld>
-  <p:clrMapOvr>
-    <a:masterClrMapping/>
-  </p:clrMapOvr>
-</p:sld>
-</file>
-
-<file path=ppt/slides/slide13.xml><?xml version="1.0" encoding="utf-8"?>
-<p:sld xmlns:a="http://schemas.openxmlformats.org/drawingml/2006/main" xmlns:r="http://schemas.openxmlformats.org/officeDocument/2006/relationships" xmlns:mc="http://schemas.openxmlformats.org/markup-compatibility/2006" xmlns:mv="urn:schemas-microsoft-com:mac:vml" xmlns:p="http://schemas.openxmlformats.org/presentationml/2006/main" xmlns:c="http://schemas.openxmlformats.org/drawingml/2006/chart" xmlns:dgm="http://schemas.openxmlformats.org/drawingml/2006/diagram" xmlns:o="urn:schemas-microsoft-com:office:office" xmlns:v="urn:schemas-microsoft-com:vml" xmlns:pvml="urn:schemas-microsoft-com:office:powerpoint" xmlns:com="http://schemas.openxmlformats.org/drawingml/2006/compatibility" xmlns:p14="http://schemas.microsoft.com/office/powerpoint/2010/main" xmlns:p15="http://schemas.microsoft.com/office/powerpoint/2012/main">
-  <p:cSld>
-    <p:spTree>
-      <p:nvGrpSpPr>
-        <p:cNvPr id="177" name="Shape 177"/>
-        <p:cNvGrpSpPr/>
-        <p:nvPr/>
-      </p:nvGrpSpPr>
-      <p:grpSpPr>
-        <a:xfrm>
-          <a:off x="0" y="0"/>
-          <a:ext cx="0" cy="0"/>
-          <a:chOff x="0" y="0"/>
-          <a:chExt cx="0" cy="0"/>
-        </a:xfrm>
-      </p:grpSpPr>
-      <p:sp>
-        <p:nvSpPr>
-          <p:cNvPr id="178" name="Google Shape;178;p25"/>
-          <p:cNvSpPr txBox="1"/>
-          <p:nvPr>
-            <p:ph type="title"/>
-          </p:nvPr>
-        </p:nvSpPr>
-        <p:spPr>
-          <a:xfrm>
-            <a:off x="311700" y="315925"/>
-            <a:ext cx="8520600" cy="831300"/>
-          </a:xfrm>
-          <a:prstGeom prst="rect">
-            <a:avLst/>
-          </a:prstGeom>
-        </p:spPr>
-        <p:txBody>
-          <a:bodyPr anchorCtr="0" anchor="b" bIns="91425" lIns="91425" spcFirstLastPara="1" rIns="91425" wrap="square" tIns="91425">
-            <a:noAutofit/>
-          </a:bodyPr>
-          <a:lstStyle/>
-          <a:p>
-            <a:pPr indent="0" lvl="0" marL="0" rtl="0" algn="l">
-              <a:spcBef>
-                <a:spcPts val="0"/>
-              </a:spcBef>
-              <a:spcAft>
-                <a:spcPts val="0"/>
-              </a:spcAft>
-              <a:buNone/>
-            </a:pPr>
-            <a:r>
-              <a:rPr lang="fr"/>
-              <a:t>Conclusion</a:t>
-            </a:r>
-            <a:endParaRPr/>
-          </a:p>
-        </p:txBody>
-      </p:sp>
-      <p:sp>
-        <p:nvSpPr>
-          <p:cNvPr id="179" name="Google Shape;179;p25"/>
-          <p:cNvSpPr txBox="1"/>
-          <p:nvPr>
-            <p:ph idx="1" type="body"/>
-          </p:nvPr>
-        </p:nvSpPr>
-        <p:spPr>
-          <a:xfrm>
-            <a:off x="311700" y="2192300"/>
-            <a:ext cx="8520600" cy="2386800"/>
-          </a:xfrm>
-          <a:prstGeom prst="rect">
-            <a:avLst/>
-          </a:prstGeom>
-        </p:spPr>
-        <p:txBody>
-          <a:bodyPr anchorCtr="0" anchor="t" bIns="91425" lIns="91425" spcFirstLastPara="1" rIns="91425" wrap="square" tIns="91425">
-            <a:noAutofit/>
-          </a:bodyPr>
-          <a:lstStyle/>
-          <a:p>
-            <a:pPr indent="0" lvl="0" marL="0" rtl="0" algn="l">
-              <a:spcBef>
-                <a:spcPts val="0"/>
-              </a:spcBef>
-              <a:spcAft>
-                <a:spcPts val="1600"/>
-              </a:spcAft>
-              <a:buNone/>
-            </a:pPr>
-            <a:r>
-              <a:rPr lang="fr"/>
-              <a:t>Avez-vous des questions ?</a:t>
-            </a:r>
-            <a:endParaRPr/>
-          </a:p>
-        </p:txBody>
-      </p:sp>
-      <p:sp>
-        <p:nvSpPr>
-          <p:cNvPr id="180" name="Google Shape;180;p25"/>
-          <p:cNvSpPr txBox="1"/>
-          <p:nvPr>
-            <p:ph idx="12" type="sldNum"/>
-          </p:nvPr>
-        </p:nvSpPr>
-        <p:spPr>
-          <a:xfrm>
-            <a:off x="8472458" y="4663217"/>
-            <a:ext cx="548700" cy="393600"/>
-          </a:xfrm>
-          <a:prstGeom prst="rect">
-            <a:avLst/>
-          </a:prstGeom>
-        </p:spPr>
-        <p:txBody>
-          <a:bodyPr anchorCtr="0" anchor="ctr" bIns="91425" lIns="91425" spcFirstLastPara="1" rIns="91425" wrap="square" tIns="91425">
-            <a:noAutofit/>
-          </a:bodyPr>
-          <a:lstStyle/>
-          <a:p>
-            <a:pPr indent="0" lvl="0" marL="0" rtl="0" algn="r">
-              <a:spcBef>
-                <a:spcPts val="0"/>
-              </a:spcBef>
-              <a:spcAft>
-                <a:spcPts val="0"/>
-              </a:spcAft>
-              <a:buNone/>
-            </a:pPr>
-            <a:fld id="{00000000-1234-1234-1234-123412341234}" type="slidenum">
-              <a:rPr lang="fr"/>
-              <a:t>‹#›</a:t>
+              <a:t>1</a:t>
             </a:fld>
             <a:endParaRPr/>
           </a:p>
@@ -9087,11 +7137,11 @@
 </file>
 
 <file path=ppt/slides/slide2.xml><?xml version="1.0" encoding="utf-8"?>
-<p:sld xmlns:a="http://schemas.openxmlformats.org/drawingml/2006/main" xmlns:r="http://schemas.openxmlformats.org/officeDocument/2006/relationships" xmlns:mc="http://schemas.openxmlformats.org/markup-compatibility/2006" xmlns:mv="urn:schemas-microsoft-com:mac:vml" xmlns:p="http://schemas.openxmlformats.org/presentationml/2006/main" xmlns:c="http://schemas.openxmlformats.org/drawingml/2006/chart" xmlns:dgm="http://schemas.openxmlformats.org/drawingml/2006/diagram" xmlns:o="urn:schemas-microsoft-com:office:office" xmlns:v="urn:schemas-microsoft-com:vml" xmlns:pvml="urn:schemas-microsoft-com:office:powerpoint" xmlns:com="http://schemas.openxmlformats.org/drawingml/2006/compatibility" xmlns:p14="http://schemas.microsoft.com/office/powerpoint/2010/main" xmlns:p15="http://schemas.microsoft.com/office/powerpoint/2012/main">
+<p:sld xmlns:a="http://schemas.openxmlformats.org/drawingml/2006/main" xmlns:r="http://schemas.openxmlformats.org/officeDocument/2006/relationships" xmlns:p="http://schemas.openxmlformats.org/presentationml/2006/main">
   <p:cSld>
     <p:spTree>
       <p:nvGrpSpPr>
-        <p:cNvPr id="72" name="Shape 72"/>
+        <p:cNvPr id="1" name="Shape 72"/>
         <p:cNvGrpSpPr/>
         <p:nvPr/>
       </p:nvGrpSpPr>
@@ -9123,12 +7173,12 @@
           </a:ln>
         </p:spPr>
         <p:txBody>
-          <a:bodyPr anchorCtr="0" anchor="t" bIns="91425" lIns="91425" spcFirstLastPara="1" rIns="91425" wrap="square" tIns="91425">
+          <a:bodyPr spcFirstLastPara="1" wrap="square" lIns="91425" tIns="91425" rIns="91425" bIns="91425" anchor="t" anchorCtr="0">
             <a:noAutofit/>
           </a:bodyPr>
           <a:lstStyle/>
           <a:p>
-            <a:pPr indent="0" lvl="0" marL="457200" rtl="0" algn="l">
+            <a:pPr marL="457200" lvl="0" indent="0" algn="l" rtl="0">
               <a:spcBef>
                 <a:spcPts val="0"/>
               </a:spcBef>
@@ -9137,9 +7187,6 @@
               </a:spcAft>
               <a:buNone/>
             </a:pPr>
-            <a:r>
-              <a:t/>
-            </a:r>
             <a:endParaRPr sz="1800"/>
           </a:p>
         </p:txBody>
@@ -9147,9 +7194,11 @@
       <p:sp>
         <p:nvSpPr>
           <p:cNvPr id="74" name="Google Shape;74;p14"/>
-          <p:cNvSpPr txBox="1"/>
+          <p:cNvSpPr txBox="1">
+            <a:spLocks noGrp="1"/>
+          </p:cNvSpPr>
           <p:nvPr>
-            <p:ph idx="12" type="sldNum"/>
+            <p:ph type="sldNum" idx="12"/>
           </p:nvPr>
         </p:nvSpPr>
         <p:spPr>
@@ -9162,12 +7211,12 @@
           </a:prstGeom>
         </p:spPr>
         <p:txBody>
-          <a:bodyPr anchorCtr="0" anchor="ctr" bIns="91425" lIns="91425" spcFirstLastPara="1" rIns="91425" wrap="square" tIns="91425">
+          <a:bodyPr spcFirstLastPara="1" wrap="square" lIns="91425" tIns="91425" rIns="91425" bIns="91425" anchor="ctr" anchorCtr="0">
             <a:noAutofit/>
           </a:bodyPr>
           <a:lstStyle/>
           <a:p>
-            <a:pPr indent="0" lvl="0" marL="0" rtl="0" algn="r">
+            <a:pPr marL="0" lvl="0" indent="0" algn="r" rtl="0">
               <a:spcBef>
                 <a:spcPts val="0"/>
               </a:spcBef>
@@ -9183,7 +7232,7 @@
             </a:pPr>
             <a:fld id="{00000000-1234-1234-1234-123412341234}" type="slidenum">
               <a:rPr lang="fr"/>
-              <a:t>‹#›</a:t>
+              <a:t>2</a:t>
             </a:fld>
             <a:endParaRPr/>
           </a:p>
@@ -9220,7 +7269,9 @@
       <p:sp>
         <p:nvSpPr>
           <p:cNvPr id="76" name="Google Shape;76;p14"/>
-          <p:cNvSpPr txBox="1"/>
+          <p:cNvSpPr txBox="1">
+            <a:spLocks noGrp="1"/>
+          </p:cNvSpPr>
           <p:nvPr>
             <p:ph type="title"/>
           </p:nvPr>
@@ -9235,12 +7286,12 @@
           </a:prstGeom>
         </p:spPr>
         <p:txBody>
-          <a:bodyPr anchorCtr="0" anchor="b" bIns="91425" lIns="91425" spcFirstLastPara="1" rIns="91425" wrap="square" tIns="91425">
+          <a:bodyPr spcFirstLastPara="1" wrap="square" lIns="91425" tIns="91425" rIns="91425" bIns="91425" anchor="b" anchorCtr="0">
             <a:noAutofit/>
           </a:bodyPr>
           <a:lstStyle/>
           <a:p>
-            <a:pPr indent="0" lvl="0" marL="0" rtl="0" algn="l">
+            <a:pPr marL="0" lvl="0" indent="0" algn="l" rtl="0">
               <a:spcBef>
                 <a:spcPts val="0"/>
               </a:spcBef>
@@ -9260,9 +7311,11 @@
       <p:sp>
         <p:nvSpPr>
           <p:cNvPr id="77" name="Google Shape;77;p14"/>
-          <p:cNvSpPr txBox="1"/>
+          <p:cNvSpPr txBox="1">
+            <a:spLocks noGrp="1"/>
+          </p:cNvSpPr>
           <p:nvPr>
-            <p:ph idx="1" type="body"/>
+            <p:ph type="body" idx="1"/>
           </p:nvPr>
         </p:nvSpPr>
         <p:spPr>
@@ -9275,184 +7328,20 @@
           </a:prstGeom>
         </p:spPr>
         <p:txBody>
-          <a:bodyPr anchorCtr="0" anchor="t" bIns="91425" lIns="91425" spcFirstLastPara="1" rIns="91425" wrap="square" tIns="91425">
+          <a:bodyPr spcFirstLastPara="1" wrap="square" lIns="91425" tIns="91425" rIns="91425" bIns="91425" anchor="t" anchorCtr="0">
             <a:noAutofit/>
           </a:bodyPr>
           <a:lstStyle/>
           <a:p>
-            <a:pPr indent="-342900" lvl="0" marL="457200" rtl="0" algn="l">
-              <a:spcBef>
-                <a:spcPts val="0"/>
-              </a:spcBef>
-              <a:spcAft>
-                <a:spcPts val="0"/>
-              </a:spcAft>
-              <a:buSzPts val="1800"/>
-              <a:buAutoNum type="arabicPeriod"/>
-            </a:pPr>
+            <a:pPr fontAlgn="base"/>
             <a:r>
-              <a:rPr lang="fr"/>
+              <a:rPr lang="fr-FR" dirty="0"/>
               <a:t>Présentation</a:t>
             </a:r>
-            <a:endParaRPr/>
           </a:p>
           <a:p>
-            <a:pPr indent="-342900" lvl="0" marL="457200" rtl="0" algn="l">
-              <a:lnSpc>
-                <a:spcPct val="100000"/>
-              </a:lnSpc>
-              <a:spcBef>
-                <a:spcPts val="0"/>
-              </a:spcBef>
-              <a:spcAft>
-                <a:spcPts val="0"/>
-              </a:spcAft>
-              <a:buSzPts val="1800"/>
-              <a:buAutoNum type="arabicPeriod"/>
-            </a:pPr>
-            <a:r>
-              <a:rPr lang="fr"/>
-              <a:t>Fonctionnalités</a:t>
-            </a:r>
-            <a:endParaRPr/>
-          </a:p>
-          <a:p>
-            <a:pPr indent="-342900" lvl="1" marL="914400" rtl="0" algn="l">
-              <a:lnSpc>
-                <a:spcPct val="100000"/>
-              </a:lnSpc>
-              <a:spcBef>
-                <a:spcPts val="0"/>
-              </a:spcBef>
-              <a:spcAft>
-                <a:spcPts val="0"/>
-              </a:spcAft>
-              <a:buSzPts val="1800"/>
-              <a:buAutoNum type="alphaLcPeriod"/>
-            </a:pPr>
-            <a:r>
-              <a:rPr lang="fr" sz="1800"/>
-              <a:t>Utilisateur non authentifiés</a:t>
-            </a:r>
-            <a:endParaRPr sz="1800"/>
-          </a:p>
-          <a:p>
-            <a:pPr indent="-342900" lvl="1" marL="914400" rtl="0" algn="l">
-              <a:lnSpc>
-                <a:spcPct val="100000"/>
-              </a:lnSpc>
-              <a:spcBef>
-                <a:spcPts val="0"/>
-              </a:spcBef>
-              <a:spcAft>
-                <a:spcPts val="0"/>
-              </a:spcAft>
-              <a:buSzPts val="1800"/>
-              <a:buAutoNum type="alphaLcPeriod"/>
-            </a:pPr>
-            <a:r>
-              <a:rPr lang="fr" sz="1800"/>
-              <a:t>Étudiants</a:t>
-            </a:r>
-            <a:endParaRPr sz="1800"/>
-          </a:p>
-          <a:p>
-            <a:pPr indent="-342900" lvl="1" marL="914400" rtl="0" algn="l">
-              <a:lnSpc>
-                <a:spcPct val="100000"/>
-              </a:lnSpc>
-              <a:spcBef>
-                <a:spcPts val="0"/>
-              </a:spcBef>
-              <a:spcAft>
-                <a:spcPts val="0"/>
-              </a:spcAft>
-              <a:buSzPts val="1800"/>
-              <a:buAutoNum type="alphaLcPeriod"/>
-            </a:pPr>
-            <a:r>
-              <a:rPr lang="fr" sz="1800"/>
-              <a:t>Enseignants</a:t>
-            </a:r>
-            <a:endParaRPr sz="1800"/>
-          </a:p>
-          <a:p>
-            <a:pPr indent="-342900" lvl="1" marL="914400" rtl="0" algn="l">
-              <a:lnSpc>
-                <a:spcPct val="100000"/>
-              </a:lnSpc>
-              <a:spcBef>
-                <a:spcPts val="0"/>
-              </a:spcBef>
-              <a:spcAft>
-                <a:spcPts val="0"/>
-              </a:spcAft>
-              <a:buSzPts val="1800"/>
-              <a:buAutoNum type="alphaLcPeriod"/>
-            </a:pPr>
-            <a:r>
-              <a:rPr lang="fr" sz="1800"/>
-              <a:t>Autres</a:t>
-            </a:r>
-            <a:endParaRPr sz="1800"/>
-          </a:p>
-          <a:p>
-            <a:pPr indent="-342900" lvl="0" marL="457200" rtl="0" algn="l">
-              <a:lnSpc>
-                <a:spcPct val="100000"/>
-              </a:lnSpc>
-              <a:spcBef>
-                <a:spcPts val="0"/>
-              </a:spcBef>
-              <a:spcAft>
-                <a:spcPts val="0"/>
-              </a:spcAft>
-              <a:buSzPts val="1800"/>
-              <a:buAutoNum type="arabicPeriod"/>
-            </a:pPr>
-            <a:r>
-              <a:rPr lang="fr"/>
-              <a:t>Etude de l’existant</a:t>
-            </a:r>
-            <a:endParaRPr/>
-          </a:p>
-          <a:p>
-            <a:pPr indent="-342900" lvl="0" marL="457200" rtl="0" algn="l">
-              <a:lnSpc>
-                <a:spcPct val="100000"/>
-              </a:lnSpc>
-              <a:spcBef>
-                <a:spcPts val="0"/>
-              </a:spcBef>
-              <a:spcAft>
-                <a:spcPts val="0"/>
-              </a:spcAft>
-              <a:buSzPts val="1800"/>
-              <a:buAutoNum type="arabicPeriod"/>
-            </a:pPr>
-            <a:r>
-              <a:rPr lang="fr"/>
-              <a:t>Maquettes</a:t>
-            </a:r>
-            <a:endParaRPr/>
-          </a:p>
-          <a:p>
-            <a:pPr indent="0" lvl="0" marL="914400" rtl="0" algn="l">
-              <a:lnSpc>
-                <a:spcPct val="100000"/>
-              </a:lnSpc>
-              <a:spcBef>
-                <a:spcPts val="0"/>
-              </a:spcBef>
-              <a:spcAft>
-                <a:spcPts val="0"/>
-              </a:spcAft>
-              <a:buNone/>
-            </a:pPr>
-            <a:r>
-              <a:t/>
-            </a:r>
-            <a:endParaRPr/>
+            <a:pPr fontAlgn="base"/>
+            <a:endParaRPr lang="en" dirty="0"/>
           </a:p>
         </p:txBody>
       </p:sp>
@@ -9465,11 +7354,11 @@
 </file>
 
 <file path=ppt/slides/slide3.xml><?xml version="1.0" encoding="utf-8"?>
-<p:sld xmlns:a="http://schemas.openxmlformats.org/drawingml/2006/main" xmlns:r="http://schemas.openxmlformats.org/officeDocument/2006/relationships" xmlns:mc="http://schemas.openxmlformats.org/markup-compatibility/2006" xmlns:mv="urn:schemas-microsoft-com:mac:vml" xmlns:p="http://schemas.openxmlformats.org/presentationml/2006/main" xmlns:c="http://schemas.openxmlformats.org/drawingml/2006/chart" xmlns:dgm="http://schemas.openxmlformats.org/drawingml/2006/diagram" xmlns:o="urn:schemas-microsoft-com:office:office" xmlns:v="urn:schemas-microsoft-com:vml" xmlns:pvml="urn:schemas-microsoft-com:office:powerpoint" xmlns:com="http://schemas.openxmlformats.org/drawingml/2006/compatibility" xmlns:p14="http://schemas.microsoft.com/office/powerpoint/2010/main" xmlns:p15="http://schemas.microsoft.com/office/powerpoint/2012/main">
+<p:sld xmlns:a="http://schemas.openxmlformats.org/drawingml/2006/main" xmlns:r="http://schemas.openxmlformats.org/officeDocument/2006/relationships" xmlns:p="http://schemas.openxmlformats.org/presentationml/2006/main">
   <p:cSld>
     <p:spTree>
       <p:nvGrpSpPr>
-        <p:cNvPr id="81" name="Shape 81"/>
+        <p:cNvPr id="1" name="Shape 81"/>
         <p:cNvGrpSpPr/>
         <p:nvPr/>
       </p:nvGrpSpPr>
@@ -9484,7 +7373,9 @@
       <p:sp>
         <p:nvSpPr>
           <p:cNvPr id="82" name="Google Shape;82;p15"/>
-          <p:cNvSpPr txBox="1"/>
+          <p:cNvSpPr txBox="1">
+            <a:spLocks noGrp="1"/>
+          </p:cNvSpPr>
           <p:nvPr>
             <p:ph type="title"/>
           </p:nvPr>
@@ -9499,12 +7390,12 @@
           </a:prstGeom>
         </p:spPr>
         <p:txBody>
-          <a:bodyPr anchorCtr="0" anchor="b" bIns="91425" lIns="91425" spcFirstLastPara="1" rIns="91425" wrap="square" tIns="91425">
+          <a:bodyPr spcFirstLastPara="1" wrap="square" lIns="91425" tIns="91425" rIns="91425" bIns="91425" anchor="b" anchorCtr="0">
             <a:noAutofit/>
           </a:bodyPr>
           <a:lstStyle/>
           <a:p>
-            <a:pPr indent="0" lvl="0" marL="0" rtl="0" algn="l">
+            <a:pPr marL="0" lvl="0" indent="0" algn="l" rtl="0">
               <a:spcBef>
                 <a:spcPts val="0"/>
               </a:spcBef>
@@ -9515,11 +7406,7 @@
             </a:pPr>
             <a:r>
               <a:rPr lang="fr"/>
-              <a:t>I. </a:t>
-            </a:r>
-            <a:r>
-              <a:rPr lang="fr"/>
-              <a:t>Présentation</a:t>
+              <a:t>I. Présentation</a:t>
             </a:r>
             <a:endParaRPr/>
           </a:p>
@@ -9528,9 +7415,11 @@
       <p:sp>
         <p:nvSpPr>
           <p:cNvPr id="83" name="Google Shape;83;p15"/>
-          <p:cNvSpPr txBox="1"/>
+          <p:cNvSpPr txBox="1">
+            <a:spLocks noGrp="1"/>
+          </p:cNvSpPr>
           <p:nvPr>
-            <p:ph idx="12" type="sldNum"/>
+            <p:ph type="sldNum" idx="12"/>
           </p:nvPr>
         </p:nvSpPr>
         <p:spPr>
@@ -9543,12 +7432,12 @@
           </a:prstGeom>
         </p:spPr>
         <p:txBody>
-          <a:bodyPr anchorCtr="0" anchor="ctr" bIns="91425" lIns="91425" spcFirstLastPara="1" rIns="91425" wrap="square" tIns="91425">
+          <a:bodyPr spcFirstLastPara="1" wrap="square" lIns="91425" tIns="91425" rIns="91425" bIns="91425" anchor="ctr" anchorCtr="0">
             <a:noAutofit/>
           </a:bodyPr>
           <a:lstStyle/>
           <a:p>
-            <a:pPr indent="0" lvl="0" marL="0" rtl="0" algn="r">
+            <a:pPr marL="0" lvl="0" indent="0" algn="r" rtl="0">
               <a:spcBef>
                 <a:spcPts val="0"/>
               </a:spcBef>
@@ -9564,7 +7453,7 @@
             </a:pPr>
             <a:fld id="{00000000-1234-1234-1234-123412341234}" type="slidenum">
               <a:rPr lang="fr"/>
-              <a:t>‹#›</a:t>
+              <a:t>3</a:t>
             </a:fld>
             <a:endParaRPr/>
           </a:p>
@@ -9618,12 +7507,12 @@
           </a:ln>
         </p:spPr>
         <p:txBody>
-          <a:bodyPr anchorCtr="0" anchor="t" bIns="91425" lIns="91425" spcFirstLastPara="1" rIns="91425" wrap="square" tIns="91425">
+          <a:bodyPr spcFirstLastPara="1" wrap="square" lIns="91425" tIns="91425" rIns="91425" bIns="91425" anchor="t" anchorCtr="0">
             <a:noAutofit/>
           </a:bodyPr>
           <a:lstStyle/>
           <a:p>
-            <a:pPr indent="-342900" lvl="0" marL="457200" rtl="0" algn="l">
+            <a:pPr marL="457200" lvl="0" indent="-342900" algn="l" rtl="0">
               <a:lnSpc>
                 <a:spcPct val="115000"/>
               </a:lnSpc>
@@ -9643,7 +7532,7 @@
             <a:endParaRPr sz="1800"/>
           </a:p>
           <a:p>
-            <a:pPr indent="-342900" lvl="0" marL="457200" rtl="0" algn="l">
+            <a:pPr marL="457200" lvl="0" indent="-342900" algn="l" rtl="0">
               <a:lnSpc>
                 <a:spcPct val="115000"/>
               </a:lnSpc>
@@ -9663,7 +7552,7 @@
             <a:endParaRPr sz="1800"/>
           </a:p>
           <a:p>
-            <a:pPr indent="-342900" lvl="0" marL="457200" rtl="0" algn="l">
+            <a:pPr marL="457200" lvl="0" indent="-342900" algn="l" rtl="0">
               <a:lnSpc>
                 <a:spcPct val="115000"/>
               </a:lnSpc>
@@ -9683,7 +7572,7 @@
             <a:endParaRPr sz="1800"/>
           </a:p>
           <a:p>
-            <a:pPr indent="-342900" lvl="0" marL="457200" rtl="0" algn="l">
+            <a:pPr marL="457200" lvl="0" indent="-342900" algn="l" rtl="0">
               <a:lnSpc>
                 <a:spcPct val="115000"/>
               </a:lnSpc>
@@ -9698,15 +7587,7 @@
             </a:pPr>
             <a:r>
               <a:rPr lang="fr" sz="1800"/>
-              <a:t>Auto-é</a:t>
-            </a:r>
-            <a:r>
-              <a:rPr lang="fr" sz="1800"/>
-              <a:t>valuation</a:t>
-            </a:r>
-            <a:r>
-              <a:rPr lang="fr" sz="1800"/>
-              <a:t> des étudiants et retour automatique</a:t>
+              <a:t>Auto-évaluation des étudiants et retour automatique</a:t>
             </a:r>
             <a:endParaRPr sz="1800"/>
           </a:p>
@@ -9720,8 +7601,8 @@
         </p:nvSpPr>
         <p:spPr>
           <a:xfrm>
-            <a:off x="2277000" y="3559800"/>
-            <a:ext cx="6071100" cy="357300"/>
+            <a:off x="1714362" y="3568575"/>
+            <a:ext cx="5715275" cy="357300"/>
           </a:xfrm>
           <a:prstGeom prst="rect">
             <a:avLst/>
@@ -9732,12 +7613,12 @@
           </a:ln>
         </p:spPr>
         <p:txBody>
-          <a:bodyPr anchorCtr="0" anchor="t" bIns="91425" lIns="91425" spcFirstLastPara="1" rIns="91425" wrap="square" tIns="91425">
+          <a:bodyPr spcFirstLastPara="1" wrap="square" lIns="91425" tIns="91425" rIns="91425" bIns="91425" anchor="t" anchorCtr="0">
             <a:noAutofit/>
           </a:bodyPr>
           <a:lstStyle/>
           <a:p>
-            <a:pPr indent="-342900" lvl="0" marL="457200" rtl="0" algn="l">
+            <a:pPr marL="457200" lvl="0" indent="-342900" algn="l" rtl="0">
               <a:spcBef>
                 <a:spcPts val="0"/>
               </a:spcBef>
@@ -9751,22 +7632,14 @@
               <a:buChar char="➔"/>
             </a:pPr>
             <a:r>
-              <a:rPr lang="fr" sz="1800">
+              <a:rPr lang="fr" sz="1800" dirty="0">
                 <a:solidFill>
                   <a:srgbClr val="FF0000"/>
                 </a:solidFill>
               </a:rPr>
-              <a:t>Exécuter</a:t>
+              <a:t>Exécuter du code dans un environnement confiné</a:t>
             </a:r>
-            <a:r>
-              <a:rPr lang="fr" sz="1800">
-                <a:solidFill>
-                  <a:srgbClr val="FF0000"/>
-                </a:solidFill>
-              </a:rPr>
-              <a:t> du code dans un environnement confiné</a:t>
-            </a:r>
-            <a:endParaRPr sz="1800">
+            <a:endParaRPr sz="1800" dirty="0">
               <a:solidFill>
                 <a:srgbClr val="FF0000"/>
               </a:solidFill>
@@ -9783,11 +7656,11 @@
 </file>
 
 <file path=ppt/slides/slide4.xml><?xml version="1.0" encoding="utf-8"?>
-<p:sld xmlns:a="http://schemas.openxmlformats.org/drawingml/2006/main" xmlns:r="http://schemas.openxmlformats.org/officeDocument/2006/relationships" xmlns:mc="http://schemas.openxmlformats.org/markup-compatibility/2006" xmlns:mv="urn:schemas-microsoft-com:mac:vml" xmlns:p="http://schemas.openxmlformats.org/presentationml/2006/main" xmlns:c="http://schemas.openxmlformats.org/drawingml/2006/chart" xmlns:dgm="http://schemas.openxmlformats.org/drawingml/2006/diagram" xmlns:o="urn:schemas-microsoft-com:office:office" xmlns:v="urn:schemas-microsoft-com:vml" xmlns:pvml="urn:schemas-microsoft-com:office:powerpoint" xmlns:com="http://schemas.openxmlformats.org/drawingml/2006/compatibility" xmlns:p14="http://schemas.microsoft.com/office/powerpoint/2010/main" xmlns:p15="http://schemas.microsoft.com/office/powerpoint/2012/main">
+<p:sld xmlns:a="http://schemas.openxmlformats.org/drawingml/2006/main" xmlns:r="http://schemas.openxmlformats.org/officeDocument/2006/relationships" xmlns:p="http://schemas.openxmlformats.org/presentationml/2006/main">
   <p:cSld>
     <p:spTree>
       <p:nvGrpSpPr>
-        <p:cNvPr id="90" name="Shape 90"/>
+        <p:cNvPr id="1" name=""/>
         <p:cNvGrpSpPr/>
         <p:nvPr/>
       </p:nvGrpSpPr>
@@ -9801,57 +7674,342 @@
       </p:grpSpPr>
       <p:sp>
         <p:nvSpPr>
-          <p:cNvPr id="91" name="Google Shape;91;p16"/>
-          <p:cNvSpPr txBox="1"/>
+          <p:cNvPr id="2" name="Titre 1">
+            <a:extLst>
+              <a:ext uri="{FF2B5EF4-FFF2-40B4-BE49-F238E27FC236}">
+                <a16:creationId xmlns:a16="http://schemas.microsoft.com/office/drawing/2014/main" id="{498DC43E-05E7-8A4B-910E-F5DE34EC01DC}"/>
+              </a:ext>
+            </a:extLst>
+          </p:cNvPr>
+          <p:cNvSpPr>
+            <a:spLocks noGrp="1"/>
+          </p:cNvSpPr>
           <p:nvPr>
-            <p:ph idx="12" type="sldNum"/>
+            <p:ph type="title"/>
           </p:nvPr>
+        </p:nvSpPr>
+        <p:spPr/>
+        <p:txBody>
+          <a:bodyPr/>
+          <a:lstStyle/>
+          <a:p>
+            <a:r>
+              <a:rPr lang="fr-FR" dirty="0"/>
+              <a:t>Quoi et comment ?</a:t>
+            </a:r>
+          </a:p>
+        </p:txBody>
+      </p:sp>
+      <p:sp>
+        <p:nvSpPr>
+          <p:cNvPr id="4" name="Espace réservé du numéro de diapositive 3">
+            <a:extLst>
+              <a:ext uri="{FF2B5EF4-FFF2-40B4-BE49-F238E27FC236}">
+                <a16:creationId xmlns:a16="http://schemas.microsoft.com/office/drawing/2014/main" id="{C425B7BF-C0F2-724F-ABA0-91F971741B61}"/>
+              </a:ext>
+            </a:extLst>
+          </p:cNvPr>
+          <p:cNvSpPr>
+            <a:spLocks noGrp="1"/>
+          </p:cNvSpPr>
+          <p:nvPr>
+            <p:ph type="sldNum" idx="12"/>
+          </p:nvPr>
+        </p:nvSpPr>
+        <p:spPr/>
+        <p:txBody>
+          <a:bodyPr/>
+          <a:lstStyle/>
+          <a:p>
+            <a:pPr marL="0" lvl="0" indent="0" algn="r" rtl="0">
+              <a:spcBef>
+                <a:spcPts val="0"/>
+              </a:spcBef>
+              <a:spcAft>
+                <a:spcPts val="0"/>
+              </a:spcAft>
+              <a:buNone/>
+            </a:pPr>
+            <a:fld id="{00000000-1234-1234-1234-123412341234}" type="slidenum">
+              <a:rPr lang="fr-FR" smtClean="0"/>
+              <a:t>4</a:t>
+            </a:fld>
+            <a:endParaRPr lang="fr-FR"/>
+          </a:p>
+        </p:txBody>
+      </p:sp>
+      <p:sp>
+        <p:nvSpPr>
+          <p:cNvPr id="5" name="Rectangle 4">
+            <a:extLst>
+              <a:ext uri="{FF2B5EF4-FFF2-40B4-BE49-F238E27FC236}">
+                <a16:creationId xmlns:a16="http://schemas.microsoft.com/office/drawing/2014/main" id="{0E3B0A37-A5CA-3B41-98CA-95F0AD747BF6}"/>
+              </a:ext>
+            </a:extLst>
+          </p:cNvPr>
+          <p:cNvSpPr/>
+          <p:nvPr/>
         </p:nvSpPr>
         <p:spPr>
           <a:xfrm>
-            <a:off x="8472458" y="4663217"/>
-            <a:ext cx="548700" cy="393600"/>
+            <a:off x="311700" y="1684374"/>
+            <a:ext cx="4572000" cy="3088025"/>
           </a:xfrm>
           <a:prstGeom prst="rect">
             <a:avLst/>
           </a:prstGeom>
         </p:spPr>
         <p:txBody>
-          <a:bodyPr anchorCtr="0" anchor="ctr" bIns="91425" lIns="91425" spcFirstLastPara="1" rIns="91425" wrap="square" tIns="91425">
-            <a:noAutofit/>
+          <a:bodyPr>
+            <a:spAutoFit/>
           </a:bodyPr>
           <a:lstStyle/>
           <a:p>
-            <a:pPr indent="0" lvl="0" marL="0" rtl="0" algn="r">
-              <a:spcBef>
-                <a:spcPts val="0"/>
-              </a:spcBef>
-              <a:spcAft>
-                <a:spcPts val="0"/>
-              </a:spcAft>
-              <a:buClr>
-                <a:srgbClr val="000000"/>
-              </a:buClr>
-              <a:buSzPts val="1100"/>
-              <a:buFont typeface="Arial"/>
-              <a:buNone/>
+            <a:pPr>
+              <a:spcAft>
+                <a:spcPts val="1600"/>
+              </a:spcAft>
             </a:pPr>
-            <a:fld id="{00000000-1234-1234-1234-123412341234}" type="slidenum">
-              <a:rPr lang="fr"/>
-              <a:t>‹#›</a:t>
-            </a:fld>
-            <a:endParaRPr/>
+            <a:r>
+              <a:rPr lang="fr-FR" b="1" dirty="0">
+                <a:latin typeface="Open Sans" panose="020B0606030504020204" pitchFamily="34" charset="0"/>
+              </a:rPr>
+              <a:t>Quoi </a:t>
+            </a:r>
+            <a:r>
+              <a:rPr lang="fr-FR" dirty="0">
+                <a:latin typeface="Open Sans" panose="020B0606030504020204" pitchFamily="34" charset="0"/>
+              </a:rPr>
+              <a:t>:</a:t>
+            </a:r>
+            <a:endParaRPr lang="fr-FR" dirty="0"/>
+          </a:p>
+          <a:p>
+            <a:pPr fontAlgn="base">
+              <a:buFont typeface="Arial" panose="020B0604020202020204" pitchFamily="34" charset="0"/>
+              <a:buChar char="•"/>
+            </a:pPr>
+            <a:r>
+              <a:rPr lang="fr-FR" dirty="0">
+                <a:latin typeface="Open Sans" panose="020B0606030504020204" pitchFamily="34" charset="0"/>
+              </a:rPr>
+              <a:t> Apprendre la base de la programmation</a:t>
+            </a:r>
+          </a:p>
+          <a:p>
+            <a:pPr fontAlgn="base"/>
+            <a:endParaRPr lang="fr-FR" dirty="0">
+              <a:latin typeface="Open Sans" panose="020B0606030504020204" pitchFamily="34" charset="0"/>
+            </a:endParaRPr>
+          </a:p>
+          <a:p>
+            <a:pPr fontAlgn="base">
+              <a:buFont typeface="Arial" panose="020B0604020202020204" pitchFamily="34" charset="0"/>
+              <a:buChar char="•"/>
+            </a:pPr>
+            <a:r>
+              <a:rPr lang="fr-FR" dirty="0">
+                <a:latin typeface="Open Sans" panose="020B0606030504020204" pitchFamily="34" charset="0"/>
+              </a:rPr>
+              <a:t> Syntaxe</a:t>
+            </a:r>
+          </a:p>
+          <a:p>
+            <a:pPr fontAlgn="base"/>
+            <a:endParaRPr lang="fr-FR" dirty="0">
+              <a:latin typeface="Open Sans" panose="020B0606030504020204" pitchFamily="34" charset="0"/>
+            </a:endParaRPr>
+          </a:p>
+          <a:p>
+            <a:pPr fontAlgn="base">
+              <a:buFont typeface="Arial" panose="020B0604020202020204" pitchFamily="34" charset="0"/>
+              <a:buChar char="•"/>
+            </a:pPr>
+            <a:r>
+              <a:rPr lang="fr-FR" dirty="0">
+                <a:latin typeface="Open Sans" panose="020B0606030504020204" pitchFamily="34" charset="0"/>
+              </a:rPr>
+              <a:t> Algorithmique (boucle, variable)</a:t>
+            </a:r>
+          </a:p>
+          <a:p>
+            <a:pPr fontAlgn="base"/>
+            <a:endParaRPr lang="fr-FR" dirty="0">
+              <a:latin typeface="Open Sans" panose="020B0606030504020204" pitchFamily="34" charset="0"/>
+            </a:endParaRPr>
+          </a:p>
+          <a:p>
+            <a:pPr fontAlgn="base">
+              <a:spcAft>
+                <a:spcPts val="1600"/>
+              </a:spcAft>
+              <a:buFont typeface="Arial" panose="020B0604020202020204" pitchFamily="34" charset="0"/>
+              <a:buChar char="•"/>
+            </a:pPr>
+            <a:r>
+              <a:rPr lang="fr-FR" dirty="0">
+                <a:latin typeface="Open Sans" panose="020B0606030504020204" pitchFamily="34" charset="0"/>
+              </a:rPr>
+              <a:t> Fonctions</a:t>
+            </a:r>
+          </a:p>
+          <a:p>
+            <a:br>
+              <a:rPr lang="fr-FR" dirty="0"/>
+            </a:br>
+            <a:br>
+              <a:rPr lang="fr-FR" dirty="0"/>
+            </a:br>
+            <a:br>
+              <a:rPr lang="fr-FR" dirty="0"/>
+            </a:br>
+            <a:endParaRPr lang="fr-FR" dirty="0"/>
           </a:p>
         </p:txBody>
       </p:sp>
+      <p:sp>
+        <p:nvSpPr>
+          <p:cNvPr id="7" name="Rectangle 6">
+            <a:extLst>
+              <a:ext uri="{FF2B5EF4-FFF2-40B4-BE49-F238E27FC236}">
+                <a16:creationId xmlns:a16="http://schemas.microsoft.com/office/drawing/2014/main" id="{03096B93-8D7D-104C-A97B-DEF5FAA72330}"/>
+              </a:ext>
+            </a:extLst>
+          </p:cNvPr>
+          <p:cNvSpPr/>
+          <p:nvPr/>
+        </p:nvSpPr>
+        <p:spPr>
+          <a:xfrm>
+            <a:off x="4629955" y="1684374"/>
+            <a:ext cx="4572000" cy="1590179"/>
+          </a:xfrm>
+          <a:prstGeom prst="rect">
+            <a:avLst/>
+          </a:prstGeom>
+        </p:spPr>
+        <p:txBody>
+          <a:bodyPr>
+            <a:spAutoFit/>
+          </a:bodyPr>
+          <a:lstStyle/>
+          <a:p>
+            <a:pPr>
+              <a:spcAft>
+                <a:spcPts val="1600"/>
+              </a:spcAft>
+            </a:pPr>
+            <a:r>
+              <a:rPr lang="fr-FR" b="1" dirty="0">
+                <a:latin typeface="Open Sans" panose="020B0606030504020204" pitchFamily="34" charset="0"/>
+              </a:rPr>
+              <a:t>Comment : </a:t>
+            </a:r>
+            <a:endParaRPr lang="fr-FR" dirty="0"/>
+          </a:p>
+          <a:p>
+            <a:pPr lvl="2" fontAlgn="base">
+              <a:buFont typeface="Arial" panose="020B0604020202020204" pitchFamily="34" charset="0"/>
+              <a:buChar char="•"/>
+            </a:pPr>
+            <a:r>
+              <a:rPr lang="fr-FR" dirty="0">
+                <a:latin typeface="Open Sans" panose="020B0606030504020204" pitchFamily="34" charset="0"/>
+              </a:rPr>
+              <a:t> Ecrire du code dans un éditeur</a:t>
+            </a:r>
+          </a:p>
+          <a:p>
+            <a:pPr lvl="2" fontAlgn="base"/>
+            <a:endParaRPr lang="fr-FR" dirty="0">
+              <a:latin typeface="Open Sans" panose="020B0606030504020204" pitchFamily="34" charset="0"/>
+            </a:endParaRPr>
+          </a:p>
+          <a:p>
+            <a:pPr fontAlgn="base">
+              <a:buFont typeface="Arial" panose="020B0604020202020204" pitchFamily="34" charset="0"/>
+              <a:buChar char="•"/>
+            </a:pPr>
+            <a:r>
+              <a:rPr lang="fr-FR" dirty="0">
+                <a:latin typeface="Open Sans" panose="020B0606030504020204" pitchFamily="34" charset="0"/>
+              </a:rPr>
+              <a:t> Résoudre des exercices</a:t>
+            </a:r>
+          </a:p>
+          <a:p>
+            <a:pPr fontAlgn="base"/>
+            <a:endParaRPr lang="fr-FR" dirty="0">
+              <a:latin typeface="Open Sans" panose="020B0606030504020204" pitchFamily="34" charset="0"/>
+            </a:endParaRPr>
+          </a:p>
+          <a:p>
+            <a:pPr fontAlgn="base">
+              <a:spcAft>
+                <a:spcPts val="1600"/>
+              </a:spcAft>
+              <a:buFont typeface="Arial" panose="020B0604020202020204" pitchFamily="34" charset="0"/>
+              <a:buChar char="•"/>
+            </a:pPr>
+            <a:r>
+              <a:rPr lang="fr-FR" dirty="0">
+                <a:latin typeface="Open Sans" panose="020B0606030504020204" pitchFamily="34" charset="0"/>
+              </a:rPr>
+              <a:t> Ou une série d’exercices</a:t>
+            </a:r>
+          </a:p>
+        </p:txBody>
+      </p:sp>
+      <p:cxnSp>
+        <p:nvCxnSpPr>
+          <p:cNvPr id="11" name="Connecteur droit 10">
+            <a:extLst>
+              <a:ext uri="{FF2B5EF4-FFF2-40B4-BE49-F238E27FC236}">
+                <a16:creationId xmlns:a16="http://schemas.microsoft.com/office/drawing/2014/main" id="{25C2B7BF-510D-7941-AEFF-AAC411B49AD4}"/>
+              </a:ext>
+            </a:extLst>
+          </p:cNvPr>
+          <p:cNvCxnSpPr/>
+          <p:nvPr/>
+        </p:nvCxnSpPr>
+        <p:spPr>
+          <a:xfrm>
+            <a:off x="4578439" y="1498778"/>
+            <a:ext cx="0" cy="3245476"/>
+          </a:xfrm>
+          <a:prstGeom prst="line">
+            <a:avLst/>
+          </a:prstGeom>
+        </p:spPr>
+        <p:style>
+          <a:lnRef idx="1">
+            <a:schemeClr val="accent1"/>
+          </a:lnRef>
+          <a:fillRef idx="0">
+            <a:schemeClr val="accent1"/>
+          </a:fillRef>
+          <a:effectRef idx="0">
+            <a:schemeClr val="accent1"/>
+          </a:effectRef>
+          <a:fontRef idx="minor">
+            <a:schemeClr val="tx1"/>
+          </a:fontRef>
+        </p:style>
+      </p:cxnSp>
       <p:pic>
         <p:nvPicPr>
-          <p:cNvPr id="92" name="Google Shape;92;p16"/>
+          <p:cNvPr id="12" name="Google Shape;84;p15">
+            <a:extLst>
+              <a:ext uri="{FF2B5EF4-FFF2-40B4-BE49-F238E27FC236}">
+                <a16:creationId xmlns:a16="http://schemas.microsoft.com/office/drawing/2014/main" id="{6C21A692-3EC5-6A4E-9B8A-4EB0A02C975A}"/>
+              </a:ext>
+            </a:extLst>
+          </p:cNvPr>
           <p:cNvPicPr preferRelativeResize="0"/>
           <p:nvPr/>
         </p:nvPicPr>
         <p:blipFill>
-          <a:blip r:embed="rId3">
+          <a:blip r:embed="rId2">
             <a:alphaModFix/>
           </a:blip>
           <a:stretch>
@@ -9872,79 +8030,12 @@
           </a:ln>
         </p:spPr>
       </p:pic>
-      <p:sp>
-        <p:nvSpPr>
-          <p:cNvPr id="93" name="Google Shape;93;p16"/>
-          <p:cNvSpPr txBox="1"/>
-          <p:nvPr>
-            <p:ph type="title"/>
-          </p:nvPr>
-        </p:nvSpPr>
-        <p:spPr>
-          <a:xfrm>
-            <a:off x="311700" y="315925"/>
-            <a:ext cx="8520600" cy="831300"/>
-          </a:xfrm>
-          <a:prstGeom prst="rect">
-            <a:avLst/>
-          </a:prstGeom>
-        </p:spPr>
-        <p:txBody>
-          <a:bodyPr anchorCtr="0" anchor="b" bIns="91425" lIns="91425" spcFirstLastPara="1" rIns="91425" wrap="square" tIns="91425">
-            <a:noAutofit/>
-          </a:bodyPr>
-          <a:lstStyle/>
-          <a:p>
-            <a:pPr indent="0" lvl="0" marL="0" rtl="0" algn="l">
-              <a:spcBef>
-                <a:spcPts val="0"/>
-              </a:spcBef>
-              <a:spcAft>
-                <a:spcPts val="0"/>
-              </a:spcAft>
-              <a:buNone/>
-            </a:pPr>
-            <a:r>
-              <a:rPr lang="fr"/>
-              <a:t>II. Fonctionnalités - </a:t>
-            </a:r>
-            <a:r>
-              <a:rPr lang="fr"/>
-              <a:t>Utilisateurs non authentifiés</a:t>
-            </a:r>
-            <a:endParaRPr/>
-          </a:p>
-        </p:txBody>
-      </p:sp>
-      <p:pic>
-        <p:nvPicPr>
-          <p:cNvPr id="94" name="Google Shape;94;p16"/>
-          <p:cNvPicPr preferRelativeResize="0"/>
-          <p:nvPr/>
-        </p:nvPicPr>
-        <p:blipFill>
-          <a:blip r:embed="rId4">
-            <a:alphaModFix/>
-          </a:blip>
-          <a:stretch>
-            <a:fillRect/>
-          </a:stretch>
-        </p:blipFill>
-        <p:spPr>
-          <a:xfrm>
-            <a:off x="1462800" y="1664325"/>
-            <a:ext cx="5391150" cy="2152650"/>
-          </a:xfrm>
-          <a:prstGeom prst="rect">
-            <a:avLst/>
-          </a:prstGeom>
-          <a:noFill/>
-          <a:ln>
-            <a:noFill/>
-          </a:ln>
-        </p:spPr>
-      </p:pic>
     </p:spTree>
+    <p:extLst>
+      <p:ext uri="{BB962C8B-B14F-4D97-AF65-F5344CB8AC3E}">
+        <p14:creationId xmlns:p14="http://schemas.microsoft.com/office/powerpoint/2010/main" val="3796456605"/>
+      </p:ext>
+    </p:extLst>
   </p:cSld>
   <p:clrMapOvr>
     <a:masterClrMapping/>
@@ -9953,11 +8044,11 @@
 </file>
 
 <file path=ppt/slides/slide5.xml><?xml version="1.0" encoding="utf-8"?>
-<p:sld xmlns:a="http://schemas.openxmlformats.org/drawingml/2006/main" xmlns:r="http://schemas.openxmlformats.org/officeDocument/2006/relationships" xmlns:mc="http://schemas.openxmlformats.org/markup-compatibility/2006" xmlns:mv="urn:schemas-microsoft-com:mac:vml" xmlns:p="http://schemas.openxmlformats.org/presentationml/2006/main" xmlns:c="http://schemas.openxmlformats.org/drawingml/2006/chart" xmlns:dgm="http://schemas.openxmlformats.org/drawingml/2006/diagram" xmlns:o="urn:schemas-microsoft-com:office:office" xmlns:v="urn:schemas-microsoft-com:vml" xmlns:pvml="urn:schemas-microsoft-com:office:powerpoint" xmlns:com="http://schemas.openxmlformats.org/drawingml/2006/compatibility" xmlns:p14="http://schemas.microsoft.com/office/powerpoint/2010/main" xmlns:p15="http://schemas.microsoft.com/office/powerpoint/2012/main">
+<p:sld xmlns:a="http://schemas.openxmlformats.org/drawingml/2006/main" xmlns:r="http://schemas.openxmlformats.org/officeDocument/2006/relationships" xmlns:p="http://schemas.openxmlformats.org/presentationml/2006/main">
   <p:cSld>
     <p:spTree>
       <p:nvGrpSpPr>
-        <p:cNvPr id="98" name="Shape 98"/>
+        <p:cNvPr id="1" name=""/>
         <p:cNvGrpSpPr/>
         <p:nvPr/>
       </p:nvGrpSpPr>
@@ -9971,258 +8062,81 @@
       </p:grpSpPr>
       <p:sp>
         <p:nvSpPr>
-          <p:cNvPr id="99" name="Google Shape;99;p17"/>
-          <p:cNvSpPr txBox="1"/>
+          <p:cNvPr id="4" name="Espace réservé du numéro de diapositive 3">
+            <a:extLst>
+              <a:ext uri="{FF2B5EF4-FFF2-40B4-BE49-F238E27FC236}">
+                <a16:creationId xmlns:a16="http://schemas.microsoft.com/office/drawing/2014/main" id="{D869ACE0-E7EE-4C43-8F4C-42890E00E633}"/>
+              </a:ext>
+            </a:extLst>
+          </p:cNvPr>
+          <p:cNvSpPr>
+            <a:spLocks noGrp="1"/>
+          </p:cNvSpPr>
           <p:nvPr>
-            <p:ph idx="12" type="sldNum"/>
+            <p:ph type="sldNum" idx="12"/>
           </p:nvPr>
         </p:nvSpPr>
-        <p:spPr>
-          <a:xfrm>
-            <a:off x="8472458" y="4663217"/>
-            <a:ext cx="548700" cy="393600"/>
-          </a:xfrm>
-          <a:prstGeom prst="rect">
-            <a:avLst/>
-          </a:prstGeom>
-        </p:spPr>
+        <p:spPr/>
         <p:txBody>
-          <a:bodyPr anchorCtr="0" anchor="ctr" bIns="91425" lIns="91425" spcFirstLastPara="1" rIns="91425" wrap="square" tIns="91425">
-            <a:noAutofit/>
-          </a:bodyPr>
+          <a:bodyPr/>
           <a:lstStyle/>
           <a:p>
-            <a:pPr indent="0" lvl="0" marL="0" rtl="0" algn="r">
-              <a:spcBef>
-                <a:spcPts val="0"/>
-              </a:spcBef>
-              <a:spcAft>
-                <a:spcPts val="0"/>
-              </a:spcAft>
-              <a:buClr>
-                <a:srgbClr val="000000"/>
-              </a:buClr>
-              <a:buSzPts val="1100"/>
-              <a:buFont typeface="Arial"/>
+            <a:pPr marL="0" lvl="0" indent="0" algn="r" rtl="0">
+              <a:spcBef>
+                <a:spcPts val="0"/>
+              </a:spcBef>
+              <a:spcAft>
+                <a:spcPts val="0"/>
+              </a:spcAft>
               <a:buNone/>
             </a:pPr>
             <a:fld id="{00000000-1234-1234-1234-123412341234}" type="slidenum">
-              <a:rPr lang="fr"/>
-              <a:t>‹#›</a:t>
+              <a:rPr lang="fr-FR" smtClean="0"/>
+              <a:t>5</a:t>
             </a:fld>
-            <a:endParaRPr/>
+            <a:endParaRPr lang="fr-FR"/>
           </a:p>
         </p:txBody>
       </p:sp>
       <p:pic>
         <p:nvPicPr>
-          <p:cNvPr id="100" name="Google Shape;100;p17"/>
-          <p:cNvPicPr preferRelativeResize="0"/>
+          <p:cNvPr id="8" name="Image 7">
+            <a:extLst>
+              <a:ext uri="{FF2B5EF4-FFF2-40B4-BE49-F238E27FC236}">
+                <a16:creationId xmlns:a16="http://schemas.microsoft.com/office/drawing/2014/main" id="{600451AC-75DA-044F-8F45-A73062ED4C2B}"/>
+              </a:ext>
+            </a:extLst>
+          </p:cNvPr>
+          <p:cNvPicPr>
+            <a:picLocks noChangeAspect="1"/>
+          </p:cNvPicPr>
           <p:nvPr/>
         </p:nvPicPr>
         <p:blipFill>
-          <a:blip r:embed="rId3">
-            <a:alphaModFix/>
-          </a:blip>
+          <a:blip r:embed="rId2"/>
           <a:stretch>
             <a:fillRect/>
           </a:stretch>
         </p:blipFill>
         <p:spPr>
           <a:xfrm>
-            <a:off x="7906675" y="167175"/>
-            <a:ext cx="1050450" cy="1050450"/>
-          </a:xfrm>
-          <a:prstGeom prst="rect">
-            <a:avLst/>
-          </a:prstGeom>
-          <a:noFill/>
-          <a:ln>
-            <a:noFill/>
-          </a:ln>
-        </p:spPr>
-      </p:pic>
-      <p:sp>
-        <p:nvSpPr>
-          <p:cNvPr id="101" name="Google Shape;101;p17"/>
-          <p:cNvSpPr txBox="1"/>
-          <p:nvPr>
-            <p:ph type="title"/>
-          </p:nvPr>
-        </p:nvSpPr>
-        <p:spPr>
-          <a:xfrm>
-            <a:off x="311700" y="315925"/>
-            <a:ext cx="8520600" cy="831300"/>
+            <a:off x="5500254" y="1802330"/>
+            <a:ext cx="536130" cy="536130"/>
           </a:xfrm>
           <a:prstGeom prst="rect">
             <a:avLst/>
           </a:prstGeom>
         </p:spPr>
-        <p:txBody>
-          <a:bodyPr anchorCtr="0" anchor="b" bIns="91425" lIns="91425" spcFirstLastPara="1" rIns="91425" wrap="square" tIns="91425">
-            <a:noAutofit/>
-          </a:bodyPr>
-          <a:lstStyle/>
-          <a:p>
-            <a:pPr indent="0" lvl="0" marL="0" rtl="0" algn="l">
-              <a:spcBef>
-                <a:spcPts val="0"/>
-              </a:spcBef>
-              <a:spcAft>
-                <a:spcPts val="0"/>
-              </a:spcAft>
-              <a:buNone/>
-            </a:pPr>
-            <a:r>
-              <a:rPr lang="fr"/>
-              <a:t>Étudiants</a:t>
-            </a:r>
-            <a:endParaRPr/>
-          </a:p>
-        </p:txBody>
-      </p:sp>
+      </p:pic>
       <p:pic>
         <p:nvPicPr>
-          <p:cNvPr id="102" name="Google Shape;102;p17"/>
-          <p:cNvPicPr preferRelativeResize="0"/>
-          <p:nvPr/>
-        </p:nvPicPr>
-        <p:blipFill>
-          <a:blip r:embed="rId4">
-            <a:alphaModFix/>
-          </a:blip>
-          <a:stretch>
-            <a:fillRect/>
-          </a:stretch>
-        </p:blipFill>
-        <p:spPr>
-          <a:xfrm>
-            <a:off x="2655950" y="1339952"/>
-            <a:ext cx="2823900" cy="3055550"/>
-          </a:xfrm>
-          <a:prstGeom prst="rect">
-            <a:avLst/>
-          </a:prstGeom>
-          <a:noFill/>
-          <a:ln>
-            <a:noFill/>
-          </a:ln>
-        </p:spPr>
-      </p:pic>
-    </p:spTree>
-  </p:cSld>
-  <p:clrMapOvr>
-    <a:masterClrMapping/>
-  </p:clrMapOvr>
-</p:sld>
-</file>
-
-<file path=ppt/slides/slide6.xml><?xml version="1.0" encoding="utf-8"?>
-<p:sld xmlns:a="http://schemas.openxmlformats.org/drawingml/2006/main" xmlns:r="http://schemas.openxmlformats.org/officeDocument/2006/relationships" xmlns:mc="http://schemas.openxmlformats.org/markup-compatibility/2006" xmlns:mv="urn:schemas-microsoft-com:mac:vml" xmlns:p="http://schemas.openxmlformats.org/presentationml/2006/main" xmlns:c="http://schemas.openxmlformats.org/drawingml/2006/chart" xmlns:dgm="http://schemas.openxmlformats.org/drawingml/2006/diagram" xmlns:o="urn:schemas-microsoft-com:office:office" xmlns:v="urn:schemas-microsoft-com:vml" xmlns:pvml="urn:schemas-microsoft-com:office:powerpoint" xmlns:com="http://schemas.openxmlformats.org/drawingml/2006/compatibility" xmlns:p14="http://schemas.microsoft.com/office/powerpoint/2010/main" xmlns:p15="http://schemas.microsoft.com/office/powerpoint/2012/main">
-  <p:cSld>
-    <p:spTree>
-      <p:nvGrpSpPr>
-        <p:cNvPr id="106" name="Shape 106"/>
-        <p:cNvGrpSpPr/>
-        <p:nvPr/>
-      </p:nvGrpSpPr>
-      <p:grpSpPr>
-        <a:xfrm>
-          <a:off x="0" y="0"/>
-          <a:ext cx="0" cy="0"/>
-          <a:chOff x="0" y="0"/>
-          <a:chExt cx="0" cy="0"/>
-        </a:xfrm>
-      </p:grpSpPr>
-      <p:sp>
-        <p:nvSpPr>
-          <p:cNvPr id="107" name="Google Shape;107;p18"/>
-          <p:cNvSpPr txBox="1"/>
-          <p:nvPr>
-            <p:ph type="title"/>
-          </p:nvPr>
-        </p:nvSpPr>
-        <p:spPr>
-          <a:xfrm>
-            <a:off x="311700" y="315925"/>
-            <a:ext cx="8520600" cy="831300"/>
-          </a:xfrm>
-          <a:prstGeom prst="rect">
-            <a:avLst/>
-          </a:prstGeom>
-        </p:spPr>
-        <p:txBody>
-          <a:bodyPr anchorCtr="0" anchor="b" bIns="91425" lIns="91425" spcFirstLastPara="1" rIns="91425" wrap="square" tIns="91425">
-            <a:noAutofit/>
-          </a:bodyPr>
-          <a:lstStyle/>
-          <a:p>
-            <a:pPr indent="0" lvl="0" marL="0" rtl="0" algn="l">
-              <a:spcBef>
-                <a:spcPts val="0"/>
-              </a:spcBef>
-              <a:spcAft>
-                <a:spcPts val="0"/>
-              </a:spcAft>
-              <a:buNone/>
-            </a:pPr>
-            <a:r>
-              <a:rPr lang="fr"/>
-              <a:t>Enseignants</a:t>
-            </a:r>
-            <a:endParaRPr/>
-          </a:p>
-        </p:txBody>
-      </p:sp>
-      <p:sp>
-        <p:nvSpPr>
-          <p:cNvPr id="108" name="Google Shape;108;p18"/>
-          <p:cNvSpPr txBox="1"/>
-          <p:nvPr>
-            <p:ph idx="12" type="sldNum"/>
-          </p:nvPr>
-        </p:nvSpPr>
-        <p:spPr>
-          <a:xfrm>
-            <a:off x="8472458" y="4663217"/>
-            <a:ext cx="548700" cy="393600"/>
-          </a:xfrm>
-          <a:prstGeom prst="rect">
-            <a:avLst/>
-          </a:prstGeom>
-        </p:spPr>
-        <p:txBody>
-          <a:bodyPr anchorCtr="0" anchor="ctr" bIns="91425" lIns="91425" spcFirstLastPara="1" rIns="91425" wrap="square" tIns="91425">
-            <a:noAutofit/>
-          </a:bodyPr>
-          <a:lstStyle/>
-          <a:p>
-            <a:pPr indent="0" lvl="0" marL="0" rtl="0" algn="r">
-              <a:spcBef>
-                <a:spcPts val="0"/>
-              </a:spcBef>
-              <a:spcAft>
-                <a:spcPts val="0"/>
-              </a:spcAft>
-              <a:buClr>
-                <a:srgbClr val="000000"/>
-              </a:buClr>
-              <a:buSzPts val="1100"/>
-              <a:buFont typeface="Arial"/>
-              <a:buNone/>
-            </a:pPr>
-            <a:fld id="{00000000-1234-1234-1234-123412341234}" type="slidenum">
-              <a:rPr lang="fr"/>
-              <a:t>‹#›</a:t>
-            </a:fld>
-            <a:endParaRPr/>
-          </a:p>
-        </p:txBody>
-      </p:sp>
-      <p:pic>
-        <p:nvPicPr>
-          <p:cNvPr id="109" name="Google Shape;109;p18"/>
+          <p:cNvPr id="16" name="Google Shape;84;p15">
+            <a:extLst>
+              <a:ext uri="{FF2B5EF4-FFF2-40B4-BE49-F238E27FC236}">
+                <a16:creationId xmlns:a16="http://schemas.microsoft.com/office/drawing/2014/main" id="{5F1CDC91-EEF0-5742-82E3-FEF326EFBE90}"/>
+              </a:ext>
+            </a:extLst>
+          </p:cNvPr>
           <p:cNvPicPr preferRelativeResize="0"/>
           <p:nvPr/>
         </p:nvPicPr>
@@ -10250,33 +8164,429 @@
       </p:pic>
       <p:pic>
         <p:nvPicPr>
-          <p:cNvPr id="110" name="Google Shape;110;p18"/>
-          <p:cNvPicPr preferRelativeResize="0"/>
+          <p:cNvPr id="18" name="Image 17">
+            <a:extLst>
+              <a:ext uri="{FF2B5EF4-FFF2-40B4-BE49-F238E27FC236}">
+                <a16:creationId xmlns:a16="http://schemas.microsoft.com/office/drawing/2014/main" id="{806C8615-06D9-F04F-A4CC-9A9476F7C06D}"/>
+              </a:ext>
+            </a:extLst>
+          </p:cNvPr>
+          <p:cNvPicPr>
+            <a:picLocks noChangeAspect="1"/>
+          </p:cNvPicPr>
           <p:nvPr/>
         </p:nvPicPr>
         <p:blipFill>
-          <a:blip r:embed="rId4">
-            <a:alphaModFix/>
-          </a:blip>
+          <a:blip r:embed="rId4"/>
           <a:stretch>
             <a:fillRect/>
           </a:stretch>
         </p:blipFill>
         <p:spPr>
           <a:xfrm>
-            <a:off x="2257425" y="1387475"/>
-            <a:ext cx="4629150" cy="3162300"/>
+            <a:off x="6374274" y="3023851"/>
+            <a:ext cx="1547720" cy="823255"/>
           </a:xfrm>
           <a:prstGeom prst="rect">
             <a:avLst/>
           </a:prstGeom>
-          <a:noFill/>
+        </p:spPr>
+      </p:pic>
+      <p:pic>
+        <p:nvPicPr>
+          <p:cNvPr id="36" name="Image 35" descr="Une image contenant ipod&#10;&#10;Description générée automatiquement">
+            <a:extLst>
+              <a:ext uri="{FF2B5EF4-FFF2-40B4-BE49-F238E27FC236}">
+                <a16:creationId xmlns:a16="http://schemas.microsoft.com/office/drawing/2014/main" id="{A3217BA2-2E1C-A841-8652-4D132508CDB1}"/>
+              </a:ext>
+            </a:extLst>
+          </p:cNvPr>
+          <p:cNvPicPr>
+            <a:picLocks noChangeAspect="1"/>
+          </p:cNvPicPr>
+          <p:nvPr/>
+        </p:nvPicPr>
+        <p:blipFill>
+          <a:blip r:embed="rId5"/>
+          <a:stretch>
+            <a:fillRect/>
+          </a:stretch>
+        </p:blipFill>
+        <p:spPr>
+          <a:xfrm>
+            <a:off x="2122027" y="1784818"/>
+            <a:ext cx="584200" cy="584200"/>
+          </a:xfrm>
+          <a:prstGeom prst="rect">
+            <a:avLst/>
+          </a:prstGeom>
+        </p:spPr>
+      </p:pic>
+      <p:cxnSp>
+        <p:nvCxnSpPr>
+          <p:cNvPr id="39" name="Connecteur droit avec flèche 38">
+            <a:extLst>
+              <a:ext uri="{FF2B5EF4-FFF2-40B4-BE49-F238E27FC236}">
+                <a16:creationId xmlns:a16="http://schemas.microsoft.com/office/drawing/2014/main" id="{0BCB6854-25E2-9147-99FB-B975CA666498}"/>
+              </a:ext>
+            </a:extLst>
+          </p:cNvPr>
+          <p:cNvCxnSpPr>
+            <a:cxnSpLocks/>
+          </p:cNvCxnSpPr>
+          <p:nvPr/>
+        </p:nvCxnSpPr>
+        <p:spPr>
+          <a:xfrm flipV="1">
+            <a:off x="3091928" y="3409811"/>
+            <a:ext cx="1029221" cy="522256"/>
+          </a:xfrm>
+          <a:prstGeom prst="straightConnector1">
+            <a:avLst/>
+          </a:prstGeom>
           <a:ln>
-            <a:noFill/>
+            <a:tailEnd type="triangle"/>
           </a:ln>
+        </p:spPr>
+        <p:style>
+          <a:lnRef idx="1">
+            <a:schemeClr val="accent1"/>
+          </a:lnRef>
+          <a:fillRef idx="0">
+            <a:schemeClr val="accent1"/>
+          </a:fillRef>
+          <a:effectRef idx="0">
+            <a:schemeClr val="accent1"/>
+          </a:effectRef>
+          <a:fontRef idx="minor">
+            <a:schemeClr val="tx1"/>
+          </a:fontRef>
+        </p:style>
+      </p:cxnSp>
+      <p:cxnSp>
+        <p:nvCxnSpPr>
+          <p:cNvPr id="41" name="Connecteur droit avec flèche 40">
+            <a:extLst>
+              <a:ext uri="{FF2B5EF4-FFF2-40B4-BE49-F238E27FC236}">
+                <a16:creationId xmlns:a16="http://schemas.microsoft.com/office/drawing/2014/main" id="{1F894BFC-1C31-1D45-80B3-83311E6EB425}"/>
+              </a:ext>
+            </a:extLst>
+          </p:cNvPr>
+          <p:cNvCxnSpPr>
+            <a:cxnSpLocks/>
+          </p:cNvCxnSpPr>
+          <p:nvPr/>
+        </p:nvCxnSpPr>
+        <p:spPr>
+          <a:xfrm>
+            <a:off x="2784763" y="2265218"/>
+            <a:ext cx="1336386" cy="801365"/>
+          </a:xfrm>
+          <a:prstGeom prst="straightConnector1">
+            <a:avLst/>
+          </a:prstGeom>
+          <a:ln>
+            <a:tailEnd type="triangle"/>
+          </a:ln>
+        </p:spPr>
+        <p:style>
+          <a:lnRef idx="1">
+            <a:schemeClr val="accent1"/>
+          </a:lnRef>
+          <a:fillRef idx="0">
+            <a:schemeClr val="accent1"/>
+          </a:fillRef>
+          <a:effectRef idx="0">
+            <a:schemeClr val="accent1"/>
+          </a:effectRef>
+          <a:fontRef idx="minor">
+            <a:schemeClr val="tx1"/>
+          </a:fontRef>
+        </p:style>
+      </p:cxnSp>
+      <p:cxnSp>
+        <p:nvCxnSpPr>
+          <p:cNvPr id="46" name="Connecteur droit avec flèche 45">
+            <a:extLst>
+              <a:ext uri="{FF2B5EF4-FFF2-40B4-BE49-F238E27FC236}">
+                <a16:creationId xmlns:a16="http://schemas.microsoft.com/office/drawing/2014/main" id="{81C4AF7F-D12F-ED4D-97DA-CC464D14B99B}"/>
+              </a:ext>
+            </a:extLst>
+          </p:cNvPr>
+          <p:cNvCxnSpPr>
+            <a:stCxn id="36" idx="3"/>
+          </p:cNvCxnSpPr>
+          <p:nvPr/>
+        </p:nvCxnSpPr>
+        <p:spPr>
+          <a:xfrm flipV="1">
+            <a:off x="2706227" y="2076917"/>
+            <a:ext cx="2794027" cy="1"/>
+          </a:xfrm>
+          <a:prstGeom prst="straightConnector1">
+            <a:avLst/>
+          </a:prstGeom>
+          <a:ln>
+            <a:tailEnd type="triangle"/>
+          </a:ln>
+        </p:spPr>
+        <p:style>
+          <a:lnRef idx="1">
+            <a:schemeClr val="accent1"/>
+          </a:lnRef>
+          <a:fillRef idx="0">
+            <a:schemeClr val="accent1"/>
+          </a:fillRef>
+          <a:effectRef idx="0">
+            <a:schemeClr val="accent1"/>
+          </a:effectRef>
+          <a:fontRef idx="minor">
+            <a:schemeClr val="tx1"/>
+          </a:fontRef>
+        </p:style>
+      </p:cxnSp>
+      <p:cxnSp>
+        <p:nvCxnSpPr>
+          <p:cNvPr id="48" name="Connecteur droit avec flèche 47">
+            <a:extLst>
+              <a:ext uri="{FF2B5EF4-FFF2-40B4-BE49-F238E27FC236}">
+                <a16:creationId xmlns:a16="http://schemas.microsoft.com/office/drawing/2014/main" id="{33A8F108-EAC8-2246-B81C-D682A61E8D3F}"/>
+              </a:ext>
+            </a:extLst>
+          </p:cNvPr>
+          <p:cNvCxnSpPr>
+            <a:cxnSpLocks/>
+            <a:endCxn id="18" idx="1"/>
+          </p:cNvCxnSpPr>
+          <p:nvPr/>
+        </p:nvCxnSpPr>
+        <p:spPr>
+          <a:xfrm flipV="1">
+            <a:off x="4862972" y="3435479"/>
+            <a:ext cx="1511302" cy="4022"/>
+          </a:xfrm>
+          <a:prstGeom prst="straightConnector1">
+            <a:avLst/>
+          </a:prstGeom>
+          <a:ln>
+            <a:tailEnd type="triangle"/>
+          </a:ln>
+        </p:spPr>
+        <p:style>
+          <a:lnRef idx="1">
+            <a:schemeClr val="accent1"/>
+          </a:lnRef>
+          <a:fillRef idx="0">
+            <a:schemeClr val="accent1"/>
+          </a:fillRef>
+          <a:effectRef idx="0">
+            <a:schemeClr val="accent1"/>
+          </a:effectRef>
+          <a:fontRef idx="minor">
+            <a:schemeClr val="tx1"/>
+          </a:fontRef>
+        </p:style>
+      </p:cxnSp>
+      <p:cxnSp>
+        <p:nvCxnSpPr>
+          <p:cNvPr id="51" name="Connecteur droit avec flèche 50">
+            <a:extLst>
+              <a:ext uri="{FF2B5EF4-FFF2-40B4-BE49-F238E27FC236}">
+                <a16:creationId xmlns:a16="http://schemas.microsoft.com/office/drawing/2014/main" id="{175A9FE9-D8AD-514D-B81D-46152821D791}"/>
+              </a:ext>
+            </a:extLst>
+          </p:cNvPr>
+          <p:cNvCxnSpPr>
+            <a:cxnSpLocks/>
+            <a:endCxn id="18" idx="0"/>
+          </p:cNvCxnSpPr>
+          <p:nvPr/>
+        </p:nvCxnSpPr>
+        <p:spPr>
+          <a:xfrm>
+            <a:off x="5985164" y="2244244"/>
+            <a:ext cx="1162970" cy="779607"/>
+          </a:xfrm>
+          <a:prstGeom prst="straightConnector1">
+            <a:avLst/>
+          </a:prstGeom>
+          <a:ln>
+            <a:tailEnd type="triangle"/>
+          </a:ln>
+        </p:spPr>
+        <p:style>
+          <a:lnRef idx="1">
+            <a:schemeClr val="accent1"/>
+          </a:lnRef>
+          <a:fillRef idx="0">
+            <a:schemeClr val="accent1"/>
+          </a:fillRef>
+          <a:effectRef idx="0">
+            <a:schemeClr val="accent1"/>
+          </a:effectRef>
+          <a:fontRef idx="minor">
+            <a:schemeClr val="tx1"/>
+          </a:fontRef>
+        </p:style>
+      </p:cxnSp>
+      <p:sp>
+        <p:nvSpPr>
+          <p:cNvPr id="59" name="Titre 1">
+            <a:extLst>
+              <a:ext uri="{FF2B5EF4-FFF2-40B4-BE49-F238E27FC236}">
+                <a16:creationId xmlns:a16="http://schemas.microsoft.com/office/drawing/2014/main" id="{613E020B-D95F-4E46-8A5A-926B5A79D9B3}"/>
+              </a:ext>
+            </a:extLst>
+          </p:cNvPr>
+          <p:cNvSpPr>
+            <a:spLocks noGrp="1"/>
+          </p:cNvSpPr>
+          <p:nvPr>
+            <p:ph type="title"/>
+          </p:nvPr>
+        </p:nvSpPr>
+        <p:spPr>
+          <a:xfrm>
+            <a:off x="311700" y="315925"/>
+            <a:ext cx="8520600" cy="831300"/>
+          </a:xfrm>
+        </p:spPr>
+        <p:txBody>
+          <a:bodyPr/>
+          <a:lstStyle/>
+          <a:p>
+            <a:r>
+              <a:rPr lang="fr-FR" dirty="0"/>
+              <a:t>L’environnement de test</a:t>
+            </a:r>
+          </a:p>
+        </p:txBody>
+      </p:sp>
+      <p:pic>
+        <p:nvPicPr>
+          <p:cNvPr id="68" name="Image 67">
+            <a:extLst>
+              <a:ext uri="{FF2B5EF4-FFF2-40B4-BE49-F238E27FC236}">
+                <a16:creationId xmlns:a16="http://schemas.microsoft.com/office/drawing/2014/main" id="{E874A2DF-0927-BE44-B906-0ADC56904E0F}"/>
+              </a:ext>
+            </a:extLst>
+          </p:cNvPr>
+          <p:cNvPicPr>
+            <a:picLocks noChangeAspect="1"/>
+          </p:cNvPicPr>
+          <p:nvPr/>
+        </p:nvPicPr>
+        <p:blipFill rotWithShape="1">
+          <a:blip r:embed="rId6"/>
+          <a:srcRect l="8198"/>
+          <a:stretch/>
+        </p:blipFill>
+        <p:spPr>
+          <a:xfrm>
+            <a:off x="1482436" y="3670939"/>
+            <a:ext cx="1609492" cy="468606"/>
+          </a:xfrm>
+          <a:prstGeom prst="rect">
+            <a:avLst/>
+          </a:prstGeom>
+        </p:spPr>
+      </p:pic>
+      <p:pic>
+        <p:nvPicPr>
+          <p:cNvPr id="70" name="Image 69">
+            <a:extLst>
+              <a:ext uri="{FF2B5EF4-FFF2-40B4-BE49-F238E27FC236}">
+                <a16:creationId xmlns:a16="http://schemas.microsoft.com/office/drawing/2014/main" id="{3C5E97C4-ED79-044A-AB2A-7240D1421F61}"/>
+              </a:ext>
+            </a:extLst>
+          </p:cNvPr>
+          <p:cNvPicPr>
+            <a:picLocks noChangeAspect="1"/>
+          </p:cNvPicPr>
+          <p:nvPr/>
+        </p:nvPicPr>
+        <p:blipFill>
+          <a:blip r:embed="rId7"/>
+          <a:stretch>
+            <a:fillRect/>
+          </a:stretch>
+        </p:blipFill>
+        <p:spPr>
+          <a:xfrm>
+            <a:off x="4025392" y="2902092"/>
+            <a:ext cx="933338" cy="933338"/>
+          </a:xfrm>
+          <a:prstGeom prst="rect">
+            <a:avLst/>
+          </a:prstGeom>
+        </p:spPr>
+      </p:pic>
+      <p:pic>
+        <p:nvPicPr>
+          <p:cNvPr id="71" name="Image 70">
+            <a:extLst>
+              <a:ext uri="{FF2B5EF4-FFF2-40B4-BE49-F238E27FC236}">
+                <a16:creationId xmlns:a16="http://schemas.microsoft.com/office/drawing/2014/main" id="{98F68BE7-7830-C946-A756-D511ADA5CB2F}"/>
+              </a:ext>
+            </a:extLst>
+          </p:cNvPr>
+          <p:cNvPicPr>
+            <a:picLocks noChangeAspect="1"/>
+          </p:cNvPicPr>
+          <p:nvPr/>
+        </p:nvPicPr>
+        <p:blipFill>
+          <a:blip r:embed="rId7"/>
+          <a:stretch>
+            <a:fillRect/>
+          </a:stretch>
+        </p:blipFill>
+        <p:spPr>
+          <a:xfrm>
+            <a:off x="1814678" y="2012974"/>
+            <a:ext cx="614697" cy="614697"/>
+          </a:xfrm>
+          <a:prstGeom prst="rect">
+            <a:avLst/>
+          </a:prstGeom>
+        </p:spPr>
+      </p:pic>
+      <p:pic>
+        <p:nvPicPr>
+          <p:cNvPr id="72" name="Image 71">
+            <a:extLst>
+              <a:ext uri="{FF2B5EF4-FFF2-40B4-BE49-F238E27FC236}">
+                <a16:creationId xmlns:a16="http://schemas.microsoft.com/office/drawing/2014/main" id="{85A0633F-666B-4943-A48C-C5D29EB8511F}"/>
+              </a:ext>
+            </a:extLst>
+          </p:cNvPr>
+          <p:cNvPicPr>
+            <a:picLocks noChangeAspect="1"/>
+          </p:cNvPicPr>
+          <p:nvPr/>
+        </p:nvPicPr>
+        <p:blipFill>
+          <a:blip r:embed="rId8"/>
+          <a:stretch>
+            <a:fillRect/>
+          </a:stretch>
+        </p:blipFill>
+        <p:spPr>
+          <a:xfrm>
+            <a:off x="7625121" y="3311115"/>
+            <a:ext cx="806779" cy="719647"/>
+          </a:xfrm>
+          <a:prstGeom prst="rect">
+            <a:avLst/>
+          </a:prstGeom>
         </p:spPr>
       </p:pic>
     </p:spTree>
+    <p:extLst>
+      <p:ext uri="{BB962C8B-B14F-4D97-AF65-F5344CB8AC3E}">
+        <p14:creationId xmlns:p14="http://schemas.microsoft.com/office/powerpoint/2010/main" val="3079771946"/>
+      </p:ext>
+    </p:extLst>
   </p:cSld>
   <p:clrMapOvr>
     <a:masterClrMapping/>
@@ -10284,12 +8594,12 @@
 </p:sld>
 </file>
 
-<file path=ppt/slides/slide7.xml><?xml version="1.0" encoding="utf-8"?>
-<p:sld xmlns:a="http://schemas.openxmlformats.org/drawingml/2006/main" xmlns:r="http://schemas.openxmlformats.org/officeDocument/2006/relationships" xmlns:mc="http://schemas.openxmlformats.org/markup-compatibility/2006" xmlns:mv="urn:schemas-microsoft-com:mac:vml" xmlns:p="http://schemas.openxmlformats.org/presentationml/2006/main" xmlns:c="http://schemas.openxmlformats.org/drawingml/2006/chart" xmlns:dgm="http://schemas.openxmlformats.org/drawingml/2006/diagram" xmlns:o="urn:schemas-microsoft-com:office:office" xmlns:v="urn:schemas-microsoft-com:vml" xmlns:pvml="urn:schemas-microsoft-com:office:powerpoint" xmlns:com="http://schemas.openxmlformats.org/drawingml/2006/compatibility" xmlns:p14="http://schemas.microsoft.com/office/powerpoint/2010/main" xmlns:p15="http://schemas.microsoft.com/office/powerpoint/2012/main">
+<file path=ppt/slides/slide6.xml><?xml version="1.0" encoding="utf-8"?>
+<p:sld xmlns:a="http://schemas.openxmlformats.org/drawingml/2006/main" xmlns:r="http://schemas.openxmlformats.org/officeDocument/2006/relationships" xmlns:p="http://schemas.openxmlformats.org/presentationml/2006/main">
   <p:cSld>
     <p:spTree>
       <p:nvGrpSpPr>
-        <p:cNvPr id="114" name="Shape 114"/>
+        <p:cNvPr id="1" name=""/>
         <p:cNvGrpSpPr/>
         <p:nvPr/>
       </p:nvGrpSpPr>
@@ -10303,57 +8613,56 @@
       </p:grpSpPr>
       <p:sp>
         <p:nvSpPr>
-          <p:cNvPr id="115" name="Google Shape;115;p19"/>
-          <p:cNvSpPr txBox="1"/>
+          <p:cNvPr id="4" name="Espace réservé du numéro de diapositive 3">
+            <a:extLst>
+              <a:ext uri="{FF2B5EF4-FFF2-40B4-BE49-F238E27FC236}">
+                <a16:creationId xmlns:a16="http://schemas.microsoft.com/office/drawing/2014/main" id="{BCE5AE45-66D9-D641-86B5-F855E4031E93}"/>
+              </a:ext>
+            </a:extLst>
+          </p:cNvPr>
+          <p:cNvSpPr>
+            <a:spLocks noGrp="1"/>
+          </p:cNvSpPr>
           <p:nvPr>
-            <p:ph idx="12" type="sldNum"/>
+            <p:ph type="sldNum" idx="12"/>
           </p:nvPr>
         </p:nvSpPr>
-        <p:spPr>
-          <a:xfrm>
-            <a:off x="8472458" y="4663217"/>
-            <a:ext cx="548700" cy="393600"/>
-          </a:xfrm>
-          <a:prstGeom prst="rect">
-            <a:avLst/>
-          </a:prstGeom>
-        </p:spPr>
+        <p:spPr/>
         <p:txBody>
-          <a:bodyPr anchorCtr="0" anchor="ctr" bIns="91425" lIns="91425" spcFirstLastPara="1" rIns="91425" wrap="square" tIns="91425">
-            <a:noAutofit/>
-          </a:bodyPr>
+          <a:bodyPr/>
           <a:lstStyle/>
           <a:p>
-            <a:pPr indent="0" lvl="0" marL="0" rtl="0" algn="r">
-              <a:spcBef>
-                <a:spcPts val="0"/>
-              </a:spcBef>
-              <a:spcAft>
-                <a:spcPts val="0"/>
-              </a:spcAft>
-              <a:buClr>
-                <a:srgbClr val="000000"/>
-              </a:buClr>
-              <a:buSzPts val="1100"/>
-              <a:buFont typeface="Arial"/>
+            <a:pPr marL="0" lvl="0" indent="0" algn="r" rtl="0">
+              <a:spcBef>
+                <a:spcPts val="0"/>
+              </a:spcBef>
+              <a:spcAft>
+                <a:spcPts val="0"/>
+              </a:spcAft>
               <a:buNone/>
             </a:pPr>
             <a:fld id="{00000000-1234-1234-1234-123412341234}" type="slidenum">
-              <a:rPr lang="fr"/>
-              <a:t>‹#›</a:t>
+              <a:rPr lang="fr-FR" smtClean="0"/>
+              <a:t>6</a:t>
             </a:fld>
-            <a:endParaRPr/>
+            <a:endParaRPr lang="fr-FR"/>
           </a:p>
         </p:txBody>
       </p:sp>
       <p:pic>
         <p:nvPicPr>
-          <p:cNvPr id="116" name="Google Shape;116;p19"/>
+          <p:cNvPr id="5" name="Google Shape;84;p15">
+            <a:extLst>
+              <a:ext uri="{FF2B5EF4-FFF2-40B4-BE49-F238E27FC236}">
+                <a16:creationId xmlns:a16="http://schemas.microsoft.com/office/drawing/2014/main" id="{AB78798A-DB89-BC44-A46E-79890595FA2D}"/>
+              </a:ext>
+            </a:extLst>
+          </p:cNvPr>
           <p:cNvPicPr preferRelativeResize="0"/>
           <p:nvPr/>
         </p:nvPicPr>
         <p:blipFill>
-          <a:blip r:embed="rId3">
+          <a:blip r:embed="rId2">
             <a:alphaModFix/>
           </a:blip>
           <a:stretch>
@@ -10376,8 +8685,339 @@
       </p:pic>
       <p:sp>
         <p:nvSpPr>
-          <p:cNvPr id="117" name="Google Shape;117;p19"/>
-          <p:cNvSpPr txBox="1"/>
+          <p:cNvPr id="6" name="Titre 1">
+            <a:extLst>
+              <a:ext uri="{FF2B5EF4-FFF2-40B4-BE49-F238E27FC236}">
+                <a16:creationId xmlns:a16="http://schemas.microsoft.com/office/drawing/2014/main" id="{EEC00017-8BBD-A94F-99EB-8B1DC7FF402B}"/>
+              </a:ext>
+            </a:extLst>
+          </p:cNvPr>
+          <p:cNvSpPr>
+            <a:spLocks noGrp="1"/>
+          </p:cNvSpPr>
+          <p:nvPr>
+            <p:ph type="title"/>
+          </p:nvPr>
+        </p:nvSpPr>
+        <p:spPr/>
+        <p:txBody>
+          <a:bodyPr/>
+          <a:lstStyle/>
+          <a:p>
+            <a:r>
+              <a:rPr lang="fr-FR" dirty="0"/>
+              <a:t>L’environnement de test</a:t>
+            </a:r>
+          </a:p>
+        </p:txBody>
+      </p:sp>
+      <p:pic>
+        <p:nvPicPr>
+          <p:cNvPr id="8" name="Image 7">
+            <a:extLst>
+              <a:ext uri="{FF2B5EF4-FFF2-40B4-BE49-F238E27FC236}">
+                <a16:creationId xmlns:a16="http://schemas.microsoft.com/office/drawing/2014/main" id="{1DBC0174-15CB-9247-A15B-4A9F7FC657C8}"/>
+              </a:ext>
+            </a:extLst>
+          </p:cNvPr>
+          <p:cNvPicPr>
+            <a:picLocks noChangeAspect="1"/>
+          </p:cNvPicPr>
+          <p:nvPr/>
+        </p:nvPicPr>
+        <p:blipFill rotWithShape="1">
+          <a:blip r:embed="rId3"/>
+          <a:srcRect t="5639"/>
+          <a:stretch/>
+        </p:blipFill>
+        <p:spPr>
+          <a:xfrm>
+            <a:off x="311700" y="1913560"/>
+            <a:ext cx="3165764" cy="595943"/>
+          </a:xfrm>
+          <a:prstGeom prst="rect">
+            <a:avLst/>
+          </a:prstGeom>
+        </p:spPr>
+      </p:pic>
+      <p:pic>
+        <p:nvPicPr>
+          <p:cNvPr id="9" name="Image 8" descr="Une image contenant ipod&#10;&#10;Description générée automatiquement">
+            <a:extLst>
+              <a:ext uri="{FF2B5EF4-FFF2-40B4-BE49-F238E27FC236}">
+                <a16:creationId xmlns:a16="http://schemas.microsoft.com/office/drawing/2014/main" id="{A32B0848-15C4-3C4A-B011-B26BC4DFC90A}"/>
+              </a:ext>
+            </a:extLst>
+          </p:cNvPr>
+          <p:cNvPicPr>
+            <a:picLocks noChangeAspect="1"/>
+          </p:cNvPicPr>
+          <p:nvPr/>
+        </p:nvPicPr>
+        <p:blipFill>
+          <a:blip r:embed="rId4"/>
+          <a:stretch>
+            <a:fillRect/>
+          </a:stretch>
+        </p:blipFill>
+        <p:spPr>
+          <a:xfrm>
+            <a:off x="5260081" y="1828212"/>
+            <a:ext cx="681291" cy="681291"/>
+          </a:xfrm>
+          <a:prstGeom prst="rect">
+            <a:avLst/>
+          </a:prstGeom>
+        </p:spPr>
+      </p:pic>
+      <p:cxnSp>
+        <p:nvCxnSpPr>
+          <p:cNvPr id="11" name="Connecteur droit avec flèche 10">
+            <a:extLst>
+              <a:ext uri="{FF2B5EF4-FFF2-40B4-BE49-F238E27FC236}">
+                <a16:creationId xmlns:a16="http://schemas.microsoft.com/office/drawing/2014/main" id="{DED1B723-B5B4-A641-8E69-AD032F1DA83A}"/>
+              </a:ext>
+            </a:extLst>
+          </p:cNvPr>
+          <p:cNvCxnSpPr>
+            <a:stCxn id="8" idx="2"/>
+          </p:cNvCxnSpPr>
+          <p:nvPr/>
+        </p:nvCxnSpPr>
+        <p:spPr>
+          <a:xfrm>
+            <a:off x="1894582" y="2509503"/>
+            <a:ext cx="1375091" cy="1071897"/>
+          </a:xfrm>
+          <a:prstGeom prst="straightConnector1">
+            <a:avLst/>
+          </a:prstGeom>
+          <a:ln>
+            <a:tailEnd type="triangle"/>
+          </a:ln>
+        </p:spPr>
+        <p:style>
+          <a:lnRef idx="1">
+            <a:schemeClr val="accent1"/>
+          </a:lnRef>
+          <a:fillRef idx="0">
+            <a:schemeClr val="accent1"/>
+          </a:fillRef>
+          <a:effectRef idx="0">
+            <a:schemeClr val="accent1"/>
+          </a:effectRef>
+          <a:fontRef idx="minor">
+            <a:schemeClr val="tx1"/>
+          </a:fontRef>
+        </p:style>
+      </p:cxnSp>
+      <p:pic>
+        <p:nvPicPr>
+          <p:cNvPr id="13" name="Image 12">
+            <a:extLst>
+              <a:ext uri="{FF2B5EF4-FFF2-40B4-BE49-F238E27FC236}">
+                <a16:creationId xmlns:a16="http://schemas.microsoft.com/office/drawing/2014/main" id="{51EA4401-1988-3C40-A0F7-573302CCA33B}"/>
+              </a:ext>
+            </a:extLst>
+          </p:cNvPr>
+          <p:cNvPicPr>
+            <a:picLocks noChangeAspect="1"/>
+          </p:cNvPicPr>
+          <p:nvPr/>
+        </p:nvPicPr>
+        <p:blipFill>
+          <a:blip r:embed="rId5"/>
+          <a:stretch>
+            <a:fillRect/>
+          </a:stretch>
+        </p:blipFill>
+        <p:spPr>
+          <a:xfrm>
+            <a:off x="7073093" y="3509762"/>
+            <a:ext cx="833582" cy="833582"/>
+          </a:xfrm>
+          <a:prstGeom prst="rect">
+            <a:avLst/>
+          </a:prstGeom>
+        </p:spPr>
+      </p:pic>
+      <p:pic>
+        <p:nvPicPr>
+          <p:cNvPr id="14" name="Image 13">
+            <a:extLst>
+              <a:ext uri="{FF2B5EF4-FFF2-40B4-BE49-F238E27FC236}">
+                <a16:creationId xmlns:a16="http://schemas.microsoft.com/office/drawing/2014/main" id="{6E0696B8-5B02-6E4D-8501-7DD1F5CC2148}"/>
+              </a:ext>
+            </a:extLst>
+          </p:cNvPr>
+          <p:cNvPicPr>
+            <a:picLocks noChangeAspect="1"/>
+          </p:cNvPicPr>
+          <p:nvPr/>
+        </p:nvPicPr>
+        <p:blipFill>
+          <a:blip r:embed="rId6"/>
+          <a:stretch>
+            <a:fillRect/>
+          </a:stretch>
+        </p:blipFill>
+        <p:spPr>
+          <a:xfrm>
+            <a:off x="3269673" y="3354088"/>
+            <a:ext cx="1547720" cy="823255"/>
+          </a:xfrm>
+          <a:prstGeom prst="rect">
+            <a:avLst/>
+          </a:prstGeom>
+        </p:spPr>
+      </p:pic>
+      <p:pic>
+        <p:nvPicPr>
+          <p:cNvPr id="15" name="Image 14">
+            <a:extLst>
+              <a:ext uri="{FF2B5EF4-FFF2-40B4-BE49-F238E27FC236}">
+                <a16:creationId xmlns:a16="http://schemas.microsoft.com/office/drawing/2014/main" id="{94BACFBD-11D2-D649-B592-4EF905EB5385}"/>
+              </a:ext>
+            </a:extLst>
+          </p:cNvPr>
+          <p:cNvPicPr>
+            <a:picLocks noChangeAspect="1"/>
+          </p:cNvPicPr>
+          <p:nvPr/>
+        </p:nvPicPr>
+        <p:blipFill>
+          <a:blip r:embed="rId7"/>
+          <a:stretch>
+            <a:fillRect/>
+          </a:stretch>
+        </p:blipFill>
+        <p:spPr>
+          <a:xfrm>
+            <a:off x="3416355" y="3713017"/>
+            <a:ext cx="737149" cy="737149"/>
+          </a:xfrm>
+          <a:prstGeom prst="rect">
+            <a:avLst/>
+          </a:prstGeom>
+        </p:spPr>
+      </p:pic>
+      <p:cxnSp>
+        <p:nvCxnSpPr>
+          <p:cNvPr id="17" name="Connecteur droit avec flèche 16">
+            <a:extLst>
+              <a:ext uri="{FF2B5EF4-FFF2-40B4-BE49-F238E27FC236}">
+                <a16:creationId xmlns:a16="http://schemas.microsoft.com/office/drawing/2014/main" id="{69EA713D-40C1-E740-824B-B0FE1A9EC090}"/>
+              </a:ext>
+            </a:extLst>
+          </p:cNvPr>
+          <p:cNvCxnSpPr/>
+          <p:nvPr/>
+        </p:nvCxnSpPr>
+        <p:spPr>
+          <a:xfrm flipV="1">
+            <a:off x="4572000" y="2509503"/>
+            <a:ext cx="688081" cy="844585"/>
+          </a:xfrm>
+          <a:prstGeom prst="straightConnector1">
+            <a:avLst/>
+          </a:prstGeom>
+          <a:ln>
+            <a:tailEnd type="triangle"/>
+          </a:ln>
+        </p:spPr>
+        <p:style>
+          <a:lnRef idx="1">
+            <a:schemeClr val="accent1"/>
+          </a:lnRef>
+          <a:fillRef idx="0">
+            <a:schemeClr val="accent1"/>
+          </a:fillRef>
+          <a:effectRef idx="0">
+            <a:schemeClr val="accent1"/>
+          </a:effectRef>
+          <a:fontRef idx="minor">
+            <a:schemeClr val="tx1"/>
+          </a:fontRef>
+        </p:style>
+      </p:cxnSp>
+      <p:cxnSp>
+        <p:nvCxnSpPr>
+          <p:cNvPr id="19" name="Connecteur droit avec flèche 18">
+            <a:extLst>
+              <a:ext uri="{FF2B5EF4-FFF2-40B4-BE49-F238E27FC236}">
+                <a16:creationId xmlns:a16="http://schemas.microsoft.com/office/drawing/2014/main" id="{22D2E310-D623-0348-965B-2D4EAF1A1336}"/>
+              </a:ext>
+            </a:extLst>
+          </p:cNvPr>
+          <p:cNvCxnSpPr/>
+          <p:nvPr/>
+        </p:nvCxnSpPr>
+        <p:spPr>
+          <a:xfrm>
+            <a:off x="5941372" y="2509503"/>
+            <a:ext cx="1207573" cy="1000259"/>
+          </a:xfrm>
+          <a:prstGeom prst="straightConnector1">
+            <a:avLst/>
+          </a:prstGeom>
+          <a:ln>
+            <a:tailEnd type="triangle"/>
+          </a:ln>
+        </p:spPr>
+        <p:style>
+          <a:lnRef idx="1">
+            <a:schemeClr val="accent1"/>
+          </a:lnRef>
+          <a:fillRef idx="0">
+            <a:schemeClr val="accent1"/>
+          </a:fillRef>
+          <a:effectRef idx="0">
+            <a:schemeClr val="accent1"/>
+          </a:effectRef>
+          <a:fontRef idx="minor">
+            <a:schemeClr val="tx1"/>
+          </a:fontRef>
+        </p:style>
+      </p:cxnSp>
+    </p:spTree>
+    <p:extLst>
+      <p:ext uri="{BB962C8B-B14F-4D97-AF65-F5344CB8AC3E}">
+        <p14:creationId xmlns:p14="http://schemas.microsoft.com/office/powerpoint/2010/main" val="895035925"/>
+      </p:ext>
+    </p:extLst>
+  </p:cSld>
+  <p:clrMapOvr>
+    <a:masterClrMapping/>
+  </p:clrMapOvr>
+  <p:transition spd="slow">
+    <p:push dir="u"/>
+  </p:transition>
+</p:sld>
+</file>
+
+<file path=ppt/slides/slide7.xml><?xml version="1.0" encoding="utf-8"?>
+<p:sld xmlns:a="http://schemas.openxmlformats.org/drawingml/2006/main" xmlns:r="http://schemas.openxmlformats.org/officeDocument/2006/relationships" xmlns:p="http://schemas.openxmlformats.org/presentationml/2006/main">
+  <p:cSld>
+    <p:spTree>
+      <p:nvGrpSpPr>
+        <p:cNvPr id="1" name="Shape 177"/>
+        <p:cNvGrpSpPr/>
+        <p:nvPr/>
+      </p:nvGrpSpPr>
+      <p:grpSpPr>
+        <a:xfrm>
+          <a:off x="0" y="0"/>
+          <a:ext cx="0" cy="0"/>
+          <a:chOff x="0" y="0"/>
+          <a:chExt cx="0" cy="0"/>
+        </a:xfrm>
+      </p:grpSpPr>
+      <p:sp>
+        <p:nvSpPr>
+          <p:cNvPr id="178" name="Google Shape;178;p25"/>
+          <p:cNvSpPr txBox="1">
+            <a:spLocks noGrp="1"/>
+          </p:cNvSpPr>
           <p:nvPr>
             <p:ph type="title"/>
           </p:nvPr>
@@ -10392,12 +9032,12 @@
           </a:prstGeom>
         </p:spPr>
         <p:txBody>
-          <a:bodyPr anchorCtr="0" anchor="b" bIns="91425" lIns="91425" spcFirstLastPara="1" rIns="91425" wrap="square" tIns="91425">
+          <a:bodyPr spcFirstLastPara="1" wrap="square" lIns="91425" tIns="91425" rIns="91425" bIns="91425" anchor="b" anchorCtr="0">
             <a:noAutofit/>
           </a:bodyPr>
           <a:lstStyle/>
           <a:p>
-            <a:pPr indent="0" lvl="0" marL="0" rtl="0" algn="l">
+            <a:pPr marL="0" lvl="0" indent="0" algn="l" rtl="0">
               <a:spcBef>
                 <a:spcPts val="0"/>
               </a:spcBef>
@@ -10407,140 +9047,63 @@
               <a:buNone/>
             </a:pPr>
             <a:r>
-              <a:rPr lang="fr"/>
-              <a:t>Autres fonctionnalités</a:t>
+              <a:rPr lang="fr" dirty="0"/>
+              <a:t>Conclusion</a:t>
             </a:r>
-            <a:endParaRPr/>
+            <a:endParaRPr dirty="0"/>
           </a:p>
         </p:txBody>
       </p:sp>
-      <p:pic>
-        <p:nvPicPr>
-          <p:cNvPr id="118" name="Google Shape;118;p19"/>
-          <p:cNvPicPr preferRelativeResize="0"/>
-          <p:nvPr/>
-        </p:nvPicPr>
-        <p:blipFill>
-          <a:blip r:embed="rId4">
-            <a:alphaModFix/>
-          </a:blip>
-          <a:stretch>
-            <a:fillRect/>
-          </a:stretch>
-        </p:blipFill>
-        <p:spPr>
-          <a:xfrm>
-            <a:off x="616675" y="1170125"/>
-            <a:ext cx="2881264" cy="3820975"/>
-          </a:xfrm>
-          <a:prstGeom prst="rect">
-            <a:avLst/>
-          </a:prstGeom>
-          <a:noFill/>
-          <a:ln>
-            <a:noFill/>
-          </a:ln>
-        </p:spPr>
-      </p:pic>
-      <p:pic>
-        <p:nvPicPr>
-          <p:cNvPr id="119" name="Google Shape;119;p19"/>
-          <p:cNvPicPr preferRelativeResize="0"/>
-          <p:nvPr/>
-        </p:nvPicPr>
-        <p:blipFill>
-          <a:blip r:embed="rId5">
-            <a:alphaModFix/>
-          </a:blip>
-          <a:stretch>
-            <a:fillRect/>
-          </a:stretch>
-        </p:blipFill>
-        <p:spPr>
-          <a:xfrm>
-            <a:off x="4227450" y="2123338"/>
-            <a:ext cx="3962400" cy="1914525"/>
-          </a:xfrm>
-          <a:prstGeom prst="rect">
-            <a:avLst/>
-          </a:prstGeom>
-          <a:noFill/>
-          <a:ln>
-            <a:noFill/>
-          </a:ln>
-        </p:spPr>
-      </p:pic>
-    </p:spTree>
-  </p:cSld>
-  <p:clrMapOvr>
-    <a:masterClrMapping/>
-  </p:clrMapOvr>
-</p:sld>
-</file>
-
-<file path=ppt/slides/slide8.xml><?xml version="1.0" encoding="utf-8"?>
-<p:sld xmlns:a="http://schemas.openxmlformats.org/drawingml/2006/main" xmlns:r="http://schemas.openxmlformats.org/officeDocument/2006/relationships" xmlns:mc="http://schemas.openxmlformats.org/markup-compatibility/2006" xmlns:mv="urn:schemas-microsoft-com:mac:vml" xmlns:p="http://schemas.openxmlformats.org/presentationml/2006/main" xmlns:c="http://schemas.openxmlformats.org/drawingml/2006/chart" xmlns:dgm="http://schemas.openxmlformats.org/drawingml/2006/diagram" xmlns:o="urn:schemas-microsoft-com:office:office" xmlns:v="urn:schemas-microsoft-com:vml" xmlns:pvml="urn:schemas-microsoft-com:office:powerpoint" xmlns:com="http://schemas.openxmlformats.org/drawingml/2006/compatibility" xmlns:p14="http://schemas.microsoft.com/office/powerpoint/2010/main" xmlns:p15="http://schemas.microsoft.com/office/powerpoint/2012/main">
-  <p:cSld>
-    <p:spTree>
-      <p:nvGrpSpPr>
-        <p:cNvPr id="123" name="Shape 123"/>
-        <p:cNvGrpSpPr/>
-        <p:nvPr/>
-      </p:nvGrpSpPr>
-      <p:grpSpPr>
-        <a:xfrm>
-          <a:off x="0" y="0"/>
-          <a:ext cx="0" cy="0"/>
-          <a:chOff x="0" y="0"/>
-          <a:chExt cx="0" cy="0"/>
-        </a:xfrm>
-      </p:grpSpPr>
       <p:sp>
         <p:nvSpPr>
-          <p:cNvPr id="124" name="Google Shape;124;p20"/>
-          <p:cNvSpPr txBox="1"/>
+          <p:cNvPr id="179" name="Google Shape;179;p25"/>
+          <p:cNvSpPr txBox="1">
+            <a:spLocks noGrp="1"/>
+          </p:cNvSpPr>
           <p:nvPr>
-            <p:ph type="title"/>
+            <p:ph type="body" idx="1"/>
           </p:nvPr>
         </p:nvSpPr>
         <p:spPr>
           <a:xfrm>
-            <a:off x="311700" y="315925"/>
-            <a:ext cx="8520600" cy="831300"/>
+            <a:off x="311700" y="2192300"/>
+            <a:ext cx="8520600" cy="2386800"/>
           </a:xfrm>
           <a:prstGeom prst="rect">
             <a:avLst/>
           </a:prstGeom>
         </p:spPr>
         <p:txBody>
-          <a:bodyPr anchorCtr="0" anchor="b" bIns="91425" lIns="91425" spcFirstLastPara="1" rIns="91425" wrap="square" tIns="91425">
+          <a:bodyPr spcFirstLastPara="1" wrap="square" lIns="91425" tIns="91425" rIns="91425" bIns="91425" anchor="t" anchorCtr="0">
             <a:noAutofit/>
           </a:bodyPr>
           <a:lstStyle/>
           <a:p>
-            <a:pPr indent="0" lvl="0" marL="0" rtl="0" algn="l">
-              <a:spcBef>
-                <a:spcPts val="0"/>
-              </a:spcBef>
-              <a:spcAft>
-                <a:spcPts val="0"/>
+            <a:pPr marL="0" lvl="0" indent="0" rtl="0">
+              <a:spcBef>
+                <a:spcPts val="0"/>
+              </a:spcBef>
+              <a:spcAft>
+                <a:spcPts val="1600"/>
               </a:spcAft>
               <a:buNone/>
             </a:pPr>
             <a:r>
-              <a:rPr lang="fr"/>
-              <a:t>III. Etude de l’existant</a:t>
+              <a:rPr lang="fr" dirty="0"/>
+              <a:t>Avez-vous des questions ?</a:t>
             </a:r>
-            <a:endParaRPr/>
+            <a:endParaRPr dirty="0"/>
           </a:p>
         </p:txBody>
       </p:sp>
       <p:sp>
         <p:nvSpPr>
-          <p:cNvPr id="125" name="Google Shape;125;p20"/>
-          <p:cNvSpPr txBox="1"/>
+          <p:cNvPr id="180" name="Google Shape;180;p25"/>
+          <p:cNvSpPr txBox="1">
+            <a:spLocks noGrp="1"/>
+          </p:cNvSpPr>
           <p:nvPr>
-            <p:ph idx="12" type="sldNum"/>
+            <p:ph type="sldNum" idx="12"/>
           </p:nvPr>
         </p:nvSpPr>
         <p:spPr>
@@ -10553,590 +9116,24 @@
           </a:prstGeom>
         </p:spPr>
         <p:txBody>
-          <a:bodyPr anchorCtr="0" anchor="ctr" bIns="91425" lIns="91425" spcFirstLastPara="1" rIns="91425" wrap="square" tIns="91425">
+          <a:bodyPr spcFirstLastPara="1" wrap="square" lIns="91425" tIns="91425" rIns="91425" bIns="91425" anchor="ctr" anchorCtr="0">
             <a:noAutofit/>
           </a:bodyPr>
           <a:lstStyle/>
           <a:p>
-            <a:pPr indent="0" lvl="0" marL="0" rtl="0" algn="r">
-              <a:spcBef>
-                <a:spcPts val="0"/>
-              </a:spcBef>
-              <a:spcAft>
-                <a:spcPts val="0"/>
-              </a:spcAft>
-              <a:buClr>
-                <a:srgbClr val="000000"/>
-              </a:buClr>
-              <a:buSzPts val="1100"/>
-              <a:buFont typeface="Arial"/>
+            <a:pPr marL="0" lvl="0" indent="0" algn="r" rtl="0">
+              <a:spcBef>
+                <a:spcPts val="0"/>
+              </a:spcBef>
+              <a:spcAft>
+                <a:spcPts val="0"/>
+              </a:spcAft>
               <a:buNone/>
             </a:pPr>
             <a:fld id="{00000000-1234-1234-1234-123412341234}" type="slidenum">
               <a:rPr lang="fr"/>
-              <a:t>‹#›</a:t>
+              <a:t>7</a:t>
             </a:fld>
-            <a:endParaRPr/>
-          </a:p>
-        </p:txBody>
-      </p:sp>
-      <p:pic>
-        <p:nvPicPr>
-          <p:cNvPr id="126" name="Google Shape;126;p20"/>
-          <p:cNvPicPr preferRelativeResize="0"/>
-          <p:nvPr/>
-        </p:nvPicPr>
-        <p:blipFill>
-          <a:blip r:embed="rId3">
-            <a:alphaModFix/>
-          </a:blip>
-          <a:stretch>
-            <a:fillRect/>
-          </a:stretch>
-        </p:blipFill>
-        <p:spPr>
-          <a:xfrm>
-            <a:off x="7906675" y="167175"/>
-            <a:ext cx="1050450" cy="1050450"/>
-          </a:xfrm>
-          <a:prstGeom prst="rect">
-            <a:avLst/>
-          </a:prstGeom>
-          <a:noFill/>
-          <a:ln>
-            <a:noFill/>
-          </a:ln>
-        </p:spPr>
-      </p:pic>
-      <p:pic>
-        <p:nvPicPr>
-          <p:cNvPr id="127" name="Google Shape;127;p20"/>
-          <p:cNvPicPr preferRelativeResize="0"/>
-          <p:nvPr/>
-        </p:nvPicPr>
-        <p:blipFill>
-          <a:blip r:embed="rId4">
-            <a:alphaModFix/>
-          </a:blip>
-          <a:stretch>
-            <a:fillRect/>
-          </a:stretch>
-        </p:blipFill>
-        <p:spPr>
-          <a:xfrm>
-            <a:off x="1120275" y="1681125"/>
-            <a:ext cx="3566950" cy="616550"/>
-          </a:xfrm>
-          <a:prstGeom prst="rect">
-            <a:avLst/>
-          </a:prstGeom>
-          <a:noFill/>
-          <a:ln>
-            <a:noFill/>
-          </a:ln>
-        </p:spPr>
-      </p:pic>
-      <p:pic>
-        <p:nvPicPr>
-          <p:cNvPr id="128" name="Google Shape;128;p20"/>
-          <p:cNvPicPr preferRelativeResize="0"/>
-          <p:nvPr/>
-        </p:nvPicPr>
-        <p:blipFill>
-          <a:blip r:embed="rId5">
-            <a:alphaModFix/>
-          </a:blip>
-          <a:stretch>
-            <a:fillRect/>
-          </a:stretch>
-        </p:blipFill>
-        <p:spPr>
-          <a:xfrm>
-            <a:off x="5731450" y="2268100"/>
-            <a:ext cx="2467751" cy="854775"/>
-          </a:xfrm>
-          <a:prstGeom prst="rect">
-            <a:avLst/>
-          </a:prstGeom>
-          <a:noFill/>
-          <a:ln>
-            <a:noFill/>
-          </a:ln>
-        </p:spPr>
-      </p:pic>
-      <p:pic>
-        <p:nvPicPr>
-          <p:cNvPr id="129" name="Google Shape;129;p20"/>
-          <p:cNvPicPr preferRelativeResize="0"/>
-          <p:nvPr/>
-        </p:nvPicPr>
-        <p:blipFill rotWithShape="1">
-          <a:blip r:embed="rId6">
-            <a:alphaModFix/>
-          </a:blip>
-          <a:srcRect b="34813" l="0" r="0" t="31547"/>
-          <a:stretch/>
-        </p:blipFill>
-        <p:spPr>
-          <a:xfrm>
-            <a:off x="1120275" y="3307050"/>
-            <a:ext cx="3760524" cy="711576"/>
-          </a:xfrm>
-          <a:prstGeom prst="rect">
-            <a:avLst/>
-          </a:prstGeom>
-          <a:noFill/>
-          <a:ln>
-            <a:noFill/>
-          </a:ln>
-        </p:spPr>
-      </p:pic>
-      <p:pic>
-        <p:nvPicPr>
-          <p:cNvPr id="130" name="Google Shape;130;p20"/>
-          <p:cNvPicPr preferRelativeResize="0"/>
-          <p:nvPr/>
-        </p:nvPicPr>
-        <p:blipFill>
-          <a:blip r:embed="rId7">
-            <a:alphaModFix/>
-          </a:blip>
-          <a:stretch>
-            <a:fillRect/>
-          </a:stretch>
-        </p:blipFill>
-        <p:spPr>
-          <a:xfrm>
-            <a:off x="5731450" y="3394000"/>
-            <a:ext cx="2349126" cy="1233301"/>
-          </a:xfrm>
-          <a:prstGeom prst="rect">
-            <a:avLst/>
-          </a:prstGeom>
-          <a:noFill/>
-          <a:ln>
-            <a:noFill/>
-          </a:ln>
-        </p:spPr>
-      </p:pic>
-    </p:spTree>
-  </p:cSld>
-  <p:clrMapOvr>
-    <a:masterClrMapping/>
-  </p:clrMapOvr>
-</p:sld>
-</file>
-
-<file path=ppt/slides/slide9.xml><?xml version="1.0" encoding="utf-8"?>
-<p:sld xmlns:a="http://schemas.openxmlformats.org/drawingml/2006/main" xmlns:r="http://schemas.openxmlformats.org/officeDocument/2006/relationships" xmlns:mc="http://schemas.openxmlformats.org/markup-compatibility/2006" xmlns:mv="urn:schemas-microsoft-com:mac:vml" xmlns:p="http://schemas.openxmlformats.org/presentationml/2006/main" xmlns:c="http://schemas.openxmlformats.org/drawingml/2006/chart" xmlns:dgm="http://schemas.openxmlformats.org/drawingml/2006/diagram" xmlns:o="urn:schemas-microsoft-com:office:office" xmlns:v="urn:schemas-microsoft-com:vml" xmlns:pvml="urn:schemas-microsoft-com:office:powerpoint" xmlns:com="http://schemas.openxmlformats.org/drawingml/2006/compatibility" xmlns:p14="http://schemas.microsoft.com/office/powerpoint/2010/main" xmlns:p15="http://schemas.microsoft.com/office/powerpoint/2012/main">
-  <p:cSld>
-    <p:spTree>
-      <p:nvGrpSpPr>
-        <p:cNvPr id="134" name="Shape 134"/>
-        <p:cNvGrpSpPr/>
-        <p:nvPr/>
-      </p:nvGrpSpPr>
-      <p:grpSpPr>
-        <a:xfrm>
-          <a:off x="0" y="0"/>
-          <a:ext cx="0" cy="0"/>
-          <a:chOff x="0" y="0"/>
-          <a:chExt cx="0" cy="0"/>
-        </a:xfrm>
-      </p:grpSpPr>
-      <p:sp>
-        <p:nvSpPr>
-          <p:cNvPr id="135" name="Google Shape;135;p21"/>
-          <p:cNvSpPr txBox="1"/>
-          <p:nvPr>
-            <p:ph idx="12" type="sldNum"/>
-          </p:nvPr>
-        </p:nvSpPr>
-        <p:spPr>
-          <a:xfrm>
-            <a:off x="8472458" y="4663217"/>
-            <a:ext cx="548700" cy="393600"/>
-          </a:xfrm>
-          <a:prstGeom prst="rect">
-            <a:avLst/>
-          </a:prstGeom>
-        </p:spPr>
-        <p:txBody>
-          <a:bodyPr anchorCtr="0" anchor="ctr" bIns="91425" lIns="91425" spcFirstLastPara="1" rIns="91425" wrap="square" tIns="91425">
-            <a:noAutofit/>
-          </a:bodyPr>
-          <a:lstStyle/>
-          <a:p>
-            <a:pPr indent="0" lvl="0" marL="0" rtl="0" algn="r">
-              <a:spcBef>
-                <a:spcPts val="0"/>
-              </a:spcBef>
-              <a:spcAft>
-                <a:spcPts val="0"/>
-              </a:spcAft>
-              <a:buClr>
-                <a:srgbClr val="000000"/>
-              </a:buClr>
-              <a:buSzPts val="1100"/>
-              <a:buFont typeface="Arial"/>
-              <a:buNone/>
-            </a:pPr>
-            <a:fld id="{00000000-1234-1234-1234-123412341234}" type="slidenum">
-              <a:rPr lang="fr"/>
-              <a:t>‹#›</a:t>
-            </a:fld>
-            <a:endParaRPr/>
-          </a:p>
-        </p:txBody>
-      </p:sp>
-      <p:sp>
-        <p:nvSpPr>
-          <p:cNvPr id="136" name="Google Shape;136;p21"/>
-          <p:cNvSpPr txBox="1"/>
-          <p:nvPr>
-            <p:ph type="title"/>
-          </p:nvPr>
-        </p:nvSpPr>
-        <p:spPr>
-          <a:xfrm>
-            <a:off x="311700" y="315925"/>
-            <a:ext cx="8520600" cy="831300"/>
-          </a:xfrm>
-          <a:prstGeom prst="rect">
-            <a:avLst/>
-          </a:prstGeom>
-        </p:spPr>
-        <p:txBody>
-          <a:bodyPr anchorCtr="0" anchor="b" bIns="91425" lIns="91425" spcFirstLastPara="1" rIns="91425" wrap="square" tIns="91425">
-            <a:noAutofit/>
-          </a:bodyPr>
-          <a:lstStyle/>
-          <a:p>
-            <a:pPr indent="0" lvl="0" marL="0" rtl="0" algn="l">
-              <a:spcBef>
-                <a:spcPts val="0"/>
-              </a:spcBef>
-              <a:spcAft>
-                <a:spcPts val="0"/>
-              </a:spcAft>
-              <a:buNone/>
-            </a:pPr>
-            <a:r>
-              <a:rPr lang="fr"/>
-              <a:t>III. Etude de l’existant</a:t>
-            </a:r>
-            <a:endParaRPr/>
-          </a:p>
-        </p:txBody>
-      </p:sp>
-      <p:pic>
-        <p:nvPicPr>
-          <p:cNvPr id="137" name="Google Shape;137;p21"/>
-          <p:cNvPicPr preferRelativeResize="0"/>
-          <p:nvPr/>
-        </p:nvPicPr>
-        <p:blipFill>
-          <a:blip r:embed="rId3">
-            <a:alphaModFix/>
-          </a:blip>
-          <a:stretch>
-            <a:fillRect/>
-          </a:stretch>
-        </p:blipFill>
-        <p:spPr>
-          <a:xfrm>
-            <a:off x="700250" y="1152475"/>
-            <a:ext cx="3566950" cy="616550"/>
-          </a:xfrm>
-          <a:prstGeom prst="rect">
-            <a:avLst/>
-          </a:prstGeom>
-          <a:noFill/>
-          <a:ln>
-            <a:noFill/>
-          </a:ln>
-        </p:spPr>
-      </p:pic>
-      <p:pic>
-        <p:nvPicPr>
-          <p:cNvPr id="138" name="Google Shape;138;p21"/>
-          <p:cNvPicPr preferRelativeResize="0"/>
-          <p:nvPr/>
-        </p:nvPicPr>
-        <p:blipFill rotWithShape="1">
-          <a:blip r:embed="rId4">
-            <a:alphaModFix/>
-          </a:blip>
-          <a:srcRect b="34813" l="0" r="0" t="31547"/>
-          <a:stretch/>
-        </p:blipFill>
-        <p:spPr>
-          <a:xfrm>
-            <a:off x="4925550" y="1104950"/>
-            <a:ext cx="3760524" cy="711576"/>
-          </a:xfrm>
-          <a:prstGeom prst="rect">
-            <a:avLst/>
-          </a:prstGeom>
-          <a:noFill/>
-          <a:ln>
-            <a:noFill/>
-          </a:ln>
-        </p:spPr>
-      </p:pic>
-      <p:cxnSp>
-        <p:nvCxnSpPr>
-          <p:cNvPr id="139" name="Google Shape;139;p21"/>
-          <p:cNvCxnSpPr>
-            <a:stCxn id="136" idx="2"/>
-          </p:cNvCxnSpPr>
-          <p:nvPr/>
-        </p:nvCxnSpPr>
-        <p:spPr>
-          <a:xfrm>
-            <a:off x="4572000" y="1147225"/>
-            <a:ext cx="7200" cy="3898200"/>
-          </a:xfrm>
-          <a:prstGeom prst="straightConnector1">
-            <a:avLst/>
-          </a:prstGeom>
-          <a:noFill/>
-          <a:ln cap="flat" cmpd="sng" w="9525">
-            <a:solidFill>
-              <a:schemeClr val="dk2"/>
-            </a:solidFill>
-            <a:prstDash val="solid"/>
-            <a:round/>
-            <a:headEnd len="med" w="med" type="none"/>
-            <a:tailEnd len="med" w="med" type="none"/>
-          </a:ln>
-        </p:spPr>
-      </p:cxnSp>
-      <p:sp>
-        <p:nvSpPr>
-          <p:cNvPr id="140" name="Google Shape;140;p21"/>
-          <p:cNvSpPr txBox="1"/>
-          <p:nvPr/>
-        </p:nvSpPr>
-        <p:spPr>
-          <a:xfrm>
-            <a:off x="355050" y="1816525"/>
-            <a:ext cx="3978300" cy="895200"/>
-          </a:xfrm>
-          <a:prstGeom prst="rect">
-            <a:avLst/>
-          </a:prstGeom>
-          <a:noFill/>
-          <a:ln>
-            <a:noFill/>
-          </a:ln>
-        </p:spPr>
-        <p:txBody>
-          <a:bodyPr anchorCtr="0" anchor="t" bIns="91425" lIns="91425" spcFirstLastPara="1" rIns="91425" wrap="square" tIns="91425">
-            <a:noAutofit/>
-          </a:bodyPr>
-          <a:lstStyle/>
-          <a:p>
-            <a:pPr indent="0" lvl="0" marL="0" rtl="0" algn="l">
-              <a:lnSpc>
-                <a:spcPct val="115000"/>
-              </a:lnSpc>
-              <a:spcBef>
-                <a:spcPts val="0"/>
-              </a:spcBef>
-              <a:spcAft>
-                <a:spcPts val="0"/>
-              </a:spcAft>
-              <a:buNone/>
-            </a:pPr>
-            <a:r>
-              <a:rPr lang="fr"/>
-              <a:t>Apprentissage par le jeu sous forme d’objectifs</a:t>
-            </a:r>
-            <a:endParaRPr/>
-          </a:p>
-          <a:p>
-            <a:pPr indent="0" lvl="0" marL="0" rtl="0" algn="l">
-              <a:lnSpc>
-                <a:spcPct val="115000"/>
-              </a:lnSpc>
-              <a:spcBef>
-                <a:spcPts val="0"/>
-              </a:spcBef>
-              <a:spcAft>
-                <a:spcPts val="0"/>
-              </a:spcAft>
-              <a:buNone/>
-            </a:pPr>
-            <a:r>
-              <a:rPr lang="fr"/>
-              <a:t>Etudiant va coder sa résolution</a:t>
-            </a:r>
-            <a:endParaRPr/>
-          </a:p>
-          <a:p>
-            <a:pPr indent="0" lvl="0" marL="0" rtl="0" algn="l">
-              <a:lnSpc>
-                <a:spcPct val="115000"/>
-              </a:lnSpc>
-              <a:spcBef>
-                <a:spcPts val="0"/>
-              </a:spcBef>
-              <a:spcAft>
-                <a:spcPts val="0"/>
-              </a:spcAft>
-              <a:buNone/>
-            </a:pPr>
-            <a:r>
-              <a:rPr lang="fr"/>
-              <a:t>Le jeu </a:t>
-            </a:r>
-            <a:r>
-              <a:rPr lang="fr"/>
-              <a:t>réagit</a:t>
-            </a:r>
-            <a:r>
-              <a:rPr lang="fr"/>
-              <a:t> selon le code du joueur</a:t>
-            </a:r>
-            <a:endParaRPr/>
-          </a:p>
-        </p:txBody>
-      </p:sp>
-      <p:pic>
-        <p:nvPicPr>
-          <p:cNvPr id="141" name="Google Shape;141;p21"/>
-          <p:cNvPicPr preferRelativeResize="0"/>
-          <p:nvPr/>
-        </p:nvPicPr>
-        <p:blipFill>
-          <a:blip r:embed="rId5">
-            <a:alphaModFix/>
-          </a:blip>
-          <a:stretch>
-            <a:fillRect/>
-          </a:stretch>
-        </p:blipFill>
-        <p:spPr>
-          <a:xfrm>
-            <a:off x="127675" y="2758051"/>
-            <a:ext cx="4260001" cy="2221524"/>
-          </a:xfrm>
-          <a:prstGeom prst="rect">
-            <a:avLst/>
-          </a:prstGeom>
-          <a:noFill/>
-          <a:ln>
-            <a:noFill/>
-          </a:ln>
-        </p:spPr>
-      </p:pic>
-      <p:pic>
-        <p:nvPicPr>
-          <p:cNvPr id="142" name="Google Shape;142;p21"/>
-          <p:cNvPicPr preferRelativeResize="0"/>
-          <p:nvPr/>
-        </p:nvPicPr>
-        <p:blipFill rotWithShape="1">
-          <a:blip r:embed="rId6">
-            <a:alphaModFix/>
-          </a:blip>
-          <a:srcRect b="0" l="0" r="19270" t="0"/>
-          <a:stretch/>
-        </p:blipFill>
-        <p:spPr>
-          <a:xfrm>
-            <a:off x="4870000" y="2741525"/>
-            <a:ext cx="3816074" cy="2221525"/>
-          </a:xfrm>
-          <a:prstGeom prst="rect">
-            <a:avLst/>
-          </a:prstGeom>
-          <a:noFill/>
-          <a:ln>
-            <a:noFill/>
-          </a:ln>
-        </p:spPr>
-      </p:pic>
-      <p:sp>
-        <p:nvSpPr>
-          <p:cNvPr id="143" name="Google Shape;143;p21"/>
-          <p:cNvSpPr txBox="1"/>
-          <p:nvPr/>
-        </p:nvSpPr>
-        <p:spPr>
-          <a:xfrm>
-            <a:off x="4783975" y="1827550"/>
-            <a:ext cx="3978300" cy="895200"/>
-          </a:xfrm>
-          <a:prstGeom prst="rect">
-            <a:avLst/>
-          </a:prstGeom>
-          <a:noFill/>
-          <a:ln>
-            <a:noFill/>
-          </a:ln>
-        </p:spPr>
-        <p:txBody>
-          <a:bodyPr anchorCtr="0" anchor="t" bIns="91425" lIns="91425" spcFirstLastPara="1" rIns="91425" wrap="square" tIns="91425">
-            <a:noAutofit/>
-          </a:bodyPr>
-          <a:lstStyle/>
-          <a:p>
-            <a:pPr indent="0" lvl="0" marL="0" rtl="0" algn="l">
-              <a:lnSpc>
-                <a:spcPct val="115000"/>
-              </a:lnSpc>
-              <a:spcBef>
-                <a:spcPts val="0"/>
-              </a:spcBef>
-              <a:spcAft>
-                <a:spcPts val="0"/>
-              </a:spcAft>
-              <a:buNone/>
-            </a:pPr>
-            <a:r>
-              <a:rPr lang="fr"/>
-              <a:t>Principalement mobile, “cours - exercice”</a:t>
-            </a:r>
-            <a:endParaRPr/>
-          </a:p>
-          <a:p>
-            <a:pPr indent="0" lvl="0" marL="0" rtl="0" algn="l">
-              <a:lnSpc>
-                <a:spcPct val="115000"/>
-              </a:lnSpc>
-              <a:spcBef>
-                <a:spcPts val="0"/>
-              </a:spcBef>
-              <a:spcAft>
-                <a:spcPts val="0"/>
-              </a:spcAft>
-              <a:buNone/>
-            </a:pPr>
-            <a:r>
-              <a:rPr lang="fr"/>
-              <a:t>Exercices texte à trou à remplir avec un objectif</a:t>
-            </a:r>
-            <a:endParaRPr/>
-          </a:p>
-          <a:p>
-            <a:pPr indent="0" lvl="0" marL="0" rtl="0" algn="l">
-              <a:lnSpc>
-                <a:spcPct val="115000"/>
-              </a:lnSpc>
-              <a:spcBef>
-                <a:spcPts val="0"/>
-              </a:spcBef>
-              <a:spcAft>
-                <a:spcPts val="0"/>
-              </a:spcAft>
-              <a:buNone/>
-            </a:pPr>
-            <a:r>
-              <a:rPr lang="fr"/>
-              <a:t>Aucun test du code, un seul résultat attendu</a:t>
-            </a:r>
             <a:endParaRPr/>
           </a:p>
         </p:txBody>
@@ -11150,7 +9147,7 @@
 </file>
 
 <file path=ppt/theme/theme1.xml><?xml version="1.0" encoding="utf-8"?>
-<a:theme xmlns:a="http://schemas.openxmlformats.org/drawingml/2006/main" xmlns:r="http://schemas.openxmlformats.org/officeDocument/2006/relationships" name="Luxe">
+<a:theme xmlns:a="http://schemas.openxmlformats.org/drawingml/2006/main" name="Luxe">
   <a:themeElements>
     <a:clrScheme name="Luxe">
       <a:dk1>
@@ -11425,11 +9422,13 @@
       </a:bgFillStyleLst>
     </a:fmtScheme>
   </a:themeElements>
+  <a:objectDefaults/>
+  <a:extraClrSchemeLst/>
 </a:theme>
 </file>
 
 <file path=ppt/theme/theme2.xml><?xml version="1.0" encoding="utf-8"?>
-<a:theme xmlns:a="http://schemas.openxmlformats.org/drawingml/2006/main" xmlns:r="http://schemas.openxmlformats.org/officeDocument/2006/relationships">
+<a:theme xmlns:a="http://schemas.openxmlformats.org/drawingml/2006/main">
   <a:themeElements>
     <a:clrScheme name="Default">
       <a:dk1>
@@ -11704,5 +9703,7 @@
       </a:bgFillStyleLst>
     </a:fmtScheme>
   </a:themeElements>
+  <a:objectDefaults/>
+  <a:extraClrSchemeLst/>
 </a:theme>
 </file>